--- a/Lectures/Lecture 23_NP-Complete Problems.pptx
+++ b/Lectures/Lecture 23_NP-Complete Problems.pptx
@@ -274,7 +274,7 @@
           <a:p>
             <a:fld id="{07F74A3F-3C2C-9340-BD65-4AF8BE3CE1AC}" type="datetimeFigureOut">
               <a:rPr lang="en-US" smtClean="0"/>
-              <a:t>4/18/24</a:t>
+              <a:t>4/27/24</a:t>
             </a:fld>
             <a:endParaRPr lang="en-US"/>
           </a:p>
@@ -633,6 +633,90 @@
 </p:notes>
 </file>
 
+<file path=ppt/notesSlides/notesSlide2.xml><?xml version="1.0" encoding="utf-8"?>
+<p:notes xmlns:a="http://schemas.openxmlformats.org/drawingml/2006/main" xmlns:r="http://schemas.openxmlformats.org/officeDocument/2006/relationships" xmlns:p="http://schemas.openxmlformats.org/presentationml/2006/main">
+  <p:cSld>
+    <p:spTree>
+      <p:nvGrpSpPr>
+        <p:cNvPr id="1" name=""/>
+        <p:cNvGrpSpPr/>
+        <p:nvPr/>
+      </p:nvGrpSpPr>
+      <p:grpSpPr>
+        <a:xfrm>
+          <a:off x="0" y="0"/>
+          <a:ext cx="0" cy="0"/>
+          <a:chOff x="0" y="0"/>
+          <a:chExt cx="0" cy="0"/>
+        </a:xfrm>
+      </p:grpSpPr>
+      <p:sp>
+        <p:nvSpPr>
+          <p:cNvPr id="2" name="Slide Image Placeholder 1"/>
+          <p:cNvSpPr>
+            <a:spLocks noGrp="1" noRot="1" noChangeAspect="1"/>
+          </p:cNvSpPr>
+          <p:nvPr>
+            <p:ph type="sldImg"/>
+          </p:nvPr>
+        </p:nvSpPr>
+        <p:spPr/>
+      </p:sp>
+      <p:sp>
+        <p:nvSpPr>
+          <p:cNvPr id="3" name="Notes Placeholder 2"/>
+          <p:cNvSpPr>
+            <a:spLocks noGrp="1"/>
+          </p:cNvSpPr>
+          <p:nvPr>
+            <p:ph type="body" idx="1"/>
+          </p:nvPr>
+        </p:nvSpPr>
+        <p:spPr/>
+        <p:txBody>
+          <a:bodyPr/>
+          <a:lstStyle/>
+          <a:p>
+            <a:endParaRPr lang="en-US" dirty="0"/>
+          </a:p>
+        </p:txBody>
+      </p:sp>
+      <p:sp>
+        <p:nvSpPr>
+          <p:cNvPr id="4" name="Slide Number Placeholder 3"/>
+          <p:cNvSpPr>
+            <a:spLocks noGrp="1"/>
+          </p:cNvSpPr>
+          <p:nvPr>
+            <p:ph type="sldNum" sz="quarter" idx="5"/>
+          </p:nvPr>
+        </p:nvSpPr>
+        <p:spPr/>
+        <p:txBody>
+          <a:bodyPr/>
+          <a:lstStyle/>
+          <a:p>
+            <a:fld id="{1D1C1D82-B653-3647-8619-A21CB6B38A55}" type="slidenum">
+              <a:rPr lang="en-US" smtClean="0"/>
+              <a:t>61</a:t>
+            </a:fld>
+            <a:endParaRPr lang="en-US"/>
+          </a:p>
+        </p:txBody>
+      </p:sp>
+    </p:spTree>
+    <p:extLst>
+      <p:ext uri="{BB962C8B-B14F-4D97-AF65-F5344CB8AC3E}">
+        <p14:creationId xmlns:p14="http://schemas.microsoft.com/office/powerpoint/2010/main" val="1785916376"/>
+      </p:ext>
+    </p:extLst>
+  </p:cSld>
+  <p:clrMapOvr>
+    <a:masterClrMapping/>
+  </p:clrMapOvr>
+</p:notes>
+</file>
+
 <file path=ppt/slideLayouts/slideLayout1.xml><?xml version="1.0" encoding="utf-8"?>
 <p:sldLayout xmlns:a="http://schemas.openxmlformats.org/drawingml/2006/main" xmlns:r="http://schemas.openxmlformats.org/officeDocument/2006/relationships" xmlns:p="http://schemas.openxmlformats.org/presentationml/2006/main" showMasterSp="0" type="title" preserve="1">
   <p:cSld name="Title Slide">
@@ -922,7 +1006,7 @@
           <a:p>
             <a:fld id="{D728701E-CAF4-4159-9B3E-41C86DFFA30D}" type="datetimeFigureOut">
               <a:rPr lang="en-US" smtClean="0"/>
-              <a:t>4/18/24</a:t>
+              <a:t>4/27/24</a:t>
             </a:fld>
             <a:endParaRPr lang="en-US"/>
           </a:p>
@@ -1117,7 +1201,7 @@
           <a:p>
             <a:fld id="{D728701E-CAF4-4159-9B3E-41C86DFFA30D}" type="datetimeFigureOut">
               <a:rPr lang="en-US" smtClean="0"/>
-              <a:t>4/18/24</a:t>
+              <a:t>4/27/24</a:t>
             </a:fld>
             <a:endParaRPr lang="en-US"/>
           </a:p>
@@ -1301,7 +1385,7 @@
           <a:p>
             <a:fld id="{D728701E-CAF4-4159-9B3E-41C86DFFA30D}" type="datetimeFigureOut">
               <a:rPr lang="en-US" smtClean="0"/>
-              <a:t>4/18/24</a:t>
+              <a:t>4/27/24</a:t>
             </a:fld>
             <a:endParaRPr lang="en-US"/>
           </a:p>
@@ -1563,7 +1647,7 @@
           <a:p>
             <a:fld id="{D728701E-CAF4-4159-9B3E-41C86DFFA30D}" type="datetimeFigureOut">
               <a:rPr lang="en-US" smtClean="0"/>
-              <a:t>4/18/24</a:t>
+              <a:t>4/27/24</a:t>
             </a:fld>
             <a:endParaRPr lang="en-US"/>
           </a:p>
@@ -1978,7 +2062,7 @@
           <a:p>
             <a:fld id="{D728701E-CAF4-4159-9B3E-41C86DFFA30D}" type="datetimeFigureOut">
               <a:rPr lang="en-US" smtClean="0"/>
-              <a:t>4/18/24</a:t>
+              <a:t>4/27/24</a:t>
             </a:fld>
             <a:endParaRPr lang="en-US"/>
           </a:p>
@@ -2219,7 +2303,7 @@
           <a:p>
             <a:fld id="{D728701E-CAF4-4159-9B3E-41C86DFFA30D}" type="datetimeFigureOut">
               <a:rPr lang="en-US" smtClean="0"/>
-              <a:t>4/18/24</a:t>
+              <a:t>4/27/24</a:t>
             </a:fld>
             <a:endParaRPr lang="en-US"/>
           </a:p>
@@ -2454,7 +2538,7 @@
           <a:p>
             <a:fld id="{D728701E-CAF4-4159-9B3E-41C86DFFA30D}" type="datetimeFigureOut">
               <a:rPr lang="en-US" smtClean="0"/>
-              <a:t>4/18/24</a:t>
+              <a:t>4/27/24</a:t>
             </a:fld>
             <a:endParaRPr lang="en-US"/>
           </a:p>
@@ -2648,7 +2732,7 @@
           <a:p>
             <a:fld id="{D728701E-CAF4-4159-9B3E-41C86DFFA30D}" type="datetimeFigureOut">
               <a:rPr lang="en-US" smtClean="0"/>
-              <a:t>4/18/24</a:t>
+              <a:t>4/27/24</a:t>
             </a:fld>
             <a:endParaRPr lang="en-US"/>
           </a:p>
@@ -2746,7 +2830,7 @@
           <a:p>
             <a:fld id="{D728701E-CAF4-4159-9B3E-41C86DFFA30D}" type="datetimeFigureOut">
               <a:rPr lang="en-US" smtClean="0"/>
-              <a:t>4/18/24</a:t>
+              <a:t>4/27/24</a:t>
             </a:fld>
             <a:endParaRPr lang="en-US"/>
           </a:p>
@@ -2881,7 +2965,7 @@
           <a:p>
             <a:fld id="{D728701E-CAF4-4159-9B3E-41C86DFFA30D}" type="datetimeFigureOut">
               <a:rPr lang="en-US" smtClean="0"/>
-              <a:t>4/18/24</a:t>
+              <a:t>4/27/24</a:t>
             </a:fld>
             <a:endParaRPr lang="en-US"/>
           </a:p>
@@ -3403,7 +3487,7 @@
           <a:p>
             <a:fld id="{D728701E-CAF4-4159-9B3E-41C86DFFA30D}" type="datetimeFigureOut">
               <a:rPr lang="en-US" smtClean="0"/>
-              <a:t>4/18/24</a:t>
+              <a:t>4/27/24</a:t>
             </a:fld>
             <a:endParaRPr lang="en-US"/>
           </a:p>
@@ -3662,7 +3746,7 @@
           <a:p>
             <a:fld id="{D728701E-CAF4-4159-9B3E-41C86DFFA30D}" type="datetimeFigureOut">
               <a:rPr lang="en-US" smtClean="0"/>
-              <a:t>4/18/24</a:t>
+              <a:t>4/27/24</a:t>
             </a:fld>
             <a:endParaRPr lang="en-US"/>
           </a:p>
@@ -4329,7 +4413,7 @@
         </p:nvSpPr>
         <p:spPr>
           <a:xfrm>
-            <a:off x="1754228" y="4190862"/>
+            <a:off x="1736811" y="3320005"/>
             <a:ext cx="5198659" cy="584776"/>
           </a:xfrm>
           <a:prstGeom prst="rect">
@@ -4422,7 +4506,7 @@
         </p:blipFill>
         <p:spPr>
           <a:xfrm>
-            <a:off x="1670652" y="1877799"/>
+            <a:off x="1012148" y="1903924"/>
             <a:ext cx="5805286" cy="1204288"/>
           </a:xfrm>
           <a:prstGeom prst="rect">
@@ -4458,7 +4542,7 @@
                   <a:srgbClr val="0000FF"/>
                 </a:solidFill>
               </a:rPr>
-              <a:t>A problem is solvable if given enough (i.e. finite) time you could solve it</a:t>
+              <a:t>A problem is solvable if given enough (i.e., finite) time you could solve it.</a:t>
             </a:r>
           </a:p>
         </p:txBody>
@@ -4686,7 +4770,7 @@
         <p:spPr>
           <a:xfrm>
             <a:off x="2210893" y="3067818"/>
-            <a:ext cx="4182415" cy="1569660"/>
+            <a:ext cx="4355370" cy="1569660"/>
           </a:xfrm>
           <a:prstGeom prst="rect">
             <a:avLst/>
@@ -4768,7 +4852,7 @@
                 </a:solidFill>
                 <a:cs typeface="Arial" charset="0"/>
               </a:rPr>
-              <a:t>n </a:t>
+              <a:t>n</a:t>
             </a:r>
             <a:r>
               <a:rPr lang="en-US" sz="3200" dirty="0">
@@ -5021,7 +5105,7 @@
         </p:nvSpPr>
         <p:spPr>
           <a:xfrm>
-            <a:off x="901856" y="3426407"/>
+            <a:off x="757252" y="3429000"/>
             <a:ext cx="7864192" cy="1569660"/>
           </a:xfrm>
           <a:prstGeom prst="rect">
@@ -5086,7 +5170,7 @@
                 </a:solidFill>
                 <a:cs typeface="Arial" charset="0"/>
               </a:rPr>
-              <a:t>) subsets</a:t>
+              <a:t>) subsets.</a:t>
             </a:r>
           </a:p>
           <a:p>
@@ -5105,7 +5189,7 @@
                 </a:solidFill>
                 <a:cs typeface="Arial" charset="0"/>
               </a:rPr>
-              <a:t>For large n this will take a very, very long time</a:t>
+              <a:t>For large n this will take a very, very long time.</a:t>
             </a:r>
             <a:endParaRPr lang="el-GR" sz="3200" dirty="0">
               <a:solidFill>
@@ -5176,8 +5260,8 @@
         </p:nvSpPr>
         <p:spPr>
           <a:xfrm>
-            <a:off x="712544" y="1969108"/>
-            <a:ext cx="7906010" cy="954107"/>
+            <a:off x="238798" y="1880057"/>
+            <a:ext cx="8527250" cy="954107"/>
           </a:xfrm>
           <a:prstGeom prst="rect">
             <a:avLst/>
@@ -5936,8 +6020,8 @@
         </p:nvSpPr>
         <p:spPr>
           <a:xfrm>
-            <a:off x="612648" y="1755074"/>
-            <a:ext cx="7734761" cy="954107"/>
+            <a:off x="325265" y="1772174"/>
+            <a:ext cx="8296221" cy="954107"/>
           </a:xfrm>
           <a:prstGeom prst="rect">
             <a:avLst/>
@@ -5952,15 +6036,15 @@
           <a:p>
             <a:r>
               <a:rPr lang="en-US" sz="2800" dirty="0"/>
-              <a:t>Given an undirected graph G=(V, E), a </a:t>
-            </a:r>
-            <a:r>
-              <a:rPr lang="en-US" sz="2800" dirty="0" err="1"/>
-              <a:t>hamiltonian</a:t>
+              <a:t>Given an undirected graph G=(V, E), a Hamiltonian cycle is a cycle that visits every vertex V </a:t>
+            </a:r>
+            <a:r>
+              <a:rPr lang="en-US" sz="2800" b="1" dirty="0"/>
+              <a:t>exactly once</a:t>
             </a:r>
             <a:r>
               <a:rPr lang="en-US" sz="2800" dirty="0"/>
-              <a:t> cycle is a cycle that visits every vertex V exactly once</a:t>
+              <a:t>.</a:t>
             </a:r>
           </a:p>
         </p:txBody>
@@ -5975,7 +6059,7 @@
         </p:nvGrpSpPr>
         <p:grpSpPr bwMode="auto">
           <a:xfrm>
-            <a:off x="3263265" y="4156769"/>
+            <a:off x="3263265" y="3494918"/>
             <a:ext cx="533400" cy="533400"/>
             <a:chOff x="1824" y="2736"/>
             <a:chExt cx="336" cy="336"/>
@@ -6039,14 +6123,1431 @@
             </a:ln>
             <a:extLst>
               <a:ext uri="{909E8E84-426E-40dd-AFC4-6F175D3DCCD1}">
-                <a14:hiddenFill xmlns="" xmlns:a14="http://schemas.microsoft.com/office/drawing/2010/main">
+                <a14:hiddenFill xmlns:a14="http://schemas.microsoft.com/office/drawing/2010/main" xmlns="">
                   <a:solidFill>
                     <a:srgbClr val="FFFFFF"/>
                   </a:solidFill>
                 </a14:hiddenFill>
               </a:ext>
               <a:ext uri="{91240B29-F687-4f45-9708-019B960494DF}">
-                <a14:hiddenLine xmlns="" xmlns:a14="http://schemas.microsoft.com/office/drawing/2010/main" w="9525">
+                <a14:hiddenLine xmlns:a14="http://schemas.microsoft.com/office/drawing/2010/main" xmlns="" w="9525">
+                  <a:solidFill>
+                    <a:srgbClr val="000000"/>
+                  </a:solidFill>
+                  <a:miter lim="800000"/>
+                  <a:headEnd/>
+                  <a:tailEnd/>
+                </a14:hiddenLine>
+              </a:ext>
+            </a:extLst>
+          </p:spPr>
+          <p:txBody>
+            <a:bodyPr>
+              <a:spAutoFit/>
+            </a:bodyPr>
+            <a:lstStyle>
+              <a:lvl1pPr eaLnBrk="0" hangingPunct="0">
+                <a:defRPr sz="2400">
+                  <a:solidFill>
+                    <a:schemeClr val="tx1"/>
+                  </a:solidFill>
+                  <a:latin typeface="Arial" charset="0"/>
+                  <a:ea typeface="ＭＳ Ｐゴシック" charset="0"/>
+                  <a:cs typeface="ＭＳ Ｐゴシック" charset="0"/>
+                </a:defRPr>
+              </a:lvl1pPr>
+              <a:lvl2pPr marL="742950" indent="-285750" eaLnBrk="0" hangingPunct="0">
+                <a:defRPr sz="2400">
+                  <a:solidFill>
+                    <a:schemeClr val="tx1"/>
+                  </a:solidFill>
+                  <a:latin typeface="Arial" charset="0"/>
+                  <a:ea typeface="ＭＳ Ｐゴシック" charset="0"/>
+                </a:defRPr>
+              </a:lvl2pPr>
+              <a:lvl3pPr marL="1143000" indent="-228600" eaLnBrk="0" hangingPunct="0">
+                <a:defRPr sz="2400">
+                  <a:solidFill>
+                    <a:schemeClr val="tx1"/>
+                  </a:solidFill>
+                  <a:latin typeface="Arial" charset="0"/>
+                  <a:ea typeface="ＭＳ Ｐゴシック" charset="0"/>
+                </a:defRPr>
+              </a:lvl3pPr>
+              <a:lvl4pPr marL="1600200" indent="-228600" eaLnBrk="0" hangingPunct="0">
+                <a:defRPr sz="2400">
+                  <a:solidFill>
+                    <a:schemeClr val="tx1"/>
+                  </a:solidFill>
+                  <a:latin typeface="Arial" charset="0"/>
+                  <a:ea typeface="ＭＳ Ｐゴシック" charset="0"/>
+                </a:defRPr>
+              </a:lvl4pPr>
+              <a:lvl5pPr marL="2057400" indent="-228600" eaLnBrk="0" hangingPunct="0">
+                <a:defRPr sz="2400">
+                  <a:solidFill>
+                    <a:schemeClr val="tx1"/>
+                  </a:solidFill>
+                  <a:latin typeface="Arial" charset="0"/>
+                  <a:ea typeface="ＭＳ Ｐゴシック" charset="0"/>
+                </a:defRPr>
+              </a:lvl5pPr>
+              <a:lvl6pPr marL="2514600" indent="-228600" eaLnBrk="0" fontAlgn="base" hangingPunct="0">
+                <a:spcBef>
+                  <a:spcPct val="0"/>
+                </a:spcBef>
+                <a:spcAft>
+                  <a:spcPct val="0"/>
+                </a:spcAft>
+                <a:defRPr sz="2400">
+                  <a:solidFill>
+                    <a:schemeClr val="tx1"/>
+                  </a:solidFill>
+                  <a:latin typeface="Arial" charset="0"/>
+                  <a:ea typeface="ＭＳ Ｐゴシック" charset="0"/>
+                </a:defRPr>
+              </a:lvl6pPr>
+              <a:lvl7pPr marL="2971800" indent="-228600" eaLnBrk="0" fontAlgn="base" hangingPunct="0">
+                <a:spcBef>
+                  <a:spcPct val="0"/>
+                </a:spcBef>
+                <a:spcAft>
+                  <a:spcPct val="0"/>
+                </a:spcAft>
+                <a:defRPr sz="2400">
+                  <a:solidFill>
+                    <a:schemeClr val="tx1"/>
+                  </a:solidFill>
+                  <a:latin typeface="Arial" charset="0"/>
+                  <a:ea typeface="ＭＳ Ｐゴシック" charset="0"/>
+                </a:defRPr>
+              </a:lvl7pPr>
+              <a:lvl8pPr marL="3429000" indent="-228600" eaLnBrk="0" fontAlgn="base" hangingPunct="0">
+                <a:spcBef>
+                  <a:spcPct val="0"/>
+                </a:spcBef>
+                <a:spcAft>
+                  <a:spcPct val="0"/>
+                </a:spcAft>
+                <a:defRPr sz="2400">
+                  <a:solidFill>
+                    <a:schemeClr val="tx1"/>
+                  </a:solidFill>
+                  <a:latin typeface="Arial" charset="0"/>
+                  <a:ea typeface="ＭＳ Ｐゴシック" charset="0"/>
+                </a:defRPr>
+              </a:lvl8pPr>
+              <a:lvl9pPr marL="3886200" indent="-228600" eaLnBrk="0" fontAlgn="base" hangingPunct="0">
+                <a:spcBef>
+                  <a:spcPct val="0"/>
+                </a:spcBef>
+                <a:spcAft>
+                  <a:spcPct val="0"/>
+                </a:spcAft>
+                <a:defRPr sz="2400">
+                  <a:solidFill>
+                    <a:schemeClr val="tx1"/>
+                  </a:solidFill>
+                  <a:latin typeface="Arial" charset="0"/>
+                  <a:ea typeface="ＭＳ Ｐゴシック" charset="0"/>
+                </a:defRPr>
+              </a:lvl9pPr>
+            </a:lstStyle>
+            <a:p>
+              <a:pPr eaLnBrk="1" hangingPunct="1">
+                <a:spcBef>
+                  <a:spcPct val="50000"/>
+                </a:spcBef>
+              </a:pPr>
+              <a:r>
+                <a:rPr lang="en-US" dirty="0"/>
+                <a:t>A</a:t>
+              </a:r>
+            </a:p>
+          </p:txBody>
+        </p:sp>
+      </p:grpSp>
+      <p:grpSp>
+        <p:nvGrpSpPr>
+          <p:cNvPr id="8" name="Group 7"/>
+          <p:cNvGrpSpPr>
+            <a:grpSpLocks/>
+          </p:cNvGrpSpPr>
+          <p:nvPr/>
+        </p:nvGrpSpPr>
+        <p:grpSpPr bwMode="auto">
+          <a:xfrm>
+            <a:off x="1167765" y="4485912"/>
+            <a:ext cx="533400" cy="533400"/>
+            <a:chOff x="1824" y="2736"/>
+            <a:chExt cx="336" cy="336"/>
+          </a:xfrm>
+        </p:grpSpPr>
+        <p:sp>
+          <p:nvSpPr>
+            <p:cNvPr id="9" name="Oval 8"/>
+            <p:cNvSpPr>
+              <a:spLocks noChangeArrowheads="1"/>
+            </p:cNvSpPr>
+            <p:nvPr/>
+          </p:nvSpPr>
+          <p:spPr bwMode="auto">
+            <a:xfrm>
+              <a:off x="1824" y="2736"/>
+              <a:ext cx="336" cy="336"/>
+            </a:xfrm>
+            <a:prstGeom prst="ellipse">
+              <a:avLst/>
+            </a:prstGeom>
+            <a:solidFill>
+              <a:schemeClr val="accent2"/>
+            </a:solidFill>
+            <a:ln w="9525">
+              <a:solidFill>
+                <a:schemeClr val="tx1"/>
+              </a:solidFill>
+              <a:round/>
+              <a:headEnd/>
+              <a:tailEnd/>
+            </a:ln>
+          </p:spPr>
+          <p:txBody>
+            <a:bodyPr wrap="none" anchor="ctr"/>
+            <a:lstStyle/>
+            <a:p>
+              <a:endParaRPr lang="en-US"/>
+            </a:p>
+          </p:txBody>
+        </p:sp>
+        <p:sp>
+          <p:nvSpPr>
+            <p:cNvPr id="10" name="Text Box 9"/>
+            <p:cNvSpPr txBox="1">
+              <a:spLocks noChangeArrowheads="1"/>
+            </p:cNvSpPr>
+            <p:nvPr/>
+          </p:nvSpPr>
+          <p:spPr bwMode="auto">
+            <a:xfrm>
+              <a:off x="1872" y="2736"/>
+              <a:ext cx="288" cy="288"/>
+            </a:xfrm>
+            <a:prstGeom prst="rect">
+              <a:avLst/>
+            </a:prstGeom>
+            <a:noFill/>
+            <a:ln>
+              <a:noFill/>
+            </a:ln>
+            <a:extLst>
+              <a:ext uri="{909E8E84-426E-40dd-AFC4-6F175D3DCCD1}">
+                <a14:hiddenFill xmlns:a14="http://schemas.microsoft.com/office/drawing/2010/main" xmlns="">
+                  <a:solidFill>
+                    <a:srgbClr val="FFFFFF"/>
+                  </a:solidFill>
+                </a14:hiddenFill>
+              </a:ext>
+              <a:ext uri="{91240B29-F687-4f45-9708-019B960494DF}">
+                <a14:hiddenLine xmlns:a14="http://schemas.microsoft.com/office/drawing/2010/main" xmlns="" w="9525">
+                  <a:solidFill>
+                    <a:srgbClr val="000000"/>
+                  </a:solidFill>
+                  <a:miter lim="800000"/>
+                  <a:headEnd/>
+                  <a:tailEnd/>
+                </a14:hiddenLine>
+              </a:ext>
+            </a:extLst>
+          </p:spPr>
+          <p:txBody>
+            <a:bodyPr>
+              <a:spAutoFit/>
+            </a:bodyPr>
+            <a:lstStyle>
+              <a:lvl1pPr eaLnBrk="0" hangingPunct="0">
+                <a:defRPr sz="2400">
+                  <a:solidFill>
+                    <a:schemeClr val="tx1"/>
+                  </a:solidFill>
+                  <a:latin typeface="Arial" charset="0"/>
+                  <a:ea typeface="ＭＳ Ｐゴシック" charset="0"/>
+                  <a:cs typeface="ＭＳ Ｐゴシック" charset="0"/>
+                </a:defRPr>
+              </a:lvl1pPr>
+              <a:lvl2pPr marL="742950" indent="-285750" eaLnBrk="0" hangingPunct="0">
+                <a:defRPr sz="2400">
+                  <a:solidFill>
+                    <a:schemeClr val="tx1"/>
+                  </a:solidFill>
+                  <a:latin typeface="Arial" charset="0"/>
+                  <a:ea typeface="ＭＳ Ｐゴシック" charset="0"/>
+                </a:defRPr>
+              </a:lvl2pPr>
+              <a:lvl3pPr marL="1143000" indent="-228600" eaLnBrk="0" hangingPunct="0">
+                <a:defRPr sz="2400">
+                  <a:solidFill>
+                    <a:schemeClr val="tx1"/>
+                  </a:solidFill>
+                  <a:latin typeface="Arial" charset="0"/>
+                  <a:ea typeface="ＭＳ Ｐゴシック" charset="0"/>
+                </a:defRPr>
+              </a:lvl3pPr>
+              <a:lvl4pPr marL="1600200" indent="-228600" eaLnBrk="0" hangingPunct="0">
+                <a:defRPr sz="2400">
+                  <a:solidFill>
+                    <a:schemeClr val="tx1"/>
+                  </a:solidFill>
+                  <a:latin typeface="Arial" charset="0"/>
+                  <a:ea typeface="ＭＳ Ｐゴシック" charset="0"/>
+                </a:defRPr>
+              </a:lvl4pPr>
+              <a:lvl5pPr marL="2057400" indent="-228600" eaLnBrk="0" hangingPunct="0">
+                <a:defRPr sz="2400">
+                  <a:solidFill>
+                    <a:schemeClr val="tx1"/>
+                  </a:solidFill>
+                  <a:latin typeface="Arial" charset="0"/>
+                  <a:ea typeface="ＭＳ Ｐゴシック" charset="0"/>
+                </a:defRPr>
+              </a:lvl5pPr>
+              <a:lvl6pPr marL="2514600" indent="-228600" eaLnBrk="0" fontAlgn="base" hangingPunct="0">
+                <a:spcBef>
+                  <a:spcPct val="0"/>
+                </a:spcBef>
+                <a:spcAft>
+                  <a:spcPct val="0"/>
+                </a:spcAft>
+                <a:defRPr sz="2400">
+                  <a:solidFill>
+                    <a:schemeClr val="tx1"/>
+                  </a:solidFill>
+                  <a:latin typeface="Arial" charset="0"/>
+                  <a:ea typeface="ＭＳ Ｐゴシック" charset="0"/>
+                </a:defRPr>
+              </a:lvl6pPr>
+              <a:lvl7pPr marL="2971800" indent="-228600" eaLnBrk="0" fontAlgn="base" hangingPunct="0">
+                <a:spcBef>
+                  <a:spcPct val="0"/>
+                </a:spcBef>
+                <a:spcAft>
+                  <a:spcPct val="0"/>
+                </a:spcAft>
+                <a:defRPr sz="2400">
+                  <a:solidFill>
+                    <a:schemeClr val="tx1"/>
+                  </a:solidFill>
+                  <a:latin typeface="Arial" charset="0"/>
+                  <a:ea typeface="ＭＳ Ｐゴシック" charset="0"/>
+                </a:defRPr>
+              </a:lvl7pPr>
+              <a:lvl8pPr marL="3429000" indent="-228600" eaLnBrk="0" fontAlgn="base" hangingPunct="0">
+                <a:spcBef>
+                  <a:spcPct val="0"/>
+                </a:spcBef>
+                <a:spcAft>
+                  <a:spcPct val="0"/>
+                </a:spcAft>
+                <a:defRPr sz="2400">
+                  <a:solidFill>
+                    <a:schemeClr val="tx1"/>
+                  </a:solidFill>
+                  <a:latin typeface="Arial" charset="0"/>
+                  <a:ea typeface="ＭＳ Ｐゴシック" charset="0"/>
+                </a:defRPr>
+              </a:lvl8pPr>
+              <a:lvl9pPr marL="3886200" indent="-228600" eaLnBrk="0" fontAlgn="base" hangingPunct="0">
+                <a:spcBef>
+                  <a:spcPct val="0"/>
+                </a:spcBef>
+                <a:spcAft>
+                  <a:spcPct val="0"/>
+                </a:spcAft>
+                <a:defRPr sz="2400">
+                  <a:solidFill>
+                    <a:schemeClr val="tx1"/>
+                  </a:solidFill>
+                  <a:latin typeface="Arial" charset="0"/>
+                  <a:ea typeface="ＭＳ Ｐゴシック" charset="0"/>
+                </a:defRPr>
+              </a:lvl9pPr>
+            </a:lstStyle>
+            <a:p>
+              <a:pPr eaLnBrk="1" hangingPunct="1">
+                <a:spcBef>
+                  <a:spcPct val="50000"/>
+                </a:spcBef>
+              </a:pPr>
+              <a:r>
+                <a:rPr lang="en-US"/>
+                <a:t>B</a:t>
+              </a:r>
+            </a:p>
+          </p:txBody>
+        </p:sp>
+      </p:grpSp>
+      <p:grpSp>
+        <p:nvGrpSpPr>
+          <p:cNvPr id="14" name="Group 13"/>
+          <p:cNvGrpSpPr>
+            <a:grpSpLocks/>
+          </p:cNvGrpSpPr>
+          <p:nvPr/>
+        </p:nvGrpSpPr>
+        <p:grpSpPr bwMode="auto">
+          <a:xfrm>
+            <a:off x="5434965" y="5552712"/>
+            <a:ext cx="533400" cy="533400"/>
+            <a:chOff x="1824" y="2736"/>
+            <a:chExt cx="336" cy="336"/>
+          </a:xfrm>
+        </p:grpSpPr>
+        <p:sp>
+          <p:nvSpPr>
+            <p:cNvPr id="15" name="Oval 14"/>
+            <p:cNvSpPr>
+              <a:spLocks noChangeArrowheads="1"/>
+            </p:cNvSpPr>
+            <p:nvPr/>
+          </p:nvSpPr>
+          <p:spPr bwMode="auto">
+            <a:xfrm>
+              <a:off x="1824" y="2736"/>
+              <a:ext cx="336" cy="336"/>
+            </a:xfrm>
+            <a:prstGeom prst="ellipse">
+              <a:avLst/>
+            </a:prstGeom>
+            <a:solidFill>
+              <a:schemeClr val="accent2"/>
+            </a:solidFill>
+            <a:ln w="9525">
+              <a:solidFill>
+                <a:schemeClr val="tx1"/>
+              </a:solidFill>
+              <a:round/>
+              <a:headEnd/>
+              <a:tailEnd/>
+            </a:ln>
+          </p:spPr>
+          <p:txBody>
+            <a:bodyPr wrap="none" anchor="ctr"/>
+            <a:lstStyle/>
+            <a:p>
+              <a:endParaRPr lang="en-US"/>
+            </a:p>
+          </p:txBody>
+        </p:sp>
+        <p:sp>
+          <p:nvSpPr>
+            <p:cNvPr id="16" name="Text Box 15"/>
+            <p:cNvSpPr txBox="1">
+              <a:spLocks noChangeArrowheads="1"/>
+            </p:cNvSpPr>
+            <p:nvPr/>
+          </p:nvSpPr>
+          <p:spPr bwMode="auto">
+            <a:xfrm>
+              <a:off x="1872" y="2736"/>
+              <a:ext cx="288" cy="288"/>
+            </a:xfrm>
+            <a:prstGeom prst="rect">
+              <a:avLst/>
+            </a:prstGeom>
+            <a:noFill/>
+            <a:ln>
+              <a:noFill/>
+            </a:ln>
+            <a:extLst>
+              <a:ext uri="{909E8E84-426E-40dd-AFC4-6F175D3DCCD1}">
+                <a14:hiddenFill xmlns:a14="http://schemas.microsoft.com/office/drawing/2010/main" xmlns="">
+                  <a:solidFill>
+                    <a:srgbClr val="FFFFFF"/>
+                  </a:solidFill>
+                </a14:hiddenFill>
+              </a:ext>
+              <a:ext uri="{91240B29-F687-4f45-9708-019B960494DF}">
+                <a14:hiddenLine xmlns:a14="http://schemas.microsoft.com/office/drawing/2010/main" xmlns="" w="9525">
+                  <a:solidFill>
+                    <a:srgbClr val="000000"/>
+                  </a:solidFill>
+                  <a:miter lim="800000"/>
+                  <a:headEnd/>
+                  <a:tailEnd/>
+                </a14:hiddenLine>
+              </a:ext>
+            </a:extLst>
+          </p:spPr>
+          <p:txBody>
+            <a:bodyPr>
+              <a:spAutoFit/>
+            </a:bodyPr>
+            <a:lstStyle>
+              <a:lvl1pPr eaLnBrk="0" hangingPunct="0">
+                <a:defRPr sz="2400">
+                  <a:solidFill>
+                    <a:schemeClr val="tx1"/>
+                  </a:solidFill>
+                  <a:latin typeface="Arial" charset="0"/>
+                  <a:ea typeface="ＭＳ Ｐゴシック" charset="0"/>
+                  <a:cs typeface="ＭＳ Ｐゴシック" charset="0"/>
+                </a:defRPr>
+              </a:lvl1pPr>
+              <a:lvl2pPr marL="742950" indent="-285750" eaLnBrk="0" hangingPunct="0">
+                <a:defRPr sz="2400">
+                  <a:solidFill>
+                    <a:schemeClr val="tx1"/>
+                  </a:solidFill>
+                  <a:latin typeface="Arial" charset="0"/>
+                  <a:ea typeface="ＭＳ Ｐゴシック" charset="0"/>
+                </a:defRPr>
+              </a:lvl2pPr>
+              <a:lvl3pPr marL="1143000" indent="-228600" eaLnBrk="0" hangingPunct="0">
+                <a:defRPr sz="2400">
+                  <a:solidFill>
+                    <a:schemeClr val="tx1"/>
+                  </a:solidFill>
+                  <a:latin typeface="Arial" charset="0"/>
+                  <a:ea typeface="ＭＳ Ｐゴシック" charset="0"/>
+                </a:defRPr>
+              </a:lvl3pPr>
+              <a:lvl4pPr marL="1600200" indent="-228600" eaLnBrk="0" hangingPunct="0">
+                <a:defRPr sz="2400">
+                  <a:solidFill>
+                    <a:schemeClr val="tx1"/>
+                  </a:solidFill>
+                  <a:latin typeface="Arial" charset="0"/>
+                  <a:ea typeface="ＭＳ Ｐゴシック" charset="0"/>
+                </a:defRPr>
+              </a:lvl4pPr>
+              <a:lvl5pPr marL="2057400" indent="-228600" eaLnBrk="0" hangingPunct="0">
+                <a:defRPr sz="2400">
+                  <a:solidFill>
+                    <a:schemeClr val="tx1"/>
+                  </a:solidFill>
+                  <a:latin typeface="Arial" charset="0"/>
+                  <a:ea typeface="ＭＳ Ｐゴシック" charset="0"/>
+                </a:defRPr>
+              </a:lvl5pPr>
+              <a:lvl6pPr marL="2514600" indent="-228600" eaLnBrk="0" fontAlgn="base" hangingPunct="0">
+                <a:spcBef>
+                  <a:spcPct val="0"/>
+                </a:spcBef>
+                <a:spcAft>
+                  <a:spcPct val="0"/>
+                </a:spcAft>
+                <a:defRPr sz="2400">
+                  <a:solidFill>
+                    <a:schemeClr val="tx1"/>
+                  </a:solidFill>
+                  <a:latin typeface="Arial" charset="0"/>
+                  <a:ea typeface="ＭＳ Ｐゴシック" charset="0"/>
+                </a:defRPr>
+              </a:lvl6pPr>
+              <a:lvl7pPr marL="2971800" indent="-228600" eaLnBrk="0" fontAlgn="base" hangingPunct="0">
+                <a:spcBef>
+                  <a:spcPct val="0"/>
+                </a:spcBef>
+                <a:spcAft>
+                  <a:spcPct val="0"/>
+                </a:spcAft>
+                <a:defRPr sz="2400">
+                  <a:solidFill>
+                    <a:schemeClr val="tx1"/>
+                  </a:solidFill>
+                  <a:latin typeface="Arial" charset="0"/>
+                  <a:ea typeface="ＭＳ Ｐゴシック" charset="0"/>
+                </a:defRPr>
+              </a:lvl7pPr>
+              <a:lvl8pPr marL="3429000" indent="-228600" eaLnBrk="0" fontAlgn="base" hangingPunct="0">
+                <a:spcBef>
+                  <a:spcPct val="0"/>
+                </a:spcBef>
+                <a:spcAft>
+                  <a:spcPct val="0"/>
+                </a:spcAft>
+                <a:defRPr sz="2400">
+                  <a:solidFill>
+                    <a:schemeClr val="tx1"/>
+                  </a:solidFill>
+                  <a:latin typeface="Arial" charset="0"/>
+                  <a:ea typeface="ＭＳ Ｐゴシック" charset="0"/>
+                </a:defRPr>
+              </a:lvl8pPr>
+              <a:lvl9pPr marL="3886200" indent="-228600" eaLnBrk="0" fontAlgn="base" hangingPunct="0">
+                <a:spcBef>
+                  <a:spcPct val="0"/>
+                </a:spcBef>
+                <a:spcAft>
+                  <a:spcPct val="0"/>
+                </a:spcAft>
+                <a:defRPr sz="2400">
+                  <a:solidFill>
+                    <a:schemeClr val="tx1"/>
+                  </a:solidFill>
+                  <a:latin typeface="Arial" charset="0"/>
+                  <a:ea typeface="ＭＳ Ｐゴシック" charset="0"/>
+                </a:defRPr>
+              </a:lvl9pPr>
+            </a:lstStyle>
+            <a:p>
+              <a:pPr eaLnBrk="1" hangingPunct="1">
+                <a:spcBef>
+                  <a:spcPct val="50000"/>
+                </a:spcBef>
+              </a:pPr>
+              <a:r>
+                <a:rPr lang="en-US"/>
+                <a:t>E</a:t>
+              </a:r>
+            </a:p>
+          </p:txBody>
+        </p:sp>
+      </p:grpSp>
+      <p:grpSp>
+        <p:nvGrpSpPr>
+          <p:cNvPr id="17" name="Group 16"/>
+          <p:cNvGrpSpPr>
+            <a:grpSpLocks/>
+          </p:cNvGrpSpPr>
+          <p:nvPr/>
+        </p:nvGrpSpPr>
+        <p:grpSpPr bwMode="auto">
+          <a:xfrm>
+            <a:off x="3453765" y="5095512"/>
+            <a:ext cx="533400" cy="533400"/>
+            <a:chOff x="1824" y="2736"/>
+            <a:chExt cx="336" cy="336"/>
+          </a:xfrm>
+        </p:grpSpPr>
+        <p:sp>
+          <p:nvSpPr>
+            <p:cNvPr id="18" name="Oval 17"/>
+            <p:cNvSpPr>
+              <a:spLocks noChangeArrowheads="1"/>
+            </p:cNvSpPr>
+            <p:nvPr/>
+          </p:nvSpPr>
+          <p:spPr bwMode="auto">
+            <a:xfrm>
+              <a:off x="1824" y="2736"/>
+              <a:ext cx="336" cy="336"/>
+            </a:xfrm>
+            <a:prstGeom prst="ellipse">
+              <a:avLst/>
+            </a:prstGeom>
+            <a:solidFill>
+              <a:schemeClr val="accent2"/>
+            </a:solidFill>
+            <a:ln w="9525">
+              <a:solidFill>
+                <a:schemeClr val="tx1"/>
+              </a:solidFill>
+              <a:round/>
+              <a:headEnd/>
+              <a:tailEnd/>
+            </a:ln>
+          </p:spPr>
+          <p:txBody>
+            <a:bodyPr wrap="none" anchor="ctr"/>
+            <a:lstStyle/>
+            <a:p>
+              <a:endParaRPr lang="en-US"/>
+            </a:p>
+          </p:txBody>
+        </p:sp>
+        <p:sp>
+          <p:nvSpPr>
+            <p:cNvPr id="19" name="Text Box 18"/>
+            <p:cNvSpPr txBox="1">
+              <a:spLocks noChangeArrowheads="1"/>
+            </p:cNvSpPr>
+            <p:nvPr/>
+          </p:nvSpPr>
+          <p:spPr bwMode="auto">
+            <a:xfrm>
+              <a:off x="1872" y="2736"/>
+              <a:ext cx="288" cy="288"/>
+            </a:xfrm>
+            <a:prstGeom prst="rect">
+              <a:avLst/>
+            </a:prstGeom>
+            <a:noFill/>
+            <a:ln>
+              <a:noFill/>
+            </a:ln>
+            <a:extLst>
+              <a:ext uri="{909E8E84-426E-40dd-AFC4-6F175D3DCCD1}">
+                <a14:hiddenFill xmlns:a14="http://schemas.microsoft.com/office/drawing/2010/main" xmlns="">
+                  <a:solidFill>
+                    <a:srgbClr val="FFFFFF"/>
+                  </a:solidFill>
+                </a14:hiddenFill>
+              </a:ext>
+              <a:ext uri="{91240B29-F687-4f45-9708-019B960494DF}">
+                <a14:hiddenLine xmlns:a14="http://schemas.microsoft.com/office/drawing/2010/main" xmlns="" w="9525">
+                  <a:solidFill>
+                    <a:srgbClr val="000000"/>
+                  </a:solidFill>
+                  <a:miter lim="800000"/>
+                  <a:headEnd/>
+                  <a:tailEnd/>
+                </a14:hiddenLine>
+              </a:ext>
+            </a:extLst>
+          </p:spPr>
+          <p:txBody>
+            <a:bodyPr>
+              <a:spAutoFit/>
+            </a:bodyPr>
+            <a:lstStyle>
+              <a:lvl1pPr eaLnBrk="0" hangingPunct="0">
+                <a:defRPr sz="2400">
+                  <a:solidFill>
+                    <a:schemeClr val="tx1"/>
+                  </a:solidFill>
+                  <a:latin typeface="Arial" charset="0"/>
+                  <a:ea typeface="ＭＳ Ｐゴシック" charset="0"/>
+                  <a:cs typeface="ＭＳ Ｐゴシック" charset="0"/>
+                </a:defRPr>
+              </a:lvl1pPr>
+              <a:lvl2pPr marL="742950" indent="-285750" eaLnBrk="0" hangingPunct="0">
+                <a:defRPr sz="2400">
+                  <a:solidFill>
+                    <a:schemeClr val="tx1"/>
+                  </a:solidFill>
+                  <a:latin typeface="Arial" charset="0"/>
+                  <a:ea typeface="ＭＳ Ｐゴシック" charset="0"/>
+                </a:defRPr>
+              </a:lvl2pPr>
+              <a:lvl3pPr marL="1143000" indent="-228600" eaLnBrk="0" hangingPunct="0">
+                <a:defRPr sz="2400">
+                  <a:solidFill>
+                    <a:schemeClr val="tx1"/>
+                  </a:solidFill>
+                  <a:latin typeface="Arial" charset="0"/>
+                  <a:ea typeface="ＭＳ Ｐゴシック" charset="0"/>
+                </a:defRPr>
+              </a:lvl3pPr>
+              <a:lvl4pPr marL="1600200" indent="-228600" eaLnBrk="0" hangingPunct="0">
+                <a:defRPr sz="2400">
+                  <a:solidFill>
+                    <a:schemeClr val="tx1"/>
+                  </a:solidFill>
+                  <a:latin typeface="Arial" charset="0"/>
+                  <a:ea typeface="ＭＳ Ｐゴシック" charset="0"/>
+                </a:defRPr>
+              </a:lvl4pPr>
+              <a:lvl5pPr marL="2057400" indent="-228600" eaLnBrk="0" hangingPunct="0">
+                <a:defRPr sz="2400">
+                  <a:solidFill>
+                    <a:schemeClr val="tx1"/>
+                  </a:solidFill>
+                  <a:latin typeface="Arial" charset="0"/>
+                  <a:ea typeface="ＭＳ Ｐゴシック" charset="0"/>
+                </a:defRPr>
+              </a:lvl5pPr>
+              <a:lvl6pPr marL="2514600" indent="-228600" eaLnBrk="0" fontAlgn="base" hangingPunct="0">
+                <a:spcBef>
+                  <a:spcPct val="0"/>
+                </a:spcBef>
+                <a:spcAft>
+                  <a:spcPct val="0"/>
+                </a:spcAft>
+                <a:defRPr sz="2400">
+                  <a:solidFill>
+                    <a:schemeClr val="tx1"/>
+                  </a:solidFill>
+                  <a:latin typeface="Arial" charset="0"/>
+                  <a:ea typeface="ＭＳ Ｐゴシック" charset="0"/>
+                </a:defRPr>
+              </a:lvl6pPr>
+              <a:lvl7pPr marL="2971800" indent="-228600" eaLnBrk="0" fontAlgn="base" hangingPunct="0">
+                <a:spcBef>
+                  <a:spcPct val="0"/>
+                </a:spcBef>
+                <a:spcAft>
+                  <a:spcPct val="0"/>
+                </a:spcAft>
+                <a:defRPr sz="2400">
+                  <a:solidFill>
+                    <a:schemeClr val="tx1"/>
+                  </a:solidFill>
+                  <a:latin typeface="Arial" charset="0"/>
+                  <a:ea typeface="ＭＳ Ｐゴシック" charset="0"/>
+                </a:defRPr>
+              </a:lvl7pPr>
+              <a:lvl8pPr marL="3429000" indent="-228600" eaLnBrk="0" fontAlgn="base" hangingPunct="0">
+                <a:spcBef>
+                  <a:spcPct val="0"/>
+                </a:spcBef>
+                <a:spcAft>
+                  <a:spcPct val="0"/>
+                </a:spcAft>
+                <a:defRPr sz="2400">
+                  <a:solidFill>
+                    <a:schemeClr val="tx1"/>
+                  </a:solidFill>
+                  <a:latin typeface="Arial" charset="0"/>
+                  <a:ea typeface="ＭＳ Ｐゴシック" charset="0"/>
+                </a:defRPr>
+              </a:lvl8pPr>
+              <a:lvl9pPr marL="3886200" indent="-228600" eaLnBrk="0" fontAlgn="base" hangingPunct="0">
+                <a:spcBef>
+                  <a:spcPct val="0"/>
+                </a:spcBef>
+                <a:spcAft>
+                  <a:spcPct val="0"/>
+                </a:spcAft>
+                <a:defRPr sz="2400">
+                  <a:solidFill>
+                    <a:schemeClr val="tx1"/>
+                  </a:solidFill>
+                  <a:latin typeface="Arial" charset="0"/>
+                  <a:ea typeface="ＭＳ Ｐゴシック" charset="0"/>
+                </a:defRPr>
+              </a:lvl9pPr>
+            </a:lstStyle>
+            <a:p>
+              <a:pPr eaLnBrk="1" hangingPunct="1">
+                <a:spcBef>
+                  <a:spcPct val="50000"/>
+                </a:spcBef>
+              </a:pPr>
+              <a:r>
+                <a:rPr lang="en-US"/>
+                <a:t>D</a:t>
+              </a:r>
+            </a:p>
+          </p:txBody>
+        </p:sp>
+      </p:grpSp>
+      <p:grpSp>
+        <p:nvGrpSpPr>
+          <p:cNvPr id="20" name="Group 19"/>
+          <p:cNvGrpSpPr>
+            <a:grpSpLocks/>
+          </p:cNvGrpSpPr>
+          <p:nvPr/>
+        </p:nvGrpSpPr>
+        <p:grpSpPr bwMode="auto">
+          <a:xfrm>
+            <a:off x="6882765" y="4638312"/>
+            <a:ext cx="533400" cy="533400"/>
+            <a:chOff x="1824" y="2736"/>
+            <a:chExt cx="336" cy="336"/>
+          </a:xfrm>
+        </p:grpSpPr>
+        <p:sp>
+          <p:nvSpPr>
+            <p:cNvPr id="21" name="Oval 20"/>
+            <p:cNvSpPr>
+              <a:spLocks noChangeArrowheads="1"/>
+            </p:cNvSpPr>
+            <p:nvPr/>
+          </p:nvSpPr>
+          <p:spPr bwMode="auto">
+            <a:xfrm>
+              <a:off x="1824" y="2736"/>
+              <a:ext cx="336" cy="336"/>
+            </a:xfrm>
+            <a:prstGeom prst="ellipse">
+              <a:avLst/>
+            </a:prstGeom>
+            <a:solidFill>
+              <a:schemeClr val="accent2"/>
+            </a:solidFill>
+            <a:ln w="9525">
+              <a:solidFill>
+                <a:schemeClr val="tx1"/>
+              </a:solidFill>
+              <a:round/>
+              <a:headEnd/>
+              <a:tailEnd/>
+            </a:ln>
+          </p:spPr>
+          <p:txBody>
+            <a:bodyPr wrap="none" anchor="ctr"/>
+            <a:lstStyle/>
+            <a:p>
+              <a:endParaRPr lang="en-US"/>
+            </a:p>
+          </p:txBody>
+        </p:sp>
+        <p:sp>
+          <p:nvSpPr>
+            <p:cNvPr id="22" name="Text Box 21"/>
+            <p:cNvSpPr txBox="1">
+              <a:spLocks noChangeArrowheads="1"/>
+            </p:cNvSpPr>
+            <p:nvPr/>
+          </p:nvSpPr>
+          <p:spPr bwMode="auto">
+            <a:xfrm>
+              <a:off x="1872" y="2736"/>
+              <a:ext cx="288" cy="288"/>
+            </a:xfrm>
+            <a:prstGeom prst="rect">
+              <a:avLst/>
+            </a:prstGeom>
+            <a:noFill/>
+            <a:ln>
+              <a:noFill/>
+            </a:ln>
+            <a:extLst>
+              <a:ext uri="{909E8E84-426E-40dd-AFC4-6F175D3DCCD1}">
+                <a14:hiddenFill xmlns:a14="http://schemas.microsoft.com/office/drawing/2010/main" xmlns="">
+                  <a:solidFill>
+                    <a:srgbClr val="FFFFFF"/>
+                  </a:solidFill>
+                </a14:hiddenFill>
+              </a:ext>
+              <a:ext uri="{91240B29-F687-4f45-9708-019B960494DF}">
+                <a14:hiddenLine xmlns:a14="http://schemas.microsoft.com/office/drawing/2010/main" xmlns="" w="9525">
+                  <a:solidFill>
+                    <a:srgbClr val="000000"/>
+                  </a:solidFill>
+                  <a:miter lim="800000"/>
+                  <a:headEnd/>
+                  <a:tailEnd/>
+                </a14:hiddenLine>
+              </a:ext>
+            </a:extLst>
+          </p:spPr>
+          <p:txBody>
+            <a:bodyPr>
+              <a:spAutoFit/>
+            </a:bodyPr>
+            <a:lstStyle>
+              <a:lvl1pPr eaLnBrk="0" hangingPunct="0">
+                <a:defRPr sz="2400">
+                  <a:solidFill>
+                    <a:schemeClr val="tx1"/>
+                  </a:solidFill>
+                  <a:latin typeface="Arial" charset="0"/>
+                  <a:ea typeface="ＭＳ Ｐゴシック" charset="0"/>
+                  <a:cs typeface="ＭＳ Ｐゴシック" charset="0"/>
+                </a:defRPr>
+              </a:lvl1pPr>
+              <a:lvl2pPr marL="742950" indent="-285750" eaLnBrk="0" hangingPunct="0">
+                <a:defRPr sz="2400">
+                  <a:solidFill>
+                    <a:schemeClr val="tx1"/>
+                  </a:solidFill>
+                  <a:latin typeface="Arial" charset="0"/>
+                  <a:ea typeface="ＭＳ Ｐゴシック" charset="0"/>
+                </a:defRPr>
+              </a:lvl2pPr>
+              <a:lvl3pPr marL="1143000" indent="-228600" eaLnBrk="0" hangingPunct="0">
+                <a:defRPr sz="2400">
+                  <a:solidFill>
+                    <a:schemeClr val="tx1"/>
+                  </a:solidFill>
+                  <a:latin typeface="Arial" charset="0"/>
+                  <a:ea typeface="ＭＳ Ｐゴシック" charset="0"/>
+                </a:defRPr>
+              </a:lvl3pPr>
+              <a:lvl4pPr marL="1600200" indent="-228600" eaLnBrk="0" hangingPunct="0">
+                <a:defRPr sz="2400">
+                  <a:solidFill>
+                    <a:schemeClr val="tx1"/>
+                  </a:solidFill>
+                  <a:latin typeface="Arial" charset="0"/>
+                  <a:ea typeface="ＭＳ Ｐゴシック" charset="0"/>
+                </a:defRPr>
+              </a:lvl4pPr>
+              <a:lvl5pPr marL="2057400" indent="-228600" eaLnBrk="0" hangingPunct="0">
+                <a:defRPr sz="2400">
+                  <a:solidFill>
+                    <a:schemeClr val="tx1"/>
+                  </a:solidFill>
+                  <a:latin typeface="Arial" charset="0"/>
+                  <a:ea typeface="ＭＳ Ｐゴシック" charset="0"/>
+                </a:defRPr>
+              </a:lvl5pPr>
+              <a:lvl6pPr marL="2514600" indent="-228600" eaLnBrk="0" fontAlgn="base" hangingPunct="0">
+                <a:spcBef>
+                  <a:spcPct val="0"/>
+                </a:spcBef>
+                <a:spcAft>
+                  <a:spcPct val="0"/>
+                </a:spcAft>
+                <a:defRPr sz="2400">
+                  <a:solidFill>
+                    <a:schemeClr val="tx1"/>
+                  </a:solidFill>
+                  <a:latin typeface="Arial" charset="0"/>
+                  <a:ea typeface="ＭＳ Ｐゴシック" charset="0"/>
+                </a:defRPr>
+              </a:lvl6pPr>
+              <a:lvl7pPr marL="2971800" indent="-228600" eaLnBrk="0" fontAlgn="base" hangingPunct="0">
+                <a:spcBef>
+                  <a:spcPct val="0"/>
+                </a:spcBef>
+                <a:spcAft>
+                  <a:spcPct val="0"/>
+                </a:spcAft>
+                <a:defRPr sz="2400">
+                  <a:solidFill>
+                    <a:schemeClr val="tx1"/>
+                  </a:solidFill>
+                  <a:latin typeface="Arial" charset="0"/>
+                  <a:ea typeface="ＭＳ Ｐゴシック" charset="0"/>
+                </a:defRPr>
+              </a:lvl7pPr>
+              <a:lvl8pPr marL="3429000" indent="-228600" eaLnBrk="0" fontAlgn="base" hangingPunct="0">
+                <a:spcBef>
+                  <a:spcPct val="0"/>
+                </a:spcBef>
+                <a:spcAft>
+                  <a:spcPct val="0"/>
+                </a:spcAft>
+                <a:defRPr sz="2400">
+                  <a:solidFill>
+                    <a:schemeClr val="tx1"/>
+                  </a:solidFill>
+                  <a:latin typeface="Arial" charset="0"/>
+                  <a:ea typeface="ＭＳ Ｐゴシック" charset="0"/>
+                </a:defRPr>
+              </a:lvl8pPr>
+              <a:lvl9pPr marL="3886200" indent="-228600" eaLnBrk="0" fontAlgn="base" hangingPunct="0">
+                <a:spcBef>
+                  <a:spcPct val="0"/>
+                </a:spcBef>
+                <a:spcAft>
+                  <a:spcPct val="0"/>
+                </a:spcAft>
+                <a:defRPr sz="2400">
+                  <a:solidFill>
+                    <a:schemeClr val="tx1"/>
+                  </a:solidFill>
+                  <a:latin typeface="Arial" charset="0"/>
+                  <a:ea typeface="ＭＳ Ｐゴシック" charset="0"/>
+                </a:defRPr>
+              </a:lvl9pPr>
+            </a:lstStyle>
+            <a:p>
+              <a:pPr eaLnBrk="1" hangingPunct="1">
+                <a:spcBef>
+                  <a:spcPct val="50000"/>
+                </a:spcBef>
+              </a:pPr>
+              <a:r>
+                <a:rPr lang="en-US"/>
+                <a:t>F</a:t>
+              </a:r>
+            </a:p>
+          </p:txBody>
+        </p:sp>
+      </p:grpSp>
+      <p:sp>
+        <p:nvSpPr>
+          <p:cNvPr id="26" name="Line 25"/>
+          <p:cNvSpPr>
+            <a:spLocks noChangeShapeType="1"/>
+          </p:cNvSpPr>
+          <p:nvPr/>
+        </p:nvSpPr>
+        <p:spPr bwMode="auto">
+          <a:xfrm flipV="1">
+            <a:off x="1701165" y="3876312"/>
+            <a:ext cx="1524000" cy="762000"/>
+          </a:xfrm>
+          <a:prstGeom prst="line">
+            <a:avLst/>
+          </a:prstGeom>
+          <a:noFill/>
+          <a:ln w="9525">
+            <a:solidFill>
+              <a:schemeClr val="tx1"/>
+            </a:solidFill>
+            <a:round/>
+            <a:headEnd/>
+            <a:tailEnd/>
+          </a:ln>
+          <a:extLst>
+            <a:ext uri="{909E8E84-426E-40dd-AFC4-6F175D3DCCD1}">
+              <a14:hiddenFill xmlns:a14="http://schemas.microsoft.com/office/drawing/2010/main" xmlns="">
+                <a:noFill/>
+              </a14:hiddenFill>
+            </a:ext>
+          </a:extLst>
+        </p:spPr>
+        <p:txBody>
+          <a:bodyPr/>
+          <a:lstStyle/>
+          <a:p>
+            <a:endParaRPr lang="en-US"/>
+          </a:p>
+        </p:txBody>
+      </p:sp>
+      <p:sp>
+        <p:nvSpPr>
+          <p:cNvPr id="27" name="Line 26"/>
+          <p:cNvSpPr>
+            <a:spLocks noChangeShapeType="1"/>
+          </p:cNvSpPr>
+          <p:nvPr/>
+        </p:nvSpPr>
+        <p:spPr bwMode="auto">
+          <a:xfrm>
+            <a:off x="1701165" y="4866912"/>
+            <a:ext cx="1752600" cy="381000"/>
+          </a:xfrm>
+          <a:prstGeom prst="line">
+            <a:avLst/>
+          </a:prstGeom>
+          <a:noFill/>
+          <a:ln w="9525">
+            <a:solidFill>
+              <a:schemeClr val="tx1"/>
+            </a:solidFill>
+            <a:round/>
+            <a:headEnd/>
+            <a:tailEnd/>
+          </a:ln>
+          <a:extLst>
+            <a:ext uri="{909E8E84-426E-40dd-AFC4-6F175D3DCCD1}">
+              <a14:hiddenFill xmlns:a14="http://schemas.microsoft.com/office/drawing/2010/main" xmlns="">
+                <a:noFill/>
+              </a14:hiddenFill>
+            </a:ext>
+          </a:extLst>
+        </p:spPr>
+        <p:txBody>
+          <a:bodyPr/>
+          <a:lstStyle/>
+          <a:p>
+            <a:endParaRPr lang="en-US"/>
+          </a:p>
+        </p:txBody>
+      </p:sp>
+      <p:sp>
+        <p:nvSpPr>
+          <p:cNvPr id="28" name="Line 27"/>
+          <p:cNvSpPr>
+            <a:spLocks noChangeShapeType="1"/>
+          </p:cNvSpPr>
+          <p:nvPr/>
+        </p:nvSpPr>
+        <p:spPr bwMode="auto">
+          <a:xfrm flipH="1" flipV="1">
+            <a:off x="3606165" y="4028712"/>
+            <a:ext cx="76200" cy="1066800"/>
+          </a:xfrm>
+          <a:prstGeom prst="line">
+            <a:avLst/>
+          </a:prstGeom>
+          <a:noFill/>
+          <a:ln w="9525">
+            <a:solidFill>
+              <a:schemeClr val="tx1"/>
+            </a:solidFill>
+            <a:round/>
+            <a:headEnd/>
+            <a:tailEnd/>
+          </a:ln>
+          <a:extLst>
+            <a:ext uri="{909E8E84-426E-40dd-AFC4-6F175D3DCCD1}">
+              <a14:hiddenFill xmlns:a14="http://schemas.microsoft.com/office/drawing/2010/main" xmlns="">
+                <a:noFill/>
+              </a14:hiddenFill>
+            </a:ext>
+          </a:extLst>
+        </p:spPr>
+        <p:txBody>
+          <a:bodyPr/>
+          <a:lstStyle/>
+          <a:p>
+            <a:endParaRPr lang="en-US"/>
+          </a:p>
+        </p:txBody>
+      </p:sp>
+      <p:sp>
+        <p:nvSpPr>
+          <p:cNvPr id="30" name="Line 30"/>
+          <p:cNvSpPr>
+            <a:spLocks noChangeShapeType="1"/>
+          </p:cNvSpPr>
+          <p:nvPr/>
+        </p:nvSpPr>
+        <p:spPr bwMode="auto">
+          <a:xfrm>
+            <a:off x="3987165" y="5400312"/>
+            <a:ext cx="1447800" cy="381000"/>
+          </a:xfrm>
+          <a:prstGeom prst="line">
+            <a:avLst/>
+          </a:prstGeom>
+          <a:noFill/>
+          <a:ln w="9525">
+            <a:solidFill>
+              <a:schemeClr val="tx1"/>
+            </a:solidFill>
+            <a:round/>
+            <a:headEnd/>
+            <a:tailEnd/>
+          </a:ln>
+          <a:extLst>
+            <a:ext uri="{909E8E84-426E-40dd-AFC4-6F175D3DCCD1}">
+              <a14:hiddenFill xmlns:a14="http://schemas.microsoft.com/office/drawing/2010/main" xmlns="">
+                <a:noFill/>
+              </a14:hiddenFill>
+            </a:ext>
+          </a:extLst>
+        </p:spPr>
+        <p:txBody>
+          <a:bodyPr/>
+          <a:lstStyle/>
+          <a:p>
+            <a:endParaRPr lang="en-US"/>
+          </a:p>
+        </p:txBody>
+      </p:sp>
+      <p:sp>
+        <p:nvSpPr>
+          <p:cNvPr id="31" name="Line 31"/>
+          <p:cNvSpPr>
+            <a:spLocks noChangeShapeType="1"/>
+          </p:cNvSpPr>
+          <p:nvPr/>
+        </p:nvSpPr>
+        <p:spPr bwMode="auto">
+          <a:xfrm flipV="1">
+            <a:off x="5968365" y="5095512"/>
+            <a:ext cx="990600" cy="609600"/>
+          </a:xfrm>
+          <a:prstGeom prst="line">
+            <a:avLst/>
+          </a:prstGeom>
+          <a:noFill/>
+          <a:ln w="9525">
+            <a:solidFill>
+              <a:schemeClr val="tx1"/>
+            </a:solidFill>
+            <a:round/>
+            <a:headEnd/>
+            <a:tailEnd/>
+          </a:ln>
+          <a:extLst>
+            <a:ext uri="{909E8E84-426E-40dd-AFC4-6F175D3DCCD1}">
+              <a14:hiddenFill xmlns:a14="http://schemas.microsoft.com/office/drawing/2010/main" xmlns="">
+                <a:noFill/>
+              </a14:hiddenFill>
+            </a:ext>
+          </a:extLst>
+        </p:spPr>
+        <p:txBody>
+          <a:bodyPr/>
+          <a:lstStyle/>
+          <a:p>
+            <a:endParaRPr lang="en-US"/>
+          </a:p>
+        </p:txBody>
+      </p:sp>
+      <p:sp>
+        <p:nvSpPr>
+          <p:cNvPr id="33" name="Line 31"/>
+          <p:cNvSpPr>
+            <a:spLocks noChangeShapeType="1"/>
+          </p:cNvSpPr>
+          <p:nvPr/>
+        </p:nvSpPr>
+        <p:spPr bwMode="auto">
+          <a:xfrm>
+            <a:off x="3796665" y="3876312"/>
+            <a:ext cx="3086100" cy="914400"/>
+          </a:xfrm>
+          <a:prstGeom prst="line">
+            <a:avLst/>
+          </a:prstGeom>
+          <a:noFill/>
+          <a:ln w="9525">
+            <a:solidFill>
+              <a:schemeClr val="tx1"/>
+            </a:solidFill>
+            <a:round/>
+            <a:headEnd/>
+            <a:tailEnd/>
+          </a:ln>
+          <a:extLst>
+            <a:ext uri="{909E8E84-426E-40dd-AFC4-6F175D3DCCD1}">
+              <a14:hiddenFill xmlns:a14="http://schemas.microsoft.com/office/drawing/2010/main" xmlns="">
+                <a:noFill/>
+              </a14:hiddenFill>
+            </a:ext>
+          </a:extLst>
+        </p:spPr>
+        <p:txBody>
+          <a:bodyPr/>
+          <a:lstStyle/>
+          <a:p>
+            <a:endParaRPr lang="en-US"/>
+          </a:p>
+        </p:txBody>
+      </p:sp>
+    </p:spTree>
+    <p:extLst>
+      <p:ext uri="{BB962C8B-B14F-4D97-AF65-F5344CB8AC3E}">
+        <p14:creationId xmlns:p14="http://schemas.microsoft.com/office/powerpoint/2010/main" val="3737987144"/>
+      </p:ext>
+    </p:extLst>
+  </p:cSld>
+  <p:clrMapOvr>
+    <a:masterClrMapping/>
+  </p:clrMapOvr>
+</p:sld>
+</file>
+
+<file path=ppt/slides/slide21.xml><?xml version="1.0" encoding="utf-8"?>
+<p:sld xmlns:a="http://schemas.openxmlformats.org/drawingml/2006/main" xmlns:r="http://schemas.openxmlformats.org/officeDocument/2006/relationships" xmlns:p="http://schemas.openxmlformats.org/presentationml/2006/main">
+  <p:cSld>
+    <p:spTree>
+      <p:nvGrpSpPr>
+        <p:cNvPr id="1" name=""/>
+        <p:cNvGrpSpPr/>
+        <p:nvPr/>
+      </p:nvGrpSpPr>
+      <p:grpSpPr>
+        <a:xfrm>
+          <a:off x="0" y="0"/>
+          <a:ext cx="0" cy="0"/>
+          <a:chOff x="0" y="0"/>
+          <a:chExt cx="0" cy="0"/>
+        </a:xfrm>
+      </p:grpSpPr>
+      <p:sp>
+        <p:nvSpPr>
+          <p:cNvPr id="2" name="Title 1"/>
+          <p:cNvSpPr>
+            <a:spLocks noGrp="1"/>
+          </p:cNvSpPr>
+          <p:nvPr>
+            <p:ph type="title"/>
+          </p:nvPr>
+        </p:nvSpPr>
+        <p:spPr/>
+        <p:txBody>
+          <a:bodyPr/>
+          <a:lstStyle/>
+          <a:p>
+            <a:r>
+              <a:rPr lang="en-US" dirty="0"/>
+              <a:t>Hamiltonian cycle</a:t>
+            </a:r>
+          </a:p>
+        </p:txBody>
+      </p:sp>
+      <p:sp>
+        <p:nvSpPr>
+          <p:cNvPr id="4" name="TextBox 3"/>
+          <p:cNvSpPr txBox="1"/>
+          <p:nvPr/>
+        </p:nvSpPr>
+        <p:spPr>
+          <a:xfrm>
+            <a:off x="612648" y="1755074"/>
+            <a:ext cx="8078506" cy="954107"/>
+          </a:xfrm>
+          <a:prstGeom prst="rect">
+            <a:avLst/>
+          </a:prstGeom>
+          <a:noFill/>
+        </p:spPr>
+        <p:txBody>
+          <a:bodyPr wrap="square" rtlCol="0">
+            <a:spAutoFit/>
+          </a:bodyPr>
+          <a:lstStyle/>
+          <a:p>
+            <a:r>
+              <a:rPr lang="en-US" sz="2800" dirty="0"/>
+              <a:t>Given an undirected graph G=(V, E), a Hamiltonian cycle is a cycle that visits every vertex V exactly once.</a:t>
+            </a:r>
+          </a:p>
+        </p:txBody>
+      </p:sp>
+      <p:grpSp>
+        <p:nvGrpSpPr>
+          <p:cNvPr id="5" name="Group 6"/>
+          <p:cNvGrpSpPr>
+            <a:grpSpLocks/>
+          </p:cNvGrpSpPr>
+          <p:nvPr/>
+        </p:nvGrpSpPr>
+        <p:grpSpPr bwMode="auto">
+          <a:xfrm>
+            <a:off x="3263265" y="4156769"/>
+            <a:ext cx="533400" cy="533400"/>
+            <a:chOff x="1824" y="2736"/>
+            <a:chExt cx="336" cy="336"/>
+          </a:xfrm>
+        </p:grpSpPr>
+        <p:sp>
+          <p:nvSpPr>
+            <p:cNvPr id="6" name="Oval 5"/>
+            <p:cNvSpPr>
+              <a:spLocks noChangeArrowheads="1"/>
+            </p:cNvSpPr>
+            <p:nvPr/>
+          </p:nvSpPr>
+          <p:spPr bwMode="auto">
+            <a:xfrm>
+              <a:off x="1824" y="2736"/>
+              <a:ext cx="336" cy="336"/>
+            </a:xfrm>
+            <a:prstGeom prst="ellipse">
+              <a:avLst/>
+            </a:prstGeom>
+            <a:solidFill>
+              <a:schemeClr val="accent2"/>
+            </a:solidFill>
+            <a:ln w="9525">
+              <a:solidFill>
+                <a:schemeClr val="tx1"/>
+              </a:solidFill>
+              <a:round/>
+              <a:headEnd/>
+              <a:tailEnd/>
+            </a:ln>
+          </p:spPr>
+          <p:txBody>
+            <a:bodyPr wrap="none" anchor="ctr"/>
+            <a:lstStyle/>
+            <a:p>
+              <a:endParaRPr lang="en-US"/>
+            </a:p>
+          </p:txBody>
+        </p:sp>
+        <p:sp>
+          <p:nvSpPr>
+            <p:cNvPr id="7" name="Text Box 4"/>
+            <p:cNvSpPr txBox="1">
+              <a:spLocks noChangeArrowheads="1"/>
+            </p:cNvSpPr>
+            <p:nvPr/>
+          </p:nvSpPr>
+          <p:spPr bwMode="auto">
+            <a:xfrm>
+              <a:off x="1872" y="2736"/>
+              <a:ext cx="288" cy="288"/>
+            </a:xfrm>
+            <a:prstGeom prst="rect">
+              <a:avLst/>
+            </a:prstGeom>
+            <a:noFill/>
+            <a:ln>
+              <a:noFill/>
+            </a:ln>
+            <a:extLst>
+              <a:ext uri="{909E8E84-426E-40dd-AFC4-6F175D3DCCD1}">
+                <a14:hiddenFill xmlns:a14="http://schemas.microsoft.com/office/drawing/2010/main" xmlns="">
+                  <a:solidFill>
+                    <a:srgbClr val="FFFFFF"/>
+                  </a:solidFill>
+                </a14:hiddenFill>
+              </a:ext>
+              <a:ext uri="{91240B29-F687-4f45-9708-019B960494DF}">
+                <a14:hiddenLine xmlns:a14="http://schemas.microsoft.com/office/drawing/2010/main" xmlns="" w="9525">
                   <a:solidFill>
                     <a:srgbClr val="000000"/>
                   </a:solidFill>
@@ -6257,14 +7758,14 @@
             </a:ln>
             <a:extLst>
               <a:ext uri="{909E8E84-426E-40dd-AFC4-6F175D3DCCD1}">
-                <a14:hiddenFill xmlns="" xmlns:a14="http://schemas.microsoft.com/office/drawing/2010/main">
+                <a14:hiddenFill xmlns:a14="http://schemas.microsoft.com/office/drawing/2010/main" xmlns="">
                   <a:solidFill>
                     <a:srgbClr val="FFFFFF"/>
                   </a:solidFill>
                 </a14:hiddenFill>
               </a:ext>
               <a:ext uri="{91240B29-F687-4f45-9708-019B960494DF}">
-                <a14:hiddenLine xmlns="" xmlns:a14="http://schemas.microsoft.com/office/drawing/2010/main" w="9525">
+                <a14:hiddenLine xmlns:a14="http://schemas.microsoft.com/office/drawing/2010/main" xmlns="" w="9525">
                   <a:solidFill>
                     <a:srgbClr val="000000"/>
                   </a:solidFill>
@@ -6475,14 +7976,14 @@
             </a:ln>
             <a:extLst>
               <a:ext uri="{909E8E84-426E-40dd-AFC4-6F175D3DCCD1}">
-                <a14:hiddenFill xmlns="" xmlns:a14="http://schemas.microsoft.com/office/drawing/2010/main">
+                <a14:hiddenFill xmlns:a14="http://schemas.microsoft.com/office/drawing/2010/main" xmlns="">
                   <a:solidFill>
                     <a:srgbClr val="FFFFFF"/>
                   </a:solidFill>
                 </a14:hiddenFill>
               </a:ext>
               <a:ext uri="{91240B29-F687-4f45-9708-019B960494DF}">
-                <a14:hiddenLine xmlns="" xmlns:a14="http://schemas.microsoft.com/office/drawing/2010/main" w="9525">
+                <a14:hiddenLine xmlns:a14="http://schemas.microsoft.com/office/drawing/2010/main" xmlns="" w="9525">
                   <a:solidFill>
                     <a:srgbClr val="000000"/>
                   </a:solidFill>
@@ -6693,14 +8194,14 @@
             </a:ln>
             <a:extLst>
               <a:ext uri="{909E8E84-426E-40dd-AFC4-6F175D3DCCD1}">
-                <a14:hiddenFill xmlns="" xmlns:a14="http://schemas.microsoft.com/office/drawing/2010/main">
+                <a14:hiddenFill xmlns:a14="http://schemas.microsoft.com/office/drawing/2010/main" xmlns="">
                   <a:solidFill>
                     <a:srgbClr val="FFFFFF"/>
                   </a:solidFill>
                 </a14:hiddenFill>
               </a:ext>
               <a:ext uri="{91240B29-F687-4f45-9708-019B960494DF}">
-                <a14:hiddenLine xmlns="" xmlns:a14="http://schemas.microsoft.com/office/drawing/2010/main" w="9525">
+                <a14:hiddenLine xmlns:a14="http://schemas.microsoft.com/office/drawing/2010/main" xmlns="" w="9525">
                   <a:solidFill>
                     <a:srgbClr val="000000"/>
                   </a:solidFill>
@@ -6911,14 +8412,14 @@
             </a:ln>
             <a:extLst>
               <a:ext uri="{909E8E84-426E-40dd-AFC4-6F175D3DCCD1}">
-                <a14:hiddenFill xmlns="" xmlns:a14="http://schemas.microsoft.com/office/drawing/2010/main">
+                <a14:hiddenFill xmlns:a14="http://schemas.microsoft.com/office/drawing/2010/main" xmlns="">
                   <a:solidFill>
                     <a:srgbClr val="FFFFFF"/>
                   </a:solidFill>
                 </a14:hiddenFill>
               </a:ext>
               <a:ext uri="{91240B29-F687-4f45-9708-019B960494DF}">
-                <a14:hiddenLine xmlns="" xmlns:a14="http://schemas.microsoft.com/office/drawing/2010/main" w="9525">
+                <a14:hiddenLine xmlns:a14="http://schemas.microsoft.com/office/drawing/2010/main" xmlns="" w="9525">
                   <a:solidFill>
                     <a:srgbClr val="000000"/>
                   </a:solidFill>
@@ -7074,7 +8575,7 @@
           <a:noFill/>
           <a:ln w="9525">
             <a:solidFill>
-              <a:schemeClr val="tx1"/>
+              <a:srgbClr val="FF0000"/>
             </a:solidFill>
             <a:round/>
             <a:headEnd/>
@@ -7082,7 +8583,7 @@
           </a:ln>
           <a:extLst>
             <a:ext uri="{909E8E84-426E-40dd-AFC4-6F175D3DCCD1}">
-              <a14:hiddenFill xmlns="" xmlns:a14="http://schemas.microsoft.com/office/drawing/2010/main">
+              <a14:hiddenFill xmlns:a14="http://schemas.microsoft.com/office/drawing/2010/main" xmlns="">
                 <a:noFill/>
               </a14:hiddenFill>
             </a:ext>
@@ -7108,6 +8609,47 @@
           <a:xfrm>
             <a:off x="1701165" y="5528763"/>
             <a:ext cx="1752600" cy="381000"/>
+          </a:xfrm>
+          <a:prstGeom prst="line">
+            <a:avLst/>
+          </a:prstGeom>
+          <a:noFill/>
+          <a:ln w="9525">
+            <a:solidFill>
+              <a:srgbClr val="FF0000"/>
+            </a:solidFill>
+            <a:round/>
+            <a:headEnd/>
+            <a:tailEnd/>
+          </a:ln>
+          <a:extLst>
+            <a:ext uri="{909E8E84-426E-40dd-AFC4-6F175D3DCCD1}">
+              <a14:hiddenFill xmlns:a14="http://schemas.microsoft.com/office/drawing/2010/main" xmlns="">
+                <a:noFill/>
+              </a14:hiddenFill>
+            </a:ext>
+          </a:extLst>
+        </p:spPr>
+        <p:txBody>
+          <a:bodyPr/>
+          <a:lstStyle/>
+          <a:p>
+            <a:endParaRPr lang="en-US"/>
+          </a:p>
+        </p:txBody>
+      </p:sp>
+      <p:sp>
+        <p:nvSpPr>
+          <p:cNvPr id="28" name="Line 27"/>
+          <p:cNvSpPr>
+            <a:spLocks noChangeShapeType="1"/>
+          </p:cNvSpPr>
+          <p:nvPr/>
+        </p:nvSpPr>
+        <p:spPr bwMode="auto">
+          <a:xfrm flipH="1" flipV="1">
+            <a:off x="3606165" y="4690563"/>
+            <a:ext cx="76200" cy="1066800"/>
           </a:xfrm>
           <a:prstGeom prst="line">
             <a:avLst/>
@@ -7123,7 +8665,7 @@
           </a:ln>
           <a:extLst>
             <a:ext uri="{909E8E84-426E-40dd-AFC4-6F175D3DCCD1}">
-              <a14:hiddenFill xmlns="" xmlns:a14="http://schemas.microsoft.com/office/drawing/2010/main">
+              <a14:hiddenFill xmlns:a14="http://schemas.microsoft.com/office/drawing/2010/main" xmlns="">
                 <a:noFill/>
               </a14:hiddenFill>
             </a:ext>
@@ -7139,16 +8681,16 @@
       </p:sp>
       <p:sp>
         <p:nvSpPr>
-          <p:cNvPr id="28" name="Line 27"/>
+          <p:cNvPr id="30" name="Line 30"/>
           <p:cNvSpPr>
             <a:spLocks noChangeShapeType="1"/>
           </p:cNvSpPr>
           <p:nvPr/>
         </p:nvSpPr>
         <p:spPr bwMode="auto">
-          <a:xfrm flipH="1" flipV="1">
-            <a:off x="3606165" y="4690563"/>
-            <a:ext cx="76200" cy="1066800"/>
+          <a:xfrm>
+            <a:off x="3987165" y="6062163"/>
+            <a:ext cx="1447800" cy="381000"/>
           </a:xfrm>
           <a:prstGeom prst="line">
             <a:avLst/>
@@ -7156,7 +8698,7 @@
           <a:noFill/>
           <a:ln w="9525">
             <a:solidFill>
-              <a:schemeClr val="tx1"/>
+              <a:srgbClr val="FF0000"/>
             </a:solidFill>
             <a:round/>
             <a:headEnd/>
@@ -7164,7 +8706,7 @@
           </a:ln>
           <a:extLst>
             <a:ext uri="{909E8E84-426E-40dd-AFC4-6F175D3DCCD1}">
-              <a14:hiddenFill xmlns="" xmlns:a14="http://schemas.microsoft.com/office/drawing/2010/main">
+              <a14:hiddenFill xmlns:a14="http://schemas.microsoft.com/office/drawing/2010/main" xmlns="">
                 <a:noFill/>
               </a14:hiddenFill>
             </a:ext>
@@ -7180,16 +8722,16 @@
       </p:sp>
       <p:sp>
         <p:nvSpPr>
-          <p:cNvPr id="30" name="Line 30"/>
+          <p:cNvPr id="31" name="Line 31"/>
           <p:cNvSpPr>
             <a:spLocks noChangeShapeType="1"/>
           </p:cNvSpPr>
           <p:nvPr/>
         </p:nvSpPr>
         <p:spPr bwMode="auto">
-          <a:xfrm>
-            <a:off x="3987165" y="6062163"/>
-            <a:ext cx="1447800" cy="381000"/>
+          <a:xfrm flipV="1">
+            <a:off x="5968365" y="5757363"/>
+            <a:ext cx="990600" cy="609600"/>
           </a:xfrm>
           <a:prstGeom prst="line">
             <a:avLst/>
@@ -7197,7 +8739,7 @@
           <a:noFill/>
           <a:ln w="9525">
             <a:solidFill>
-              <a:schemeClr val="tx1"/>
+              <a:srgbClr val="FF0000"/>
             </a:solidFill>
             <a:round/>
             <a:headEnd/>
@@ -7205,7 +8747,7 @@
           </a:ln>
           <a:extLst>
             <a:ext uri="{909E8E84-426E-40dd-AFC4-6F175D3DCCD1}">
-              <a14:hiddenFill xmlns="" xmlns:a14="http://schemas.microsoft.com/office/drawing/2010/main">
+              <a14:hiddenFill xmlns:a14="http://schemas.microsoft.com/office/drawing/2010/main" xmlns="">
                 <a:noFill/>
               </a14:hiddenFill>
             </a:ext>
@@ -7221,16 +8763,16 @@
       </p:sp>
       <p:sp>
         <p:nvSpPr>
-          <p:cNvPr id="31" name="Line 31"/>
+          <p:cNvPr id="33" name="Line 31"/>
           <p:cNvSpPr>
             <a:spLocks noChangeShapeType="1"/>
           </p:cNvSpPr>
           <p:nvPr/>
         </p:nvSpPr>
         <p:spPr bwMode="auto">
-          <a:xfrm flipV="1">
-            <a:off x="5968365" y="5757363"/>
-            <a:ext cx="990600" cy="609600"/>
+          <a:xfrm>
+            <a:off x="3796665" y="4538163"/>
+            <a:ext cx="3086100" cy="914400"/>
           </a:xfrm>
           <a:prstGeom prst="line">
             <a:avLst/>
@@ -7238,7 +8780,7 @@
           <a:noFill/>
           <a:ln w="9525">
             <a:solidFill>
-              <a:schemeClr val="tx1"/>
+              <a:srgbClr val="FF0000"/>
             </a:solidFill>
             <a:round/>
             <a:headEnd/>
@@ -7246,7 +8788,7 @@
           </a:ln>
           <a:extLst>
             <a:ext uri="{909E8E84-426E-40dd-AFC4-6F175D3DCCD1}">
-              <a14:hiddenFill xmlns="" xmlns:a14="http://schemas.microsoft.com/office/drawing/2010/main">
+              <a14:hiddenFill xmlns:a14="http://schemas.microsoft.com/office/drawing/2010/main" xmlns="">
                 <a:noFill/>
               </a14:hiddenFill>
             </a:ext>
@@ -7260,51 +8802,10 @@
           </a:p>
         </p:txBody>
       </p:sp>
-      <p:sp>
-        <p:nvSpPr>
-          <p:cNvPr id="33" name="Line 31"/>
-          <p:cNvSpPr>
-            <a:spLocks noChangeShapeType="1"/>
-          </p:cNvSpPr>
-          <p:nvPr/>
-        </p:nvSpPr>
-        <p:spPr bwMode="auto">
-          <a:xfrm>
-            <a:off x="3796665" y="4538163"/>
-            <a:ext cx="3086100" cy="914400"/>
-          </a:xfrm>
-          <a:prstGeom prst="line">
-            <a:avLst/>
-          </a:prstGeom>
-          <a:noFill/>
-          <a:ln w="9525">
-            <a:solidFill>
-              <a:schemeClr val="tx1"/>
-            </a:solidFill>
-            <a:round/>
-            <a:headEnd/>
-            <a:tailEnd/>
-          </a:ln>
-          <a:extLst>
-            <a:ext uri="{909E8E84-426E-40dd-AFC4-6F175D3DCCD1}">
-              <a14:hiddenFill xmlns="" xmlns:a14="http://schemas.microsoft.com/office/drawing/2010/main">
-                <a:noFill/>
-              </a14:hiddenFill>
-            </a:ext>
-          </a:extLst>
-        </p:spPr>
-        <p:txBody>
-          <a:bodyPr/>
-          <a:lstStyle/>
-          <a:p>
-            <a:endParaRPr lang="en-US"/>
-          </a:p>
-        </p:txBody>
-      </p:sp>
     </p:spTree>
     <p:extLst>
       <p:ext uri="{BB962C8B-B14F-4D97-AF65-F5344CB8AC3E}">
-        <p14:creationId xmlns:p14="http://schemas.microsoft.com/office/powerpoint/2010/main" val="3737987144"/>
+        <p14:creationId xmlns:p14="http://schemas.microsoft.com/office/powerpoint/2010/main" val="2252668590"/>
       </p:ext>
     </p:extLst>
   </p:cSld>
@@ -7314,7 +8815,7 @@
 </p:sld>
 </file>
 
-<file path=ppt/slides/slide21.xml><?xml version="1.0" encoding="utf-8"?>
+<file path=ppt/slides/slide22.xml><?xml version="1.0" encoding="utf-8"?>
 <p:sld xmlns:a="http://schemas.openxmlformats.org/drawingml/2006/main" xmlns:r="http://schemas.openxmlformats.org/officeDocument/2006/relationships" xmlns:p="http://schemas.openxmlformats.org/presentationml/2006/main">
   <p:cSld>
     <p:spTree>
@@ -7362,7 +8863,7 @@
         <p:spPr>
           <a:xfrm>
             <a:off x="612648" y="1755074"/>
-            <a:ext cx="7734761" cy="954107"/>
+            <a:ext cx="7734761" cy="1384995"/>
           </a:xfrm>
           <a:prstGeom prst="rect">
             <a:avLst/>
@@ -7377,15 +8878,7 @@
           <a:p>
             <a:r>
               <a:rPr lang="en-US" sz="2800" dirty="0"/>
-              <a:t>Given an undirected graph G=(V, E), a </a:t>
-            </a:r>
-            <a:r>
-              <a:rPr lang="en-US" sz="2800" dirty="0" err="1"/>
-              <a:t>hamiltonian</a:t>
-            </a:r>
-            <a:r>
-              <a:rPr lang="en-US" sz="2800" dirty="0"/>
-              <a:t> cycle is a cycle that visits every vertex V exactly once</a:t>
+              <a:t>Given an undirected graph G=(V, E), a Hamiltonian cycle is a cycle that visits every vertex V exactly once</a:t>
             </a:r>
           </a:p>
         </p:txBody>
@@ -7464,14 +8957,14 @@
             </a:ln>
             <a:extLst>
               <a:ext uri="{909E8E84-426E-40dd-AFC4-6F175D3DCCD1}">
-                <a14:hiddenFill xmlns="" xmlns:a14="http://schemas.microsoft.com/office/drawing/2010/main">
+                <a14:hiddenFill xmlns:a14="http://schemas.microsoft.com/office/drawing/2010/main" xmlns="">
                   <a:solidFill>
                     <a:srgbClr val="FFFFFF"/>
                   </a:solidFill>
                 </a14:hiddenFill>
               </a:ext>
               <a:ext uri="{91240B29-F687-4f45-9708-019B960494DF}">
-                <a14:hiddenLine xmlns="" xmlns:a14="http://schemas.microsoft.com/office/drawing/2010/main" w="9525">
+                <a14:hiddenLine xmlns:a14="http://schemas.microsoft.com/office/drawing/2010/main" xmlns="" w="9525">
                   <a:solidFill>
                     <a:srgbClr val="000000"/>
                   </a:solidFill>
@@ -7682,14 +9175,14 @@
             </a:ln>
             <a:extLst>
               <a:ext uri="{909E8E84-426E-40dd-AFC4-6F175D3DCCD1}">
-                <a14:hiddenFill xmlns="" xmlns:a14="http://schemas.microsoft.com/office/drawing/2010/main">
+                <a14:hiddenFill xmlns:a14="http://schemas.microsoft.com/office/drawing/2010/main" xmlns="">
                   <a:solidFill>
                     <a:srgbClr val="FFFFFF"/>
                   </a:solidFill>
                 </a14:hiddenFill>
               </a:ext>
               <a:ext uri="{91240B29-F687-4f45-9708-019B960494DF}">
-                <a14:hiddenLine xmlns="" xmlns:a14="http://schemas.microsoft.com/office/drawing/2010/main" w="9525">
+                <a14:hiddenLine xmlns:a14="http://schemas.microsoft.com/office/drawing/2010/main" xmlns="" w="9525">
                   <a:solidFill>
                     <a:srgbClr val="000000"/>
                   </a:solidFill>
@@ -7900,14 +9393,14 @@
             </a:ln>
             <a:extLst>
               <a:ext uri="{909E8E84-426E-40dd-AFC4-6F175D3DCCD1}">
-                <a14:hiddenFill xmlns="" xmlns:a14="http://schemas.microsoft.com/office/drawing/2010/main">
+                <a14:hiddenFill xmlns:a14="http://schemas.microsoft.com/office/drawing/2010/main" xmlns="">
                   <a:solidFill>
                     <a:srgbClr val="FFFFFF"/>
                   </a:solidFill>
                 </a14:hiddenFill>
               </a:ext>
               <a:ext uri="{91240B29-F687-4f45-9708-019B960494DF}">
-                <a14:hiddenLine xmlns="" xmlns:a14="http://schemas.microsoft.com/office/drawing/2010/main" w="9525">
+                <a14:hiddenLine xmlns:a14="http://schemas.microsoft.com/office/drawing/2010/main" xmlns="" w="9525">
                   <a:solidFill>
                     <a:srgbClr val="000000"/>
                   </a:solidFill>
@@ -8118,14 +9611,14 @@
             </a:ln>
             <a:extLst>
               <a:ext uri="{909E8E84-426E-40dd-AFC4-6F175D3DCCD1}">
-                <a14:hiddenFill xmlns="" xmlns:a14="http://schemas.microsoft.com/office/drawing/2010/main">
+                <a14:hiddenFill xmlns:a14="http://schemas.microsoft.com/office/drawing/2010/main" xmlns="">
                   <a:solidFill>
                     <a:srgbClr val="FFFFFF"/>
                   </a:solidFill>
                 </a14:hiddenFill>
               </a:ext>
               <a:ext uri="{91240B29-F687-4f45-9708-019B960494DF}">
-                <a14:hiddenLine xmlns="" xmlns:a14="http://schemas.microsoft.com/office/drawing/2010/main" w="9525">
+                <a14:hiddenLine xmlns:a14="http://schemas.microsoft.com/office/drawing/2010/main" xmlns="" w="9525">
                   <a:solidFill>
                     <a:srgbClr val="000000"/>
                   </a:solidFill>
@@ -8336,14 +9829,14 @@
             </a:ln>
             <a:extLst>
               <a:ext uri="{909E8E84-426E-40dd-AFC4-6F175D3DCCD1}">
-                <a14:hiddenFill xmlns="" xmlns:a14="http://schemas.microsoft.com/office/drawing/2010/main">
+                <a14:hiddenFill xmlns:a14="http://schemas.microsoft.com/office/drawing/2010/main" xmlns="">
                   <a:solidFill>
                     <a:srgbClr val="FFFFFF"/>
                   </a:solidFill>
                 </a14:hiddenFill>
               </a:ext>
               <a:ext uri="{91240B29-F687-4f45-9708-019B960494DF}">
-                <a14:hiddenLine xmlns="" xmlns:a14="http://schemas.microsoft.com/office/drawing/2010/main" w="9525">
+                <a14:hiddenLine xmlns:a14="http://schemas.microsoft.com/office/drawing/2010/main" xmlns="" w="9525">
                   <a:solidFill>
                     <a:srgbClr val="000000"/>
                   </a:solidFill>
@@ -8499,7 +9992,7 @@
           <a:noFill/>
           <a:ln w="9525">
             <a:solidFill>
-              <a:srgbClr val="FF0000"/>
+              <a:schemeClr val="tx1"/>
             </a:solidFill>
             <a:round/>
             <a:headEnd/>
@@ -8507,7 +10000,7 @@
           </a:ln>
           <a:extLst>
             <a:ext uri="{909E8E84-426E-40dd-AFC4-6F175D3DCCD1}">
-              <a14:hiddenFill xmlns="" xmlns:a14="http://schemas.microsoft.com/office/drawing/2010/main">
+              <a14:hiddenFill xmlns:a14="http://schemas.microsoft.com/office/drawing/2010/main" xmlns="">
                 <a:noFill/>
               </a14:hiddenFill>
             </a:ext>
@@ -8533,47 +10026,6 @@
           <a:xfrm>
             <a:off x="1701165" y="5528763"/>
             <a:ext cx="1752600" cy="381000"/>
-          </a:xfrm>
-          <a:prstGeom prst="line">
-            <a:avLst/>
-          </a:prstGeom>
-          <a:noFill/>
-          <a:ln w="9525">
-            <a:solidFill>
-              <a:srgbClr val="FF0000"/>
-            </a:solidFill>
-            <a:round/>
-            <a:headEnd/>
-            <a:tailEnd/>
-          </a:ln>
-          <a:extLst>
-            <a:ext uri="{909E8E84-426E-40dd-AFC4-6F175D3DCCD1}">
-              <a14:hiddenFill xmlns="" xmlns:a14="http://schemas.microsoft.com/office/drawing/2010/main">
-                <a:noFill/>
-              </a14:hiddenFill>
-            </a:ext>
-          </a:extLst>
-        </p:spPr>
-        <p:txBody>
-          <a:bodyPr/>
-          <a:lstStyle/>
-          <a:p>
-            <a:endParaRPr lang="en-US"/>
-          </a:p>
-        </p:txBody>
-      </p:sp>
-      <p:sp>
-        <p:nvSpPr>
-          <p:cNvPr id="28" name="Line 27"/>
-          <p:cNvSpPr>
-            <a:spLocks noChangeShapeType="1"/>
-          </p:cNvSpPr>
-          <p:nvPr/>
-        </p:nvSpPr>
-        <p:spPr bwMode="auto">
-          <a:xfrm flipH="1" flipV="1">
-            <a:off x="3606165" y="4690563"/>
-            <a:ext cx="76200" cy="1066800"/>
           </a:xfrm>
           <a:prstGeom prst="line">
             <a:avLst/>
@@ -8589,7 +10041,7 @@
           </a:ln>
           <a:extLst>
             <a:ext uri="{909E8E84-426E-40dd-AFC4-6F175D3DCCD1}">
-              <a14:hiddenFill xmlns="" xmlns:a14="http://schemas.microsoft.com/office/drawing/2010/main">
+              <a14:hiddenFill xmlns:a14="http://schemas.microsoft.com/office/drawing/2010/main" xmlns="">
                 <a:noFill/>
               </a14:hiddenFill>
             </a:ext>
@@ -8605,16 +10057,16 @@
       </p:sp>
       <p:sp>
         <p:nvSpPr>
-          <p:cNvPr id="30" name="Line 30"/>
+          <p:cNvPr id="28" name="Line 27"/>
           <p:cNvSpPr>
             <a:spLocks noChangeShapeType="1"/>
           </p:cNvSpPr>
           <p:nvPr/>
         </p:nvSpPr>
         <p:spPr bwMode="auto">
-          <a:xfrm>
-            <a:off x="3987165" y="6062163"/>
-            <a:ext cx="1447800" cy="381000"/>
+          <a:xfrm flipH="1" flipV="1">
+            <a:off x="3606165" y="4690563"/>
+            <a:ext cx="76200" cy="1066800"/>
           </a:xfrm>
           <a:prstGeom prst="line">
             <a:avLst/>
@@ -8622,7 +10074,7 @@
           <a:noFill/>
           <a:ln w="9525">
             <a:solidFill>
-              <a:srgbClr val="FF0000"/>
+              <a:schemeClr val="tx1"/>
             </a:solidFill>
             <a:round/>
             <a:headEnd/>
@@ -8630,7 +10082,7 @@
           </a:ln>
           <a:extLst>
             <a:ext uri="{909E8E84-426E-40dd-AFC4-6F175D3DCCD1}">
-              <a14:hiddenFill xmlns="" xmlns:a14="http://schemas.microsoft.com/office/drawing/2010/main">
+              <a14:hiddenFill xmlns:a14="http://schemas.microsoft.com/office/drawing/2010/main" xmlns="">
                 <a:noFill/>
               </a14:hiddenFill>
             </a:ext>
@@ -8646,16 +10098,16 @@
       </p:sp>
       <p:sp>
         <p:nvSpPr>
-          <p:cNvPr id="31" name="Line 31"/>
+          <p:cNvPr id="30" name="Line 30"/>
           <p:cNvSpPr>
             <a:spLocks noChangeShapeType="1"/>
           </p:cNvSpPr>
           <p:nvPr/>
         </p:nvSpPr>
         <p:spPr bwMode="auto">
-          <a:xfrm flipV="1">
-            <a:off x="5968365" y="5757363"/>
-            <a:ext cx="990600" cy="609600"/>
+          <a:xfrm>
+            <a:off x="3987165" y="6062163"/>
+            <a:ext cx="1447800" cy="381000"/>
           </a:xfrm>
           <a:prstGeom prst="line">
             <a:avLst/>
@@ -8663,7 +10115,7 @@
           <a:noFill/>
           <a:ln w="9525">
             <a:solidFill>
-              <a:srgbClr val="FF0000"/>
+              <a:schemeClr val="tx1"/>
             </a:solidFill>
             <a:round/>
             <a:headEnd/>
@@ -8671,7 +10123,7 @@
           </a:ln>
           <a:extLst>
             <a:ext uri="{909E8E84-426E-40dd-AFC4-6F175D3DCCD1}">
-              <a14:hiddenFill xmlns="" xmlns:a14="http://schemas.microsoft.com/office/drawing/2010/main">
+              <a14:hiddenFill xmlns:a14="http://schemas.microsoft.com/office/drawing/2010/main" xmlns="">
                 <a:noFill/>
               </a14:hiddenFill>
             </a:ext>
@@ -8687,16 +10139,16 @@
       </p:sp>
       <p:sp>
         <p:nvSpPr>
-          <p:cNvPr id="33" name="Line 31"/>
+          <p:cNvPr id="31" name="Line 31"/>
           <p:cNvSpPr>
             <a:spLocks noChangeShapeType="1"/>
           </p:cNvSpPr>
           <p:nvPr/>
         </p:nvSpPr>
         <p:spPr bwMode="auto">
-          <a:xfrm>
-            <a:off x="3796665" y="4538163"/>
-            <a:ext cx="3086100" cy="914400"/>
+          <a:xfrm flipV="1">
+            <a:off x="5968365" y="5757363"/>
+            <a:ext cx="990600" cy="609600"/>
           </a:xfrm>
           <a:prstGeom prst="line">
             <a:avLst/>
@@ -8704,7 +10156,7 @@
           <a:noFill/>
           <a:ln w="9525">
             <a:solidFill>
-              <a:srgbClr val="FF0000"/>
+              <a:schemeClr val="tx1"/>
             </a:solidFill>
             <a:round/>
             <a:headEnd/>
@@ -8712,7 +10164,7 @@
           </a:ln>
           <a:extLst>
             <a:ext uri="{909E8E84-426E-40dd-AFC4-6F175D3DCCD1}">
-              <a14:hiddenFill xmlns="" xmlns:a14="http://schemas.microsoft.com/office/drawing/2010/main">
+              <a14:hiddenFill xmlns:a14="http://schemas.microsoft.com/office/drawing/2010/main" xmlns="">
                 <a:noFill/>
               </a14:hiddenFill>
             </a:ext>
@@ -8726,10 +10178,51 @@
           </a:p>
         </p:txBody>
       </p:sp>
+      <p:sp>
+        <p:nvSpPr>
+          <p:cNvPr id="33" name="Line 31"/>
+          <p:cNvSpPr>
+            <a:spLocks noChangeShapeType="1"/>
+          </p:cNvSpPr>
+          <p:nvPr/>
+        </p:nvSpPr>
+        <p:spPr bwMode="auto">
+          <a:xfrm flipV="1">
+            <a:off x="3987165" y="5452563"/>
+            <a:ext cx="2895600" cy="457200"/>
+          </a:xfrm>
+          <a:prstGeom prst="line">
+            <a:avLst/>
+          </a:prstGeom>
+          <a:noFill/>
+          <a:ln w="9525">
+            <a:solidFill>
+              <a:schemeClr val="tx1"/>
+            </a:solidFill>
+            <a:round/>
+            <a:headEnd/>
+            <a:tailEnd/>
+          </a:ln>
+          <a:extLst>
+            <a:ext uri="{909E8E84-426E-40dd-AFC4-6F175D3DCCD1}">
+              <a14:hiddenFill xmlns:a14="http://schemas.microsoft.com/office/drawing/2010/main" xmlns="">
+                <a:noFill/>
+              </a14:hiddenFill>
+            </a:ext>
+          </a:extLst>
+        </p:spPr>
+        <p:txBody>
+          <a:bodyPr/>
+          <a:lstStyle/>
+          <a:p>
+            <a:endParaRPr lang="en-US"/>
+          </a:p>
+        </p:txBody>
+      </p:sp>
     </p:spTree>
     <p:extLst>
       <p:ext uri="{BB962C8B-B14F-4D97-AF65-F5344CB8AC3E}">
-        <p14:creationId xmlns:p14="http://schemas.microsoft.com/office/powerpoint/2010/main" val="2252668590"/>
+        <p14:creationId xmlns:p14="http://schemas.microsoft.com/office/powerpoint/2010/main" val="4110541446"/>
       </p:ext>
     </p:extLst>
   </p:cSld>
@@ -8739,7 +10232,7 @@
 </p:sld>
 </file>
 
-<file path=ppt/slides/slide22.xml><?xml version="1.0" encoding="utf-8"?>
+<file path=ppt/slides/slide23.xml><?xml version="1.0" encoding="utf-8"?>
 <p:sld xmlns:a="http://schemas.openxmlformats.org/drawingml/2006/main" xmlns:r="http://schemas.openxmlformats.org/officeDocument/2006/relationships" xmlns:p="http://schemas.openxmlformats.org/presentationml/2006/main">
   <p:cSld>
     <p:spTree>
@@ -8889,14 +10382,14 @@
             </a:ln>
             <a:extLst>
               <a:ext uri="{909E8E84-426E-40dd-AFC4-6F175D3DCCD1}">
-                <a14:hiddenFill xmlns="" xmlns:a14="http://schemas.microsoft.com/office/drawing/2010/main">
+                <a14:hiddenFill xmlns:a14="http://schemas.microsoft.com/office/drawing/2010/main" xmlns="">
                   <a:solidFill>
                     <a:srgbClr val="FFFFFF"/>
                   </a:solidFill>
                 </a14:hiddenFill>
               </a:ext>
               <a:ext uri="{91240B29-F687-4f45-9708-019B960494DF}">
-                <a14:hiddenLine xmlns="" xmlns:a14="http://schemas.microsoft.com/office/drawing/2010/main" w="9525">
+                <a14:hiddenLine xmlns:a14="http://schemas.microsoft.com/office/drawing/2010/main" xmlns="" w="9525">
                   <a:solidFill>
                     <a:srgbClr val="000000"/>
                   </a:solidFill>
@@ -9107,14 +10600,14 @@
             </a:ln>
             <a:extLst>
               <a:ext uri="{909E8E84-426E-40dd-AFC4-6F175D3DCCD1}">
-                <a14:hiddenFill xmlns="" xmlns:a14="http://schemas.microsoft.com/office/drawing/2010/main">
+                <a14:hiddenFill xmlns:a14="http://schemas.microsoft.com/office/drawing/2010/main" xmlns="">
                   <a:solidFill>
                     <a:srgbClr val="FFFFFF"/>
                   </a:solidFill>
                 </a14:hiddenFill>
               </a:ext>
               <a:ext uri="{91240B29-F687-4f45-9708-019B960494DF}">
-                <a14:hiddenLine xmlns="" xmlns:a14="http://schemas.microsoft.com/office/drawing/2010/main" w="9525">
+                <a14:hiddenLine xmlns:a14="http://schemas.microsoft.com/office/drawing/2010/main" xmlns="" w="9525">
                   <a:solidFill>
                     <a:srgbClr val="000000"/>
                   </a:solidFill>
@@ -9325,14 +10818,14 @@
             </a:ln>
             <a:extLst>
               <a:ext uri="{909E8E84-426E-40dd-AFC4-6F175D3DCCD1}">
-                <a14:hiddenFill xmlns="" xmlns:a14="http://schemas.microsoft.com/office/drawing/2010/main">
+                <a14:hiddenFill xmlns:a14="http://schemas.microsoft.com/office/drawing/2010/main" xmlns="">
                   <a:solidFill>
                     <a:srgbClr val="FFFFFF"/>
                   </a:solidFill>
                 </a14:hiddenFill>
               </a:ext>
               <a:ext uri="{91240B29-F687-4f45-9708-019B960494DF}">
-                <a14:hiddenLine xmlns="" xmlns:a14="http://schemas.microsoft.com/office/drawing/2010/main" w="9525">
+                <a14:hiddenLine xmlns:a14="http://schemas.microsoft.com/office/drawing/2010/main" xmlns="" w="9525">
                   <a:solidFill>
                     <a:srgbClr val="000000"/>
                   </a:solidFill>
@@ -9543,14 +11036,14 @@
             </a:ln>
             <a:extLst>
               <a:ext uri="{909E8E84-426E-40dd-AFC4-6F175D3DCCD1}">
-                <a14:hiddenFill xmlns="" xmlns:a14="http://schemas.microsoft.com/office/drawing/2010/main">
+                <a14:hiddenFill xmlns:a14="http://schemas.microsoft.com/office/drawing/2010/main" xmlns="">
                   <a:solidFill>
                     <a:srgbClr val="FFFFFF"/>
                   </a:solidFill>
                 </a14:hiddenFill>
               </a:ext>
               <a:ext uri="{91240B29-F687-4f45-9708-019B960494DF}">
-                <a14:hiddenLine xmlns="" xmlns:a14="http://schemas.microsoft.com/office/drawing/2010/main" w="9525">
+                <a14:hiddenLine xmlns:a14="http://schemas.microsoft.com/office/drawing/2010/main" xmlns="" w="9525">
                   <a:solidFill>
                     <a:srgbClr val="000000"/>
                   </a:solidFill>
@@ -9761,14 +11254,14 @@
             </a:ln>
             <a:extLst>
               <a:ext uri="{909E8E84-426E-40dd-AFC4-6F175D3DCCD1}">
-                <a14:hiddenFill xmlns="" xmlns:a14="http://schemas.microsoft.com/office/drawing/2010/main">
+                <a14:hiddenFill xmlns:a14="http://schemas.microsoft.com/office/drawing/2010/main" xmlns="">
                   <a:solidFill>
                     <a:srgbClr val="FFFFFF"/>
                   </a:solidFill>
                 </a14:hiddenFill>
               </a:ext>
               <a:ext uri="{91240B29-F687-4f45-9708-019B960494DF}">
-                <a14:hiddenLine xmlns="" xmlns:a14="http://schemas.microsoft.com/office/drawing/2010/main" w="9525">
+                <a14:hiddenLine xmlns:a14="http://schemas.microsoft.com/office/drawing/2010/main" xmlns="" w="9525">
                   <a:solidFill>
                     <a:srgbClr val="000000"/>
                   </a:solidFill>
@@ -9932,7 +11425,7 @@
           </a:ln>
           <a:extLst>
             <a:ext uri="{909E8E84-426E-40dd-AFC4-6F175D3DCCD1}">
-              <a14:hiddenFill xmlns="" xmlns:a14="http://schemas.microsoft.com/office/drawing/2010/main">
+              <a14:hiddenFill xmlns:a14="http://schemas.microsoft.com/office/drawing/2010/main" xmlns="">
                 <a:noFill/>
               </a14:hiddenFill>
             </a:ext>
@@ -9973,7 +11466,7 @@
           </a:ln>
           <a:extLst>
             <a:ext uri="{909E8E84-426E-40dd-AFC4-6F175D3DCCD1}">
-              <a14:hiddenFill xmlns="" xmlns:a14="http://schemas.microsoft.com/office/drawing/2010/main">
+              <a14:hiddenFill xmlns:a14="http://schemas.microsoft.com/office/drawing/2010/main" xmlns="">
                 <a:noFill/>
               </a14:hiddenFill>
             </a:ext>
@@ -10014,7 +11507,7 @@
           </a:ln>
           <a:extLst>
             <a:ext uri="{909E8E84-426E-40dd-AFC4-6F175D3DCCD1}">
-              <a14:hiddenFill xmlns="" xmlns:a14="http://schemas.microsoft.com/office/drawing/2010/main">
+              <a14:hiddenFill xmlns:a14="http://schemas.microsoft.com/office/drawing/2010/main" xmlns="">
                 <a:noFill/>
               </a14:hiddenFill>
             </a:ext>
@@ -10055,7 +11548,7 @@
           </a:ln>
           <a:extLst>
             <a:ext uri="{909E8E84-426E-40dd-AFC4-6F175D3DCCD1}">
-              <a14:hiddenFill xmlns="" xmlns:a14="http://schemas.microsoft.com/office/drawing/2010/main">
+              <a14:hiddenFill xmlns:a14="http://schemas.microsoft.com/office/drawing/2010/main" xmlns="">
                 <a:noFill/>
               </a14:hiddenFill>
             </a:ext>
@@ -10096,7 +11589,7 @@
           </a:ln>
           <a:extLst>
             <a:ext uri="{909E8E84-426E-40dd-AFC4-6F175D3DCCD1}">
-              <a14:hiddenFill xmlns="" xmlns:a14="http://schemas.microsoft.com/office/drawing/2010/main">
+              <a14:hiddenFill xmlns:a14="http://schemas.microsoft.com/office/drawing/2010/main" xmlns="">
                 <a:noFill/>
               </a14:hiddenFill>
             </a:ext>
@@ -10137,1432 +11630,7 @@
           </a:ln>
           <a:extLst>
             <a:ext uri="{909E8E84-426E-40dd-AFC4-6F175D3DCCD1}">
-              <a14:hiddenFill xmlns="" xmlns:a14="http://schemas.microsoft.com/office/drawing/2010/main">
-                <a:noFill/>
-              </a14:hiddenFill>
-            </a:ext>
-          </a:extLst>
-        </p:spPr>
-        <p:txBody>
-          <a:bodyPr/>
-          <a:lstStyle/>
-          <a:p>
-            <a:endParaRPr lang="en-US"/>
-          </a:p>
-        </p:txBody>
-      </p:sp>
-    </p:spTree>
-    <p:extLst>
-      <p:ext uri="{BB962C8B-B14F-4D97-AF65-F5344CB8AC3E}">
-        <p14:creationId xmlns:p14="http://schemas.microsoft.com/office/powerpoint/2010/main" val="4110541446"/>
-      </p:ext>
-    </p:extLst>
-  </p:cSld>
-  <p:clrMapOvr>
-    <a:masterClrMapping/>
-  </p:clrMapOvr>
-</p:sld>
-</file>
-
-<file path=ppt/slides/slide23.xml><?xml version="1.0" encoding="utf-8"?>
-<p:sld xmlns:a="http://schemas.openxmlformats.org/drawingml/2006/main" xmlns:r="http://schemas.openxmlformats.org/officeDocument/2006/relationships" xmlns:p="http://schemas.openxmlformats.org/presentationml/2006/main">
-  <p:cSld>
-    <p:spTree>
-      <p:nvGrpSpPr>
-        <p:cNvPr id="1" name=""/>
-        <p:cNvGrpSpPr/>
-        <p:nvPr/>
-      </p:nvGrpSpPr>
-      <p:grpSpPr>
-        <a:xfrm>
-          <a:off x="0" y="0"/>
-          <a:ext cx="0" cy="0"/>
-          <a:chOff x="0" y="0"/>
-          <a:chExt cx="0" cy="0"/>
-        </a:xfrm>
-      </p:grpSpPr>
-      <p:sp>
-        <p:nvSpPr>
-          <p:cNvPr id="2" name="Title 1"/>
-          <p:cNvSpPr>
-            <a:spLocks noGrp="1"/>
-          </p:cNvSpPr>
-          <p:nvPr>
-            <p:ph type="title"/>
-          </p:nvPr>
-        </p:nvSpPr>
-        <p:spPr/>
-        <p:txBody>
-          <a:bodyPr/>
-          <a:lstStyle/>
-          <a:p>
-            <a:r>
-              <a:rPr lang="en-US" dirty="0"/>
-              <a:t>Hamiltonian cycle</a:t>
-            </a:r>
-          </a:p>
-        </p:txBody>
-      </p:sp>
-      <p:sp>
-        <p:nvSpPr>
-          <p:cNvPr id="4" name="TextBox 3"/>
-          <p:cNvSpPr txBox="1"/>
-          <p:nvPr/>
-        </p:nvSpPr>
-        <p:spPr>
-          <a:xfrm>
-            <a:off x="612648" y="1755074"/>
-            <a:ext cx="7734761" cy="954107"/>
-          </a:xfrm>
-          <a:prstGeom prst="rect">
-            <a:avLst/>
-          </a:prstGeom>
-          <a:noFill/>
-        </p:spPr>
-        <p:txBody>
-          <a:bodyPr wrap="square" rtlCol="0">
-            <a:spAutoFit/>
-          </a:bodyPr>
-          <a:lstStyle/>
-          <a:p>
-            <a:r>
-              <a:rPr lang="en-US" sz="2800" dirty="0"/>
-              <a:t>Given an undirected graph G=(V, E), a </a:t>
-            </a:r>
-            <a:r>
-              <a:rPr lang="en-US" sz="2800" dirty="0" err="1"/>
-              <a:t>hamiltonian</a:t>
-            </a:r>
-            <a:r>
-              <a:rPr lang="en-US" sz="2800" dirty="0"/>
-              <a:t> cycle is a cycle that visits every vertex V exactly once</a:t>
-            </a:r>
-          </a:p>
-        </p:txBody>
-      </p:sp>
-      <p:grpSp>
-        <p:nvGrpSpPr>
-          <p:cNvPr id="5" name="Group 6"/>
-          <p:cNvGrpSpPr>
-            <a:grpSpLocks/>
-          </p:cNvGrpSpPr>
-          <p:nvPr/>
-        </p:nvGrpSpPr>
-        <p:grpSpPr bwMode="auto">
-          <a:xfrm>
-            <a:off x="3263265" y="4156769"/>
-            <a:ext cx="533400" cy="533400"/>
-            <a:chOff x="1824" y="2736"/>
-            <a:chExt cx="336" cy="336"/>
-          </a:xfrm>
-        </p:grpSpPr>
-        <p:sp>
-          <p:nvSpPr>
-            <p:cNvPr id="6" name="Oval 5"/>
-            <p:cNvSpPr>
-              <a:spLocks noChangeArrowheads="1"/>
-            </p:cNvSpPr>
-            <p:nvPr/>
-          </p:nvSpPr>
-          <p:spPr bwMode="auto">
-            <a:xfrm>
-              <a:off x="1824" y="2736"/>
-              <a:ext cx="336" cy="336"/>
-            </a:xfrm>
-            <a:prstGeom prst="ellipse">
-              <a:avLst/>
-            </a:prstGeom>
-            <a:solidFill>
-              <a:schemeClr val="accent2"/>
-            </a:solidFill>
-            <a:ln w="9525">
-              <a:solidFill>
-                <a:schemeClr val="tx1"/>
-              </a:solidFill>
-              <a:round/>
-              <a:headEnd/>
-              <a:tailEnd/>
-            </a:ln>
-          </p:spPr>
-          <p:txBody>
-            <a:bodyPr wrap="none" anchor="ctr"/>
-            <a:lstStyle/>
-            <a:p>
-              <a:endParaRPr lang="en-US"/>
-            </a:p>
-          </p:txBody>
-        </p:sp>
-        <p:sp>
-          <p:nvSpPr>
-            <p:cNvPr id="7" name="Text Box 4"/>
-            <p:cNvSpPr txBox="1">
-              <a:spLocks noChangeArrowheads="1"/>
-            </p:cNvSpPr>
-            <p:nvPr/>
-          </p:nvSpPr>
-          <p:spPr bwMode="auto">
-            <a:xfrm>
-              <a:off x="1872" y="2736"/>
-              <a:ext cx="288" cy="288"/>
-            </a:xfrm>
-            <a:prstGeom prst="rect">
-              <a:avLst/>
-            </a:prstGeom>
-            <a:noFill/>
-            <a:ln>
-              <a:noFill/>
-            </a:ln>
-            <a:extLst>
-              <a:ext uri="{909E8E84-426E-40dd-AFC4-6F175D3DCCD1}">
-                <a14:hiddenFill xmlns="" xmlns:a14="http://schemas.microsoft.com/office/drawing/2010/main">
-                  <a:solidFill>
-                    <a:srgbClr val="FFFFFF"/>
-                  </a:solidFill>
-                </a14:hiddenFill>
-              </a:ext>
-              <a:ext uri="{91240B29-F687-4f45-9708-019B960494DF}">
-                <a14:hiddenLine xmlns="" xmlns:a14="http://schemas.microsoft.com/office/drawing/2010/main" w="9525">
-                  <a:solidFill>
-                    <a:srgbClr val="000000"/>
-                  </a:solidFill>
-                  <a:miter lim="800000"/>
-                  <a:headEnd/>
-                  <a:tailEnd/>
-                </a14:hiddenLine>
-              </a:ext>
-            </a:extLst>
-          </p:spPr>
-          <p:txBody>
-            <a:bodyPr>
-              <a:spAutoFit/>
-            </a:bodyPr>
-            <a:lstStyle>
-              <a:lvl1pPr eaLnBrk="0" hangingPunct="0">
-                <a:defRPr sz="2400">
-                  <a:solidFill>
-                    <a:schemeClr val="tx1"/>
-                  </a:solidFill>
-                  <a:latin typeface="Arial" charset="0"/>
-                  <a:ea typeface="ＭＳ Ｐゴシック" charset="0"/>
-                  <a:cs typeface="ＭＳ Ｐゴシック" charset="0"/>
-                </a:defRPr>
-              </a:lvl1pPr>
-              <a:lvl2pPr marL="742950" indent="-285750" eaLnBrk="0" hangingPunct="0">
-                <a:defRPr sz="2400">
-                  <a:solidFill>
-                    <a:schemeClr val="tx1"/>
-                  </a:solidFill>
-                  <a:latin typeface="Arial" charset="0"/>
-                  <a:ea typeface="ＭＳ Ｐゴシック" charset="0"/>
-                </a:defRPr>
-              </a:lvl2pPr>
-              <a:lvl3pPr marL="1143000" indent="-228600" eaLnBrk="0" hangingPunct="0">
-                <a:defRPr sz="2400">
-                  <a:solidFill>
-                    <a:schemeClr val="tx1"/>
-                  </a:solidFill>
-                  <a:latin typeface="Arial" charset="0"/>
-                  <a:ea typeface="ＭＳ Ｐゴシック" charset="0"/>
-                </a:defRPr>
-              </a:lvl3pPr>
-              <a:lvl4pPr marL="1600200" indent="-228600" eaLnBrk="0" hangingPunct="0">
-                <a:defRPr sz="2400">
-                  <a:solidFill>
-                    <a:schemeClr val="tx1"/>
-                  </a:solidFill>
-                  <a:latin typeface="Arial" charset="0"/>
-                  <a:ea typeface="ＭＳ Ｐゴシック" charset="0"/>
-                </a:defRPr>
-              </a:lvl4pPr>
-              <a:lvl5pPr marL="2057400" indent="-228600" eaLnBrk="0" hangingPunct="0">
-                <a:defRPr sz="2400">
-                  <a:solidFill>
-                    <a:schemeClr val="tx1"/>
-                  </a:solidFill>
-                  <a:latin typeface="Arial" charset="0"/>
-                  <a:ea typeface="ＭＳ Ｐゴシック" charset="0"/>
-                </a:defRPr>
-              </a:lvl5pPr>
-              <a:lvl6pPr marL="2514600" indent="-228600" eaLnBrk="0" fontAlgn="base" hangingPunct="0">
-                <a:spcBef>
-                  <a:spcPct val="0"/>
-                </a:spcBef>
-                <a:spcAft>
-                  <a:spcPct val="0"/>
-                </a:spcAft>
-                <a:defRPr sz="2400">
-                  <a:solidFill>
-                    <a:schemeClr val="tx1"/>
-                  </a:solidFill>
-                  <a:latin typeface="Arial" charset="0"/>
-                  <a:ea typeface="ＭＳ Ｐゴシック" charset="0"/>
-                </a:defRPr>
-              </a:lvl6pPr>
-              <a:lvl7pPr marL="2971800" indent="-228600" eaLnBrk="0" fontAlgn="base" hangingPunct="0">
-                <a:spcBef>
-                  <a:spcPct val="0"/>
-                </a:spcBef>
-                <a:spcAft>
-                  <a:spcPct val="0"/>
-                </a:spcAft>
-                <a:defRPr sz="2400">
-                  <a:solidFill>
-                    <a:schemeClr val="tx1"/>
-                  </a:solidFill>
-                  <a:latin typeface="Arial" charset="0"/>
-                  <a:ea typeface="ＭＳ Ｐゴシック" charset="0"/>
-                </a:defRPr>
-              </a:lvl7pPr>
-              <a:lvl8pPr marL="3429000" indent="-228600" eaLnBrk="0" fontAlgn="base" hangingPunct="0">
-                <a:spcBef>
-                  <a:spcPct val="0"/>
-                </a:spcBef>
-                <a:spcAft>
-                  <a:spcPct val="0"/>
-                </a:spcAft>
-                <a:defRPr sz="2400">
-                  <a:solidFill>
-                    <a:schemeClr val="tx1"/>
-                  </a:solidFill>
-                  <a:latin typeface="Arial" charset="0"/>
-                  <a:ea typeface="ＭＳ Ｐゴシック" charset="0"/>
-                </a:defRPr>
-              </a:lvl8pPr>
-              <a:lvl9pPr marL="3886200" indent="-228600" eaLnBrk="0" fontAlgn="base" hangingPunct="0">
-                <a:spcBef>
-                  <a:spcPct val="0"/>
-                </a:spcBef>
-                <a:spcAft>
-                  <a:spcPct val="0"/>
-                </a:spcAft>
-                <a:defRPr sz="2400">
-                  <a:solidFill>
-                    <a:schemeClr val="tx1"/>
-                  </a:solidFill>
-                  <a:latin typeface="Arial" charset="0"/>
-                  <a:ea typeface="ＭＳ Ｐゴシック" charset="0"/>
-                </a:defRPr>
-              </a:lvl9pPr>
-            </a:lstStyle>
-            <a:p>
-              <a:pPr eaLnBrk="1" hangingPunct="1">
-                <a:spcBef>
-                  <a:spcPct val="50000"/>
-                </a:spcBef>
-              </a:pPr>
-              <a:r>
-                <a:rPr lang="en-US" dirty="0"/>
-                <a:t>A</a:t>
-              </a:r>
-            </a:p>
-          </p:txBody>
-        </p:sp>
-      </p:grpSp>
-      <p:grpSp>
-        <p:nvGrpSpPr>
-          <p:cNvPr id="8" name="Group 7"/>
-          <p:cNvGrpSpPr>
-            <a:grpSpLocks/>
-          </p:cNvGrpSpPr>
-          <p:nvPr/>
-        </p:nvGrpSpPr>
-        <p:grpSpPr bwMode="auto">
-          <a:xfrm>
-            <a:off x="1167765" y="5147763"/>
-            <a:ext cx="533400" cy="533400"/>
-            <a:chOff x="1824" y="2736"/>
-            <a:chExt cx="336" cy="336"/>
-          </a:xfrm>
-        </p:grpSpPr>
-        <p:sp>
-          <p:nvSpPr>
-            <p:cNvPr id="9" name="Oval 8"/>
-            <p:cNvSpPr>
-              <a:spLocks noChangeArrowheads="1"/>
-            </p:cNvSpPr>
-            <p:nvPr/>
-          </p:nvSpPr>
-          <p:spPr bwMode="auto">
-            <a:xfrm>
-              <a:off x="1824" y="2736"/>
-              <a:ext cx="336" cy="336"/>
-            </a:xfrm>
-            <a:prstGeom prst="ellipse">
-              <a:avLst/>
-            </a:prstGeom>
-            <a:solidFill>
-              <a:schemeClr val="accent2"/>
-            </a:solidFill>
-            <a:ln w="9525">
-              <a:solidFill>
-                <a:schemeClr val="tx1"/>
-              </a:solidFill>
-              <a:round/>
-              <a:headEnd/>
-              <a:tailEnd/>
-            </a:ln>
-          </p:spPr>
-          <p:txBody>
-            <a:bodyPr wrap="none" anchor="ctr"/>
-            <a:lstStyle/>
-            <a:p>
-              <a:endParaRPr lang="en-US"/>
-            </a:p>
-          </p:txBody>
-        </p:sp>
-        <p:sp>
-          <p:nvSpPr>
-            <p:cNvPr id="10" name="Text Box 9"/>
-            <p:cNvSpPr txBox="1">
-              <a:spLocks noChangeArrowheads="1"/>
-            </p:cNvSpPr>
-            <p:nvPr/>
-          </p:nvSpPr>
-          <p:spPr bwMode="auto">
-            <a:xfrm>
-              <a:off x="1872" y="2736"/>
-              <a:ext cx="288" cy="288"/>
-            </a:xfrm>
-            <a:prstGeom prst="rect">
-              <a:avLst/>
-            </a:prstGeom>
-            <a:noFill/>
-            <a:ln>
-              <a:noFill/>
-            </a:ln>
-            <a:extLst>
-              <a:ext uri="{909E8E84-426E-40dd-AFC4-6F175D3DCCD1}">
-                <a14:hiddenFill xmlns="" xmlns:a14="http://schemas.microsoft.com/office/drawing/2010/main">
-                  <a:solidFill>
-                    <a:srgbClr val="FFFFFF"/>
-                  </a:solidFill>
-                </a14:hiddenFill>
-              </a:ext>
-              <a:ext uri="{91240B29-F687-4f45-9708-019B960494DF}">
-                <a14:hiddenLine xmlns="" xmlns:a14="http://schemas.microsoft.com/office/drawing/2010/main" w="9525">
-                  <a:solidFill>
-                    <a:srgbClr val="000000"/>
-                  </a:solidFill>
-                  <a:miter lim="800000"/>
-                  <a:headEnd/>
-                  <a:tailEnd/>
-                </a14:hiddenLine>
-              </a:ext>
-            </a:extLst>
-          </p:spPr>
-          <p:txBody>
-            <a:bodyPr>
-              <a:spAutoFit/>
-            </a:bodyPr>
-            <a:lstStyle>
-              <a:lvl1pPr eaLnBrk="0" hangingPunct="0">
-                <a:defRPr sz="2400">
-                  <a:solidFill>
-                    <a:schemeClr val="tx1"/>
-                  </a:solidFill>
-                  <a:latin typeface="Arial" charset="0"/>
-                  <a:ea typeface="ＭＳ Ｐゴシック" charset="0"/>
-                  <a:cs typeface="ＭＳ Ｐゴシック" charset="0"/>
-                </a:defRPr>
-              </a:lvl1pPr>
-              <a:lvl2pPr marL="742950" indent="-285750" eaLnBrk="0" hangingPunct="0">
-                <a:defRPr sz="2400">
-                  <a:solidFill>
-                    <a:schemeClr val="tx1"/>
-                  </a:solidFill>
-                  <a:latin typeface="Arial" charset="0"/>
-                  <a:ea typeface="ＭＳ Ｐゴシック" charset="0"/>
-                </a:defRPr>
-              </a:lvl2pPr>
-              <a:lvl3pPr marL="1143000" indent="-228600" eaLnBrk="0" hangingPunct="0">
-                <a:defRPr sz="2400">
-                  <a:solidFill>
-                    <a:schemeClr val="tx1"/>
-                  </a:solidFill>
-                  <a:latin typeface="Arial" charset="0"/>
-                  <a:ea typeface="ＭＳ Ｐゴシック" charset="0"/>
-                </a:defRPr>
-              </a:lvl3pPr>
-              <a:lvl4pPr marL="1600200" indent="-228600" eaLnBrk="0" hangingPunct="0">
-                <a:defRPr sz="2400">
-                  <a:solidFill>
-                    <a:schemeClr val="tx1"/>
-                  </a:solidFill>
-                  <a:latin typeface="Arial" charset="0"/>
-                  <a:ea typeface="ＭＳ Ｐゴシック" charset="0"/>
-                </a:defRPr>
-              </a:lvl4pPr>
-              <a:lvl5pPr marL="2057400" indent="-228600" eaLnBrk="0" hangingPunct="0">
-                <a:defRPr sz="2400">
-                  <a:solidFill>
-                    <a:schemeClr val="tx1"/>
-                  </a:solidFill>
-                  <a:latin typeface="Arial" charset="0"/>
-                  <a:ea typeface="ＭＳ Ｐゴシック" charset="0"/>
-                </a:defRPr>
-              </a:lvl5pPr>
-              <a:lvl6pPr marL="2514600" indent="-228600" eaLnBrk="0" fontAlgn="base" hangingPunct="0">
-                <a:spcBef>
-                  <a:spcPct val="0"/>
-                </a:spcBef>
-                <a:spcAft>
-                  <a:spcPct val="0"/>
-                </a:spcAft>
-                <a:defRPr sz="2400">
-                  <a:solidFill>
-                    <a:schemeClr val="tx1"/>
-                  </a:solidFill>
-                  <a:latin typeface="Arial" charset="0"/>
-                  <a:ea typeface="ＭＳ Ｐゴシック" charset="0"/>
-                </a:defRPr>
-              </a:lvl6pPr>
-              <a:lvl7pPr marL="2971800" indent="-228600" eaLnBrk="0" fontAlgn="base" hangingPunct="0">
-                <a:spcBef>
-                  <a:spcPct val="0"/>
-                </a:spcBef>
-                <a:spcAft>
-                  <a:spcPct val="0"/>
-                </a:spcAft>
-                <a:defRPr sz="2400">
-                  <a:solidFill>
-                    <a:schemeClr val="tx1"/>
-                  </a:solidFill>
-                  <a:latin typeface="Arial" charset="0"/>
-                  <a:ea typeface="ＭＳ Ｐゴシック" charset="0"/>
-                </a:defRPr>
-              </a:lvl7pPr>
-              <a:lvl8pPr marL="3429000" indent="-228600" eaLnBrk="0" fontAlgn="base" hangingPunct="0">
-                <a:spcBef>
-                  <a:spcPct val="0"/>
-                </a:spcBef>
-                <a:spcAft>
-                  <a:spcPct val="0"/>
-                </a:spcAft>
-                <a:defRPr sz="2400">
-                  <a:solidFill>
-                    <a:schemeClr val="tx1"/>
-                  </a:solidFill>
-                  <a:latin typeface="Arial" charset="0"/>
-                  <a:ea typeface="ＭＳ Ｐゴシック" charset="0"/>
-                </a:defRPr>
-              </a:lvl8pPr>
-              <a:lvl9pPr marL="3886200" indent="-228600" eaLnBrk="0" fontAlgn="base" hangingPunct="0">
-                <a:spcBef>
-                  <a:spcPct val="0"/>
-                </a:spcBef>
-                <a:spcAft>
-                  <a:spcPct val="0"/>
-                </a:spcAft>
-                <a:defRPr sz="2400">
-                  <a:solidFill>
-                    <a:schemeClr val="tx1"/>
-                  </a:solidFill>
-                  <a:latin typeface="Arial" charset="0"/>
-                  <a:ea typeface="ＭＳ Ｐゴシック" charset="0"/>
-                </a:defRPr>
-              </a:lvl9pPr>
-            </a:lstStyle>
-            <a:p>
-              <a:pPr eaLnBrk="1" hangingPunct="1">
-                <a:spcBef>
-                  <a:spcPct val="50000"/>
-                </a:spcBef>
-              </a:pPr>
-              <a:r>
-                <a:rPr lang="en-US"/>
-                <a:t>B</a:t>
-              </a:r>
-            </a:p>
-          </p:txBody>
-        </p:sp>
-      </p:grpSp>
-      <p:grpSp>
-        <p:nvGrpSpPr>
-          <p:cNvPr id="14" name="Group 13"/>
-          <p:cNvGrpSpPr>
-            <a:grpSpLocks/>
-          </p:cNvGrpSpPr>
-          <p:nvPr/>
-        </p:nvGrpSpPr>
-        <p:grpSpPr bwMode="auto">
-          <a:xfrm>
-            <a:off x="5434965" y="6214563"/>
-            <a:ext cx="533400" cy="533400"/>
-            <a:chOff x="1824" y="2736"/>
-            <a:chExt cx="336" cy="336"/>
-          </a:xfrm>
-        </p:grpSpPr>
-        <p:sp>
-          <p:nvSpPr>
-            <p:cNvPr id="15" name="Oval 14"/>
-            <p:cNvSpPr>
-              <a:spLocks noChangeArrowheads="1"/>
-            </p:cNvSpPr>
-            <p:nvPr/>
-          </p:nvSpPr>
-          <p:spPr bwMode="auto">
-            <a:xfrm>
-              <a:off x="1824" y="2736"/>
-              <a:ext cx="336" cy="336"/>
-            </a:xfrm>
-            <a:prstGeom prst="ellipse">
-              <a:avLst/>
-            </a:prstGeom>
-            <a:solidFill>
-              <a:schemeClr val="accent2"/>
-            </a:solidFill>
-            <a:ln w="9525">
-              <a:solidFill>
-                <a:schemeClr val="tx1"/>
-              </a:solidFill>
-              <a:round/>
-              <a:headEnd/>
-              <a:tailEnd/>
-            </a:ln>
-          </p:spPr>
-          <p:txBody>
-            <a:bodyPr wrap="none" anchor="ctr"/>
-            <a:lstStyle/>
-            <a:p>
-              <a:endParaRPr lang="en-US"/>
-            </a:p>
-          </p:txBody>
-        </p:sp>
-        <p:sp>
-          <p:nvSpPr>
-            <p:cNvPr id="16" name="Text Box 15"/>
-            <p:cNvSpPr txBox="1">
-              <a:spLocks noChangeArrowheads="1"/>
-            </p:cNvSpPr>
-            <p:nvPr/>
-          </p:nvSpPr>
-          <p:spPr bwMode="auto">
-            <a:xfrm>
-              <a:off x="1872" y="2736"/>
-              <a:ext cx="288" cy="288"/>
-            </a:xfrm>
-            <a:prstGeom prst="rect">
-              <a:avLst/>
-            </a:prstGeom>
-            <a:noFill/>
-            <a:ln>
-              <a:noFill/>
-            </a:ln>
-            <a:extLst>
-              <a:ext uri="{909E8E84-426E-40dd-AFC4-6F175D3DCCD1}">
-                <a14:hiddenFill xmlns="" xmlns:a14="http://schemas.microsoft.com/office/drawing/2010/main">
-                  <a:solidFill>
-                    <a:srgbClr val="FFFFFF"/>
-                  </a:solidFill>
-                </a14:hiddenFill>
-              </a:ext>
-              <a:ext uri="{91240B29-F687-4f45-9708-019B960494DF}">
-                <a14:hiddenLine xmlns="" xmlns:a14="http://schemas.microsoft.com/office/drawing/2010/main" w="9525">
-                  <a:solidFill>
-                    <a:srgbClr val="000000"/>
-                  </a:solidFill>
-                  <a:miter lim="800000"/>
-                  <a:headEnd/>
-                  <a:tailEnd/>
-                </a14:hiddenLine>
-              </a:ext>
-            </a:extLst>
-          </p:spPr>
-          <p:txBody>
-            <a:bodyPr>
-              <a:spAutoFit/>
-            </a:bodyPr>
-            <a:lstStyle>
-              <a:lvl1pPr eaLnBrk="0" hangingPunct="0">
-                <a:defRPr sz="2400">
-                  <a:solidFill>
-                    <a:schemeClr val="tx1"/>
-                  </a:solidFill>
-                  <a:latin typeface="Arial" charset="0"/>
-                  <a:ea typeface="ＭＳ Ｐゴシック" charset="0"/>
-                  <a:cs typeface="ＭＳ Ｐゴシック" charset="0"/>
-                </a:defRPr>
-              </a:lvl1pPr>
-              <a:lvl2pPr marL="742950" indent="-285750" eaLnBrk="0" hangingPunct="0">
-                <a:defRPr sz="2400">
-                  <a:solidFill>
-                    <a:schemeClr val="tx1"/>
-                  </a:solidFill>
-                  <a:latin typeface="Arial" charset="0"/>
-                  <a:ea typeface="ＭＳ Ｐゴシック" charset="0"/>
-                </a:defRPr>
-              </a:lvl2pPr>
-              <a:lvl3pPr marL="1143000" indent="-228600" eaLnBrk="0" hangingPunct="0">
-                <a:defRPr sz="2400">
-                  <a:solidFill>
-                    <a:schemeClr val="tx1"/>
-                  </a:solidFill>
-                  <a:latin typeface="Arial" charset="0"/>
-                  <a:ea typeface="ＭＳ Ｐゴシック" charset="0"/>
-                </a:defRPr>
-              </a:lvl3pPr>
-              <a:lvl4pPr marL="1600200" indent="-228600" eaLnBrk="0" hangingPunct="0">
-                <a:defRPr sz="2400">
-                  <a:solidFill>
-                    <a:schemeClr val="tx1"/>
-                  </a:solidFill>
-                  <a:latin typeface="Arial" charset="0"/>
-                  <a:ea typeface="ＭＳ Ｐゴシック" charset="0"/>
-                </a:defRPr>
-              </a:lvl4pPr>
-              <a:lvl5pPr marL="2057400" indent="-228600" eaLnBrk="0" hangingPunct="0">
-                <a:defRPr sz="2400">
-                  <a:solidFill>
-                    <a:schemeClr val="tx1"/>
-                  </a:solidFill>
-                  <a:latin typeface="Arial" charset="0"/>
-                  <a:ea typeface="ＭＳ Ｐゴシック" charset="0"/>
-                </a:defRPr>
-              </a:lvl5pPr>
-              <a:lvl6pPr marL="2514600" indent="-228600" eaLnBrk="0" fontAlgn="base" hangingPunct="0">
-                <a:spcBef>
-                  <a:spcPct val="0"/>
-                </a:spcBef>
-                <a:spcAft>
-                  <a:spcPct val="0"/>
-                </a:spcAft>
-                <a:defRPr sz="2400">
-                  <a:solidFill>
-                    <a:schemeClr val="tx1"/>
-                  </a:solidFill>
-                  <a:latin typeface="Arial" charset="0"/>
-                  <a:ea typeface="ＭＳ Ｐゴシック" charset="0"/>
-                </a:defRPr>
-              </a:lvl6pPr>
-              <a:lvl7pPr marL="2971800" indent="-228600" eaLnBrk="0" fontAlgn="base" hangingPunct="0">
-                <a:spcBef>
-                  <a:spcPct val="0"/>
-                </a:spcBef>
-                <a:spcAft>
-                  <a:spcPct val="0"/>
-                </a:spcAft>
-                <a:defRPr sz="2400">
-                  <a:solidFill>
-                    <a:schemeClr val="tx1"/>
-                  </a:solidFill>
-                  <a:latin typeface="Arial" charset="0"/>
-                  <a:ea typeface="ＭＳ Ｐゴシック" charset="0"/>
-                </a:defRPr>
-              </a:lvl7pPr>
-              <a:lvl8pPr marL="3429000" indent="-228600" eaLnBrk="0" fontAlgn="base" hangingPunct="0">
-                <a:spcBef>
-                  <a:spcPct val="0"/>
-                </a:spcBef>
-                <a:spcAft>
-                  <a:spcPct val="0"/>
-                </a:spcAft>
-                <a:defRPr sz="2400">
-                  <a:solidFill>
-                    <a:schemeClr val="tx1"/>
-                  </a:solidFill>
-                  <a:latin typeface="Arial" charset="0"/>
-                  <a:ea typeface="ＭＳ Ｐゴシック" charset="0"/>
-                </a:defRPr>
-              </a:lvl8pPr>
-              <a:lvl9pPr marL="3886200" indent="-228600" eaLnBrk="0" fontAlgn="base" hangingPunct="0">
-                <a:spcBef>
-                  <a:spcPct val="0"/>
-                </a:spcBef>
-                <a:spcAft>
-                  <a:spcPct val="0"/>
-                </a:spcAft>
-                <a:defRPr sz="2400">
-                  <a:solidFill>
-                    <a:schemeClr val="tx1"/>
-                  </a:solidFill>
-                  <a:latin typeface="Arial" charset="0"/>
-                  <a:ea typeface="ＭＳ Ｐゴシック" charset="0"/>
-                </a:defRPr>
-              </a:lvl9pPr>
-            </a:lstStyle>
-            <a:p>
-              <a:pPr eaLnBrk="1" hangingPunct="1">
-                <a:spcBef>
-                  <a:spcPct val="50000"/>
-                </a:spcBef>
-              </a:pPr>
-              <a:r>
-                <a:rPr lang="en-US"/>
-                <a:t>E</a:t>
-              </a:r>
-            </a:p>
-          </p:txBody>
-        </p:sp>
-      </p:grpSp>
-      <p:grpSp>
-        <p:nvGrpSpPr>
-          <p:cNvPr id="17" name="Group 16"/>
-          <p:cNvGrpSpPr>
-            <a:grpSpLocks/>
-          </p:cNvGrpSpPr>
-          <p:nvPr/>
-        </p:nvGrpSpPr>
-        <p:grpSpPr bwMode="auto">
-          <a:xfrm>
-            <a:off x="3453765" y="5757363"/>
-            <a:ext cx="533400" cy="533400"/>
-            <a:chOff x="1824" y="2736"/>
-            <a:chExt cx="336" cy="336"/>
-          </a:xfrm>
-        </p:grpSpPr>
-        <p:sp>
-          <p:nvSpPr>
-            <p:cNvPr id="18" name="Oval 17"/>
-            <p:cNvSpPr>
-              <a:spLocks noChangeArrowheads="1"/>
-            </p:cNvSpPr>
-            <p:nvPr/>
-          </p:nvSpPr>
-          <p:spPr bwMode="auto">
-            <a:xfrm>
-              <a:off x="1824" y="2736"/>
-              <a:ext cx="336" cy="336"/>
-            </a:xfrm>
-            <a:prstGeom prst="ellipse">
-              <a:avLst/>
-            </a:prstGeom>
-            <a:solidFill>
-              <a:schemeClr val="accent2"/>
-            </a:solidFill>
-            <a:ln w="9525">
-              <a:solidFill>
-                <a:schemeClr val="tx1"/>
-              </a:solidFill>
-              <a:round/>
-              <a:headEnd/>
-              <a:tailEnd/>
-            </a:ln>
-          </p:spPr>
-          <p:txBody>
-            <a:bodyPr wrap="none" anchor="ctr"/>
-            <a:lstStyle/>
-            <a:p>
-              <a:endParaRPr lang="en-US"/>
-            </a:p>
-          </p:txBody>
-        </p:sp>
-        <p:sp>
-          <p:nvSpPr>
-            <p:cNvPr id="19" name="Text Box 18"/>
-            <p:cNvSpPr txBox="1">
-              <a:spLocks noChangeArrowheads="1"/>
-            </p:cNvSpPr>
-            <p:nvPr/>
-          </p:nvSpPr>
-          <p:spPr bwMode="auto">
-            <a:xfrm>
-              <a:off x="1872" y="2736"/>
-              <a:ext cx="288" cy="288"/>
-            </a:xfrm>
-            <a:prstGeom prst="rect">
-              <a:avLst/>
-            </a:prstGeom>
-            <a:noFill/>
-            <a:ln>
-              <a:noFill/>
-            </a:ln>
-            <a:extLst>
-              <a:ext uri="{909E8E84-426E-40dd-AFC4-6F175D3DCCD1}">
-                <a14:hiddenFill xmlns="" xmlns:a14="http://schemas.microsoft.com/office/drawing/2010/main">
-                  <a:solidFill>
-                    <a:srgbClr val="FFFFFF"/>
-                  </a:solidFill>
-                </a14:hiddenFill>
-              </a:ext>
-              <a:ext uri="{91240B29-F687-4f45-9708-019B960494DF}">
-                <a14:hiddenLine xmlns="" xmlns:a14="http://schemas.microsoft.com/office/drawing/2010/main" w="9525">
-                  <a:solidFill>
-                    <a:srgbClr val="000000"/>
-                  </a:solidFill>
-                  <a:miter lim="800000"/>
-                  <a:headEnd/>
-                  <a:tailEnd/>
-                </a14:hiddenLine>
-              </a:ext>
-            </a:extLst>
-          </p:spPr>
-          <p:txBody>
-            <a:bodyPr>
-              <a:spAutoFit/>
-            </a:bodyPr>
-            <a:lstStyle>
-              <a:lvl1pPr eaLnBrk="0" hangingPunct="0">
-                <a:defRPr sz="2400">
-                  <a:solidFill>
-                    <a:schemeClr val="tx1"/>
-                  </a:solidFill>
-                  <a:latin typeface="Arial" charset="0"/>
-                  <a:ea typeface="ＭＳ Ｐゴシック" charset="0"/>
-                  <a:cs typeface="ＭＳ Ｐゴシック" charset="0"/>
-                </a:defRPr>
-              </a:lvl1pPr>
-              <a:lvl2pPr marL="742950" indent="-285750" eaLnBrk="0" hangingPunct="0">
-                <a:defRPr sz="2400">
-                  <a:solidFill>
-                    <a:schemeClr val="tx1"/>
-                  </a:solidFill>
-                  <a:latin typeface="Arial" charset="0"/>
-                  <a:ea typeface="ＭＳ Ｐゴシック" charset="0"/>
-                </a:defRPr>
-              </a:lvl2pPr>
-              <a:lvl3pPr marL="1143000" indent="-228600" eaLnBrk="0" hangingPunct="0">
-                <a:defRPr sz="2400">
-                  <a:solidFill>
-                    <a:schemeClr val="tx1"/>
-                  </a:solidFill>
-                  <a:latin typeface="Arial" charset="0"/>
-                  <a:ea typeface="ＭＳ Ｐゴシック" charset="0"/>
-                </a:defRPr>
-              </a:lvl3pPr>
-              <a:lvl4pPr marL="1600200" indent="-228600" eaLnBrk="0" hangingPunct="0">
-                <a:defRPr sz="2400">
-                  <a:solidFill>
-                    <a:schemeClr val="tx1"/>
-                  </a:solidFill>
-                  <a:latin typeface="Arial" charset="0"/>
-                  <a:ea typeface="ＭＳ Ｐゴシック" charset="0"/>
-                </a:defRPr>
-              </a:lvl4pPr>
-              <a:lvl5pPr marL="2057400" indent="-228600" eaLnBrk="0" hangingPunct="0">
-                <a:defRPr sz="2400">
-                  <a:solidFill>
-                    <a:schemeClr val="tx1"/>
-                  </a:solidFill>
-                  <a:latin typeface="Arial" charset="0"/>
-                  <a:ea typeface="ＭＳ Ｐゴシック" charset="0"/>
-                </a:defRPr>
-              </a:lvl5pPr>
-              <a:lvl6pPr marL="2514600" indent="-228600" eaLnBrk="0" fontAlgn="base" hangingPunct="0">
-                <a:spcBef>
-                  <a:spcPct val="0"/>
-                </a:spcBef>
-                <a:spcAft>
-                  <a:spcPct val="0"/>
-                </a:spcAft>
-                <a:defRPr sz="2400">
-                  <a:solidFill>
-                    <a:schemeClr val="tx1"/>
-                  </a:solidFill>
-                  <a:latin typeface="Arial" charset="0"/>
-                  <a:ea typeface="ＭＳ Ｐゴシック" charset="0"/>
-                </a:defRPr>
-              </a:lvl6pPr>
-              <a:lvl7pPr marL="2971800" indent="-228600" eaLnBrk="0" fontAlgn="base" hangingPunct="0">
-                <a:spcBef>
-                  <a:spcPct val="0"/>
-                </a:spcBef>
-                <a:spcAft>
-                  <a:spcPct val="0"/>
-                </a:spcAft>
-                <a:defRPr sz="2400">
-                  <a:solidFill>
-                    <a:schemeClr val="tx1"/>
-                  </a:solidFill>
-                  <a:latin typeface="Arial" charset="0"/>
-                  <a:ea typeface="ＭＳ Ｐゴシック" charset="0"/>
-                </a:defRPr>
-              </a:lvl7pPr>
-              <a:lvl8pPr marL="3429000" indent="-228600" eaLnBrk="0" fontAlgn="base" hangingPunct="0">
-                <a:spcBef>
-                  <a:spcPct val="0"/>
-                </a:spcBef>
-                <a:spcAft>
-                  <a:spcPct val="0"/>
-                </a:spcAft>
-                <a:defRPr sz="2400">
-                  <a:solidFill>
-                    <a:schemeClr val="tx1"/>
-                  </a:solidFill>
-                  <a:latin typeface="Arial" charset="0"/>
-                  <a:ea typeface="ＭＳ Ｐゴシック" charset="0"/>
-                </a:defRPr>
-              </a:lvl8pPr>
-              <a:lvl9pPr marL="3886200" indent="-228600" eaLnBrk="0" fontAlgn="base" hangingPunct="0">
-                <a:spcBef>
-                  <a:spcPct val="0"/>
-                </a:spcBef>
-                <a:spcAft>
-                  <a:spcPct val="0"/>
-                </a:spcAft>
-                <a:defRPr sz="2400">
-                  <a:solidFill>
-                    <a:schemeClr val="tx1"/>
-                  </a:solidFill>
-                  <a:latin typeface="Arial" charset="0"/>
-                  <a:ea typeface="ＭＳ Ｐゴシック" charset="0"/>
-                </a:defRPr>
-              </a:lvl9pPr>
-            </a:lstStyle>
-            <a:p>
-              <a:pPr eaLnBrk="1" hangingPunct="1">
-                <a:spcBef>
-                  <a:spcPct val="50000"/>
-                </a:spcBef>
-              </a:pPr>
-              <a:r>
-                <a:rPr lang="en-US"/>
-                <a:t>D</a:t>
-              </a:r>
-            </a:p>
-          </p:txBody>
-        </p:sp>
-      </p:grpSp>
-      <p:grpSp>
-        <p:nvGrpSpPr>
-          <p:cNvPr id="20" name="Group 19"/>
-          <p:cNvGrpSpPr>
-            <a:grpSpLocks/>
-          </p:cNvGrpSpPr>
-          <p:nvPr/>
-        </p:nvGrpSpPr>
-        <p:grpSpPr bwMode="auto">
-          <a:xfrm>
-            <a:off x="6882765" y="5300163"/>
-            <a:ext cx="533400" cy="533400"/>
-            <a:chOff x="1824" y="2736"/>
-            <a:chExt cx="336" cy="336"/>
-          </a:xfrm>
-        </p:grpSpPr>
-        <p:sp>
-          <p:nvSpPr>
-            <p:cNvPr id="21" name="Oval 20"/>
-            <p:cNvSpPr>
-              <a:spLocks noChangeArrowheads="1"/>
-            </p:cNvSpPr>
-            <p:nvPr/>
-          </p:nvSpPr>
-          <p:spPr bwMode="auto">
-            <a:xfrm>
-              <a:off x="1824" y="2736"/>
-              <a:ext cx="336" cy="336"/>
-            </a:xfrm>
-            <a:prstGeom prst="ellipse">
-              <a:avLst/>
-            </a:prstGeom>
-            <a:solidFill>
-              <a:schemeClr val="accent2"/>
-            </a:solidFill>
-            <a:ln w="9525">
-              <a:solidFill>
-                <a:schemeClr val="tx1"/>
-              </a:solidFill>
-              <a:round/>
-              <a:headEnd/>
-              <a:tailEnd/>
-            </a:ln>
-          </p:spPr>
-          <p:txBody>
-            <a:bodyPr wrap="none" anchor="ctr"/>
-            <a:lstStyle/>
-            <a:p>
-              <a:endParaRPr lang="en-US"/>
-            </a:p>
-          </p:txBody>
-        </p:sp>
-        <p:sp>
-          <p:nvSpPr>
-            <p:cNvPr id="22" name="Text Box 21"/>
-            <p:cNvSpPr txBox="1">
-              <a:spLocks noChangeArrowheads="1"/>
-            </p:cNvSpPr>
-            <p:nvPr/>
-          </p:nvSpPr>
-          <p:spPr bwMode="auto">
-            <a:xfrm>
-              <a:off x="1872" y="2736"/>
-              <a:ext cx="288" cy="288"/>
-            </a:xfrm>
-            <a:prstGeom prst="rect">
-              <a:avLst/>
-            </a:prstGeom>
-            <a:noFill/>
-            <a:ln>
-              <a:noFill/>
-            </a:ln>
-            <a:extLst>
-              <a:ext uri="{909E8E84-426E-40dd-AFC4-6F175D3DCCD1}">
-                <a14:hiddenFill xmlns="" xmlns:a14="http://schemas.microsoft.com/office/drawing/2010/main">
-                  <a:solidFill>
-                    <a:srgbClr val="FFFFFF"/>
-                  </a:solidFill>
-                </a14:hiddenFill>
-              </a:ext>
-              <a:ext uri="{91240B29-F687-4f45-9708-019B960494DF}">
-                <a14:hiddenLine xmlns="" xmlns:a14="http://schemas.microsoft.com/office/drawing/2010/main" w="9525">
-                  <a:solidFill>
-                    <a:srgbClr val="000000"/>
-                  </a:solidFill>
-                  <a:miter lim="800000"/>
-                  <a:headEnd/>
-                  <a:tailEnd/>
-                </a14:hiddenLine>
-              </a:ext>
-            </a:extLst>
-          </p:spPr>
-          <p:txBody>
-            <a:bodyPr>
-              <a:spAutoFit/>
-            </a:bodyPr>
-            <a:lstStyle>
-              <a:lvl1pPr eaLnBrk="0" hangingPunct="0">
-                <a:defRPr sz="2400">
-                  <a:solidFill>
-                    <a:schemeClr val="tx1"/>
-                  </a:solidFill>
-                  <a:latin typeface="Arial" charset="0"/>
-                  <a:ea typeface="ＭＳ Ｐゴシック" charset="0"/>
-                  <a:cs typeface="ＭＳ Ｐゴシック" charset="0"/>
-                </a:defRPr>
-              </a:lvl1pPr>
-              <a:lvl2pPr marL="742950" indent="-285750" eaLnBrk="0" hangingPunct="0">
-                <a:defRPr sz="2400">
-                  <a:solidFill>
-                    <a:schemeClr val="tx1"/>
-                  </a:solidFill>
-                  <a:latin typeface="Arial" charset="0"/>
-                  <a:ea typeface="ＭＳ Ｐゴシック" charset="0"/>
-                </a:defRPr>
-              </a:lvl2pPr>
-              <a:lvl3pPr marL="1143000" indent="-228600" eaLnBrk="0" hangingPunct="0">
-                <a:defRPr sz="2400">
-                  <a:solidFill>
-                    <a:schemeClr val="tx1"/>
-                  </a:solidFill>
-                  <a:latin typeface="Arial" charset="0"/>
-                  <a:ea typeface="ＭＳ Ｐゴシック" charset="0"/>
-                </a:defRPr>
-              </a:lvl3pPr>
-              <a:lvl4pPr marL="1600200" indent="-228600" eaLnBrk="0" hangingPunct="0">
-                <a:defRPr sz="2400">
-                  <a:solidFill>
-                    <a:schemeClr val="tx1"/>
-                  </a:solidFill>
-                  <a:latin typeface="Arial" charset="0"/>
-                  <a:ea typeface="ＭＳ Ｐゴシック" charset="0"/>
-                </a:defRPr>
-              </a:lvl4pPr>
-              <a:lvl5pPr marL="2057400" indent="-228600" eaLnBrk="0" hangingPunct="0">
-                <a:defRPr sz="2400">
-                  <a:solidFill>
-                    <a:schemeClr val="tx1"/>
-                  </a:solidFill>
-                  <a:latin typeface="Arial" charset="0"/>
-                  <a:ea typeface="ＭＳ Ｐゴシック" charset="0"/>
-                </a:defRPr>
-              </a:lvl5pPr>
-              <a:lvl6pPr marL="2514600" indent="-228600" eaLnBrk="0" fontAlgn="base" hangingPunct="0">
-                <a:spcBef>
-                  <a:spcPct val="0"/>
-                </a:spcBef>
-                <a:spcAft>
-                  <a:spcPct val="0"/>
-                </a:spcAft>
-                <a:defRPr sz="2400">
-                  <a:solidFill>
-                    <a:schemeClr val="tx1"/>
-                  </a:solidFill>
-                  <a:latin typeface="Arial" charset="0"/>
-                  <a:ea typeface="ＭＳ Ｐゴシック" charset="0"/>
-                </a:defRPr>
-              </a:lvl6pPr>
-              <a:lvl7pPr marL="2971800" indent="-228600" eaLnBrk="0" fontAlgn="base" hangingPunct="0">
-                <a:spcBef>
-                  <a:spcPct val="0"/>
-                </a:spcBef>
-                <a:spcAft>
-                  <a:spcPct val="0"/>
-                </a:spcAft>
-                <a:defRPr sz="2400">
-                  <a:solidFill>
-                    <a:schemeClr val="tx1"/>
-                  </a:solidFill>
-                  <a:latin typeface="Arial" charset="0"/>
-                  <a:ea typeface="ＭＳ Ｐゴシック" charset="0"/>
-                </a:defRPr>
-              </a:lvl7pPr>
-              <a:lvl8pPr marL="3429000" indent="-228600" eaLnBrk="0" fontAlgn="base" hangingPunct="0">
-                <a:spcBef>
-                  <a:spcPct val="0"/>
-                </a:spcBef>
-                <a:spcAft>
-                  <a:spcPct val="0"/>
-                </a:spcAft>
-                <a:defRPr sz="2400">
-                  <a:solidFill>
-                    <a:schemeClr val="tx1"/>
-                  </a:solidFill>
-                  <a:latin typeface="Arial" charset="0"/>
-                  <a:ea typeface="ＭＳ Ｐゴシック" charset="0"/>
-                </a:defRPr>
-              </a:lvl8pPr>
-              <a:lvl9pPr marL="3886200" indent="-228600" eaLnBrk="0" fontAlgn="base" hangingPunct="0">
-                <a:spcBef>
-                  <a:spcPct val="0"/>
-                </a:spcBef>
-                <a:spcAft>
-                  <a:spcPct val="0"/>
-                </a:spcAft>
-                <a:defRPr sz="2400">
-                  <a:solidFill>
-                    <a:schemeClr val="tx1"/>
-                  </a:solidFill>
-                  <a:latin typeface="Arial" charset="0"/>
-                  <a:ea typeface="ＭＳ Ｐゴシック" charset="0"/>
-                </a:defRPr>
-              </a:lvl9pPr>
-            </a:lstStyle>
-            <a:p>
-              <a:pPr eaLnBrk="1" hangingPunct="1">
-                <a:spcBef>
-                  <a:spcPct val="50000"/>
-                </a:spcBef>
-              </a:pPr>
-              <a:r>
-                <a:rPr lang="en-US"/>
-                <a:t>F</a:t>
-              </a:r>
-            </a:p>
-          </p:txBody>
-        </p:sp>
-      </p:grpSp>
-      <p:sp>
-        <p:nvSpPr>
-          <p:cNvPr id="26" name="Line 25"/>
-          <p:cNvSpPr>
-            <a:spLocks noChangeShapeType="1"/>
-          </p:cNvSpPr>
-          <p:nvPr/>
-        </p:nvSpPr>
-        <p:spPr bwMode="auto">
-          <a:xfrm flipV="1">
-            <a:off x="1701165" y="4538163"/>
-            <a:ext cx="1524000" cy="762000"/>
-          </a:xfrm>
-          <a:prstGeom prst="line">
-            <a:avLst/>
-          </a:prstGeom>
-          <a:noFill/>
-          <a:ln w="9525">
-            <a:solidFill>
-              <a:schemeClr val="tx1"/>
-            </a:solidFill>
-            <a:round/>
-            <a:headEnd/>
-            <a:tailEnd/>
-          </a:ln>
-          <a:extLst>
-            <a:ext uri="{909E8E84-426E-40dd-AFC4-6F175D3DCCD1}">
-              <a14:hiddenFill xmlns="" xmlns:a14="http://schemas.microsoft.com/office/drawing/2010/main">
-                <a:noFill/>
-              </a14:hiddenFill>
-            </a:ext>
-          </a:extLst>
-        </p:spPr>
-        <p:txBody>
-          <a:bodyPr/>
-          <a:lstStyle/>
-          <a:p>
-            <a:endParaRPr lang="en-US"/>
-          </a:p>
-        </p:txBody>
-      </p:sp>
-      <p:sp>
-        <p:nvSpPr>
-          <p:cNvPr id="27" name="Line 26"/>
-          <p:cNvSpPr>
-            <a:spLocks noChangeShapeType="1"/>
-          </p:cNvSpPr>
-          <p:nvPr/>
-        </p:nvSpPr>
-        <p:spPr bwMode="auto">
-          <a:xfrm>
-            <a:off x="1701165" y="5528763"/>
-            <a:ext cx="1752600" cy="381000"/>
-          </a:xfrm>
-          <a:prstGeom prst="line">
-            <a:avLst/>
-          </a:prstGeom>
-          <a:noFill/>
-          <a:ln w="9525">
-            <a:solidFill>
-              <a:schemeClr val="tx1"/>
-            </a:solidFill>
-            <a:round/>
-            <a:headEnd/>
-            <a:tailEnd/>
-          </a:ln>
-          <a:extLst>
-            <a:ext uri="{909E8E84-426E-40dd-AFC4-6F175D3DCCD1}">
-              <a14:hiddenFill xmlns="" xmlns:a14="http://schemas.microsoft.com/office/drawing/2010/main">
-                <a:noFill/>
-              </a14:hiddenFill>
-            </a:ext>
-          </a:extLst>
-        </p:spPr>
-        <p:txBody>
-          <a:bodyPr/>
-          <a:lstStyle/>
-          <a:p>
-            <a:endParaRPr lang="en-US"/>
-          </a:p>
-        </p:txBody>
-      </p:sp>
-      <p:sp>
-        <p:nvSpPr>
-          <p:cNvPr id="28" name="Line 27"/>
-          <p:cNvSpPr>
-            <a:spLocks noChangeShapeType="1"/>
-          </p:cNvSpPr>
-          <p:nvPr/>
-        </p:nvSpPr>
-        <p:spPr bwMode="auto">
-          <a:xfrm flipH="1" flipV="1">
-            <a:off x="3606165" y="4690563"/>
-            <a:ext cx="76200" cy="1066800"/>
-          </a:xfrm>
-          <a:prstGeom prst="line">
-            <a:avLst/>
-          </a:prstGeom>
-          <a:noFill/>
-          <a:ln w="9525">
-            <a:solidFill>
-              <a:schemeClr val="tx1"/>
-            </a:solidFill>
-            <a:round/>
-            <a:headEnd/>
-            <a:tailEnd/>
-          </a:ln>
-          <a:extLst>
-            <a:ext uri="{909E8E84-426E-40dd-AFC4-6F175D3DCCD1}">
-              <a14:hiddenFill xmlns="" xmlns:a14="http://schemas.microsoft.com/office/drawing/2010/main">
-                <a:noFill/>
-              </a14:hiddenFill>
-            </a:ext>
-          </a:extLst>
-        </p:spPr>
-        <p:txBody>
-          <a:bodyPr/>
-          <a:lstStyle/>
-          <a:p>
-            <a:endParaRPr lang="en-US"/>
-          </a:p>
-        </p:txBody>
-      </p:sp>
-      <p:sp>
-        <p:nvSpPr>
-          <p:cNvPr id="30" name="Line 30"/>
-          <p:cNvSpPr>
-            <a:spLocks noChangeShapeType="1"/>
-          </p:cNvSpPr>
-          <p:nvPr/>
-        </p:nvSpPr>
-        <p:spPr bwMode="auto">
-          <a:xfrm>
-            <a:off x="3987165" y="6062163"/>
-            <a:ext cx="1447800" cy="381000"/>
-          </a:xfrm>
-          <a:prstGeom prst="line">
-            <a:avLst/>
-          </a:prstGeom>
-          <a:noFill/>
-          <a:ln w="9525">
-            <a:solidFill>
-              <a:schemeClr val="tx1"/>
-            </a:solidFill>
-            <a:round/>
-            <a:headEnd/>
-            <a:tailEnd/>
-          </a:ln>
-          <a:extLst>
-            <a:ext uri="{909E8E84-426E-40dd-AFC4-6F175D3DCCD1}">
-              <a14:hiddenFill xmlns="" xmlns:a14="http://schemas.microsoft.com/office/drawing/2010/main">
-                <a:noFill/>
-              </a14:hiddenFill>
-            </a:ext>
-          </a:extLst>
-        </p:spPr>
-        <p:txBody>
-          <a:bodyPr/>
-          <a:lstStyle/>
-          <a:p>
-            <a:endParaRPr lang="en-US"/>
-          </a:p>
-        </p:txBody>
-      </p:sp>
-      <p:sp>
-        <p:nvSpPr>
-          <p:cNvPr id="31" name="Line 31"/>
-          <p:cNvSpPr>
-            <a:spLocks noChangeShapeType="1"/>
-          </p:cNvSpPr>
-          <p:nvPr/>
-        </p:nvSpPr>
-        <p:spPr bwMode="auto">
-          <a:xfrm flipV="1">
-            <a:off x="5968365" y="5757363"/>
-            <a:ext cx="990600" cy="609600"/>
-          </a:xfrm>
-          <a:prstGeom prst="line">
-            <a:avLst/>
-          </a:prstGeom>
-          <a:noFill/>
-          <a:ln w="9525">
-            <a:solidFill>
-              <a:schemeClr val="tx1"/>
-            </a:solidFill>
-            <a:round/>
-            <a:headEnd/>
-            <a:tailEnd/>
-          </a:ln>
-          <a:extLst>
-            <a:ext uri="{909E8E84-426E-40dd-AFC4-6F175D3DCCD1}">
-              <a14:hiddenFill xmlns="" xmlns:a14="http://schemas.microsoft.com/office/drawing/2010/main">
-                <a:noFill/>
-              </a14:hiddenFill>
-            </a:ext>
-          </a:extLst>
-        </p:spPr>
-        <p:txBody>
-          <a:bodyPr/>
-          <a:lstStyle/>
-          <a:p>
-            <a:endParaRPr lang="en-US"/>
-          </a:p>
-        </p:txBody>
-      </p:sp>
-      <p:sp>
-        <p:nvSpPr>
-          <p:cNvPr id="33" name="Line 31"/>
-          <p:cNvSpPr>
-            <a:spLocks noChangeShapeType="1"/>
-          </p:cNvSpPr>
-          <p:nvPr/>
-        </p:nvSpPr>
-        <p:spPr bwMode="auto">
-          <a:xfrm flipV="1">
-            <a:off x="3987165" y="5452563"/>
-            <a:ext cx="2895600" cy="457200"/>
-          </a:xfrm>
-          <a:prstGeom prst="line">
-            <a:avLst/>
-          </a:prstGeom>
-          <a:noFill/>
-          <a:ln w="9525">
-            <a:solidFill>
-              <a:schemeClr val="tx1"/>
-            </a:solidFill>
-            <a:round/>
-            <a:headEnd/>
-            <a:tailEnd/>
-          </a:ln>
-          <a:extLst>
-            <a:ext uri="{909E8E84-426E-40dd-AFC4-6F175D3DCCD1}">
-              <a14:hiddenFill xmlns="" xmlns:a14="http://schemas.microsoft.com/office/drawing/2010/main">
+              <a14:hiddenFill xmlns:a14="http://schemas.microsoft.com/office/drawing/2010/main" xmlns="">
                 <a:noFill/>
               </a14:hiddenFill>
             </a:ext>
@@ -11603,7 +11671,7 @@
           </a:ln>
           <a:extLst>
             <a:ext uri="{909E8E84-426E-40dd-AFC4-6F175D3DCCD1}">
-              <a14:hiddenFill xmlns="" xmlns:a14="http://schemas.microsoft.com/office/drawing/2010/main">
+              <a14:hiddenFill xmlns:a14="http://schemas.microsoft.com/office/drawing/2010/main" xmlns="">
                 <a:noFill/>
               </a14:hiddenFill>
             </a:ext>
@@ -11644,7 +11712,7 @@
           </a:ln>
           <a:extLst>
             <a:ext uri="{909E8E84-426E-40dd-AFC4-6F175D3DCCD1}">
-              <a14:hiddenFill xmlns="" xmlns:a14="http://schemas.microsoft.com/office/drawing/2010/main">
+              <a14:hiddenFill xmlns:a14="http://schemas.microsoft.com/office/drawing/2010/main" xmlns="">
                 <a:noFill/>
               </a14:hiddenFill>
             </a:ext>
@@ -11718,8 +11786,8 @@
         </p:nvSpPr>
         <p:spPr>
           <a:xfrm>
-            <a:off x="612648" y="1755074"/>
-            <a:ext cx="7906010" cy="954107"/>
+            <a:off x="339634" y="1755074"/>
+            <a:ext cx="8717280" cy="954107"/>
           </a:xfrm>
           <a:prstGeom prst="rect">
             <a:avLst/>
@@ -11734,15 +11802,7 @@
           <a:p>
             <a:r>
               <a:rPr lang="en-US" sz="2800" dirty="0"/>
-              <a:t>Given an undirected graph, does it contain a </a:t>
-            </a:r>
-            <a:r>
-              <a:rPr lang="en-US" sz="2800" dirty="0" err="1"/>
-              <a:t>hamiltonian</a:t>
-            </a:r>
-            <a:r>
-              <a:rPr lang="en-US" sz="2800" dirty="0"/>
-              <a:t> cycle?</a:t>
+              <a:t>Given an undirected graph, does it contain a Hamiltonian cycle?</a:t>
             </a:r>
           </a:p>
         </p:txBody>
@@ -11873,15 +11933,7 @@
           <a:p>
             <a:r>
               <a:rPr lang="en-US" sz="2800" dirty="0"/>
-              <a:t>Given an undirected graph, does it contain a </a:t>
-            </a:r>
-            <a:r>
-              <a:rPr lang="en-US" sz="2800" dirty="0" err="1"/>
-              <a:t>hamiltonian</a:t>
-            </a:r>
-            <a:r>
-              <a:rPr lang="en-US" sz="2800" dirty="0"/>
-              <a:t> cycle?</a:t>
+              <a:t>Given an undirected graph, does it contain a Hamiltonian cycle?</a:t>
             </a:r>
           </a:p>
         </p:txBody>
@@ -11914,23 +11966,7 @@
                   <a:srgbClr val="0000FF"/>
                 </a:solidFill>
               </a:rPr>
-              <a:t>Solvable:  Enumerate all possible paths (i.e. include an edge or don’t) check if it’s a </a:t>
-            </a:r>
-            <a:r>
-              <a:rPr lang="en-US" sz="3200" dirty="0" err="1">
-                <a:solidFill>
-                  <a:srgbClr val="0000FF"/>
-                </a:solidFill>
-              </a:rPr>
-              <a:t>hamiltonian</a:t>
-            </a:r>
-            <a:r>
-              <a:rPr lang="en-US" sz="3200" dirty="0">
-                <a:solidFill>
-                  <a:srgbClr val="0000FF"/>
-                </a:solidFill>
-              </a:rPr>
-              <a:t> cycle</a:t>
+              <a:t>Solvable:  Enumerate all possible paths (i.e., include an edge or don’t) check if it’s a Hamiltonian cycle</a:t>
             </a:r>
           </a:p>
         </p:txBody>
@@ -12243,15 +12279,7 @@
           <a:p>
             <a:r>
               <a:rPr lang="en-US" dirty="0"/>
-              <a:t>Checking </a:t>
-            </a:r>
-            <a:r>
-              <a:rPr lang="en-US" dirty="0" err="1"/>
-              <a:t>hamiltonian</a:t>
-            </a:r>
-            <a:r>
-              <a:rPr lang="en-US" dirty="0"/>
-              <a:t> cycles</a:t>
+              <a:t>Checking Hamiltonian cycles</a:t>
             </a:r>
           </a:p>
         </p:txBody>
@@ -12772,7 +12800,7 @@
                   <a:srgbClr val="0000FF"/>
                 </a:solidFill>
               </a:rPr>
-              <a:t>Make sure the path starts and ends at the same vertex and is the right length</a:t>
+              <a:t>Make sure the path starts and ends at the same vertex and is the right length.</a:t>
             </a:r>
           </a:p>
         </p:txBody>
@@ -12805,7 +12833,7 @@
                   <a:srgbClr val="0000FF"/>
                 </a:solidFill>
               </a:rPr>
-              <a:t>Can’t revisit a vertex</a:t>
+              <a:t>Can’t revisit a vertex.</a:t>
             </a:r>
           </a:p>
         </p:txBody>
@@ -12838,7 +12866,7 @@
                   <a:srgbClr val="0000FF"/>
                 </a:solidFill>
               </a:rPr>
-              <a:t>Edge has to be in the graph</a:t>
+              <a:t>Edge must be in the graph.</a:t>
             </a:r>
           </a:p>
         </p:txBody>
@@ -12871,7 +12899,7 @@
                   <a:srgbClr val="0000FF"/>
                 </a:solidFill>
               </a:rPr>
-              <a:t>Check if we visited all the vertices</a:t>
+              <a:t>Check if we visited all the vertices.</a:t>
             </a:r>
           </a:p>
         </p:txBody>
@@ -12940,8 +12968,8 @@
         </p:nvSpPr>
         <p:spPr>
           <a:xfrm>
-            <a:off x="433294" y="1600199"/>
-            <a:ext cx="8486588" cy="5049117"/>
+            <a:off x="279460" y="1581694"/>
+            <a:ext cx="8486588" cy="3694612"/>
           </a:xfrm>
         </p:spPr>
         <p:txBody>
@@ -12987,7 +13015,7 @@
             </a:r>
             <a:r>
               <a:rPr lang="en-US" dirty="0"/>
-              <a:t>in polynomial time</a:t>
+              <a:t>in polynomial time.</a:t>
             </a:r>
           </a:p>
           <a:p>
@@ -12999,7 +13027,7 @@
             </a:pPr>
             <a:r>
               <a:rPr lang="en-US" dirty="0"/>
-              <a:t>A problem can be verified in polynomial time if you can check that a given solution is correct in polynomial time</a:t>
+              <a:t>A problem can be verified in polynomial time if you can check that a given solution is correct in polynomial time.</a:t>
             </a:r>
           </a:p>
           <a:p>
@@ -13012,25 +13040,13 @@
             <a:pPr marL="0" indent="0">
               <a:buNone/>
             </a:pPr>
-            <a:endParaRPr lang="en-US" dirty="0"/>
-          </a:p>
-          <a:p>
-            <a:pPr marL="0" indent="0">
-              <a:buNone/>
-            </a:pPr>
-            <a:endParaRPr lang="en-US" dirty="0"/>
-          </a:p>
-          <a:p>
-            <a:pPr marL="0" indent="0">
-              <a:buNone/>
-            </a:pPr>
             <a:r>
               <a:rPr lang="en-US" dirty="0"/>
               <a:t> </a:t>
             </a:r>
             <a:r>
               <a:rPr lang="en-US" sz="2400" dirty="0"/>
-              <a:t>(NP is an abbreviation for non-deterministic polynomial time)</a:t>
+              <a:t>(NP is an abbreviation for non-deterministic polynomial time).</a:t>
             </a:r>
           </a:p>
         </p:txBody>
@@ -13082,15 +13098,7 @@
           <a:p>
             <a:r>
               <a:rPr lang="en-US" dirty="0"/>
-              <a:t>Checking </a:t>
-            </a:r>
-            <a:r>
-              <a:rPr lang="en-US" dirty="0" err="1"/>
-              <a:t>hamiltonian</a:t>
-            </a:r>
-            <a:r>
-              <a:rPr lang="en-US" dirty="0"/>
-              <a:t> cycles</a:t>
+              <a:t>Checking Hamiltonian cycles</a:t>
             </a:r>
           </a:p>
         </p:txBody>
@@ -13103,7 +13111,7 @@
         </p:nvSpPr>
         <p:spPr>
           <a:xfrm>
-            <a:off x="4470105" y="1990391"/>
+            <a:off x="4829585" y="2029041"/>
             <a:ext cx="4053979" cy="584776"/>
           </a:xfrm>
           <a:prstGeom prst="rect">
@@ -13179,7 +13187,7 @@
         </p:nvSpPr>
         <p:spPr>
           <a:xfrm>
-            <a:off x="4470105" y="3997752"/>
+            <a:off x="4886670" y="4010661"/>
             <a:ext cx="4053979" cy="830997"/>
           </a:xfrm>
           <a:prstGeom prst="rect">
@@ -13199,23 +13207,7 @@
                   <a:srgbClr val="FF0000"/>
                 </a:solidFill>
               </a:rPr>
-              <a:t>What does that say about the </a:t>
-            </a:r>
-            <a:r>
-              <a:rPr lang="en-US" sz="2400" dirty="0" err="1">
-                <a:solidFill>
-                  <a:srgbClr val="FF0000"/>
-                </a:solidFill>
-              </a:rPr>
-              <a:t>hamilonian</a:t>
-            </a:r>
-            <a:r>
-              <a:rPr lang="en-US" sz="2400" dirty="0">
-                <a:solidFill>
-                  <a:srgbClr val="FF0000"/>
-                </a:solidFill>
-              </a:rPr>
-              <a:t> cycle problem?</a:t>
+              <a:t>What does that say about the Hamiltonian cycle problem?</a:t>
             </a:r>
           </a:p>
         </p:txBody>
@@ -13548,7 +13540,7 @@
             </a:pPr>
             <a:r>
               <a:rPr lang="en-US" dirty="0"/>
-              <a:t>Can take whenever you want and you’ll have 3 hours to take it</a:t>
+              <a:t>Can take whenever you want, and you’ll have 3 hours to take it</a:t>
             </a:r>
           </a:p>
           <a:p>
@@ -13688,7 +13680,7 @@
                   <a:srgbClr val="0000FF"/>
                 </a:solidFill>
               </a:rPr>
-              <a:t>If we can’t verify the solution in polynomial time then an algorithm cannot exist that determines the solution in this time (</a:t>
+              <a:t>If we can’t verify the solution in polynomial time, then an algorithm cannot exist that determines the solution in this time (</a:t>
             </a:r>
             <a:r>
               <a:rPr lang="en-US" dirty="0">
@@ -13704,7 +13696,7 @@
                   <a:srgbClr val="0000FF"/>
                 </a:solidFill>
               </a:rPr>
-              <a:t>)</a:t>
+              <a:t>).</a:t>
             </a:r>
           </a:p>
           <a:p>
@@ -13715,7 +13707,7 @@
                   <a:srgbClr val="0000FF"/>
                 </a:solidFill>
               </a:rPr>
-              <a:t>All algorithms with polynomial time solutions are in NP</a:t>
+              <a:t>All algorithms with polynomial time solutions are in NP.</a:t>
             </a:r>
           </a:p>
           <a:p>
@@ -13731,18 +13723,22 @@
               <a:buNone/>
             </a:pPr>
             <a:r>
-              <a:rPr lang="en-US" dirty="0"/>
-              <a:t>The NP problems that are currently not solvable in polynomial time </a:t>
-            </a:r>
-            <a:r>
-              <a:rPr lang="en-US" i="1" dirty="0">
+              <a:rPr lang="en-US" b="1" dirty="0">
                 <a:solidFill>
-                  <a:srgbClr val="008000"/>
+                  <a:srgbClr val="FF0000"/>
                 </a:solidFill>
               </a:rPr>
-              <a:t>could in theory be solved in polynomial time</a:t>
-            </a:r>
-            <a:endParaRPr lang="en-US" dirty="0">
+              <a:t>The NP problems that are currently not solvable in polynomial time </a:t>
+            </a:r>
+            <a:r>
+              <a:rPr lang="en-US" b="1" i="1" dirty="0">
+                <a:solidFill>
+                  <a:srgbClr val="FF0000"/>
+                </a:solidFill>
+              </a:rPr>
+              <a:t>could in theory be solved in polynomial time.</a:t>
+            </a:r>
+            <a:endParaRPr lang="en-US" b="1" dirty="0">
               <a:solidFill>
                 <a:srgbClr val="FF0000"/>
               </a:solidFill>
@@ -14115,7 +14111,7 @@
           <a:p>
             <a:r>
               <a:rPr lang="en-US" sz="2800" dirty="0"/>
-              <a:t>Big-O allowed us to group algorithms by run-time</a:t>
+              <a:t>Big-O allowed us to group algorithms by run-time.</a:t>
             </a:r>
           </a:p>
           <a:p>
@@ -14124,7 +14120,7 @@
           <a:p>
             <a:r>
               <a:rPr lang="en-US" sz="2800" dirty="0"/>
-              <a:t>Today, we’re talking about sets of problems grouped by how easy they are to solve</a:t>
+              <a:t>Today, we’re talking about sets of problems grouped by how easy they are to solve.</a:t>
             </a:r>
           </a:p>
         </p:txBody>
@@ -14193,8 +14189,8 @@
         </p:nvSpPr>
         <p:spPr>
           <a:xfrm>
-            <a:off x="612648" y="1600200"/>
-            <a:ext cx="8153400" cy="3008661"/>
+            <a:off x="696117" y="1697290"/>
+            <a:ext cx="8153400" cy="2571206"/>
           </a:xfrm>
         </p:spPr>
         <p:txBody>
@@ -14203,7 +14199,7 @@
           </a:bodyPr>
           <a:lstStyle/>
           <a:p>
-            <a:pPr marL="0" indent="0">
+            <a:pPr marL="0" indent="0" algn="just">
               <a:buNone/>
             </a:pPr>
             <a:r>
@@ -14220,11 +14216,7 @@
             </a:r>
             <a:r>
               <a:rPr lang="en-US" baseline="-25000" dirty="0"/>
-              <a:t>2</a:t>
-            </a:r>
-            <a:r>
-              <a:rPr lang="en-US" dirty="0"/>
-              <a:t> </a:t>
+              <a:t>2 </a:t>
             </a:r>
             <a:r>
               <a:rPr lang="en-US" dirty="0">
@@ -14293,18 +14285,16 @@
             <a:endParaRPr lang="en-US" i="1" dirty="0"/>
           </a:p>
           <a:p>
-            <a:pPr marL="0" indent="0">
+            <a:pPr marL="0" indent="0" algn="just">
               <a:buNone/>
             </a:pPr>
-            <a:endParaRPr lang="en-US" i="1" dirty="0"/>
-          </a:p>
-          <a:p>
-            <a:pPr marL="0" indent="0">
-              <a:buNone/>
-            </a:pPr>
+            <a:r>
+              <a:rPr lang="en-US" i="1" dirty="0"/>
+              <a:t>such that</a:t>
+            </a:r>
             <a:r>
               <a:rPr lang="en-US" dirty="0"/>
-              <a:t>such that: a solution to </a:t>
+              <a:t>: a solution to </a:t>
             </a:r>
             <a:r>
               <a:rPr lang="en-US" i="1" dirty="0"/>
@@ -14323,7 +14313,7 @@
               <a:t> </a:t>
             </a:r>
             <a:r>
-              <a:rPr lang="en-US" dirty="0" err="1"/>
+              <a:rPr lang="en-US" b="1" dirty="0" err="1"/>
               <a:t>iff</a:t>
             </a:r>
             <a:r>
@@ -14356,7 +14346,7 @@
         </p:nvSpPr>
         <p:spPr bwMode="auto">
           <a:xfrm>
-            <a:off x="3523319" y="5223749"/>
+            <a:off x="3775867" y="4746586"/>
             <a:ext cx="974725" cy="890588"/>
           </a:xfrm>
           <a:prstGeom prst="rect">
@@ -14376,7 +14366,7 @@
           <a:effectLst/>
           <a:extLst>
             <a:ext uri="{AF507438-7753-43e0-B8FC-AC1667EBCBE1}">
-              <a14:hiddenEffects xmlns="" xmlns:a14="http://schemas.microsoft.com/office/drawing/2010/main">
+              <a14:hiddenEffects xmlns:a14="http://schemas.microsoft.com/office/drawing/2010/main" xmlns="">
                 <a:effectLst>
                   <a:outerShdw blurRad="63500" dist="38099" dir="2700000" algn="ctr" rotWithShape="0">
                     <a:schemeClr val="bg2">
@@ -14412,7 +14402,7 @@
         </p:nvSpPr>
         <p:spPr bwMode="auto">
           <a:xfrm>
-            <a:off x="2582718" y="5669836"/>
+            <a:off x="2835266" y="5192673"/>
             <a:ext cx="884238" cy="0"/>
           </a:xfrm>
           <a:prstGeom prst="line">
@@ -14430,12 +14420,12 @@
           <a:effectLst/>
           <a:extLst>
             <a:ext uri="{909E8E84-426E-40dd-AFC4-6F175D3DCCD1}">
-              <a14:hiddenFill xmlns="" xmlns:a14="http://schemas.microsoft.com/office/drawing/2010/main">
+              <a14:hiddenFill xmlns:a14="http://schemas.microsoft.com/office/drawing/2010/main" xmlns="">
                 <a:noFill/>
               </a14:hiddenFill>
             </a:ext>
             <a:ext uri="{AF507438-7753-43e0-B8FC-AC1667EBCBE1}">
-              <a14:hiddenEffects xmlns="" xmlns:a14="http://schemas.microsoft.com/office/drawing/2010/main">
+              <a14:hiddenEffects xmlns:a14="http://schemas.microsoft.com/office/drawing/2010/main" xmlns="">
                 <a:effectLst>
                   <a:outerShdw blurRad="63500" dist="38099" dir="2700000" algn="ctr" rotWithShape="0">
                     <a:schemeClr val="bg2">
@@ -14465,7 +14455,7 @@
         </p:nvSpPr>
         <p:spPr bwMode="auto">
           <a:xfrm>
-            <a:off x="2219180" y="5280825"/>
+            <a:off x="2471728" y="4803662"/>
             <a:ext cx="363538" cy="523875"/>
           </a:xfrm>
           <a:prstGeom prst="rect">
@@ -14478,14 +14468,14 @@
           <a:effectLst/>
           <a:extLst>
             <a:ext uri="{909E8E84-426E-40dd-AFC4-6F175D3DCCD1}">
-              <a14:hiddenFill xmlns="" xmlns:a14="http://schemas.microsoft.com/office/drawing/2010/main">
+              <a14:hiddenFill xmlns:a14="http://schemas.microsoft.com/office/drawing/2010/main" xmlns="">
                 <a:solidFill>
                   <a:schemeClr val="accent1"/>
                 </a:solidFill>
               </a14:hiddenFill>
             </a:ext>
             <a:ext uri="{91240B29-F687-4f45-9708-019B960494DF}">
-              <a14:hiddenLine xmlns="" xmlns:a14="http://schemas.microsoft.com/office/drawing/2010/main" w="9525">
+              <a14:hiddenLine xmlns:a14="http://schemas.microsoft.com/office/drawing/2010/main" xmlns="" w="9525">
                 <a:solidFill>
                   <a:schemeClr val="tx1"/>
                 </a:solidFill>
@@ -14495,7 +14485,7 @@
               </a14:hiddenLine>
             </a:ext>
             <a:ext uri="{AF507438-7753-43e0-B8FC-AC1667EBCBE1}">
-              <a14:hiddenEffects xmlns="" xmlns:a14="http://schemas.microsoft.com/office/drawing/2010/main">
+              <a14:hiddenEffects xmlns:a14="http://schemas.microsoft.com/office/drawing/2010/main" xmlns="">
                 <a:effectLst>
                   <a:outerShdw blurRad="63500" dist="38099" dir="2700000" algn="ctr" rotWithShape="0">
                     <a:schemeClr val="bg2">
@@ -14532,7 +14522,7 @@
         </p:nvSpPr>
         <p:spPr bwMode="auto">
           <a:xfrm>
-            <a:off x="5744182" y="5324862"/>
+            <a:off x="5996730" y="4847699"/>
             <a:ext cx="677863" cy="523875"/>
           </a:xfrm>
           <a:prstGeom prst="rect">
@@ -14545,14 +14535,14 @@
           <a:effectLst/>
           <a:extLst>
             <a:ext uri="{909E8E84-426E-40dd-AFC4-6F175D3DCCD1}">
-              <a14:hiddenFill xmlns="" xmlns:a14="http://schemas.microsoft.com/office/drawing/2010/main">
+              <a14:hiddenFill xmlns:a14="http://schemas.microsoft.com/office/drawing/2010/main" xmlns="">
                 <a:solidFill>
                   <a:schemeClr val="accent1"/>
                 </a:solidFill>
               </a14:hiddenFill>
             </a:ext>
             <a:ext uri="{91240B29-F687-4f45-9708-019B960494DF}">
-              <a14:hiddenLine xmlns="" xmlns:a14="http://schemas.microsoft.com/office/drawing/2010/main" w="9525">
+              <a14:hiddenLine xmlns:a14="http://schemas.microsoft.com/office/drawing/2010/main" xmlns="" w="9525">
                 <a:solidFill>
                   <a:schemeClr val="tx1"/>
                 </a:solidFill>
@@ -14562,7 +14552,7 @@
               </a14:hiddenLine>
             </a:ext>
             <a:ext uri="{AF507438-7753-43e0-B8FC-AC1667EBCBE1}">
-              <a14:hiddenEffects xmlns="" xmlns:a14="http://schemas.microsoft.com/office/drawing/2010/main">
+              <a14:hiddenEffects xmlns:a14="http://schemas.microsoft.com/office/drawing/2010/main" xmlns="">
                 <a:effectLst>
                   <a:outerShdw blurRad="63500" dist="38099" dir="2700000" algn="ctr" rotWithShape="0">
                     <a:schemeClr val="bg2">
@@ -14599,7 +14589,7 @@
         </p:nvSpPr>
         <p:spPr bwMode="auto">
           <a:xfrm>
-            <a:off x="4520269" y="5669836"/>
+            <a:off x="4772817" y="5192673"/>
             <a:ext cx="1181100" cy="0"/>
           </a:xfrm>
           <a:prstGeom prst="line">
@@ -14617,12 +14607,12 @@
           <a:effectLst/>
           <a:extLst>
             <a:ext uri="{909E8E84-426E-40dd-AFC4-6F175D3DCCD1}">
-              <a14:hiddenFill xmlns="" xmlns:a14="http://schemas.microsoft.com/office/drawing/2010/main">
+              <a14:hiddenFill xmlns:a14="http://schemas.microsoft.com/office/drawing/2010/main" xmlns="">
                 <a:noFill/>
               </a14:hiddenFill>
             </a:ext>
             <a:ext uri="{AF507438-7753-43e0-B8FC-AC1667EBCBE1}">
-              <a14:hiddenEffects xmlns="" xmlns:a14="http://schemas.microsoft.com/office/drawing/2010/main">
+              <a14:hiddenEffects xmlns:a14="http://schemas.microsoft.com/office/drawing/2010/main" xmlns="">
                 <a:effectLst>
                   <a:outerShdw blurRad="63500" dist="38099" dir="2700000" algn="ctr" rotWithShape="0">
                     <a:schemeClr val="bg2">
@@ -14652,7 +14642,7 @@
         </p:nvSpPr>
         <p:spPr bwMode="auto">
           <a:xfrm>
-            <a:off x="1812229" y="5804700"/>
+            <a:off x="2064777" y="5327537"/>
             <a:ext cx="1172504" cy="369332"/>
           </a:xfrm>
           <a:prstGeom prst="rect">
@@ -14665,14 +14655,14 @@
           <a:effectLst/>
           <a:extLst>
             <a:ext uri="{909E8E84-426E-40dd-AFC4-6F175D3DCCD1}">
-              <a14:hiddenFill xmlns="" xmlns:a14="http://schemas.microsoft.com/office/drawing/2010/main">
+              <a14:hiddenFill xmlns:a14="http://schemas.microsoft.com/office/drawing/2010/main" xmlns="">
                 <a:solidFill>
                   <a:schemeClr val="accent1"/>
                 </a:solidFill>
               </a14:hiddenFill>
             </a:ext>
             <a:ext uri="{91240B29-F687-4f45-9708-019B960494DF}">
-              <a14:hiddenLine xmlns="" xmlns:a14="http://schemas.microsoft.com/office/drawing/2010/main" w="9525">
+              <a14:hiddenLine xmlns:a14="http://schemas.microsoft.com/office/drawing/2010/main" xmlns="" w="9525">
                 <a:solidFill>
                   <a:schemeClr val="tx1"/>
                 </a:solidFill>
@@ -14682,7 +14672,7 @@
               </a14:hiddenLine>
             </a:ext>
             <a:ext uri="{AF507438-7753-43e0-B8FC-AC1667EBCBE1}">
-              <a14:hiddenEffects xmlns="" xmlns:a14="http://schemas.microsoft.com/office/drawing/2010/main">
+              <a14:hiddenEffects xmlns:a14="http://schemas.microsoft.com/office/drawing/2010/main" xmlns="">
                 <a:effectLst>
                   <a:outerShdw blurRad="63500" dist="38099" dir="2700000" algn="ctr" rotWithShape="0">
                     <a:schemeClr val="bg2">
@@ -14726,7 +14716,7 @@
         </p:nvSpPr>
         <p:spPr bwMode="auto">
           <a:xfrm>
-            <a:off x="5432427" y="5811660"/>
+            <a:off x="5684975" y="5334497"/>
             <a:ext cx="1172504" cy="369332"/>
           </a:xfrm>
           <a:prstGeom prst="rect">
@@ -14739,14 +14729,14 @@
           <a:effectLst/>
           <a:extLst>
             <a:ext uri="{909E8E84-426E-40dd-AFC4-6F175D3DCCD1}">
-              <a14:hiddenFill xmlns="" xmlns:a14="http://schemas.microsoft.com/office/drawing/2010/main">
+              <a14:hiddenFill xmlns:a14="http://schemas.microsoft.com/office/drawing/2010/main" xmlns="">
                 <a:solidFill>
                   <a:schemeClr val="accent1"/>
                 </a:solidFill>
               </a14:hiddenFill>
             </a:ext>
             <a:ext uri="{91240B29-F687-4f45-9708-019B960494DF}">
-              <a14:hiddenLine xmlns="" xmlns:a14="http://schemas.microsoft.com/office/drawing/2010/main" w="9525">
+              <a14:hiddenLine xmlns:a14="http://schemas.microsoft.com/office/drawing/2010/main" xmlns="" w="9525">
                 <a:solidFill>
                   <a:schemeClr val="tx1"/>
                 </a:solidFill>
@@ -14756,7 +14746,7 @@
               </a14:hiddenLine>
             </a:ext>
             <a:ext uri="{AF507438-7753-43e0-B8FC-AC1667EBCBE1}">
-              <a14:hiddenEffects xmlns="" xmlns:a14="http://schemas.microsoft.com/office/drawing/2010/main">
+              <a14:hiddenEffects xmlns:a14="http://schemas.microsoft.com/office/drawing/2010/main" xmlns="">
                 <a:effectLst>
                   <a:outerShdw blurRad="63500" dist="38099" dir="2700000" algn="ctr" rotWithShape="0">
                     <a:schemeClr val="bg2">
@@ -14962,7 +14952,7 @@
           <a:effectLst/>
           <a:extLst>
             <a:ext uri="{AF507438-7753-43e0-B8FC-AC1667EBCBE1}">
-              <a14:hiddenEffects xmlns="" xmlns:a14="http://schemas.microsoft.com/office/drawing/2010/main">
+              <a14:hiddenEffects xmlns:a14="http://schemas.microsoft.com/office/drawing/2010/main" xmlns="">
                 <a:effectLst>
                   <a:outerShdw blurRad="63500" dist="38099" dir="2700000" algn="ctr" rotWithShape="0">
                     <a:schemeClr val="bg2">
@@ -15016,12 +15006,12 @@
           <a:effectLst/>
           <a:extLst>
             <a:ext uri="{909E8E84-426E-40dd-AFC4-6F175D3DCCD1}">
-              <a14:hiddenFill xmlns="" xmlns:a14="http://schemas.microsoft.com/office/drawing/2010/main">
+              <a14:hiddenFill xmlns:a14="http://schemas.microsoft.com/office/drawing/2010/main" xmlns="">
                 <a:noFill/>
               </a14:hiddenFill>
             </a:ext>
             <a:ext uri="{AF507438-7753-43e0-B8FC-AC1667EBCBE1}">
-              <a14:hiddenEffects xmlns="" xmlns:a14="http://schemas.microsoft.com/office/drawing/2010/main">
+              <a14:hiddenEffects xmlns:a14="http://schemas.microsoft.com/office/drawing/2010/main" xmlns="">
                 <a:effectLst>
                   <a:outerShdw blurRad="63500" dist="38099" dir="2700000" algn="ctr" rotWithShape="0">
                     <a:schemeClr val="bg2">
@@ -15064,14 +15054,14 @@
           <a:effectLst/>
           <a:extLst>
             <a:ext uri="{909E8E84-426E-40dd-AFC4-6F175D3DCCD1}">
-              <a14:hiddenFill xmlns="" xmlns:a14="http://schemas.microsoft.com/office/drawing/2010/main">
+              <a14:hiddenFill xmlns:a14="http://schemas.microsoft.com/office/drawing/2010/main" xmlns="">
                 <a:solidFill>
                   <a:schemeClr val="accent1"/>
                 </a:solidFill>
               </a14:hiddenFill>
             </a:ext>
             <a:ext uri="{91240B29-F687-4f45-9708-019B960494DF}">
-              <a14:hiddenLine xmlns="" xmlns:a14="http://schemas.microsoft.com/office/drawing/2010/main" w="9525">
+              <a14:hiddenLine xmlns:a14="http://schemas.microsoft.com/office/drawing/2010/main" xmlns="" w="9525">
                 <a:solidFill>
                   <a:schemeClr val="tx1"/>
                 </a:solidFill>
@@ -15081,7 +15071,7 @@
               </a14:hiddenLine>
             </a:ext>
             <a:ext uri="{AF507438-7753-43e0-B8FC-AC1667EBCBE1}">
-              <a14:hiddenEffects xmlns="" xmlns:a14="http://schemas.microsoft.com/office/drawing/2010/main">
+              <a14:hiddenEffects xmlns:a14="http://schemas.microsoft.com/office/drawing/2010/main" xmlns="">
                 <a:effectLst>
                   <a:outerShdw blurRad="63500" dist="38099" dir="2700000" algn="ctr" rotWithShape="0">
                     <a:schemeClr val="bg2">
@@ -15131,14 +15121,14 @@
           <a:effectLst/>
           <a:extLst>
             <a:ext uri="{909E8E84-426E-40dd-AFC4-6F175D3DCCD1}">
-              <a14:hiddenFill xmlns="" xmlns:a14="http://schemas.microsoft.com/office/drawing/2010/main">
+              <a14:hiddenFill xmlns:a14="http://schemas.microsoft.com/office/drawing/2010/main" xmlns="">
                 <a:solidFill>
                   <a:schemeClr val="accent1"/>
                 </a:solidFill>
               </a14:hiddenFill>
             </a:ext>
             <a:ext uri="{91240B29-F687-4f45-9708-019B960494DF}">
-              <a14:hiddenLine xmlns="" xmlns:a14="http://schemas.microsoft.com/office/drawing/2010/main" w="9525">
+              <a14:hiddenLine xmlns:a14="http://schemas.microsoft.com/office/drawing/2010/main" xmlns="" w="9525">
                 <a:solidFill>
                   <a:schemeClr val="tx1"/>
                 </a:solidFill>
@@ -15148,7 +15138,7 @@
               </a14:hiddenLine>
             </a:ext>
             <a:ext uri="{AF507438-7753-43e0-B8FC-AC1667EBCBE1}">
-              <a14:hiddenEffects xmlns="" xmlns:a14="http://schemas.microsoft.com/office/drawing/2010/main">
+              <a14:hiddenEffects xmlns:a14="http://schemas.microsoft.com/office/drawing/2010/main" xmlns="">
                 <a:effectLst>
                   <a:outerShdw blurRad="63500" dist="38099" dir="2700000" algn="ctr" rotWithShape="0">
                     <a:schemeClr val="bg2">
@@ -15203,12 +15193,12 @@
           <a:effectLst/>
           <a:extLst>
             <a:ext uri="{909E8E84-426E-40dd-AFC4-6F175D3DCCD1}">
-              <a14:hiddenFill xmlns="" xmlns:a14="http://schemas.microsoft.com/office/drawing/2010/main">
+              <a14:hiddenFill xmlns:a14="http://schemas.microsoft.com/office/drawing/2010/main" xmlns="">
                 <a:noFill/>
               </a14:hiddenFill>
             </a:ext>
             <a:ext uri="{AF507438-7753-43e0-B8FC-AC1667EBCBE1}">
-              <a14:hiddenEffects xmlns="" xmlns:a14="http://schemas.microsoft.com/office/drawing/2010/main">
+              <a14:hiddenEffects xmlns:a14="http://schemas.microsoft.com/office/drawing/2010/main" xmlns="">
                 <a:effectLst>
                   <a:outerShdw blurRad="63500" dist="38099" dir="2700000" algn="ctr" rotWithShape="0">
                     <a:schemeClr val="bg2">
@@ -15251,14 +15241,14 @@
           <a:effectLst/>
           <a:extLst>
             <a:ext uri="{909E8E84-426E-40dd-AFC4-6F175D3DCCD1}">
-              <a14:hiddenFill xmlns="" xmlns:a14="http://schemas.microsoft.com/office/drawing/2010/main">
+              <a14:hiddenFill xmlns:a14="http://schemas.microsoft.com/office/drawing/2010/main" xmlns="">
                 <a:solidFill>
                   <a:schemeClr val="accent1"/>
                 </a:solidFill>
               </a14:hiddenFill>
             </a:ext>
             <a:ext uri="{91240B29-F687-4f45-9708-019B960494DF}">
-              <a14:hiddenLine xmlns="" xmlns:a14="http://schemas.microsoft.com/office/drawing/2010/main" w="9525">
+              <a14:hiddenLine xmlns:a14="http://schemas.microsoft.com/office/drawing/2010/main" xmlns="" w="9525">
                 <a:solidFill>
                   <a:schemeClr val="tx1"/>
                 </a:solidFill>
@@ -15268,7 +15258,7 @@
               </a14:hiddenLine>
             </a:ext>
             <a:ext uri="{AF507438-7753-43e0-B8FC-AC1667EBCBE1}">
-              <a14:hiddenEffects xmlns="" xmlns:a14="http://schemas.microsoft.com/office/drawing/2010/main">
+              <a14:hiddenEffects xmlns:a14="http://schemas.microsoft.com/office/drawing/2010/main" xmlns="">
                 <a:effectLst>
                   <a:outerShdw blurRad="63500" dist="38099" dir="2700000" algn="ctr" rotWithShape="0">
                     <a:schemeClr val="bg2">
@@ -15325,14 +15315,14 @@
           <a:effectLst/>
           <a:extLst>
             <a:ext uri="{909E8E84-426E-40dd-AFC4-6F175D3DCCD1}">
-              <a14:hiddenFill xmlns="" xmlns:a14="http://schemas.microsoft.com/office/drawing/2010/main">
+              <a14:hiddenFill xmlns:a14="http://schemas.microsoft.com/office/drawing/2010/main" xmlns="">
                 <a:solidFill>
                   <a:schemeClr val="accent1"/>
                 </a:solidFill>
               </a14:hiddenFill>
             </a:ext>
             <a:ext uri="{91240B29-F687-4f45-9708-019B960494DF}">
-              <a14:hiddenLine xmlns="" xmlns:a14="http://schemas.microsoft.com/office/drawing/2010/main" w="9525">
+              <a14:hiddenLine xmlns:a14="http://schemas.microsoft.com/office/drawing/2010/main" xmlns="" w="9525">
                 <a:solidFill>
                   <a:schemeClr val="tx1"/>
                 </a:solidFill>
@@ -15342,7 +15332,7 @@
               </a14:hiddenLine>
             </a:ext>
             <a:ext uri="{AF507438-7753-43e0-B8FC-AC1667EBCBE1}">
-              <a14:hiddenEffects xmlns="" xmlns:a14="http://schemas.microsoft.com/office/drawing/2010/main">
+              <a14:hiddenEffects xmlns:a14="http://schemas.microsoft.com/office/drawing/2010/main" xmlns="">
                 <a:effectLst>
                   <a:outerShdw blurRad="63500" dist="38099" dir="2700000" algn="ctr" rotWithShape="0">
                     <a:schemeClr val="bg2">
@@ -15633,7 +15623,7 @@
             <a:effectLst/>
             <a:extLst>
               <a:ext uri="{AF507438-7753-43e0-B8FC-AC1667EBCBE1}">
-                <a14:hiddenEffects xmlns="" xmlns:a14="http://schemas.microsoft.com/office/drawing/2010/main">
+                <a14:hiddenEffects xmlns:a14="http://schemas.microsoft.com/office/drawing/2010/main" xmlns="">
                   <a:effectLst>
                     <a:outerShdw blurRad="63500" dist="38099" dir="2700000" algn="ctr" rotWithShape="0">
                       <a:schemeClr val="bg2">
@@ -15692,7 +15682,7 @@
             <a:effectLst/>
             <a:extLst>
               <a:ext uri="{AF507438-7753-43e0-B8FC-AC1667EBCBE1}">
-                <a14:hiddenEffects xmlns="" xmlns:a14="http://schemas.microsoft.com/office/drawing/2010/main">
+                <a14:hiddenEffects xmlns:a14="http://schemas.microsoft.com/office/drawing/2010/main" xmlns="">
                   <a:effectLst>
                     <a:outerShdw blurRad="63500" dist="38099" dir="2700000" algn="ctr" rotWithShape="0">
                       <a:schemeClr val="bg2">
@@ -15748,7 +15738,7 @@
             <a:effectLst/>
             <a:extLst>
               <a:ext uri="{AF507438-7753-43e0-B8FC-AC1667EBCBE1}">
-                <a14:hiddenEffects xmlns="" xmlns:a14="http://schemas.microsoft.com/office/drawing/2010/main">
+                <a14:hiddenEffects xmlns:a14="http://schemas.microsoft.com/office/drawing/2010/main" xmlns="">
                   <a:effectLst>
                     <a:outerShdw blurRad="63500" dist="38099" dir="2700000" algn="ctr" rotWithShape="0">
                       <a:schemeClr val="bg2">
@@ -15804,12 +15794,12 @@
             <a:effectLst/>
             <a:extLst>
               <a:ext uri="{909E8E84-426E-40dd-AFC4-6F175D3DCCD1}">
-                <a14:hiddenFill xmlns="" xmlns:a14="http://schemas.microsoft.com/office/drawing/2010/main">
+                <a14:hiddenFill xmlns:a14="http://schemas.microsoft.com/office/drawing/2010/main" xmlns="">
                   <a:noFill/>
                 </a14:hiddenFill>
               </a:ext>
               <a:ext uri="{AF507438-7753-43e0-B8FC-AC1667EBCBE1}">
-                <a14:hiddenEffects xmlns="" xmlns:a14="http://schemas.microsoft.com/office/drawing/2010/main">
+                <a14:hiddenEffects xmlns:a14="http://schemas.microsoft.com/office/drawing/2010/main" xmlns="">
                   <a:effectLst>
                     <a:outerShdw blurRad="63500" dist="38099" dir="2700000" algn="ctr" rotWithShape="0">
                       <a:schemeClr val="bg2">
@@ -15852,14 +15842,14 @@
             <a:effectLst/>
             <a:extLst>
               <a:ext uri="{909E8E84-426E-40dd-AFC4-6F175D3DCCD1}">
-                <a14:hiddenFill xmlns="" xmlns:a14="http://schemas.microsoft.com/office/drawing/2010/main">
+                <a14:hiddenFill xmlns:a14="http://schemas.microsoft.com/office/drawing/2010/main" xmlns="">
                   <a:solidFill>
                     <a:schemeClr val="accent1"/>
                   </a:solidFill>
                 </a14:hiddenFill>
               </a:ext>
               <a:ext uri="{91240B29-F687-4f45-9708-019B960494DF}">
-                <a14:hiddenLine xmlns="" xmlns:a14="http://schemas.microsoft.com/office/drawing/2010/main" w="9525">
+                <a14:hiddenLine xmlns:a14="http://schemas.microsoft.com/office/drawing/2010/main" xmlns="" w="9525">
                   <a:solidFill>
                     <a:schemeClr val="tx1"/>
                   </a:solidFill>
@@ -15869,7 +15859,7 @@
                 </a14:hiddenLine>
               </a:ext>
               <a:ext uri="{AF507438-7753-43e0-B8FC-AC1667EBCBE1}">
-                <a14:hiddenEffects xmlns="" xmlns:a14="http://schemas.microsoft.com/office/drawing/2010/main">
+                <a14:hiddenEffects xmlns:a14="http://schemas.microsoft.com/office/drawing/2010/main" xmlns="">
                   <a:effectLst>
                     <a:outerShdw blurRad="63500" dist="38099" dir="2700000" algn="ctr" rotWithShape="0">
                       <a:schemeClr val="bg2">
@@ -15919,14 +15909,14 @@
             <a:effectLst/>
             <a:extLst>
               <a:ext uri="{909E8E84-426E-40dd-AFC4-6F175D3DCCD1}">
-                <a14:hiddenFill xmlns="" xmlns:a14="http://schemas.microsoft.com/office/drawing/2010/main">
+                <a14:hiddenFill xmlns:a14="http://schemas.microsoft.com/office/drawing/2010/main" xmlns="">
                   <a:solidFill>
                     <a:schemeClr val="accent1"/>
                   </a:solidFill>
                 </a14:hiddenFill>
               </a:ext>
               <a:ext uri="{91240B29-F687-4f45-9708-019B960494DF}">
-                <a14:hiddenLine xmlns="" xmlns:a14="http://schemas.microsoft.com/office/drawing/2010/main" w="9525">
+                <a14:hiddenLine xmlns:a14="http://schemas.microsoft.com/office/drawing/2010/main" xmlns="" w="9525">
                   <a:solidFill>
                     <a:schemeClr val="tx1"/>
                   </a:solidFill>
@@ -15936,7 +15926,7 @@
                 </a14:hiddenLine>
               </a:ext>
               <a:ext uri="{AF507438-7753-43e0-B8FC-AC1667EBCBE1}">
-                <a14:hiddenEffects xmlns="" xmlns:a14="http://schemas.microsoft.com/office/drawing/2010/main">
+                <a14:hiddenEffects xmlns:a14="http://schemas.microsoft.com/office/drawing/2010/main" xmlns="">
                   <a:effectLst>
                     <a:outerShdw blurRad="63500" dist="38099" dir="2700000" algn="ctr" rotWithShape="0">
                       <a:schemeClr val="bg2">
@@ -15991,12 +15981,12 @@
             <a:effectLst/>
             <a:extLst>
               <a:ext uri="{909E8E84-426E-40dd-AFC4-6F175D3DCCD1}">
-                <a14:hiddenFill xmlns="" xmlns:a14="http://schemas.microsoft.com/office/drawing/2010/main">
+                <a14:hiddenFill xmlns:a14="http://schemas.microsoft.com/office/drawing/2010/main" xmlns="">
                   <a:noFill/>
                 </a14:hiddenFill>
               </a:ext>
               <a:ext uri="{AF507438-7753-43e0-B8FC-AC1667EBCBE1}">
-                <a14:hiddenEffects xmlns="" xmlns:a14="http://schemas.microsoft.com/office/drawing/2010/main">
+                <a14:hiddenEffects xmlns:a14="http://schemas.microsoft.com/office/drawing/2010/main" xmlns="">
                   <a:effectLst>
                     <a:outerShdw blurRad="63500" dist="38099" dir="2700000" algn="ctr" rotWithShape="0">
                       <a:schemeClr val="bg2">
@@ -16044,12 +16034,12 @@
             <a:effectLst/>
             <a:extLst>
               <a:ext uri="{909E8E84-426E-40dd-AFC4-6F175D3DCCD1}">
-                <a14:hiddenFill xmlns="" xmlns:a14="http://schemas.microsoft.com/office/drawing/2010/main">
+                <a14:hiddenFill xmlns:a14="http://schemas.microsoft.com/office/drawing/2010/main" xmlns="">
                   <a:noFill/>
                 </a14:hiddenFill>
               </a:ext>
               <a:ext uri="{AF507438-7753-43e0-B8FC-AC1667EBCBE1}">
-                <a14:hiddenEffects xmlns="" xmlns:a14="http://schemas.microsoft.com/office/drawing/2010/main">
+                <a14:hiddenEffects xmlns:a14="http://schemas.microsoft.com/office/drawing/2010/main" xmlns="">
                   <a:effectLst>
                     <a:outerShdw blurRad="63500" dist="38099" dir="2700000" algn="ctr" rotWithShape="0">
                       <a:schemeClr val="bg2">
@@ -16097,12 +16087,12 @@
             <a:effectLst/>
             <a:extLst>
               <a:ext uri="{909E8E84-426E-40dd-AFC4-6F175D3DCCD1}">
-                <a14:hiddenFill xmlns="" xmlns:a14="http://schemas.microsoft.com/office/drawing/2010/main">
+                <a14:hiddenFill xmlns:a14="http://schemas.microsoft.com/office/drawing/2010/main" xmlns="">
                   <a:noFill/>
                 </a14:hiddenFill>
               </a:ext>
               <a:ext uri="{AF507438-7753-43e0-B8FC-AC1667EBCBE1}">
-                <a14:hiddenEffects xmlns="" xmlns:a14="http://schemas.microsoft.com/office/drawing/2010/main">
+                <a14:hiddenEffects xmlns:a14="http://schemas.microsoft.com/office/drawing/2010/main" xmlns="">
                   <a:effectLst>
                     <a:outerShdw blurRad="63500" dist="38099" dir="2700000" algn="ctr" rotWithShape="0">
                       <a:schemeClr val="bg2">
@@ -16150,12 +16140,12 @@
             <a:effectLst/>
             <a:extLst>
               <a:ext uri="{909E8E84-426E-40dd-AFC4-6F175D3DCCD1}">
-                <a14:hiddenFill xmlns="" xmlns:a14="http://schemas.microsoft.com/office/drawing/2010/main">
+                <a14:hiddenFill xmlns:a14="http://schemas.microsoft.com/office/drawing/2010/main" xmlns="">
                   <a:noFill/>
                 </a14:hiddenFill>
               </a:ext>
               <a:ext uri="{AF507438-7753-43e0-B8FC-AC1667EBCBE1}">
-                <a14:hiddenEffects xmlns="" xmlns:a14="http://schemas.microsoft.com/office/drawing/2010/main">
+                <a14:hiddenEffects xmlns:a14="http://schemas.microsoft.com/office/drawing/2010/main" xmlns="">
                   <a:effectLst>
                     <a:outerShdw blurRad="63500" dist="38099" dir="2700000" algn="ctr" rotWithShape="0">
                       <a:schemeClr val="bg2">
@@ -16203,12 +16193,12 @@
             <a:effectLst/>
             <a:extLst>
               <a:ext uri="{909E8E84-426E-40dd-AFC4-6F175D3DCCD1}">
-                <a14:hiddenFill xmlns="" xmlns:a14="http://schemas.microsoft.com/office/drawing/2010/main">
+                <a14:hiddenFill xmlns:a14="http://schemas.microsoft.com/office/drawing/2010/main" xmlns="">
                   <a:noFill/>
                 </a14:hiddenFill>
               </a:ext>
               <a:ext uri="{AF507438-7753-43e0-B8FC-AC1667EBCBE1}">
-                <a14:hiddenEffects xmlns="" xmlns:a14="http://schemas.microsoft.com/office/drawing/2010/main">
+                <a14:hiddenEffects xmlns:a14="http://schemas.microsoft.com/office/drawing/2010/main" xmlns="">
                   <a:effectLst>
                     <a:outerShdw blurRad="63500" dist="38099" dir="2700000" algn="ctr" rotWithShape="0">
                       <a:schemeClr val="bg2">
@@ -16251,14 +16241,14 @@
             <a:effectLst/>
             <a:extLst>
               <a:ext uri="{909E8E84-426E-40dd-AFC4-6F175D3DCCD1}">
-                <a14:hiddenFill xmlns="" xmlns:a14="http://schemas.microsoft.com/office/drawing/2010/main">
+                <a14:hiddenFill xmlns:a14="http://schemas.microsoft.com/office/drawing/2010/main" xmlns="">
                   <a:solidFill>
                     <a:schemeClr val="accent1"/>
                   </a:solidFill>
                 </a14:hiddenFill>
               </a:ext>
               <a:ext uri="{91240B29-F687-4f45-9708-019B960494DF}">
-                <a14:hiddenLine xmlns="" xmlns:a14="http://schemas.microsoft.com/office/drawing/2010/main" w="9525">
+                <a14:hiddenLine xmlns:a14="http://schemas.microsoft.com/office/drawing/2010/main" xmlns="" w="9525">
                   <a:solidFill>
                     <a:schemeClr val="tx1"/>
                   </a:solidFill>
@@ -16268,7 +16258,7 @@
                 </a14:hiddenLine>
               </a:ext>
               <a:ext uri="{AF507438-7753-43e0-B8FC-AC1667EBCBE1}">
-                <a14:hiddenEffects xmlns="" xmlns:a14="http://schemas.microsoft.com/office/drawing/2010/main">
+                <a14:hiddenEffects xmlns:a14="http://schemas.microsoft.com/office/drawing/2010/main" xmlns="">
                   <a:effectLst>
                     <a:outerShdw blurRad="63500" dist="38099" dir="2700000" algn="ctr" rotWithShape="0">
                       <a:schemeClr val="bg2">
@@ -16316,14 +16306,14 @@
             <a:effectLst/>
             <a:extLst>
               <a:ext uri="{909E8E84-426E-40dd-AFC4-6F175D3DCCD1}">
-                <a14:hiddenFill xmlns="" xmlns:a14="http://schemas.microsoft.com/office/drawing/2010/main">
+                <a14:hiddenFill xmlns:a14="http://schemas.microsoft.com/office/drawing/2010/main" xmlns="">
                   <a:solidFill>
                     <a:schemeClr val="accent1"/>
                   </a:solidFill>
                 </a14:hiddenFill>
               </a:ext>
               <a:ext uri="{91240B29-F687-4f45-9708-019B960494DF}">
-                <a14:hiddenLine xmlns="" xmlns:a14="http://schemas.microsoft.com/office/drawing/2010/main" w="9525">
+                <a14:hiddenLine xmlns:a14="http://schemas.microsoft.com/office/drawing/2010/main" xmlns="" w="9525">
                   <a:solidFill>
                     <a:schemeClr val="tx1"/>
                   </a:solidFill>
@@ -16333,7 +16323,7 @@
                 </a14:hiddenLine>
               </a:ext>
               <a:ext uri="{AF507438-7753-43e0-B8FC-AC1667EBCBE1}">
-                <a14:hiddenEffects xmlns="" xmlns:a14="http://schemas.microsoft.com/office/drawing/2010/main">
+                <a14:hiddenEffects xmlns:a14="http://schemas.microsoft.com/office/drawing/2010/main" xmlns="">
                   <a:effectLst>
                     <a:outerShdw blurRad="63500" dist="38099" dir="2700000" algn="ctr" rotWithShape="0">
                       <a:schemeClr val="bg2">
@@ -16381,14 +16371,14 @@
             <a:effectLst/>
             <a:extLst>
               <a:ext uri="{909E8E84-426E-40dd-AFC4-6F175D3DCCD1}">
-                <a14:hiddenFill xmlns="" xmlns:a14="http://schemas.microsoft.com/office/drawing/2010/main">
+                <a14:hiddenFill xmlns:a14="http://schemas.microsoft.com/office/drawing/2010/main" xmlns="">
                   <a:solidFill>
                     <a:schemeClr val="accent1"/>
                   </a:solidFill>
                 </a14:hiddenFill>
               </a:ext>
               <a:ext uri="{91240B29-F687-4f45-9708-019B960494DF}">
-                <a14:hiddenLine xmlns="" xmlns:a14="http://schemas.microsoft.com/office/drawing/2010/main" w="9525">
+                <a14:hiddenLine xmlns:a14="http://schemas.microsoft.com/office/drawing/2010/main" xmlns="" w="9525">
                   <a:solidFill>
                     <a:schemeClr val="tx1"/>
                   </a:solidFill>
@@ -16398,7 +16388,7 @@
                 </a14:hiddenLine>
               </a:ext>
               <a:ext uri="{AF507438-7753-43e0-B8FC-AC1667EBCBE1}">
-                <a14:hiddenEffects xmlns="" xmlns:a14="http://schemas.microsoft.com/office/drawing/2010/main">
+                <a14:hiddenEffects xmlns:a14="http://schemas.microsoft.com/office/drawing/2010/main" xmlns="">
                   <a:effectLst>
                     <a:outerShdw blurRad="63500" dist="38099" dir="2700000" algn="ctr" rotWithShape="0">
                       <a:schemeClr val="bg2">
@@ -16446,14 +16436,14 @@
             <a:effectLst/>
             <a:extLst>
               <a:ext uri="{909E8E84-426E-40dd-AFC4-6F175D3DCCD1}">
-                <a14:hiddenFill xmlns="" xmlns:a14="http://schemas.microsoft.com/office/drawing/2010/main">
+                <a14:hiddenFill xmlns:a14="http://schemas.microsoft.com/office/drawing/2010/main" xmlns="">
                   <a:solidFill>
                     <a:schemeClr val="accent1"/>
                   </a:solidFill>
                 </a14:hiddenFill>
               </a:ext>
               <a:ext uri="{91240B29-F687-4f45-9708-019B960494DF}">
-                <a14:hiddenLine xmlns="" xmlns:a14="http://schemas.microsoft.com/office/drawing/2010/main" w="9525">
+                <a14:hiddenLine xmlns:a14="http://schemas.microsoft.com/office/drawing/2010/main" xmlns="" w="9525">
                   <a:solidFill>
                     <a:schemeClr val="tx1"/>
                   </a:solidFill>
@@ -16463,7 +16453,7 @@
                 </a14:hiddenLine>
               </a:ext>
               <a:ext uri="{AF507438-7753-43e0-B8FC-AC1667EBCBE1}">
-                <a14:hiddenEffects xmlns="" xmlns:a14="http://schemas.microsoft.com/office/drawing/2010/main">
+                <a14:hiddenEffects xmlns:a14="http://schemas.microsoft.com/office/drawing/2010/main" xmlns="">
                   <a:effectLst>
                     <a:outerShdw blurRad="63500" dist="38099" dir="2700000" algn="ctr" rotWithShape="0">
                       <a:schemeClr val="bg2">
@@ -16511,14 +16501,14 @@
             <a:effectLst/>
             <a:extLst>
               <a:ext uri="{909E8E84-426E-40dd-AFC4-6F175D3DCCD1}">
-                <a14:hiddenFill xmlns="" xmlns:a14="http://schemas.microsoft.com/office/drawing/2010/main">
+                <a14:hiddenFill xmlns:a14="http://schemas.microsoft.com/office/drawing/2010/main" xmlns="">
                   <a:solidFill>
                     <a:schemeClr val="accent1"/>
                   </a:solidFill>
                 </a14:hiddenFill>
               </a:ext>
               <a:ext uri="{91240B29-F687-4f45-9708-019B960494DF}">
-                <a14:hiddenLine xmlns="" xmlns:a14="http://schemas.microsoft.com/office/drawing/2010/main" w="9525">
+                <a14:hiddenLine xmlns:a14="http://schemas.microsoft.com/office/drawing/2010/main" xmlns="" w="9525">
                   <a:solidFill>
                     <a:schemeClr val="tx1"/>
                   </a:solidFill>
@@ -16528,7 +16518,7 @@
                 </a14:hiddenLine>
               </a:ext>
               <a:ext uri="{AF507438-7753-43e0-B8FC-AC1667EBCBE1}">
-                <a14:hiddenEffects xmlns="" xmlns:a14="http://schemas.microsoft.com/office/drawing/2010/main">
+                <a14:hiddenEffects xmlns:a14="http://schemas.microsoft.com/office/drawing/2010/main" xmlns="">
                   <a:effectLst>
                     <a:outerShdw blurRad="63500" dist="38099" dir="2700000" algn="ctr" rotWithShape="0">
                       <a:schemeClr val="bg2">
@@ -16653,7 +16643,7 @@
           <a:effectLst/>
           <a:extLst>
             <a:ext uri="{AF507438-7753-43e0-B8FC-AC1667EBCBE1}">
-              <a14:hiddenEffects xmlns="" xmlns:a14="http://schemas.microsoft.com/office/drawing/2010/main">
+              <a14:hiddenEffects xmlns:a14="http://schemas.microsoft.com/office/drawing/2010/main" xmlns="">
                 <a:effectLst>
                   <a:outerShdw blurRad="63500" dist="38099" dir="2700000" algn="ctr" rotWithShape="0">
                     <a:schemeClr val="bg2">
@@ -16707,12 +16697,12 @@
           <a:effectLst/>
           <a:extLst>
             <a:ext uri="{909E8E84-426E-40dd-AFC4-6F175D3DCCD1}">
-              <a14:hiddenFill xmlns="" xmlns:a14="http://schemas.microsoft.com/office/drawing/2010/main">
+              <a14:hiddenFill xmlns:a14="http://schemas.microsoft.com/office/drawing/2010/main" xmlns="">
                 <a:noFill/>
               </a14:hiddenFill>
             </a:ext>
             <a:ext uri="{AF507438-7753-43e0-B8FC-AC1667EBCBE1}">
-              <a14:hiddenEffects xmlns="" xmlns:a14="http://schemas.microsoft.com/office/drawing/2010/main">
+              <a14:hiddenEffects xmlns:a14="http://schemas.microsoft.com/office/drawing/2010/main" xmlns="">
                 <a:effectLst>
                   <a:outerShdw blurRad="63500" dist="38099" dir="2700000" algn="ctr" rotWithShape="0">
                     <a:schemeClr val="bg2">
@@ -16755,14 +16745,14 @@
           <a:effectLst/>
           <a:extLst>
             <a:ext uri="{909E8E84-426E-40dd-AFC4-6F175D3DCCD1}">
-              <a14:hiddenFill xmlns="" xmlns:a14="http://schemas.microsoft.com/office/drawing/2010/main">
+              <a14:hiddenFill xmlns:a14="http://schemas.microsoft.com/office/drawing/2010/main" xmlns="">
                 <a:solidFill>
                   <a:schemeClr val="accent1"/>
                 </a:solidFill>
               </a14:hiddenFill>
             </a:ext>
             <a:ext uri="{91240B29-F687-4f45-9708-019B960494DF}">
-              <a14:hiddenLine xmlns="" xmlns:a14="http://schemas.microsoft.com/office/drawing/2010/main" w="9525">
+              <a14:hiddenLine xmlns:a14="http://schemas.microsoft.com/office/drawing/2010/main" xmlns="" w="9525">
                 <a:solidFill>
                   <a:schemeClr val="tx1"/>
                 </a:solidFill>
@@ -16772,7 +16762,7 @@
               </a14:hiddenLine>
             </a:ext>
             <a:ext uri="{AF507438-7753-43e0-B8FC-AC1667EBCBE1}">
-              <a14:hiddenEffects xmlns="" xmlns:a14="http://schemas.microsoft.com/office/drawing/2010/main">
+              <a14:hiddenEffects xmlns:a14="http://schemas.microsoft.com/office/drawing/2010/main" xmlns="">
                 <a:effectLst>
                   <a:outerShdw blurRad="63500" dist="38099" dir="2700000" algn="ctr" rotWithShape="0">
                     <a:schemeClr val="bg2">
@@ -16822,14 +16812,14 @@
           <a:effectLst/>
           <a:extLst>
             <a:ext uri="{909E8E84-426E-40dd-AFC4-6F175D3DCCD1}">
-              <a14:hiddenFill xmlns="" xmlns:a14="http://schemas.microsoft.com/office/drawing/2010/main">
+              <a14:hiddenFill xmlns:a14="http://schemas.microsoft.com/office/drawing/2010/main" xmlns="">
                 <a:solidFill>
                   <a:schemeClr val="accent1"/>
                 </a:solidFill>
               </a14:hiddenFill>
             </a:ext>
             <a:ext uri="{91240B29-F687-4f45-9708-019B960494DF}">
-              <a14:hiddenLine xmlns="" xmlns:a14="http://schemas.microsoft.com/office/drawing/2010/main" w="9525">
+              <a14:hiddenLine xmlns:a14="http://schemas.microsoft.com/office/drawing/2010/main" xmlns="" w="9525">
                 <a:solidFill>
                   <a:schemeClr val="tx1"/>
                 </a:solidFill>
@@ -16839,7 +16829,7 @@
               </a14:hiddenLine>
             </a:ext>
             <a:ext uri="{AF507438-7753-43e0-B8FC-AC1667EBCBE1}">
-              <a14:hiddenEffects xmlns="" xmlns:a14="http://schemas.microsoft.com/office/drawing/2010/main">
+              <a14:hiddenEffects xmlns:a14="http://schemas.microsoft.com/office/drawing/2010/main" xmlns="">
                 <a:effectLst>
                   <a:outerShdw blurRad="63500" dist="38099" dir="2700000" algn="ctr" rotWithShape="0">
                     <a:schemeClr val="bg2">
@@ -16894,12 +16884,12 @@
           <a:effectLst/>
           <a:extLst>
             <a:ext uri="{909E8E84-426E-40dd-AFC4-6F175D3DCCD1}">
-              <a14:hiddenFill xmlns="" xmlns:a14="http://schemas.microsoft.com/office/drawing/2010/main">
+              <a14:hiddenFill xmlns:a14="http://schemas.microsoft.com/office/drawing/2010/main" xmlns="">
                 <a:noFill/>
               </a14:hiddenFill>
             </a:ext>
             <a:ext uri="{AF507438-7753-43e0-B8FC-AC1667EBCBE1}">
-              <a14:hiddenEffects xmlns="" xmlns:a14="http://schemas.microsoft.com/office/drawing/2010/main">
+              <a14:hiddenEffects xmlns:a14="http://schemas.microsoft.com/office/drawing/2010/main" xmlns="">
                 <a:effectLst>
                   <a:outerShdw blurRad="63500" dist="38099" dir="2700000" algn="ctr" rotWithShape="0">
                     <a:schemeClr val="bg2">
@@ -16942,14 +16932,14 @@
           <a:effectLst/>
           <a:extLst>
             <a:ext uri="{909E8E84-426E-40dd-AFC4-6F175D3DCCD1}">
-              <a14:hiddenFill xmlns="" xmlns:a14="http://schemas.microsoft.com/office/drawing/2010/main">
+              <a14:hiddenFill xmlns:a14="http://schemas.microsoft.com/office/drawing/2010/main" xmlns="">
                 <a:solidFill>
                   <a:schemeClr val="accent1"/>
                 </a:solidFill>
               </a14:hiddenFill>
             </a:ext>
             <a:ext uri="{91240B29-F687-4f45-9708-019B960494DF}">
-              <a14:hiddenLine xmlns="" xmlns:a14="http://schemas.microsoft.com/office/drawing/2010/main" w="9525">
+              <a14:hiddenLine xmlns:a14="http://schemas.microsoft.com/office/drawing/2010/main" xmlns="" w="9525">
                 <a:solidFill>
                   <a:schemeClr val="tx1"/>
                 </a:solidFill>
@@ -16959,7 +16949,7 @@
               </a14:hiddenLine>
             </a:ext>
             <a:ext uri="{AF507438-7753-43e0-B8FC-AC1667EBCBE1}">
-              <a14:hiddenEffects xmlns="" xmlns:a14="http://schemas.microsoft.com/office/drawing/2010/main">
+              <a14:hiddenEffects xmlns:a14="http://schemas.microsoft.com/office/drawing/2010/main" xmlns="">
                 <a:effectLst>
                   <a:outerShdw blurRad="63500" dist="38099" dir="2700000" algn="ctr" rotWithShape="0">
                     <a:schemeClr val="bg2">
@@ -17016,14 +17006,14 @@
           <a:effectLst/>
           <a:extLst>
             <a:ext uri="{909E8E84-426E-40dd-AFC4-6F175D3DCCD1}">
-              <a14:hiddenFill xmlns="" xmlns:a14="http://schemas.microsoft.com/office/drawing/2010/main">
+              <a14:hiddenFill xmlns:a14="http://schemas.microsoft.com/office/drawing/2010/main" xmlns="">
                 <a:solidFill>
                   <a:schemeClr val="accent1"/>
                 </a:solidFill>
               </a14:hiddenFill>
             </a:ext>
             <a:ext uri="{91240B29-F687-4f45-9708-019B960494DF}">
-              <a14:hiddenLine xmlns="" xmlns:a14="http://schemas.microsoft.com/office/drawing/2010/main" w="9525">
+              <a14:hiddenLine xmlns:a14="http://schemas.microsoft.com/office/drawing/2010/main" xmlns="" w="9525">
                 <a:solidFill>
                   <a:schemeClr val="tx1"/>
                 </a:solidFill>
@@ -17033,7 +17023,7 @@
               </a14:hiddenLine>
             </a:ext>
             <a:ext uri="{AF507438-7753-43e0-B8FC-AC1667EBCBE1}">
-              <a14:hiddenEffects xmlns="" xmlns:a14="http://schemas.microsoft.com/office/drawing/2010/main">
+              <a14:hiddenEffects xmlns:a14="http://schemas.microsoft.com/office/drawing/2010/main" xmlns="">
                 <a:effectLst>
                   <a:outerShdw blurRad="63500" dist="38099" dir="2700000" algn="ctr" rotWithShape="0">
                     <a:schemeClr val="bg2">
@@ -17178,7 +17168,7 @@
           <a:effectLst/>
           <a:extLst>
             <a:ext uri="{AF507438-7753-43e0-B8FC-AC1667EBCBE1}">
-              <a14:hiddenEffects xmlns="" xmlns:a14="http://schemas.microsoft.com/office/drawing/2010/main">
+              <a14:hiddenEffects xmlns:a14="http://schemas.microsoft.com/office/drawing/2010/main" xmlns="">
                 <a:effectLst>
                   <a:outerShdw blurRad="63500" dist="38099" dir="2700000" algn="ctr" rotWithShape="0">
                     <a:schemeClr val="bg2">
@@ -17237,7 +17227,7 @@
           <a:effectLst/>
           <a:extLst>
             <a:ext uri="{AF507438-7753-43e0-B8FC-AC1667EBCBE1}">
-              <a14:hiddenEffects xmlns="" xmlns:a14="http://schemas.microsoft.com/office/drawing/2010/main">
+              <a14:hiddenEffects xmlns:a14="http://schemas.microsoft.com/office/drawing/2010/main" xmlns="">
                 <a:effectLst>
                   <a:outerShdw blurRad="63500" dist="38099" dir="2700000" algn="ctr" rotWithShape="0">
                     <a:schemeClr val="bg2">
@@ -17293,7 +17283,7 @@
           <a:effectLst/>
           <a:extLst>
             <a:ext uri="{AF507438-7753-43e0-B8FC-AC1667EBCBE1}">
-              <a14:hiddenEffects xmlns="" xmlns:a14="http://schemas.microsoft.com/office/drawing/2010/main">
+              <a14:hiddenEffects xmlns:a14="http://schemas.microsoft.com/office/drawing/2010/main" xmlns="">
                 <a:effectLst>
                   <a:outerShdw blurRad="63500" dist="38099" dir="2700000" algn="ctr" rotWithShape="0">
                     <a:schemeClr val="bg2">
@@ -17349,12 +17339,12 @@
           <a:effectLst/>
           <a:extLst>
             <a:ext uri="{909E8E84-426E-40dd-AFC4-6F175D3DCCD1}">
-              <a14:hiddenFill xmlns="" xmlns:a14="http://schemas.microsoft.com/office/drawing/2010/main">
+              <a14:hiddenFill xmlns:a14="http://schemas.microsoft.com/office/drawing/2010/main" xmlns="">
                 <a:noFill/>
               </a14:hiddenFill>
             </a:ext>
             <a:ext uri="{AF507438-7753-43e0-B8FC-AC1667EBCBE1}">
-              <a14:hiddenEffects xmlns="" xmlns:a14="http://schemas.microsoft.com/office/drawing/2010/main">
+              <a14:hiddenEffects xmlns:a14="http://schemas.microsoft.com/office/drawing/2010/main" xmlns="">
                 <a:effectLst>
                   <a:outerShdw blurRad="63500" dist="38099" dir="2700000" algn="ctr" rotWithShape="0">
                     <a:schemeClr val="bg2">
@@ -17397,14 +17387,14 @@
           <a:effectLst/>
           <a:extLst>
             <a:ext uri="{909E8E84-426E-40dd-AFC4-6F175D3DCCD1}">
-              <a14:hiddenFill xmlns="" xmlns:a14="http://schemas.microsoft.com/office/drawing/2010/main">
+              <a14:hiddenFill xmlns:a14="http://schemas.microsoft.com/office/drawing/2010/main" xmlns="">
                 <a:solidFill>
                   <a:schemeClr val="accent1"/>
                 </a:solidFill>
               </a14:hiddenFill>
             </a:ext>
             <a:ext uri="{91240B29-F687-4f45-9708-019B960494DF}">
-              <a14:hiddenLine xmlns="" xmlns:a14="http://schemas.microsoft.com/office/drawing/2010/main" w="9525">
+              <a14:hiddenLine xmlns:a14="http://schemas.microsoft.com/office/drawing/2010/main" xmlns="" w="9525">
                 <a:solidFill>
                   <a:schemeClr val="tx1"/>
                 </a:solidFill>
@@ -17414,7 +17404,7 @@
               </a14:hiddenLine>
             </a:ext>
             <a:ext uri="{AF507438-7753-43e0-B8FC-AC1667EBCBE1}">
-              <a14:hiddenEffects xmlns="" xmlns:a14="http://schemas.microsoft.com/office/drawing/2010/main">
+              <a14:hiddenEffects xmlns:a14="http://schemas.microsoft.com/office/drawing/2010/main" xmlns="">
                 <a:effectLst>
                   <a:outerShdw blurRad="63500" dist="38099" dir="2700000" algn="ctr" rotWithShape="0">
                     <a:schemeClr val="bg2">
@@ -17464,14 +17454,14 @@
           <a:effectLst/>
           <a:extLst>
             <a:ext uri="{909E8E84-426E-40dd-AFC4-6F175D3DCCD1}">
-              <a14:hiddenFill xmlns="" xmlns:a14="http://schemas.microsoft.com/office/drawing/2010/main">
+              <a14:hiddenFill xmlns:a14="http://schemas.microsoft.com/office/drawing/2010/main" xmlns="">
                 <a:solidFill>
                   <a:schemeClr val="accent1"/>
                 </a:solidFill>
               </a14:hiddenFill>
             </a:ext>
             <a:ext uri="{91240B29-F687-4f45-9708-019B960494DF}">
-              <a14:hiddenLine xmlns="" xmlns:a14="http://schemas.microsoft.com/office/drawing/2010/main" w="9525">
+              <a14:hiddenLine xmlns:a14="http://schemas.microsoft.com/office/drawing/2010/main" xmlns="" w="9525">
                 <a:solidFill>
                   <a:schemeClr val="tx1"/>
                 </a:solidFill>
@@ -17481,7 +17471,7 @@
               </a14:hiddenLine>
             </a:ext>
             <a:ext uri="{AF507438-7753-43e0-B8FC-AC1667EBCBE1}">
-              <a14:hiddenEffects xmlns="" xmlns:a14="http://schemas.microsoft.com/office/drawing/2010/main">
+              <a14:hiddenEffects xmlns:a14="http://schemas.microsoft.com/office/drawing/2010/main" xmlns="">
                 <a:effectLst>
                   <a:outerShdw blurRad="63500" dist="38099" dir="2700000" algn="ctr" rotWithShape="0">
                     <a:schemeClr val="bg2">
@@ -17536,12 +17526,12 @@
           <a:effectLst/>
           <a:extLst>
             <a:ext uri="{909E8E84-426E-40dd-AFC4-6F175D3DCCD1}">
-              <a14:hiddenFill xmlns="" xmlns:a14="http://schemas.microsoft.com/office/drawing/2010/main">
+              <a14:hiddenFill xmlns:a14="http://schemas.microsoft.com/office/drawing/2010/main" xmlns="">
                 <a:noFill/>
               </a14:hiddenFill>
             </a:ext>
             <a:ext uri="{AF507438-7753-43e0-B8FC-AC1667EBCBE1}">
-              <a14:hiddenEffects xmlns="" xmlns:a14="http://schemas.microsoft.com/office/drawing/2010/main">
+              <a14:hiddenEffects xmlns:a14="http://schemas.microsoft.com/office/drawing/2010/main" xmlns="">
                 <a:effectLst>
                   <a:outerShdw blurRad="63500" dist="38099" dir="2700000" algn="ctr" rotWithShape="0">
                     <a:schemeClr val="bg2">
@@ -17589,12 +17579,12 @@
           <a:effectLst/>
           <a:extLst>
             <a:ext uri="{909E8E84-426E-40dd-AFC4-6F175D3DCCD1}">
-              <a14:hiddenFill xmlns="" xmlns:a14="http://schemas.microsoft.com/office/drawing/2010/main">
+              <a14:hiddenFill xmlns:a14="http://schemas.microsoft.com/office/drawing/2010/main" xmlns="">
                 <a:noFill/>
               </a14:hiddenFill>
             </a:ext>
             <a:ext uri="{AF507438-7753-43e0-B8FC-AC1667EBCBE1}">
-              <a14:hiddenEffects xmlns="" xmlns:a14="http://schemas.microsoft.com/office/drawing/2010/main">
+              <a14:hiddenEffects xmlns:a14="http://schemas.microsoft.com/office/drawing/2010/main" xmlns="">
                 <a:effectLst>
                   <a:outerShdw blurRad="63500" dist="38099" dir="2700000" algn="ctr" rotWithShape="0">
                     <a:schemeClr val="bg2">
@@ -17637,14 +17627,14 @@
           <a:effectLst/>
           <a:extLst>
             <a:ext uri="{909E8E84-426E-40dd-AFC4-6F175D3DCCD1}">
-              <a14:hiddenFill xmlns="" xmlns:a14="http://schemas.microsoft.com/office/drawing/2010/main">
+              <a14:hiddenFill xmlns:a14="http://schemas.microsoft.com/office/drawing/2010/main" xmlns="">
                 <a:solidFill>
                   <a:schemeClr val="accent1"/>
                 </a:solidFill>
               </a14:hiddenFill>
             </a:ext>
             <a:ext uri="{91240B29-F687-4f45-9708-019B960494DF}">
-              <a14:hiddenLine xmlns="" xmlns:a14="http://schemas.microsoft.com/office/drawing/2010/main" w="9525">
+              <a14:hiddenLine xmlns:a14="http://schemas.microsoft.com/office/drawing/2010/main" xmlns="" w="9525">
                 <a:solidFill>
                   <a:schemeClr val="tx1"/>
                 </a:solidFill>
@@ -17654,7 +17644,7 @@
               </a14:hiddenLine>
             </a:ext>
             <a:ext uri="{AF507438-7753-43e0-B8FC-AC1667EBCBE1}">
-              <a14:hiddenEffects xmlns="" xmlns:a14="http://schemas.microsoft.com/office/drawing/2010/main">
+              <a14:hiddenEffects xmlns:a14="http://schemas.microsoft.com/office/drawing/2010/main" xmlns="">
                 <a:effectLst>
                   <a:outerShdw blurRad="63500" dist="38099" dir="2700000" algn="ctr" rotWithShape="0">
                     <a:schemeClr val="bg2">
@@ -17710,14 +17700,14 @@
           <a:effectLst/>
           <a:extLst>
             <a:ext uri="{909E8E84-426E-40dd-AFC4-6F175D3DCCD1}">
-              <a14:hiddenFill xmlns="" xmlns:a14="http://schemas.microsoft.com/office/drawing/2010/main">
+              <a14:hiddenFill xmlns:a14="http://schemas.microsoft.com/office/drawing/2010/main" xmlns="">
                 <a:solidFill>
                   <a:schemeClr val="accent1"/>
                 </a:solidFill>
               </a14:hiddenFill>
             </a:ext>
             <a:ext uri="{91240B29-F687-4f45-9708-019B960494DF}">
-              <a14:hiddenLine xmlns="" xmlns:a14="http://schemas.microsoft.com/office/drawing/2010/main" w="9525">
+              <a14:hiddenLine xmlns:a14="http://schemas.microsoft.com/office/drawing/2010/main" xmlns="" w="9525">
                 <a:solidFill>
                   <a:schemeClr val="tx1"/>
                 </a:solidFill>
@@ -17727,7 +17717,7 @@
               </a14:hiddenLine>
             </a:ext>
             <a:ext uri="{AF507438-7753-43e0-B8FC-AC1667EBCBE1}">
-              <a14:hiddenEffects xmlns="" xmlns:a14="http://schemas.microsoft.com/office/drawing/2010/main">
+              <a14:hiddenEffects xmlns:a14="http://schemas.microsoft.com/office/drawing/2010/main" xmlns="">
                 <a:effectLst>
                   <a:outerShdw blurRad="63500" dist="38099" dir="2700000" algn="ctr" rotWithShape="0">
                     <a:schemeClr val="bg2">
@@ -17784,12 +17774,12 @@
           <a:effectLst/>
           <a:extLst>
             <a:ext uri="{909E8E84-426E-40dd-AFC4-6F175D3DCCD1}">
-              <a14:hiddenFill xmlns="" xmlns:a14="http://schemas.microsoft.com/office/drawing/2010/main">
+              <a14:hiddenFill xmlns:a14="http://schemas.microsoft.com/office/drawing/2010/main" xmlns="">
                 <a:noFill/>
               </a14:hiddenFill>
             </a:ext>
             <a:ext uri="{AF507438-7753-43e0-B8FC-AC1667EBCBE1}">
-              <a14:hiddenEffects xmlns="" xmlns:a14="http://schemas.microsoft.com/office/drawing/2010/main">
+              <a14:hiddenEffects xmlns:a14="http://schemas.microsoft.com/office/drawing/2010/main" xmlns="">
                 <a:effectLst>
                   <a:outerShdw blurRad="63500" dist="38099" dir="2700000" algn="ctr" rotWithShape="0">
                     <a:schemeClr val="bg2">
@@ -17839,7 +17829,7 @@
           <a:effectLst/>
           <a:extLst>
             <a:ext uri="{AF507438-7753-43e0-B8FC-AC1667EBCBE1}">
-              <a14:hiddenEffects xmlns="" xmlns:a14="http://schemas.microsoft.com/office/drawing/2010/main">
+              <a14:hiddenEffects xmlns:a14="http://schemas.microsoft.com/office/drawing/2010/main" xmlns="">
                 <a:effectLst>
                   <a:outerShdw blurRad="63500" dist="38099" dir="2700000" algn="ctr" rotWithShape="0">
                     <a:schemeClr val="bg2">
@@ -17888,14 +17878,14 @@
           <a:effectLst/>
           <a:extLst>
             <a:ext uri="{909E8E84-426E-40dd-AFC4-6F175D3DCCD1}">
-              <a14:hiddenFill xmlns="" xmlns:a14="http://schemas.microsoft.com/office/drawing/2010/main">
+              <a14:hiddenFill xmlns:a14="http://schemas.microsoft.com/office/drawing/2010/main" xmlns="">
                 <a:solidFill>
                   <a:schemeClr val="accent1"/>
                 </a:solidFill>
               </a14:hiddenFill>
             </a:ext>
             <a:ext uri="{91240B29-F687-4f45-9708-019B960494DF}">
-              <a14:hiddenLine xmlns="" xmlns:a14="http://schemas.microsoft.com/office/drawing/2010/main" w="9525">
+              <a14:hiddenLine xmlns:a14="http://schemas.microsoft.com/office/drawing/2010/main" xmlns="" w="9525">
                 <a:solidFill>
                   <a:schemeClr val="tx1"/>
                 </a:solidFill>
@@ -17905,7 +17895,7 @@
               </a14:hiddenLine>
             </a:ext>
             <a:ext uri="{AF507438-7753-43e0-B8FC-AC1667EBCBE1}">
-              <a14:hiddenEffects xmlns="" xmlns:a14="http://schemas.microsoft.com/office/drawing/2010/main">
+              <a14:hiddenEffects xmlns:a14="http://schemas.microsoft.com/office/drawing/2010/main" xmlns="">
                 <a:effectLst>
                   <a:outerShdw blurRad="63500" dist="38099" dir="2700000" algn="ctr" rotWithShape="0">
                     <a:schemeClr val="bg2">
@@ -17966,7 +17956,7 @@
                   <a:srgbClr val="0000FF"/>
                 </a:solidFill>
               </a:rPr>
-              <a:t>Most of the time we’ll worry about yes no question, however, if we have more complicated answers we often just have to do a little work to the solution to the problem of P</a:t>
+              <a:t>Most of the time we’ll worry about yes-no questions. However, if we have more complicated answers, we often just must do a little work to the solution to the problem of P</a:t>
             </a:r>
             <a:r>
               <a:rPr lang="en-US" sz="2400" baseline="-25000" dirty="0">
@@ -17982,7 +17972,7 @@
                   <a:srgbClr val="0000FF"/>
                 </a:solidFill>
               </a:rPr>
-              <a:t> to get the answer</a:t>
+              <a:t> to get the answer.</a:t>
             </a:r>
           </a:p>
         </p:txBody>
@@ -18104,7 +18094,7 @@
           <a:effectLst/>
           <a:extLst>
             <a:ext uri="{AF507438-7753-43e0-B8FC-AC1667EBCBE1}">
-              <a14:hiddenEffects xmlns="" xmlns:a14="http://schemas.microsoft.com/office/drawing/2010/main">
+              <a14:hiddenEffects xmlns:a14="http://schemas.microsoft.com/office/drawing/2010/main" xmlns="">
                 <a:effectLst>
                   <a:outerShdw blurRad="63500" dist="38099" dir="2700000" algn="ctr" rotWithShape="0">
                     <a:schemeClr val="bg2">
@@ -18163,7 +18153,7 @@
           <a:effectLst/>
           <a:extLst>
             <a:ext uri="{AF507438-7753-43e0-B8FC-AC1667EBCBE1}">
-              <a14:hiddenEffects xmlns="" xmlns:a14="http://schemas.microsoft.com/office/drawing/2010/main">
+              <a14:hiddenEffects xmlns:a14="http://schemas.microsoft.com/office/drawing/2010/main" xmlns="">
                 <a:effectLst>
                   <a:outerShdw blurRad="63500" dist="38099" dir="2700000" algn="ctr" rotWithShape="0">
                     <a:schemeClr val="bg2">
@@ -18219,7 +18209,7 @@
           <a:effectLst/>
           <a:extLst>
             <a:ext uri="{AF507438-7753-43e0-B8FC-AC1667EBCBE1}">
-              <a14:hiddenEffects xmlns="" xmlns:a14="http://schemas.microsoft.com/office/drawing/2010/main">
+              <a14:hiddenEffects xmlns:a14="http://schemas.microsoft.com/office/drawing/2010/main" xmlns="">
                 <a:effectLst>
                   <a:outerShdw blurRad="63500" dist="38099" dir="2700000" algn="ctr" rotWithShape="0">
                     <a:schemeClr val="bg2">
@@ -18275,12 +18265,12 @@
           <a:effectLst/>
           <a:extLst>
             <a:ext uri="{909E8E84-426E-40dd-AFC4-6F175D3DCCD1}">
-              <a14:hiddenFill xmlns="" xmlns:a14="http://schemas.microsoft.com/office/drawing/2010/main">
+              <a14:hiddenFill xmlns:a14="http://schemas.microsoft.com/office/drawing/2010/main" xmlns="">
                 <a:noFill/>
               </a14:hiddenFill>
             </a:ext>
             <a:ext uri="{AF507438-7753-43e0-B8FC-AC1667EBCBE1}">
-              <a14:hiddenEffects xmlns="" xmlns:a14="http://schemas.microsoft.com/office/drawing/2010/main">
+              <a14:hiddenEffects xmlns:a14="http://schemas.microsoft.com/office/drawing/2010/main" xmlns="">
                 <a:effectLst>
                   <a:outerShdw blurRad="63500" dist="38099" dir="2700000" algn="ctr" rotWithShape="0">
                     <a:schemeClr val="bg2">
@@ -18323,14 +18313,14 @@
           <a:effectLst/>
           <a:extLst>
             <a:ext uri="{909E8E84-426E-40dd-AFC4-6F175D3DCCD1}">
-              <a14:hiddenFill xmlns="" xmlns:a14="http://schemas.microsoft.com/office/drawing/2010/main">
+              <a14:hiddenFill xmlns:a14="http://schemas.microsoft.com/office/drawing/2010/main" xmlns="">
                 <a:solidFill>
                   <a:schemeClr val="accent1"/>
                 </a:solidFill>
               </a14:hiddenFill>
             </a:ext>
             <a:ext uri="{91240B29-F687-4f45-9708-019B960494DF}">
-              <a14:hiddenLine xmlns="" xmlns:a14="http://schemas.microsoft.com/office/drawing/2010/main" w="9525">
+              <a14:hiddenLine xmlns:a14="http://schemas.microsoft.com/office/drawing/2010/main" xmlns="" w="9525">
                 <a:solidFill>
                   <a:schemeClr val="tx1"/>
                 </a:solidFill>
@@ -18340,7 +18330,7 @@
               </a14:hiddenLine>
             </a:ext>
             <a:ext uri="{AF507438-7753-43e0-B8FC-AC1667EBCBE1}">
-              <a14:hiddenEffects xmlns="" xmlns:a14="http://schemas.microsoft.com/office/drawing/2010/main">
+              <a14:hiddenEffects xmlns:a14="http://schemas.microsoft.com/office/drawing/2010/main" xmlns="">
                 <a:effectLst>
                   <a:outerShdw blurRad="63500" dist="38099" dir="2700000" algn="ctr" rotWithShape="0">
                     <a:schemeClr val="bg2">
@@ -18390,14 +18380,14 @@
           <a:effectLst/>
           <a:extLst>
             <a:ext uri="{909E8E84-426E-40dd-AFC4-6F175D3DCCD1}">
-              <a14:hiddenFill xmlns="" xmlns:a14="http://schemas.microsoft.com/office/drawing/2010/main">
+              <a14:hiddenFill xmlns:a14="http://schemas.microsoft.com/office/drawing/2010/main" xmlns="">
                 <a:solidFill>
                   <a:schemeClr val="accent1"/>
                 </a:solidFill>
               </a14:hiddenFill>
             </a:ext>
             <a:ext uri="{91240B29-F687-4f45-9708-019B960494DF}">
-              <a14:hiddenLine xmlns="" xmlns:a14="http://schemas.microsoft.com/office/drawing/2010/main" w="9525">
+              <a14:hiddenLine xmlns:a14="http://schemas.microsoft.com/office/drawing/2010/main" xmlns="" w="9525">
                 <a:solidFill>
                   <a:schemeClr val="tx1"/>
                 </a:solidFill>
@@ -18407,7 +18397,7 @@
               </a14:hiddenLine>
             </a:ext>
             <a:ext uri="{AF507438-7753-43e0-B8FC-AC1667EBCBE1}">
-              <a14:hiddenEffects xmlns="" xmlns:a14="http://schemas.microsoft.com/office/drawing/2010/main">
+              <a14:hiddenEffects xmlns:a14="http://schemas.microsoft.com/office/drawing/2010/main" xmlns="">
                 <a:effectLst>
                   <a:outerShdw blurRad="63500" dist="38099" dir="2700000" algn="ctr" rotWithShape="0">
                     <a:schemeClr val="bg2">
@@ -18462,12 +18452,12 @@
           <a:effectLst/>
           <a:extLst>
             <a:ext uri="{909E8E84-426E-40dd-AFC4-6F175D3DCCD1}">
-              <a14:hiddenFill xmlns="" xmlns:a14="http://schemas.microsoft.com/office/drawing/2010/main">
+              <a14:hiddenFill xmlns:a14="http://schemas.microsoft.com/office/drawing/2010/main" xmlns="">
                 <a:noFill/>
               </a14:hiddenFill>
             </a:ext>
             <a:ext uri="{AF507438-7753-43e0-B8FC-AC1667EBCBE1}">
-              <a14:hiddenEffects xmlns="" xmlns:a14="http://schemas.microsoft.com/office/drawing/2010/main">
+              <a14:hiddenEffects xmlns:a14="http://schemas.microsoft.com/office/drawing/2010/main" xmlns="">
                 <a:effectLst>
                   <a:outerShdw blurRad="63500" dist="38099" dir="2700000" algn="ctr" rotWithShape="0">
                     <a:schemeClr val="bg2">
@@ -18515,12 +18505,12 @@
           <a:effectLst/>
           <a:extLst>
             <a:ext uri="{909E8E84-426E-40dd-AFC4-6F175D3DCCD1}">
-              <a14:hiddenFill xmlns="" xmlns:a14="http://schemas.microsoft.com/office/drawing/2010/main">
+              <a14:hiddenFill xmlns:a14="http://schemas.microsoft.com/office/drawing/2010/main" xmlns="">
                 <a:noFill/>
               </a14:hiddenFill>
             </a:ext>
             <a:ext uri="{AF507438-7753-43e0-B8FC-AC1667EBCBE1}">
-              <a14:hiddenEffects xmlns="" xmlns:a14="http://schemas.microsoft.com/office/drawing/2010/main">
+              <a14:hiddenEffects xmlns:a14="http://schemas.microsoft.com/office/drawing/2010/main" xmlns="">
                 <a:effectLst>
                   <a:outerShdw blurRad="63500" dist="38099" dir="2700000" algn="ctr" rotWithShape="0">
                     <a:schemeClr val="bg2">
@@ -18563,14 +18553,14 @@
           <a:effectLst/>
           <a:extLst>
             <a:ext uri="{909E8E84-426E-40dd-AFC4-6F175D3DCCD1}">
-              <a14:hiddenFill xmlns="" xmlns:a14="http://schemas.microsoft.com/office/drawing/2010/main">
+              <a14:hiddenFill xmlns:a14="http://schemas.microsoft.com/office/drawing/2010/main" xmlns="">
                 <a:solidFill>
                   <a:schemeClr val="accent1"/>
                 </a:solidFill>
               </a14:hiddenFill>
             </a:ext>
             <a:ext uri="{91240B29-F687-4f45-9708-019B960494DF}">
-              <a14:hiddenLine xmlns="" xmlns:a14="http://schemas.microsoft.com/office/drawing/2010/main" w="9525">
+              <a14:hiddenLine xmlns:a14="http://schemas.microsoft.com/office/drawing/2010/main" xmlns="" w="9525">
                 <a:solidFill>
                   <a:schemeClr val="tx1"/>
                 </a:solidFill>
@@ -18580,7 +18570,7 @@
               </a14:hiddenLine>
             </a:ext>
             <a:ext uri="{AF507438-7753-43e0-B8FC-AC1667EBCBE1}">
-              <a14:hiddenEffects xmlns="" xmlns:a14="http://schemas.microsoft.com/office/drawing/2010/main">
+              <a14:hiddenEffects xmlns:a14="http://schemas.microsoft.com/office/drawing/2010/main" xmlns="">
                 <a:effectLst>
                   <a:outerShdw blurRad="63500" dist="38099" dir="2700000" algn="ctr" rotWithShape="0">
                     <a:schemeClr val="bg2">
@@ -18636,14 +18626,14 @@
           <a:effectLst/>
           <a:extLst>
             <a:ext uri="{909E8E84-426E-40dd-AFC4-6F175D3DCCD1}">
-              <a14:hiddenFill xmlns="" xmlns:a14="http://schemas.microsoft.com/office/drawing/2010/main">
+              <a14:hiddenFill xmlns:a14="http://schemas.microsoft.com/office/drawing/2010/main" xmlns="">
                 <a:solidFill>
                   <a:schemeClr val="accent1"/>
                 </a:solidFill>
               </a14:hiddenFill>
             </a:ext>
             <a:ext uri="{91240B29-F687-4f45-9708-019B960494DF}">
-              <a14:hiddenLine xmlns="" xmlns:a14="http://schemas.microsoft.com/office/drawing/2010/main" w="9525">
+              <a14:hiddenLine xmlns:a14="http://schemas.microsoft.com/office/drawing/2010/main" xmlns="" w="9525">
                 <a:solidFill>
                   <a:schemeClr val="tx1"/>
                 </a:solidFill>
@@ -18653,7 +18643,7 @@
               </a14:hiddenLine>
             </a:ext>
             <a:ext uri="{AF507438-7753-43e0-B8FC-AC1667EBCBE1}">
-              <a14:hiddenEffects xmlns="" xmlns:a14="http://schemas.microsoft.com/office/drawing/2010/main">
+              <a14:hiddenEffects xmlns:a14="http://schemas.microsoft.com/office/drawing/2010/main" xmlns="">
                 <a:effectLst>
                   <a:outerShdw blurRad="63500" dist="38099" dir="2700000" algn="ctr" rotWithShape="0">
                     <a:schemeClr val="bg2">
@@ -18710,12 +18700,12 @@
           <a:effectLst/>
           <a:extLst>
             <a:ext uri="{909E8E84-426E-40dd-AFC4-6F175D3DCCD1}">
-              <a14:hiddenFill xmlns="" xmlns:a14="http://schemas.microsoft.com/office/drawing/2010/main">
+              <a14:hiddenFill xmlns:a14="http://schemas.microsoft.com/office/drawing/2010/main" xmlns="">
                 <a:noFill/>
               </a14:hiddenFill>
             </a:ext>
             <a:ext uri="{AF507438-7753-43e0-B8FC-AC1667EBCBE1}">
-              <a14:hiddenEffects xmlns="" xmlns:a14="http://schemas.microsoft.com/office/drawing/2010/main">
+              <a14:hiddenEffects xmlns:a14="http://schemas.microsoft.com/office/drawing/2010/main" xmlns="">
                 <a:effectLst>
                   <a:outerShdw blurRad="63500" dist="38099" dir="2700000" algn="ctr" rotWithShape="0">
                     <a:schemeClr val="bg2">
@@ -18765,7 +18755,7 @@
           <a:effectLst/>
           <a:extLst>
             <a:ext uri="{AF507438-7753-43e0-B8FC-AC1667EBCBE1}">
-              <a14:hiddenEffects xmlns="" xmlns:a14="http://schemas.microsoft.com/office/drawing/2010/main">
+              <a14:hiddenEffects xmlns:a14="http://schemas.microsoft.com/office/drawing/2010/main" xmlns="">
                 <a:effectLst>
                   <a:outerShdw blurRad="63500" dist="38099" dir="2700000" algn="ctr" rotWithShape="0">
                     <a:schemeClr val="bg2">
@@ -18814,14 +18804,14 @@
           <a:effectLst/>
           <a:extLst>
             <a:ext uri="{909E8E84-426E-40dd-AFC4-6F175D3DCCD1}">
-              <a14:hiddenFill xmlns="" xmlns:a14="http://schemas.microsoft.com/office/drawing/2010/main">
+              <a14:hiddenFill xmlns:a14="http://schemas.microsoft.com/office/drawing/2010/main" xmlns="">
                 <a:solidFill>
                   <a:schemeClr val="accent1"/>
                 </a:solidFill>
               </a14:hiddenFill>
             </a:ext>
             <a:ext uri="{91240B29-F687-4f45-9708-019B960494DF}">
-              <a14:hiddenLine xmlns="" xmlns:a14="http://schemas.microsoft.com/office/drawing/2010/main" w="9525">
+              <a14:hiddenLine xmlns:a14="http://schemas.microsoft.com/office/drawing/2010/main" xmlns="" w="9525">
                 <a:solidFill>
                   <a:schemeClr val="tx1"/>
                 </a:solidFill>
@@ -18831,7 +18821,7 @@
               </a14:hiddenLine>
             </a:ext>
             <a:ext uri="{AF507438-7753-43e0-B8FC-AC1667EBCBE1}">
-              <a14:hiddenEffects xmlns="" xmlns:a14="http://schemas.microsoft.com/office/drawing/2010/main">
+              <a14:hiddenEffects xmlns:a14="http://schemas.microsoft.com/office/drawing/2010/main" xmlns="">
                 <a:effectLst>
                   <a:outerShdw blurRad="63500" dist="38099" dir="2700000" algn="ctr" rotWithShape="0">
                     <a:schemeClr val="bg2">
@@ -19178,7 +19168,7 @@
           <a:effectLst/>
           <a:extLst>
             <a:ext uri="{AF507438-7753-43e0-B8FC-AC1667EBCBE1}">
-              <a14:hiddenEffects xmlns="" xmlns:a14="http://schemas.microsoft.com/office/drawing/2010/main">
+              <a14:hiddenEffects xmlns:a14="http://schemas.microsoft.com/office/drawing/2010/main" xmlns="">
                 <a:effectLst>
                   <a:outerShdw blurRad="63500" dist="38099" dir="2700000" algn="ctr" rotWithShape="0">
                     <a:schemeClr val="bg2">
@@ -19237,7 +19227,7 @@
           <a:effectLst/>
           <a:extLst>
             <a:ext uri="{AF507438-7753-43e0-B8FC-AC1667EBCBE1}">
-              <a14:hiddenEffects xmlns="" xmlns:a14="http://schemas.microsoft.com/office/drawing/2010/main">
+              <a14:hiddenEffects xmlns:a14="http://schemas.microsoft.com/office/drawing/2010/main" xmlns="">
                 <a:effectLst>
                   <a:outerShdw blurRad="63500" dist="38099" dir="2700000" algn="ctr" rotWithShape="0">
                     <a:schemeClr val="bg2">
@@ -19293,7 +19283,7 @@
           <a:effectLst/>
           <a:extLst>
             <a:ext uri="{AF507438-7753-43e0-B8FC-AC1667EBCBE1}">
-              <a14:hiddenEffects xmlns="" xmlns:a14="http://schemas.microsoft.com/office/drawing/2010/main">
+              <a14:hiddenEffects xmlns:a14="http://schemas.microsoft.com/office/drawing/2010/main" xmlns="">
                 <a:effectLst>
                   <a:outerShdw blurRad="63500" dist="38099" dir="2700000" algn="ctr" rotWithShape="0">
                     <a:schemeClr val="bg2">
@@ -19349,12 +19339,12 @@
           <a:effectLst/>
           <a:extLst>
             <a:ext uri="{909E8E84-426E-40dd-AFC4-6F175D3DCCD1}">
-              <a14:hiddenFill xmlns="" xmlns:a14="http://schemas.microsoft.com/office/drawing/2010/main">
+              <a14:hiddenFill xmlns:a14="http://schemas.microsoft.com/office/drawing/2010/main" xmlns="">
                 <a:noFill/>
               </a14:hiddenFill>
             </a:ext>
             <a:ext uri="{AF507438-7753-43e0-B8FC-AC1667EBCBE1}">
-              <a14:hiddenEffects xmlns="" xmlns:a14="http://schemas.microsoft.com/office/drawing/2010/main">
+              <a14:hiddenEffects xmlns:a14="http://schemas.microsoft.com/office/drawing/2010/main" xmlns="">
                 <a:effectLst>
                   <a:outerShdw blurRad="63500" dist="38099" dir="2700000" algn="ctr" rotWithShape="0">
                     <a:schemeClr val="bg2">
@@ -19397,14 +19387,14 @@
           <a:effectLst/>
           <a:extLst>
             <a:ext uri="{909E8E84-426E-40dd-AFC4-6F175D3DCCD1}">
-              <a14:hiddenFill xmlns="" xmlns:a14="http://schemas.microsoft.com/office/drawing/2010/main">
+              <a14:hiddenFill xmlns:a14="http://schemas.microsoft.com/office/drawing/2010/main" xmlns="">
                 <a:solidFill>
                   <a:schemeClr val="accent1"/>
                 </a:solidFill>
               </a14:hiddenFill>
             </a:ext>
             <a:ext uri="{91240B29-F687-4f45-9708-019B960494DF}">
-              <a14:hiddenLine xmlns="" xmlns:a14="http://schemas.microsoft.com/office/drawing/2010/main" w="9525">
+              <a14:hiddenLine xmlns:a14="http://schemas.microsoft.com/office/drawing/2010/main" xmlns="" w="9525">
                 <a:solidFill>
                   <a:schemeClr val="tx1"/>
                 </a:solidFill>
@@ -19414,7 +19404,7 @@
               </a14:hiddenLine>
             </a:ext>
             <a:ext uri="{AF507438-7753-43e0-B8FC-AC1667EBCBE1}">
-              <a14:hiddenEffects xmlns="" xmlns:a14="http://schemas.microsoft.com/office/drawing/2010/main">
+              <a14:hiddenEffects xmlns:a14="http://schemas.microsoft.com/office/drawing/2010/main" xmlns="">
                 <a:effectLst>
                   <a:outerShdw blurRad="63500" dist="38099" dir="2700000" algn="ctr" rotWithShape="0">
                     <a:schemeClr val="bg2">
@@ -19464,14 +19454,14 @@
           <a:effectLst/>
           <a:extLst>
             <a:ext uri="{909E8E84-426E-40dd-AFC4-6F175D3DCCD1}">
-              <a14:hiddenFill xmlns="" xmlns:a14="http://schemas.microsoft.com/office/drawing/2010/main">
+              <a14:hiddenFill xmlns:a14="http://schemas.microsoft.com/office/drawing/2010/main" xmlns="">
                 <a:solidFill>
                   <a:schemeClr val="accent1"/>
                 </a:solidFill>
               </a14:hiddenFill>
             </a:ext>
             <a:ext uri="{91240B29-F687-4f45-9708-019B960494DF}">
-              <a14:hiddenLine xmlns="" xmlns:a14="http://schemas.microsoft.com/office/drawing/2010/main" w="9525">
+              <a14:hiddenLine xmlns:a14="http://schemas.microsoft.com/office/drawing/2010/main" xmlns="" w="9525">
                 <a:solidFill>
                   <a:schemeClr val="tx1"/>
                 </a:solidFill>
@@ -19481,7 +19471,7 @@
               </a14:hiddenLine>
             </a:ext>
             <a:ext uri="{AF507438-7753-43e0-B8FC-AC1667EBCBE1}">
-              <a14:hiddenEffects xmlns="" xmlns:a14="http://schemas.microsoft.com/office/drawing/2010/main">
+              <a14:hiddenEffects xmlns:a14="http://schemas.microsoft.com/office/drawing/2010/main" xmlns="">
                 <a:effectLst>
                   <a:outerShdw blurRad="63500" dist="38099" dir="2700000" algn="ctr" rotWithShape="0">
                     <a:schemeClr val="bg2">
@@ -19536,12 +19526,12 @@
           <a:effectLst/>
           <a:extLst>
             <a:ext uri="{909E8E84-426E-40dd-AFC4-6F175D3DCCD1}">
-              <a14:hiddenFill xmlns="" xmlns:a14="http://schemas.microsoft.com/office/drawing/2010/main">
+              <a14:hiddenFill xmlns:a14="http://schemas.microsoft.com/office/drawing/2010/main" xmlns="">
                 <a:noFill/>
               </a14:hiddenFill>
             </a:ext>
             <a:ext uri="{AF507438-7753-43e0-B8FC-AC1667EBCBE1}">
-              <a14:hiddenEffects xmlns="" xmlns:a14="http://schemas.microsoft.com/office/drawing/2010/main">
+              <a14:hiddenEffects xmlns:a14="http://schemas.microsoft.com/office/drawing/2010/main" xmlns="">
                 <a:effectLst>
                   <a:outerShdw blurRad="63500" dist="38099" dir="2700000" algn="ctr" rotWithShape="0">
                     <a:schemeClr val="bg2">
@@ -19589,12 +19579,12 @@
           <a:effectLst/>
           <a:extLst>
             <a:ext uri="{909E8E84-426E-40dd-AFC4-6F175D3DCCD1}">
-              <a14:hiddenFill xmlns="" xmlns:a14="http://schemas.microsoft.com/office/drawing/2010/main">
+              <a14:hiddenFill xmlns:a14="http://schemas.microsoft.com/office/drawing/2010/main" xmlns="">
                 <a:noFill/>
               </a14:hiddenFill>
             </a:ext>
             <a:ext uri="{AF507438-7753-43e0-B8FC-AC1667EBCBE1}">
-              <a14:hiddenEffects xmlns="" xmlns:a14="http://schemas.microsoft.com/office/drawing/2010/main">
+              <a14:hiddenEffects xmlns:a14="http://schemas.microsoft.com/office/drawing/2010/main" xmlns="">
                 <a:effectLst>
                   <a:outerShdw blurRad="63500" dist="38099" dir="2700000" algn="ctr" rotWithShape="0">
                     <a:schemeClr val="bg2">
@@ -19637,14 +19627,14 @@
           <a:effectLst/>
           <a:extLst>
             <a:ext uri="{909E8E84-426E-40dd-AFC4-6F175D3DCCD1}">
-              <a14:hiddenFill xmlns="" xmlns:a14="http://schemas.microsoft.com/office/drawing/2010/main">
+              <a14:hiddenFill xmlns:a14="http://schemas.microsoft.com/office/drawing/2010/main" xmlns="">
                 <a:solidFill>
                   <a:schemeClr val="accent1"/>
                 </a:solidFill>
               </a14:hiddenFill>
             </a:ext>
             <a:ext uri="{91240B29-F687-4f45-9708-019B960494DF}">
-              <a14:hiddenLine xmlns="" xmlns:a14="http://schemas.microsoft.com/office/drawing/2010/main" w="9525">
+              <a14:hiddenLine xmlns:a14="http://schemas.microsoft.com/office/drawing/2010/main" xmlns="" w="9525">
                 <a:solidFill>
                   <a:schemeClr val="tx1"/>
                 </a:solidFill>
@@ -19654,7 +19644,7 @@
               </a14:hiddenLine>
             </a:ext>
             <a:ext uri="{AF507438-7753-43e0-B8FC-AC1667EBCBE1}">
-              <a14:hiddenEffects xmlns="" xmlns:a14="http://schemas.microsoft.com/office/drawing/2010/main">
+              <a14:hiddenEffects xmlns:a14="http://schemas.microsoft.com/office/drawing/2010/main" xmlns="">
                 <a:effectLst>
                   <a:outerShdw blurRad="63500" dist="38099" dir="2700000" algn="ctr" rotWithShape="0">
                     <a:schemeClr val="bg2">
@@ -19710,14 +19700,14 @@
           <a:effectLst/>
           <a:extLst>
             <a:ext uri="{909E8E84-426E-40dd-AFC4-6F175D3DCCD1}">
-              <a14:hiddenFill xmlns="" xmlns:a14="http://schemas.microsoft.com/office/drawing/2010/main">
+              <a14:hiddenFill xmlns:a14="http://schemas.microsoft.com/office/drawing/2010/main" xmlns="">
                 <a:solidFill>
                   <a:schemeClr val="accent1"/>
                 </a:solidFill>
               </a14:hiddenFill>
             </a:ext>
             <a:ext uri="{91240B29-F687-4f45-9708-019B960494DF}">
-              <a14:hiddenLine xmlns="" xmlns:a14="http://schemas.microsoft.com/office/drawing/2010/main" w="9525">
+              <a14:hiddenLine xmlns:a14="http://schemas.microsoft.com/office/drawing/2010/main" xmlns="" w="9525">
                 <a:solidFill>
                   <a:schemeClr val="tx1"/>
                 </a:solidFill>
@@ -19727,7 +19717,7 @@
               </a14:hiddenLine>
             </a:ext>
             <a:ext uri="{AF507438-7753-43e0-B8FC-AC1667EBCBE1}">
-              <a14:hiddenEffects xmlns="" xmlns:a14="http://schemas.microsoft.com/office/drawing/2010/main">
+              <a14:hiddenEffects xmlns:a14="http://schemas.microsoft.com/office/drawing/2010/main" xmlns="">
                 <a:effectLst>
                   <a:outerShdw blurRad="63500" dist="38099" dir="2700000" algn="ctr" rotWithShape="0">
                     <a:schemeClr val="bg2">
@@ -19784,12 +19774,12 @@
           <a:effectLst/>
           <a:extLst>
             <a:ext uri="{909E8E84-426E-40dd-AFC4-6F175D3DCCD1}">
-              <a14:hiddenFill xmlns="" xmlns:a14="http://schemas.microsoft.com/office/drawing/2010/main">
+              <a14:hiddenFill xmlns:a14="http://schemas.microsoft.com/office/drawing/2010/main" xmlns="">
                 <a:noFill/>
               </a14:hiddenFill>
             </a:ext>
             <a:ext uri="{AF507438-7753-43e0-B8FC-AC1667EBCBE1}">
-              <a14:hiddenEffects xmlns="" xmlns:a14="http://schemas.microsoft.com/office/drawing/2010/main">
+              <a14:hiddenEffects xmlns:a14="http://schemas.microsoft.com/office/drawing/2010/main" xmlns="">
                 <a:effectLst>
                   <a:outerShdw blurRad="63500" dist="38099" dir="2700000" algn="ctr" rotWithShape="0">
                     <a:schemeClr val="bg2">
@@ -19839,7 +19829,7 @@
           <a:effectLst/>
           <a:extLst>
             <a:ext uri="{AF507438-7753-43e0-B8FC-AC1667EBCBE1}">
-              <a14:hiddenEffects xmlns="" xmlns:a14="http://schemas.microsoft.com/office/drawing/2010/main">
+              <a14:hiddenEffects xmlns:a14="http://schemas.microsoft.com/office/drawing/2010/main" xmlns="">
                 <a:effectLst>
                   <a:outerShdw blurRad="63500" dist="38099" dir="2700000" algn="ctr" rotWithShape="0">
                     <a:schemeClr val="bg2">
@@ -19888,14 +19878,14 @@
           <a:effectLst/>
           <a:extLst>
             <a:ext uri="{909E8E84-426E-40dd-AFC4-6F175D3DCCD1}">
-              <a14:hiddenFill xmlns="" xmlns:a14="http://schemas.microsoft.com/office/drawing/2010/main">
+              <a14:hiddenFill xmlns:a14="http://schemas.microsoft.com/office/drawing/2010/main" xmlns="">
                 <a:solidFill>
                   <a:schemeClr val="accent1"/>
                 </a:solidFill>
               </a14:hiddenFill>
             </a:ext>
             <a:ext uri="{91240B29-F687-4f45-9708-019B960494DF}">
-              <a14:hiddenLine xmlns="" xmlns:a14="http://schemas.microsoft.com/office/drawing/2010/main" w="9525">
+              <a14:hiddenLine xmlns:a14="http://schemas.microsoft.com/office/drawing/2010/main" xmlns="" w="9525">
                 <a:solidFill>
                   <a:schemeClr val="tx1"/>
                 </a:solidFill>
@@ -19905,7 +19895,7 @@
               </a14:hiddenLine>
             </a:ext>
             <a:ext uri="{AF507438-7753-43e0-B8FC-AC1667EBCBE1}">
-              <a14:hiddenEffects xmlns="" xmlns:a14="http://schemas.microsoft.com/office/drawing/2010/main">
+              <a14:hiddenEffects xmlns:a14="http://schemas.microsoft.com/office/drawing/2010/main" xmlns="">
                 <a:effectLst>
                   <a:outerShdw blurRad="63500" dist="38099" dir="2700000" algn="ctr" rotWithShape="0">
                     <a:schemeClr val="bg2">
@@ -20123,7 +20113,7 @@
             </a:pPr>
             <a:r>
               <a:rPr lang="en-US" dirty="0"/>
-              <a:t>it can be verified in polynomial time (i.e. in NP)</a:t>
+              <a:t>it can be verified in polynomial time (i.e., in NP).</a:t>
             </a:r>
           </a:p>
           <a:p>
@@ -20136,7 +20126,7 @@
             </a:r>
             <a:r>
               <a:rPr lang="en-US" dirty="0"/>
-              <a:t> NP-complete problem can be reduced to the problem in polynomial time (is NP-hard)</a:t>
+              <a:t> NP-complete problem can be reduced to the problem in polynomial time (is NP-hard).</a:t>
             </a:r>
           </a:p>
         </p:txBody>
@@ -20515,7 +20505,7 @@
             </a:pPr>
             <a:r>
               <a:rPr lang="en-US" dirty="0"/>
-              <a:t>it can be verified in polynomial time (i.e. in NP)</a:t>
+              <a:t>it can be verified in polynomial time (i.e., in NP)</a:t>
             </a:r>
           </a:p>
           <a:p>
@@ -20937,7 +20927,7 @@
             </a:pPr>
             <a:r>
               <a:rPr lang="en-US" dirty="0"/>
-              <a:t>it can be verified in polynomial time (i.e. in NP)</a:t>
+              <a:t>it can be verified in polynomial time (i.e., in NP)</a:t>
             </a:r>
           </a:p>
           <a:p>
@@ -20955,8 +20945,8 @@
           </a:p>
         </p:txBody>
       </p:sp>
-      <mc:AlternateContent xmlns:mc="http://schemas.openxmlformats.org/markup-compatibility/2006" xmlns:a14="http://schemas.microsoft.com/office/drawing/2010/main">
-        <mc:Choice Requires="a14">
+      <mc:AlternateContent xmlns:mc="http://schemas.openxmlformats.org/markup-compatibility/2006">
+        <mc:Choice xmlns:a14="http://schemas.microsoft.com/office/drawing/2010/main" Requires="a14">
           <p:sp>
             <p:nvSpPr>
               <p:cNvPr id="4" name="TextBox 3">
@@ -20971,7 +20961,7 @@
             </p:nvSpPr>
             <p:spPr>
               <a:xfrm>
-                <a:off x="486524" y="4111672"/>
+                <a:off x="612648" y="4120381"/>
                 <a:ext cx="6136873" cy="1200329"/>
               </a:xfrm>
               <a:prstGeom prst="rect">
@@ -21062,7 +21052,7 @@
             </p:txBody>
           </p:sp>
         </mc:Choice>
-        <mc:Fallback xmlns="">
+        <mc:Fallback>
           <p:sp>
             <p:nvSpPr>
               <p:cNvPr id="4" name="TextBox 3">
@@ -21079,7 +21069,7 @@
             </p:nvSpPr>
             <p:spPr>
               <a:xfrm>
-                <a:off x="486524" y="4111672"/>
+                <a:off x="612648" y="4120381"/>
                 <a:ext cx="6136873" cy="1200329"/>
               </a:xfrm>
               <a:prstGeom prst="rect">
@@ -21088,7 +21078,7 @@
               <a:blipFill>
                 <a:blip r:embed="rId2"/>
                 <a:stretch>
-                  <a:fillRect l="-1653" t="-4167" r="-620" b="-10417"/>
+                  <a:fillRect l="-1653" t="-4167" r="-620" b="-9375"/>
                 </a:stretch>
               </a:blipFill>
             </p:spPr>
@@ -21242,7 +21232,7 @@
             </a:pPr>
             <a:r>
               <a:rPr lang="en-US" dirty="0"/>
-              <a:t>it can be verified in polynomial time (i.e. in NP)</a:t>
+              <a:t>it can be verified in polynomial time (i.e., in NP).</a:t>
             </a:r>
           </a:p>
           <a:p>
@@ -21255,7 +21245,7 @@
             </a:r>
             <a:r>
               <a:rPr lang="en-US" dirty="0"/>
-              <a:t> NP-complete problem can be reduced to the problem in polynomial time (is NP-hard)</a:t>
+              <a:t> NP-complete problem can be reduced to the problem in polynomial time (is NP-hard).</a:t>
             </a:r>
           </a:p>
         </p:txBody>
@@ -21288,23 +21278,7 @@
                   <a:srgbClr val="0000FF"/>
                 </a:solidFill>
               </a:rPr>
-              <a:t>The </a:t>
-            </a:r>
-            <a:r>
-              <a:rPr lang="en-US" sz="2800" dirty="0" err="1">
-                <a:solidFill>
-                  <a:srgbClr val="0000FF"/>
-                </a:solidFill>
-              </a:rPr>
-              <a:t>hamiltonian</a:t>
-            </a:r>
-            <a:r>
-              <a:rPr lang="en-US" sz="2800" dirty="0">
-                <a:solidFill>
-                  <a:srgbClr val="0000FF"/>
-                </a:solidFill>
-              </a:rPr>
-              <a:t> cycle problem is NP-complete</a:t>
+              <a:t>The Hamiltonian cycle problem is NP-complete</a:t>
             </a:r>
           </a:p>
         </p:txBody>
@@ -21317,8 +21291,8 @@
         </p:nvSpPr>
         <p:spPr>
           <a:xfrm>
-            <a:off x="467146" y="5042118"/>
-            <a:ext cx="8298902" cy="1384995"/>
+            <a:off x="467145" y="4738942"/>
+            <a:ext cx="8511391" cy="1384995"/>
           </a:xfrm>
           <a:prstGeom prst="rect">
             <a:avLst/>
@@ -21347,23 +21321,7 @@
                   <a:srgbClr val="FF0000"/>
                 </a:solidFill>
               </a:rPr>
-              <a:t>What does this say about how hard the </a:t>
-            </a:r>
-            <a:r>
-              <a:rPr lang="en-US" sz="2800" dirty="0" err="1">
-                <a:solidFill>
-                  <a:srgbClr val="FF0000"/>
-                </a:solidFill>
-              </a:rPr>
-              <a:t>hamiltonian</a:t>
-            </a:r>
-            <a:r>
-              <a:rPr lang="en-US" sz="2800" dirty="0">
-                <a:solidFill>
-                  <a:srgbClr val="FF0000"/>
-                </a:solidFill>
-              </a:rPr>
-              <a:t> cycle problem is compared to other NP-complete problems?</a:t>
+              <a:t>What does this say about how hard the Hamiltonian cycle problem is compared to other NP-complete problems?</a:t>
             </a:r>
           </a:p>
         </p:txBody>
@@ -21466,7 +21424,7 @@
             </a:pPr>
             <a:r>
               <a:rPr lang="en-US" dirty="0"/>
-              <a:t>it can be verified in polynomial time (i.e. in NP)</a:t>
+              <a:t>it can be verified in polynomial time (i.e., in NP)</a:t>
             </a:r>
           </a:p>
           <a:p>
@@ -21492,7 +21450,7 @@
         </p:nvSpPr>
         <p:spPr>
           <a:xfrm>
-            <a:off x="913331" y="4215722"/>
+            <a:off x="983000" y="4215722"/>
             <a:ext cx="6714774" cy="523220"/>
           </a:xfrm>
           <a:prstGeom prst="rect">
@@ -21512,23 +21470,7 @@
                   <a:srgbClr val="0000FF"/>
                 </a:solidFill>
               </a:rPr>
-              <a:t>The </a:t>
-            </a:r>
-            <a:r>
-              <a:rPr lang="en-US" sz="2800" dirty="0" err="1">
-                <a:solidFill>
-                  <a:srgbClr val="0000FF"/>
-                </a:solidFill>
-              </a:rPr>
-              <a:t>hamiltonian</a:t>
-            </a:r>
-            <a:r>
-              <a:rPr lang="en-US" sz="2800" dirty="0">
-                <a:solidFill>
-                  <a:srgbClr val="0000FF"/>
-                </a:solidFill>
-              </a:rPr>
-              <a:t> cycle problem is NP-complete</a:t>
+              <a:t>The Hamiltonian cycle problem is NP-complete</a:t>
             </a:r>
           </a:p>
         </p:txBody>
@@ -21541,7 +21483,7 @@
         </p:nvSpPr>
         <p:spPr>
           <a:xfrm>
-            <a:off x="422636" y="5080347"/>
+            <a:off x="612648" y="4738942"/>
             <a:ext cx="8512393" cy="954107"/>
           </a:xfrm>
           <a:prstGeom prst="rect">
@@ -21705,7 +21647,7 @@
             </a:pPr>
             <a:r>
               <a:rPr lang="en-US" dirty="0"/>
-              <a:t>it can be verified in polynomial time (i.e. in NP)</a:t>
+              <a:t>it can be verified in polynomial time (i.e., in NP)</a:t>
             </a:r>
           </a:p>
           <a:p>
@@ -21751,23 +21693,7 @@
                   <a:srgbClr val="FF0000"/>
                 </a:solidFill>
               </a:rPr>
-              <a:t>If I found a polynomial-time solution to the </a:t>
-            </a:r>
-            <a:r>
-              <a:rPr lang="en-US" sz="2800" dirty="0" err="1">
-                <a:solidFill>
-                  <a:srgbClr val="FF0000"/>
-                </a:solidFill>
-              </a:rPr>
-              <a:t>hamiltonian</a:t>
-            </a:r>
-            <a:r>
-              <a:rPr lang="en-US" sz="2800" dirty="0">
-                <a:solidFill>
-                  <a:srgbClr val="FF0000"/>
-                </a:solidFill>
-              </a:rPr>
-              <a:t> cycle problem, what would this mean for the other NP-complete problems?</a:t>
+              <a:t>If I found a polynomial-time solution to the Hamiltonian cycle problem, what would this mean for the other NP-complete problems?</a:t>
             </a:r>
           </a:p>
         </p:txBody>
@@ -21851,15 +21777,7 @@
             </a:pPr>
             <a:r>
               <a:rPr lang="en-US" sz="2400" dirty="0"/>
-              <a:t>If a polynomial-time solution to the </a:t>
-            </a:r>
-            <a:r>
-              <a:rPr lang="en-US" sz="2400" dirty="0" err="1"/>
-              <a:t>hamiltonian</a:t>
-            </a:r>
-            <a:r>
-              <a:rPr lang="en-US" sz="2400" dirty="0"/>
-              <a:t> cycle problem is found, we would have a polynomial time solution to </a:t>
+              <a:t>If a polynomial-time solution to the Hamiltonian cycle problem is found, we would have a polynomial time solution to </a:t>
             </a:r>
             <a:r>
               <a:rPr lang="en-US" sz="2400" i="1" dirty="0">
@@ -21878,7 +21796,7 @@
             </a:br>
             <a:r>
               <a:rPr lang="en-US" sz="2400" dirty="0"/>
-              <a:t>NP-complete problem</a:t>
+              <a:t>NP-complete problem.</a:t>
             </a:r>
           </a:p>
           <a:p>
@@ -21892,15 +21810,7 @@
             <a:pPr lvl="1"/>
             <a:r>
               <a:rPr lang="en-US" sz="2000" dirty="0"/>
-              <a:t>Convert it to the </a:t>
-            </a:r>
-            <a:r>
-              <a:rPr lang="en-US" sz="2000" dirty="0" err="1"/>
-              <a:t>hamiltonian</a:t>
-            </a:r>
-            <a:r>
-              <a:rPr lang="en-US" sz="2000" dirty="0"/>
-              <a:t> cycle problem (by definition, we know we can do this in polynomial time)</a:t>
+              <a:t>Convert it to the Hamiltonian cycle problem (by definition, we know we can do this in polynomial time)</a:t>
             </a:r>
           </a:p>
           <a:p>
@@ -21965,7 +21875,7 @@
             <a:effectLst/>
             <a:extLst>
               <a:ext uri="{AF507438-7753-43e0-B8FC-AC1667EBCBE1}">
-                <a14:hiddenEffects xmlns="" xmlns:a14="http://schemas.microsoft.com/office/drawing/2010/main">
+                <a14:hiddenEffects xmlns:a14="http://schemas.microsoft.com/office/drawing/2010/main" xmlns="">
                   <a:effectLst>
                     <a:outerShdw blurRad="63500" dist="38099" dir="2700000" algn="ctr" rotWithShape="0">
                       <a:schemeClr val="bg2">
@@ -22024,7 +21934,7 @@
             <a:effectLst/>
             <a:extLst>
               <a:ext uri="{AF507438-7753-43e0-B8FC-AC1667EBCBE1}">
-                <a14:hiddenEffects xmlns="" xmlns:a14="http://schemas.microsoft.com/office/drawing/2010/main">
+                <a14:hiddenEffects xmlns:a14="http://schemas.microsoft.com/office/drawing/2010/main" xmlns="">
                   <a:effectLst>
                     <a:outerShdw blurRad="63500" dist="38099" dir="2700000" algn="ctr" rotWithShape="0">
                       <a:schemeClr val="bg2">
@@ -22080,7 +21990,7 @@
             <a:effectLst/>
             <a:extLst>
               <a:ext uri="{AF507438-7753-43e0-B8FC-AC1667EBCBE1}">
-                <a14:hiddenEffects xmlns="" xmlns:a14="http://schemas.microsoft.com/office/drawing/2010/main">
+                <a14:hiddenEffects xmlns:a14="http://schemas.microsoft.com/office/drawing/2010/main" xmlns="">
                   <a:effectLst>
                     <a:outerShdw blurRad="63500" dist="38099" dir="2700000" algn="ctr" rotWithShape="0">
                       <a:schemeClr val="bg2">
@@ -22136,12 +22046,12 @@
             <a:effectLst/>
             <a:extLst>
               <a:ext uri="{909E8E84-426E-40dd-AFC4-6F175D3DCCD1}">
-                <a14:hiddenFill xmlns="" xmlns:a14="http://schemas.microsoft.com/office/drawing/2010/main">
+                <a14:hiddenFill xmlns:a14="http://schemas.microsoft.com/office/drawing/2010/main" xmlns="">
                   <a:noFill/>
                 </a14:hiddenFill>
               </a:ext>
               <a:ext uri="{AF507438-7753-43e0-B8FC-AC1667EBCBE1}">
-                <a14:hiddenEffects xmlns="" xmlns:a14="http://schemas.microsoft.com/office/drawing/2010/main">
+                <a14:hiddenEffects xmlns:a14="http://schemas.microsoft.com/office/drawing/2010/main" xmlns="">
                   <a:effectLst>
                     <a:outerShdw blurRad="63500" dist="38099" dir="2700000" algn="ctr" rotWithShape="0">
                       <a:schemeClr val="bg2">
@@ -22184,14 +22094,14 @@
             <a:effectLst/>
             <a:extLst>
               <a:ext uri="{909E8E84-426E-40dd-AFC4-6F175D3DCCD1}">
-                <a14:hiddenFill xmlns="" xmlns:a14="http://schemas.microsoft.com/office/drawing/2010/main">
+                <a14:hiddenFill xmlns:a14="http://schemas.microsoft.com/office/drawing/2010/main" xmlns="">
                   <a:solidFill>
                     <a:schemeClr val="accent1"/>
                   </a:solidFill>
                 </a14:hiddenFill>
               </a:ext>
               <a:ext uri="{91240B29-F687-4f45-9708-019B960494DF}">
-                <a14:hiddenLine xmlns="" xmlns:a14="http://schemas.microsoft.com/office/drawing/2010/main" w="9525">
+                <a14:hiddenLine xmlns:a14="http://schemas.microsoft.com/office/drawing/2010/main" xmlns="" w="9525">
                   <a:solidFill>
                     <a:schemeClr val="tx1"/>
                   </a:solidFill>
@@ -22201,7 +22111,7 @@
                 </a14:hiddenLine>
               </a:ext>
               <a:ext uri="{AF507438-7753-43e0-B8FC-AC1667EBCBE1}">
-                <a14:hiddenEffects xmlns="" xmlns:a14="http://schemas.microsoft.com/office/drawing/2010/main">
+                <a14:hiddenEffects xmlns:a14="http://schemas.microsoft.com/office/drawing/2010/main" xmlns="">
                   <a:effectLst>
                     <a:outerShdw blurRad="63500" dist="38099" dir="2700000" algn="ctr" rotWithShape="0">
                       <a:schemeClr val="bg2">
@@ -22251,14 +22161,14 @@
             <a:effectLst/>
             <a:extLst>
               <a:ext uri="{909E8E84-426E-40dd-AFC4-6F175D3DCCD1}">
-                <a14:hiddenFill xmlns="" xmlns:a14="http://schemas.microsoft.com/office/drawing/2010/main">
+                <a14:hiddenFill xmlns:a14="http://schemas.microsoft.com/office/drawing/2010/main" xmlns="">
                   <a:solidFill>
                     <a:schemeClr val="accent1"/>
                   </a:solidFill>
                 </a14:hiddenFill>
               </a:ext>
               <a:ext uri="{91240B29-F687-4f45-9708-019B960494DF}">
-                <a14:hiddenLine xmlns="" xmlns:a14="http://schemas.microsoft.com/office/drawing/2010/main" w="9525">
+                <a14:hiddenLine xmlns:a14="http://schemas.microsoft.com/office/drawing/2010/main" xmlns="" w="9525">
                   <a:solidFill>
                     <a:schemeClr val="tx1"/>
                   </a:solidFill>
@@ -22268,7 +22178,7 @@
                 </a14:hiddenLine>
               </a:ext>
               <a:ext uri="{AF507438-7753-43e0-B8FC-AC1667EBCBE1}">
-                <a14:hiddenEffects xmlns="" xmlns:a14="http://schemas.microsoft.com/office/drawing/2010/main">
+                <a14:hiddenEffects xmlns:a14="http://schemas.microsoft.com/office/drawing/2010/main" xmlns="">
                   <a:effectLst>
                     <a:outerShdw blurRad="63500" dist="38099" dir="2700000" algn="ctr" rotWithShape="0">
                       <a:schemeClr val="bg2">
@@ -22323,12 +22233,12 @@
             <a:effectLst/>
             <a:extLst>
               <a:ext uri="{909E8E84-426E-40dd-AFC4-6F175D3DCCD1}">
-                <a14:hiddenFill xmlns="" xmlns:a14="http://schemas.microsoft.com/office/drawing/2010/main">
+                <a14:hiddenFill xmlns:a14="http://schemas.microsoft.com/office/drawing/2010/main" xmlns="">
                   <a:noFill/>
                 </a14:hiddenFill>
               </a:ext>
               <a:ext uri="{AF507438-7753-43e0-B8FC-AC1667EBCBE1}">
-                <a14:hiddenEffects xmlns="" xmlns:a14="http://schemas.microsoft.com/office/drawing/2010/main">
+                <a14:hiddenEffects xmlns:a14="http://schemas.microsoft.com/office/drawing/2010/main" xmlns="">
                   <a:effectLst>
                     <a:outerShdw blurRad="63500" dist="38099" dir="2700000" algn="ctr" rotWithShape="0">
                       <a:schemeClr val="bg2">
@@ -22376,12 +22286,12 @@
             <a:effectLst/>
             <a:extLst>
               <a:ext uri="{909E8E84-426E-40dd-AFC4-6F175D3DCCD1}">
-                <a14:hiddenFill xmlns="" xmlns:a14="http://schemas.microsoft.com/office/drawing/2010/main">
+                <a14:hiddenFill xmlns:a14="http://schemas.microsoft.com/office/drawing/2010/main" xmlns="">
                   <a:noFill/>
                 </a14:hiddenFill>
               </a:ext>
               <a:ext uri="{AF507438-7753-43e0-B8FC-AC1667EBCBE1}">
-                <a14:hiddenEffects xmlns="" xmlns:a14="http://schemas.microsoft.com/office/drawing/2010/main">
+                <a14:hiddenEffects xmlns:a14="http://schemas.microsoft.com/office/drawing/2010/main" xmlns="">
                   <a:effectLst>
                     <a:outerShdw blurRad="63500" dist="38099" dir="2700000" algn="ctr" rotWithShape="0">
                       <a:schemeClr val="bg2">
@@ -22429,12 +22339,12 @@
             <a:effectLst/>
             <a:extLst>
               <a:ext uri="{909E8E84-426E-40dd-AFC4-6F175D3DCCD1}">
-                <a14:hiddenFill xmlns="" xmlns:a14="http://schemas.microsoft.com/office/drawing/2010/main">
+                <a14:hiddenFill xmlns:a14="http://schemas.microsoft.com/office/drawing/2010/main" xmlns="">
                   <a:noFill/>
                 </a14:hiddenFill>
               </a:ext>
               <a:ext uri="{AF507438-7753-43e0-B8FC-AC1667EBCBE1}">
-                <a14:hiddenEffects xmlns="" xmlns:a14="http://schemas.microsoft.com/office/drawing/2010/main">
+                <a14:hiddenEffects xmlns:a14="http://schemas.microsoft.com/office/drawing/2010/main" xmlns="">
                   <a:effectLst>
                     <a:outerShdw blurRad="63500" dist="38099" dir="2700000" algn="ctr" rotWithShape="0">
                       <a:schemeClr val="bg2">
@@ -22482,12 +22392,12 @@
             <a:effectLst/>
             <a:extLst>
               <a:ext uri="{909E8E84-426E-40dd-AFC4-6F175D3DCCD1}">
-                <a14:hiddenFill xmlns="" xmlns:a14="http://schemas.microsoft.com/office/drawing/2010/main">
+                <a14:hiddenFill xmlns:a14="http://schemas.microsoft.com/office/drawing/2010/main" xmlns="">
                   <a:noFill/>
                 </a14:hiddenFill>
               </a:ext>
               <a:ext uri="{AF507438-7753-43e0-B8FC-AC1667EBCBE1}">
-                <a14:hiddenEffects xmlns="" xmlns:a14="http://schemas.microsoft.com/office/drawing/2010/main">
+                <a14:hiddenEffects xmlns:a14="http://schemas.microsoft.com/office/drawing/2010/main" xmlns="">
                   <a:effectLst>
                     <a:outerShdw blurRad="63500" dist="38099" dir="2700000" algn="ctr" rotWithShape="0">
                       <a:schemeClr val="bg2">
@@ -22535,12 +22445,12 @@
             <a:effectLst/>
             <a:extLst>
               <a:ext uri="{909E8E84-426E-40dd-AFC4-6F175D3DCCD1}">
-                <a14:hiddenFill xmlns="" xmlns:a14="http://schemas.microsoft.com/office/drawing/2010/main">
+                <a14:hiddenFill xmlns:a14="http://schemas.microsoft.com/office/drawing/2010/main" xmlns="">
                   <a:noFill/>
                 </a14:hiddenFill>
               </a:ext>
               <a:ext uri="{AF507438-7753-43e0-B8FC-AC1667EBCBE1}">
-                <a14:hiddenEffects xmlns="" xmlns:a14="http://schemas.microsoft.com/office/drawing/2010/main">
+                <a14:hiddenEffects xmlns:a14="http://schemas.microsoft.com/office/drawing/2010/main" xmlns="">
                   <a:effectLst>
                     <a:outerShdw blurRad="63500" dist="38099" dir="2700000" algn="ctr" rotWithShape="0">
                       <a:schemeClr val="bg2">
@@ -22583,14 +22493,14 @@
             <a:effectLst/>
             <a:extLst>
               <a:ext uri="{909E8E84-426E-40dd-AFC4-6F175D3DCCD1}">
-                <a14:hiddenFill xmlns="" xmlns:a14="http://schemas.microsoft.com/office/drawing/2010/main">
+                <a14:hiddenFill xmlns:a14="http://schemas.microsoft.com/office/drawing/2010/main" xmlns="">
                   <a:solidFill>
                     <a:schemeClr val="accent1"/>
                   </a:solidFill>
                 </a14:hiddenFill>
               </a:ext>
               <a:ext uri="{91240B29-F687-4f45-9708-019B960494DF}">
-                <a14:hiddenLine xmlns="" xmlns:a14="http://schemas.microsoft.com/office/drawing/2010/main" w="9525">
+                <a14:hiddenLine xmlns:a14="http://schemas.microsoft.com/office/drawing/2010/main" xmlns="" w="9525">
                   <a:solidFill>
                     <a:schemeClr val="tx1"/>
                   </a:solidFill>
@@ -22600,7 +22510,7 @@
                 </a14:hiddenLine>
               </a:ext>
               <a:ext uri="{AF507438-7753-43e0-B8FC-AC1667EBCBE1}">
-                <a14:hiddenEffects xmlns="" xmlns:a14="http://schemas.microsoft.com/office/drawing/2010/main">
+                <a14:hiddenEffects xmlns:a14="http://schemas.microsoft.com/office/drawing/2010/main" xmlns="">
                   <a:effectLst>
                     <a:outerShdw blurRad="63500" dist="38099" dir="2700000" algn="ctr" rotWithShape="0">
                       <a:schemeClr val="bg2">
@@ -22648,14 +22558,14 @@
             <a:effectLst/>
             <a:extLst>
               <a:ext uri="{909E8E84-426E-40dd-AFC4-6F175D3DCCD1}">
-                <a14:hiddenFill xmlns="" xmlns:a14="http://schemas.microsoft.com/office/drawing/2010/main">
+                <a14:hiddenFill xmlns:a14="http://schemas.microsoft.com/office/drawing/2010/main" xmlns="">
                   <a:solidFill>
                     <a:schemeClr val="accent1"/>
                   </a:solidFill>
                 </a14:hiddenFill>
               </a:ext>
               <a:ext uri="{91240B29-F687-4f45-9708-019B960494DF}">
-                <a14:hiddenLine xmlns="" xmlns:a14="http://schemas.microsoft.com/office/drawing/2010/main" w="9525">
+                <a14:hiddenLine xmlns:a14="http://schemas.microsoft.com/office/drawing/2010/main" xmlns="" w="9525">
                   <a:solidFill>
                     <a:schemeClr val="tx1"/>
                   </a:solidFill>
@@ -22665,7 +22575,7 @@
                 </a14:hiddenLine>
               </a:ext>
               <a:ext uri="{AF507438-7753-43e0-B8FC-AC1667EBCBE1}">
-                <a14:hiddenEffects xmlns="" xmlns:a14="http://schemas.microsoft.com/office/drawing/2010/main">
+                <a14:hiddenEffects xmlns:a14="http://schemas.microsoft.com/office/drawing/2010/main" xmlns="">
                   <a:effectLst>
                     <a:outerShdw blurRad="63500" dist="38099" dir="2700000" algn="ctr" rotWithShape="0">
                       <a:schemeClr val="bg2">
@@ -22713,14 +22623,14 @@
             <a:effectLst/>
             <a:extLst>
               <a:ext uri="{909E8E84-426E-40dd-AFC4-6F175D3DCCD1}">
-                <a14:hiddenFill xmlns="" xmlns:a14="http://schemas.microsoft.com/office/drawing/2010/main">
+                <a14:hiddenFill xmlns:a14="http://schemas.microsoft.com/office/drawing/2010/main" xmlns="">
                   <a:solidFill>
                     <a:schemeClr val="accent1"/>
                   </a:solidFill>
                 </a14:hiddenFill>
               </a:ext>
               <a:ext uri="{91240B29-F687-4f45-9708-019B960494DF}">
-                <a14:hiddenLine xmlns="" xmlns:a14="http://schemas.microsoft.com/office/drawing/2010/main" w="9525">
+                <a14:hiddenLine xmlns:a14="http://schemas.microsoft.com/office/drawing/2010/main" xmlns="" w="9525">
                   <a:solidFill>
                     <a:schemeClr val="tx1"/>
                   </a:solidFill>
@@ -22730,7 +22640,7 @@
                 </a14:hiddenLine>
               </a:ext>
               <a:ext uri="{AF507438-7753-43e0-B8FC-AC1667EBCBE1}">
-                <a14:hiddenEffects xmlns="" xmlns:a14="http://schemas.microsoft.com/office/drawing/2010/main">
+                <a14:hiddenEffects xmlns:a14="http://schemas.microsoft.com/office/drawing/2010/main" xmlns="">
                   <a:effectLst>
                     <a:outerShdw blurRad="63500" dist="38099" dir="2700000" algn="ctr" rotWithShape="0">
                       <a:schemeClr val="bg2">
@@ -22778,14 +22688,14 @@
             <a:effectLst/>
             <a:extLst>
               <a:ext uri="{909E8E84-426E-40dd-AFC4-6F175D3DCCD1}">
-                <a14:hiddenFill xmlns="" xmlns:a14="http://schemas.microsoft.com/office/drawing/2010/main">
+                <a14:hiddenFill xmlns:a14="http://schemas.microsoft.com/office/drawing/2010/main" xmlns="">
                   <a:solidFill>
                     <a:schemeClr val="accent1"/>
                   </a:solidFill>
                 </a14:hiddenFill>
               </a:ext>
               <a:ext uri="{91240B29-F687-4f45-9708-019B960494DF}">
-                <a14:hiddenLine xmlns="" xmlns:a14="http://schemas.microsoft.com/office/drawing/2010/main" w="9525">
+                <a14:hiddenLine xmlns:a14="http://schemas.microsoft.com/office/drawing/2010/main" xmlns="" w="9525">
                   <a:solidFill>
                     <a:schemeClr val="tx1"/>
                   </a:solidFill>
@@ -22795,7 +22705,7 @@
                 </a14:hiddenLine>
               </a:ext>
               <a:ext uri="{AF507438-7753-43e0-B8FC-AC1667EBCBE1}">
-                <a14:hiddenEffects xmlns="" xmlns:a14="http://schemas.microsoft.com/office/drawing/2010/main">
+                <a14:hiddenEffects xmlns:a14="http://schemas.microsoft.com/office/drawing/2010/main" xmlns="">
                   <a:effectLst>
                     <a:outerShdw blurRad="63500" dist="38099" dir="2700000" algn="ctr" rotWithShape="0">
                       <a:schemeClr val="bg2">
@@ -22843,14 +22753,14 @@
             <a:effectLst/>
             <a:extLst>
               <a:ext uri="{909E8E84-426E-40dd-AFC4-6F175D3DCCD1}">
-                <a14:hiddenFill xmlns="" xmlns:a14="http://schemas.microsoft.com/office/drawing/2010/main">
+                <a14:hiddenFill xmlns:a14="http://schemas.microsoft.com/office/drawing/2010/main" xmlns="">
                   <a:solidFill>
                     <a:schemeClr val="accent1"/>
                   </a:solidFill>
                 </a14:hiddenFill>
               </a:ext>
               <a:ext uri="{91240B29-F687-4f45-9708-019B960494DF}">
-                <a14:hiddenLine xmlns="" xmlns:a14="http://schemas.microsoft.com/office/drawing/2010/main" w="9525">
+                <a14:hiddenLine xmlns:a14="http://schemas.microsoft.com/office/drawing/2010/main" xmlns="" w="9525">
                   <a:solidFill>
                     <a:schemeClr val="tx1"/>
                   </a:solidFill>
@@ -22860,7 +22770,7 @@
                 </a14:hiddenLine>
               </a:ext>
               <a:ext uri="{AF507438-7753-43e0-B8FC-AC1667EBCBE1}">
-                <a14:hiddenEffects xmlns="" xmlns:a14="http://schemas.microsoft.com/office/drawing/2010/main">
+                <a14:hiddenEffects xmlns:a14="http://schemas.microsoft.com/office/drawing/2010/main" xmlns="">
                   <a:effectLst>
                     <a:outerShdw blurRad="63500" dist="38099" dir="2700000" algn="ctr" rotWithShape="0">
                       <a:schemeClr val="bg2">
@@ -23245,7 +23155,7 @@
             <a:effectLst/>
             <a:extLst>
               <a:ext uri="{AF507438-7753-43e0-B8FC-AC1667EBCBE1}">
-                <a14:hiddenEffects xmlns="" xmlns:a14="http://schemas.microsoft.com/office/drawing/2010/main">
+                <a14:hiddenEffects xmlns:a14="http://schemas.microsoft.com/office/drawing/2010/main" xmlns="">
                   <a:effectLst>
                     <a:outerShdw blurRad="63500" dist="38099" dir="2700000" algn="ctr" rotWithShape="0">
                       <a:schemeClr val="bg2">
@@ -23304,7 +23214,7 @@
             <a:effectLst/>
             <a:extLst>
               <a:ext uri="{AF507438-7753-43e0-B8FC-AC1667EBCBE1}">
-                <a14:hiddenEffects xmlns="" xmlns:a14="http://schemas.microsoft.com/office/drawing/2010/main">
+                <a14:hiddenEffects xmlns:a14="http://schemas.microsoft.com/office/drawing/2010/main" xmlns="">
                   <a:effectLst>
                     <a:outerShdw blurRad="63500" dist="38099" dir="2700000" algn="ctr" rotWithShape="0">
                       <a:schemeClr val="bg2">
@@ -23360,7 +23270,7 @@
             <a:effectLst/>
             <a:extLst>
               <a:ext uri="{AF507438-7753-43e0-B8FC-AC1667EBCBE1}">
-                <a14:hiddenEffects xmlns="" xmlns:a14="http://schemas.microsoft.com/office/drawing/2010/main">
+                <a14:hiddenEffects xmlns:a14="http://schemas.microsoft.com/office/drawing/2010/main" xmlns="">
                   <a:effectLst>
                     <a:outerShdw blurRad="63500" dist="38099" dir="2700000" algn="ctr" rotWithShape="0">
                       <a:schemeClr val="bg2">
@@ -23416,12 +23326,12 @@
             <a:effectLst/>
             <a:extLst>
               <a:ext uri="{909E8E84-426E-40dd-AFC4-6F175D3DCCD1}">
-                <a14:hiddenFill xmlns="" xmlns:a14="http://schemas.microsoft.com/office/drawing/2010/main">
+                <a14:hiddenFill xmlns:a14="http://schemas.microsoft.com/office/drawing/2010/main" xmlns="">
                   <a:noFill/>
                 </a14:hiddenFill>
               </a:ext>
               <a:ext uri="{AF507438-7753-43e0-B8FC-AC1667EBCBE1}">
-                <a14:hiddenEffects xmlns="" xmlns:a14="http://schemas.microsoft.com/office/drawing/2010/main">
+                <a14:hiddenEffects xmlns:a14="http://schemas.microsoft.com/office/drawing/2010/main" xmlns="">
                   <a:effectLst>
                     <a:outerShdw blurRad="63500" dist="38099" dir="2700000" algn="ctr" rotWithShape="0">
                       <a:schemeClr val="bg2">
@@ -23464,14 +23374,14 @@
             <a:effectLst/>
             <a:extLst>
               <a:ext uri="{909E8E84-426E-40dd-AFC4-6F175D3DCCD1}">
-                <a14:hiddenFill xmlns="" xmlns:a14="http://schemas.microsoft.com/office/drawing/2010/main">
+                <a14:hiddenFill xmlns:a14="http://schemas.microsoft.com/office/drawing/2010/main" xmlns="">
                   <a:solidFill>
                     <a:schemeClr val="accent1"/>
                   </a:solidFill>
                 </a14:hiddenFill>
               </a:ext>
               <a:ext uri="{91240B29-F687-4f45-9708-019B960494DF}">
-                <a14:hiddenLine xmlns="" xmlns:a14="http://schemas.microsoft.com/office/drawing/2010/main" w="9525">
+                <a14:hiddenLine xmlns:a14="http://schemas.microsoft.com/office/drawing/2010/main" xmlns="" w="9525">
                   <a:solidFill>
                     <a:schemeClr val="tx1"/>
                   </a:solidFill>
@@ -23481,7 +23391,7 @@
                 </a14:hiddenLine>
               </a:ext>
               <a:ext uri="{AF507438-7753-43e0-B8FC-AC1667EBCBE1}">
-                <a14:hiddenEffects xmlns="" xmlns:a14="http://schemas.microsoft.com/office/drawing/2010/main">
+                <a14:hiddenEffects xmlns:a14="http://schemas.microsoft.com/office/drawing/2010/main" xmlns="">
                   <a:effectLst>
                     <a:outerShdw blurRad="63500" dist="38099" dir="2700000" algn="ctr" rotWithShape="0">
                       <a:schemeClr val="bg2">
@@ -23531,14 +23441,14 @@
             <a:effectLst/>
             <a:extLst>
               <a:ext uri="{909E8E84-426E-40dd-AFC4-6F175D3DCCD1}">
-                <a14:hiddenFill xmlns="" xmlns:a14="http://schemas.microsoft.com/office/drawing/2010/main">
+                <a14:hiddenFill xmlns:a14="http://schemas.microsoft.com/office/drawing/2010/main" xmlns="">
                   <a:solidFill>
                     <a:schemeClr val="accent1"/>
                   </a:solidFill>
                 </a14:hiddenFill>
               </a:ext>
               <a:ext uri="{91240B29-F687-4f45-9708-019B960494DF}">
-                <a14:hiddenLine xmlns="" xmlns:a14="http://schemas.microsoft.com/office/drawing/2010/main" w="9525">
+                <a14:hiddenLine xmlns:a14="http://schemas.microsoft.com/office/drawing/2010/main" xmlns="" w="9525">
                   <a:solidFill>
                     <a:schemeClr val="tx1"/>
                   </a:solidFill>
@@ -23548,7 +23458,7 @@
                 </a14:hiddenLine>
               </a:ext>
               <a:ext uri="{AF507438-7753-43e0-B8FC-AC1667EBCBE1}">
-                <a14:hiddenEffects xmlns="" xmlns:a14="http://schemas.microsoft.com/office/drawing/2010/main">
+                <a14:hiddenEffects xmlns:a14="http://schemas.microsoft.com/office/drawing/2010/main" xmlns="">
                   <a:effectLst>
                     <a:outerShdw blurRad="63500" dist="38099" dir="2700000" algn="ctr" rotWithShape="0">
                       <a:schemeClr val="bg2">
@@ -23603,12 +23513,12 @@
             <a:effectLst/>
             <a:extLst>
               <a:ext uri="{909E8E84-426E-40dd-AFC4-6F175D3DCCD1}">
-                <a14:hiddenFill xmlns="" xmlns:a14="http://schemas.microsoft.com/office/drawing/2010/main">
+                <a14:hiddenFill xmlns:a14="http://schemas.microsoft.com/office/drawing/2010/main" xmlns="">
                   <a:noFill/>
                 </a14:hiddenFill>
               </a:ext>
               <a:ext uri="{AF507438-7753-43e0-B8FC-AC1667EBCBE1}">
-                <a14:hiddenEffects xmlns="" xmlns:a14="http://schemas.microsoft.com/office/drawing/2010/main">
+                <a14:hiddenEffects xmlns:a14="http://schemas.microsoft.com/office/drawing/2010/main" xmlns="">
                   <a:effectLst>
                     <a:outerShdw blurRad="63500" dist="38099" dir="2700000" algn="ctr" rotWithShape="0">
                       <a:schemeClr val="bg2">
@@ -23656,12 +23566,12 @@
             <a:effectLst/>
             <a:extLst>
               <a:ext uri="{909E8E84-426E-40dd-AFC4-6F175D3DCCD1}">
-                <a14:hiddenFill xmlns="" xmlns:a14="http://schemas.microsoft.com/office/drawing/2010/main">
+                <a14:hiddenFill xmlns:a14="http://schemas.microsoft.com/office/drawing/2010/main" xmlns="">
                   <a:noFill/>
                 </a14:hiddenFill>
               </a:ext>
               <a:ext uri="{AF507438-7753-43e0-B8FC-AC1667EBCBE1}">
-                <a14:hiddenEffects xmlns="" xmlns:a14="http://schemas.microsoft.com/office/drawing/2010/main">
+                <a14:hiddenEffects xmlns:a14="http://schemas.microsoft.com/office/drawing/2010/main" xmlns="">
                   <a:effectLst>
                     <a:outerShdw blurRad="63500" dist="38099" dir="2700000" algn="ctr" rotWithShape="0">
                       <a:schemeClr val="bg2">
@@ -23709,12 +23619,12 @@
             <a:effectLst/>
             <a:extLst>
               <a:ext uri="{909E8E84-426E-40dd-AFC4-6F175D3DCCD1}">
-                <a14:hiddenFill xmlns="" xmlns:a14="http://schemas.microsoft.com/office/drawing/2010/main">
+                <a14:hiddenFill xmlns:a14="http://schemas.microsoft.com/office/drawing/2010/main" xmlns="">
                   <a:noFill/>
                 </a14:hiddenFill>
               </a:ext>
               <a:ext uri="{AF507438-7753-43e0-B8FC-AC1667EBCBE1}">
-                <a14:hiddenEffects xmlns="" xmlns:a14="http://schemas.microsoft.com/office/drawing/2010/main">
+                <a14:hiddenEffects xmlns:a14="http://schemas.microsoft.com/office/drawing/2010/main" xmlns="">
                   <a:effectLst>
                     <a:outerShdw blurRad="63500" dist="38099" dir="2700000" algn="ctr" rotWithShape="0">
                       <a:schemeClr val="bg2">
@@ -23762,12 +23672,12 @@
             <a:effectLst/>
             <a:extLst>
               <a:ext uri="{909E8E84-426E-40dd-AFC4-6F175D3DCCD1}">
-                <a14:hiddenFill xmlns="" xmlns:a14="http://schemas.microsoft.com/office/drawing/2010/main">
+                <a14:hiddenFill xmlns:a14="http://schemas.microsoft.com/office/drawing/2010/main" xmlns="">
                   <a:noFill/>
                 </a14:hiddenFill>
               </a:ext>
               <a:ext uri="{AF507438-7753-43e0-B8FC-AC1667EBCBE1}">
-                <a14:hiddenEffects xmlns="" xmlns:a14="http://schemas.microsoft.com/office/drawing/2010/main">
+                <a14:hiddenEffects xmlns:a14="http://schemas.microsoft.com/office/drawing/2010/main" xmlns="">
                   <a:effectLst>
                     <a:outerShdw blurRad="63500" dist="38099" dir="2700000" algn="ctr" rotWithShape="0">
                       <a:schemeClr val="bg2">
@@ -23815,12 +23725,12 @@
             <a:effectLst/>
             <a:extLst>
               <a:ext uri="{909E8E84-426E-40dd-AFC4-6F175D3DCCD1}">
-                <a14:hiddenFill xmlns="" xmlns:a14="http://schemas.microsoft.com/office/drawing/2010/main">
+                <a14:hiddenFill xmlns:a14="http://schemas.microsoft.com/office/drawing/2010/main" xmlns="">
                   <a:noFill/>
                 </a14:hiddenFill>
               </a:ext>
               <a:ext uri="{AF507438-7753-43e0-B8FC-AC1667EBCBE1}">
-                <a14:hiddenEffects xmlns="" xmlns:a14="http://schemas.microsoft.com/office/drawing/2010/main">
+                <a14:hiddenEffects xmlns:a14="http://schemas.microsoft.com/office/drawing/2010/main" xmlns="">
                   <a:effectLst>
                     <a:outerShdw blurRad="63500" dist="38099" dir="2700000" algn="ctr" rotWithShape="0">
                       <a:schemeClr val="bg2">
@@ -23863,14 +23773,14 @@
             <a:effectLst/>
             <a:extLst>
               <a:ext uri="{909E8E84-426E-40dd-AFC4-6F175D3DCCD1}">
-                <a14:hiddenFill xmlns="" xmlns:a14="http://schemas.microsoft.com/office/drawing/2010/main">
+                <a14:hiddenFill xmlns:a14="http://schemas.microsoft.com/office/drawing/2010/main" xmlns="">
                   <a:solidFill>
                     <a:schemeClr val="accent1"/>
                   </a:solidFill>
                 </a14:hiddenFill>
               </a:ext>
               <a:ext uri="{91240B29-F687-4f45-9708-019B960494DF}">
-                <a14:hiddenLine xmlns="" xmlns:a14="http://schemas.microsoft.com/office/drawing/2010/main" w="9525">
+                <a14:hiddenLine xmlns:a14="http://schemas.microsoft.com/office/drawing/2010/main" xmlns="" w="9525">
                   <a:solidFill>
                     <a:schemeClr val="tx1"/>
                   </a:solidFill>
@@ -23880,7 +23790,7 @@
                 </a14:hiddenLine>
               </a:ext>
               <a:ext uri="{AF507438-7753-43e0-B8FC-AC1667EBCBE1}">
-                <a14:hiddenEffects xmlns="" xmlns:a14="http://schemas.microsoft.com/office/drawing/2010/main">
+                <a14:hiddenEffects xmlns:a14="http://schemas.microsoft.com/office/drawing/2010/main" xmlns="">
                   <a:effectLst>
                     <a:outerShdw blurRad="63500" dist="38099" dir="2700000" algn="ctr" rotWithShape="0">
                       <a:schemeClr val="bg2">
@@ -23928,14 +23838,14 @@
             <a:effectLst/>
             <a:extLst>
               <a:ext uri="{909E8E84-426E-40dd-AFC4-6F175D3DCCD1}">
-                <a14:hiddenFill xmlns="" xmlns:a14="http://schemas.microsoft.com/office/drawing/2010/main">
+                <a14:hiddenFill xmlns:a14="http://schemas.microsoft.com/office/drawing/2010/main" xmlns="">
                   <a:solidFill>
                     <a:schemeClr val="accent1"/>
                   </a:solidFill>
                 </a14:hiddenFill>
               </a:ext>
               <a:ext uri="{91240B29-F687-4f45-9708-019B960494DF}">
-                <a14:hiddenLine xmlns="" xmlns:a14="http://schemas.microsoft.com/office/drawing/2010/main" w="9525">
+                <a14:hiddenLine xmlns:a14="http://schemas.microsoft.com/office/drawing/2010/main" xmlns="" w="9525">
                   <a:solidFill>
                     <a:schemeClr val="tx1"/>
                   </a:solidFill>
@@ -23945,7 +23855,7 @@
                 </a14:hiddenLine>
               </a:ext>
               <a:ext uri="{AF507438-7753-43e0-B8FC-AC1667EBCBE1}">
-                <a14:hiddenEffects xmlns="" xmlns:a14="http://schemas.microsoft.com/office/drawing/2010/main">
+                <a14:hiddenEffects xmlns:a14="http://schemas.microsoft.com/office/drawing/2010/main" xmlns="">
                   <a:effectLst>
                     <a:outerShdw blurRad="63500" dist="38099" dir="2700000" algn="ctr" rotWithShape="0">
                       <a:schemeClr val="bg2">
@@ -23993,14 +23903,14 @@
             <a:effectLst/>
             <a:extLst>
               <a:ext uri="{909E8E84-426E-40dd-AFC4-6F175D3DCCD1}">
-                <a14:hiddenFill xmlns="" xmlns:a14="http://schemas.microsoft.com/office/drawing/2010/main">
+                <a14:hiddenFill xmlns:a14="http://schemas.microsoft.com/office/drawing/2010/main" xmlns="">
                   <a:solidFill>
                     <a:schemeClr val="accent1"/>
                   </a:solidFill>
                 </a14:hiddenFill>
               </a:ext>
               <a:ext uri="{91240B29-F687-4f45-9708-019B960494DF}">
-                <a14:hiddenLine xmlns="" xmlns:a14="http://schemas.microsoft.com/office/drawing/2010/main" w="9525">
+                <a14:hiddenLine xmlns:a14="http://schemas.microsoft.com/office/drawing/2010/main" xmlns="" w="9525">
                   <a:solidFill>
                     <a:schemeClr val="tx1"/>
                   </a:solidFill>
@@ -24010,7 +23920,7 @@
                 </a14:hiddenLine>
               </a:ext>
               <a:ext uri="{AF507438-7753-43e0-B8FC-AC1667EBCBE1}">
-                <a14:hiddenEffects xmlns="" xmlns:a14="http://schemas.microsoft.com/office/drawing/2010/main">
+                <a14:hiddenEffects xmlns:a14="http://schemas.microsoft.com/office/drawing/2010/main" xmlns="">
                   <a:effectLst>
                     <a:outerShdw blurRad="63500" dist="38099" dir="2700000" algn="ctr" rotWithShape="0">
                       <a:schemeClr val="bg2">
@@ -24058,14 +23968,14 @@
             <a:effectLst/>
             <a:extLst>
               <a:ext uri="{909E8E84-426E-40dd-AFC4-6F175D3DCCD1}">
-                <a14:hiddenFill xmlns="" xmlns:a14="http://schemas.microsoft.com/office/drawing/2010/main">
+                <a14:hiddenFill xmlns:a14="http://schemas.microsoft.com/office/drawing/2010/main" xmlns="">
                   <a:solidFill>
                     <a:schemeClr val="accent1"/>
                   </a:solidFill>
                 </a14:hiddenFill>
               </a:ext>
               <a:ext uri="{91240B29-F687-4f45-9708-019B960494DF}">
-                <a14:hiddenLine xmlns="" xmlns:a14="http://schemas.microsoft.com/office/drawing/2010/main" w="9525">
+                <a14:hiddenLine xmlns:a14="http://schemas.microsoft.com/office/drawing/2010/main" xmlns="" w="9525">
                   <a:solidFill>
                     <a:schemeClr val="tx1"/>
                   </a:solidFill>
@@ -24075,7 +23985,7 @@
                 </a14:hiddenLine>
               </a:ext>
               <a:ext uri="{AF507438-7753-43e0-B8FC-AC1667EBCBE1}">
-                <a14:hiddenEffects xmlns="" xmlns:a14="http://schemas.microsoft.com/office/drawing/2010/main">
+                <a14:hiddenEffects xmlns:a14="http://schemas.microsoft.com/office/drawing/2010/main" xmlns="">
                   <a:effectLst>
                     <a:outerShdw blurRad="63500" dist="38099" dir="2700000" algn="ctr" rotWithShape="0">
                       <a:schemeClr val="bg2">
@@ -24123,14 +24033,14 @@
             <a:effectLst/>
             <a:extLst>
               <a:ext uri="{909E8E84-426E-40dd-AFC4-6F175D3DCCD1}">
-                <a14:hiddenFill xmlns="" xmlns:a14="http://schemas.microsoft.com/office/drawing/2010/main">
+                <a14:hiddenFill xmlns:a14="http://schemas.microsoft.com/office/drawing/2010/main" xmlns="">
                   <a:solidFill>
                     <a:schemeClr val="accent1"/>
                   </a:solidFill>
                 </a14:hiddenFill>
               </a:ext>
               <a:ext uri="{91240B29-F687-4f45-9708-019B960494DF}">
-                <a14:hiddenLine xmlns="" xmlns:a14="http://schemas.microsoft.com/office/drawing/2010/main" w="9525">
+                <a14:hiddenLine xmlns:a14="http://schemas.microsoft.com/office/drawing/2010/main" xmlns="" w="9525">
                   <a:solidFill>
                     <a:schemeClr val="tx1"/>
                   </a:solidFill>
@@ -24140,7 +24050,7 @@
                 </a14:hiddenLine>
               </a:ext>
               <a:ext uri="{AF507438-7753-43e0-B8FC-AC1667EBCBE1}">
-                <a14:hiddenEffects xmlns="" xmlns:a14="http://schemas.microsoft.com/office/drawing/2010/main">
+                <a14:hiddenEffects xmlns:a14="http://schemas.microsoft.com/office/drawing/2010/main" xmlns="">
                   <a:effectLst>
                     <a:outerShdw blurRad="63500" dist="38099" dir="2700000" algn="ctr" rotWithShape="0">
                       <a:schemeClr val="bg2">
@@ -24260,8 +24170,8 @@
         </p:nvSpPr>
         <p:spPr>
           <a:xfrm>
-            <a:off x="612648" y="1600199"/>
-            <a:ext cx="8153400" cy="5020579"/>
+            <a:off x="612648" y="1600200"/>
+            <a:ext cx="8153400" cy="1500052"/>
           </a:xfrm>
         </p:spPr>
         <p:txBody>
@@ -24274,7 +24184,7 @@
               <a:buNone/>
             </a:pPr>
             <a:r>
-              <a:rPr lang="en-US" dirty="0"/>
+              <a:rPr lang="en-US" b="1" dirty="0"/>
               <a:t>Longest path</a:t>
             </a:r>
           </a:p>
@@ -24567,8 +24477,12 @@
               <a:buNone/>
             </a:pPr>
             <a:r>
+              <a:rPr lang="en-US" sz="2400" b="1" dirty="0"/>
+              <a:t>Bipartite matching</a:t>
+            </a:r>
+            <a:r>
               <a:rPr lang="en-US" sz="2400" dirty="0"/>
-              <a:t>Bipartite matching: given two sets of things and pair constraints, find a matching between the sets</a:t>
+              <a:t>: given two sets of things and pair constraints, find a matching between the sets</a:t>
             </a:r>
           </a:p>
           <a:p>
@@ -24576,8 +24490,12 @@
               <a:buNone/>
             </a:pPr>
             <a:r>
+              <a:rPr lang="en-US" sz="2400" b="1" dirty="0"/>
+              <a:t>3D matching</a:t>
+            </a:r>
+            <a:r>
               <a:rPr lang="en-US" sz="2400" dirty="0"/>
-              <a:t>3D matching: given three sets of things and triplet constraints, find a matching between the sets of size at least K</a:t>
+              <a:t>: given three sets of things and triplet constraints, find a matching between the sets of size at least K</a:t>
             </a:r>
           </a:p>
         </p:txBody>
@@ -25170,7 +25088,7 @@
             </a:pPr>
             <a:r>
               <a:rPr lang="en-US" dirty="0"/>
-              <a:t>it can be verified in polynomial time (i.e. in NP)</a:t>
+              <a:t>it can be verified in polynomial time (i.e., in NP).</a:t>
             </a:r>
           </a:p>
           <a:p>
@@ -25183,7 +25101,7 @@
             </a:r>
             <a:r>
               <a:rPr lang="en-US" dirty="0"/>
-              <a:t> NP-complete problem can be reduced to the problem in polynomial time (is NP-hard)</a:t>
+              <a:t> NP-complete problem can be reduced to the problem in polynomial time (is NP-hard).</a:t>
             </a:r>
           </a:p>
         </p:txBody>
@@ -25196,7 +25114,7 @@
         </p:nvSpPr>
         <p:spPr>
           <a:xfrm>
-            <a:off x="3068217" y="4637398"/>
+            <a:off x="3521063" y="4228095"/>
             <a:ext cx="1487857" cy="707886"/>
           </a:xfrm>
           <a:prstGeom prst="rect">
@@ -25405,7 +25323,7 @@
                   <a:srgbClr val="FF6600"/>
                 </a:solidFill>
               </a:rPr>
-              <a:t>to the NEW problem generate by f</a:t>
+              <a:t>to the NEW problem generated by f</a:t>
             </a:r>
             <a:endParaRPr lang="en-US" dirty="0">
               <a:solidFill>
@@ -25491,7 +25409,7 @@
         </p:spPr>
         <p:txBody>
           <a:bodyPr>
-            <a:normAutofit fontScale="92500" lnSpcReduction="10000"/>
+            <a:normAutofit fontScale="85000" lnSpcReduction="20000"/>
           </a:bodyPr>
           <a:lstStyle/>
           <a:p>
@@ -25515,7 +25433,7 @@
                   <a:srgbClr val="FF6600"/>
                 </a:solidFill>
               </a:rPr>
-              <a:t>to the NEW problem generate by f</a:t>
+              <a:t>to the NEW problem generated by f</a:t>
             </a:r>
             <a:endParaRPr lang="en-US" dirty="0">
               <a:solidFill>
@@ -25577,9 +25495,15 @@
             <a:pPr marL="0" indent="0">
               <a:buNone/>
             </a:pPr>
+            <a:endParaRPr lang="en-US" dirty="0"/>
+          </a:p>
+          <a:p>
+            <a:pPr marL="0" indent="0">
+              <a:buNone/>
+            </a:pPr>
             <a:r>
               <a:rPr lang="en-US" dirty="0"/>
-              <a:t>Other ways of proving the IFF, but this is often the easiest</a:t>
+              <a:t>There are other ways of proving the IFF, but this is often the easiest.</a:t>
             </a:r>
           </a:p>
         </p:txBody>
@@ -25598,7 +25522,7 @@
         </p:nvSpPr>
         <p:spPr>
           <a:xfrm>
-            <a:off x="5909328" y="5343261"/>
+            <a:off x="5909328" y="4764668"/>
             <a:ext cx="553106" cy="400110"/>
           </a:xfrm>
           <a:prstGeom prst="rect">
@@ -25637,7 +25561,7 @@
         </p:nvSpPr>
         <p:spPr>
           <a:xfrm>
-            <a:off x="2307176" y="5394558"/>
+            <a:off x="2307176" y="4815965"/>
             <a:ext cx="553106" cy="400110"/>
           </a:xfrm>
           <a:prstGeom prst="rect">
@@ -25678,7 +25602,7 @@
         </p:nvSpPr>
         <p:spPr bwMode="auto">
           <a:xfrm flipH="1">
-            <a:off x="2845683" y="5641650"/>
+            <a:off x="2845683" y="5063057"/>
             <a:ext cx="3049046" cy="0"/>
           </a:xfrm>
           <a:prstGeom prst="line">
@@ -25697,12 +25621,12 @@
           <a:effectLst/>
           <a:extLst>
             <a:ext uri="{909E8E84-426E-40dd-AFC4-6F175D3DCCD1}">
-              <a14:hiddenFill xmlns:a14="http://schemas.microsoft.com/office/drawing/2010/main" xmlns="">
+              <a14:hiddenFill xmlns="" xmlns:a14="http://schemas.microsoft.com/office/drawing/2010/main">
                 <a:noFill/>
               </a14:hiddenFill>
             </a:ext>
             <a:ext uri="{AF507438-7753-43e0-B8FC-AC1667EBCBE1}">
-              <a14:hiddenEffects xmlns:a14="http://schemas.microsoft.com/office/drawing/2010/main" xmlns="">
+              <a14:hiddenEffects xmlns="" xmlns:a14="http://schemas.microsoft.com/office/drawing/2010/main">
                 <a:effectLst>
                   <a:outerShdw blurRad="63500" dist="38099" dir="2700000" algn="ctr" rotWithShape="0">
                     <a:schemeClr val="bg2">
@@ -25835,12 +25759,12 @@
           <a:effectLst/>
           <a:extLst>
             <a:ext uri="{909E8E84-426E-40dd-AFC4-6F175D3DCCD1}">
-              <a14:hiddenFill xmlns:a14="http://schemas.microsoft.com/office/drawing/2010/main" xmlns="">
+              <a14:hiddenFill xmlns="" xmlns:a14="http://schemas.microsoft.com/office/drawing/2010/main">
                 <a:noFill/>
               </a14:hiddenFill>
             </a:ext>
             <a:ext uri="{AF507438-7753-43e0-B8FC-AC1667EBCBE1}">
-              <a14:hiddenEffects xmlns:a14="http://schemas.microsoft.com/office/drawing/2010/main" xmlns="">
+              <a14:hiddenEffects xmlns="" xmlns:a14="http://schemas.microsoft.com/office/drawing/2010/main">
                 <a:effectLst>
                   <a:outerShdw blurRad="63500" dist="38099" dir="2700000" algn="ctr" rotWithShape="0">
                     <a:schemeClr val="bg2">
@@ -26072,7 +25996,20 @@
                   <a:srgbClr val="0000FF"/>
                 </a:solidFill>
               </a:rPr>
-              <a:t>All others can be reduced to NEW by first reducing to the one problem, then reducing to NEW.  Two polynomial time reductions is still polynomial time!</a:t>
+              <a:t>All others can be reduced to NEW by first reducing to the one problem, then reducing to NEW.</a:t>
+            </a:r>
+          </a:p>
+          <a:p>
+            <a:pPr marL="0" indent="0">
+              <a:buNone/>
+            </a:pPr>
+            <a:r>
+              <a:rPr lang="en-US" sz="2800" dirty="0">
+                <a:solidFill>
+                  <a:srgbClr val="0000FF"/>
+                </a:solidFill>
+              </a:rPr>
+              <a:t>Two polynomial time reductions is still polynomial time!</a:t>
             </a:r>
           </a:p>
         </p:txBody>
@@ -26443,15 +26380,7 @@
             </a:pPr>
             <a:r>
               <a:rPr lang="en-US" sz="2400" dirty="0"/>
-              <a:t>A </a:t>
-            </a:r>
-            <a:r>
-              <a:rPr lang="en-US" sz="2400" dirty="0" err="1"/>
-              <a:t>boolean</a:t>
-            </a:r>
-            <a:r>
-              <a:rPr lang="en-US" sz="2400" dirty="0"/>
-              <a:t> formula is in </a:t>
+              <a:t>A Boolean formula is in </a:t>
             </a:r>
             <a:r>
               <a:rPr lang="en-US" sz="2400" i="1" dirty="0"/>
@@ -26518,23 +26447,7 @@
             </a:pPr>
             <a:r>
               <a:rPr lang="en-US" sz="2400" dirty="0"/>
-              <a:t>3-SAT: Given a 3-CNF </a:t>
-            </a:r>
-            <a:r>
-              <a:rPr lang="en-US" sz="2400" dirty="0" err="1"/>
-              <a:t>boolean</a:t>
-            </a:r>
-            <a:r>
-              <a:rPr lang="en-US" sz="2400" dirty="0"/>
-              <a:t> formula, is it </a:t>
-            </a:r>
-            <a:r>
-              <a:rPr lang="en-US" sz="2400" dirty="0" err="1"/>
-              <a:t>satisfiable</a:t>
-            </a:r>
-            <a:r>
-              <a:rPr lang="en-US" sz="2400" dirty="0"/>
-              <a:t>?</a:t>
+              <a:t>3-SAT: Given a 3-CNF Boolean formula, is it satisfiable?</a:t>
             </a:r>
           </a:p>
         </p:txBody>
@@ -26694,7 +26607,7 @@
         <p:spPr>
           <a:xfrm>
             <a:off x="371723" y="1600200"/>
-            <a:ext cx="8534142" cy="2038375"/>
+            <a:ext cx="8534142" cy="1478487"/>
           </a:xfrm>
         </p:spPr>
         <p:txBody>
@@ -26708,15 +26621,7 @@
             </a:pPr>
             <a:r>
               <a:rPr lang="en-US" sz="2800" dirty="0"/>
-              <a:t>Given a </a:t>
-            </a:r>
-            <a:r>
-              <a:rPr lang="en-US" sz="2800" dirty="0" err="1"/>
-              <a:t>boolean</a:t>
-            </a:r>
-            <a:r>
-              <a:rPr lang="en-US" sz="2800" dirty="0"/>
-              <a:t> formula of </a:t>
+              <a:t>Given a Boolean formula of </a:t>
             </a:r>
             <a:r>
               <a:rPr lang="en-US" sz="2800" i="1" dirty="0"/>
@@ -26724,15 +26629,7 @@
             </a:r>
             <a:r>
               <a:rPr lang="en-US" sz="2800" dirty="0"/>
-              <a:t> </a:t>
-            </a:r>
-            <a:r>
-              <a:rPr lang="en-US" sz="2800" dirty="0" err="1"/>
-              <a:t>boolean</a:t>
-            </a:r>
-            <a:r>
-              <a:rPr lang="en-US" sz="2800" dirty="0"/>
-              <a:t> variables joined by </a:t>
+              <a:t> Boolean variables joined by </a:t>
             </a:r>
             <a:r>
               <a:rPr lang="en-US" sz="2800" i="1" dirty="0"/>
@@ -26740,19 +26637,8 @@
             </a:r>
             <a:r>
               <a:rPr lang="en-US" sz="2800" dirty="0"/>
-              <a:t> connectives (AND, OR or NOT) is there a setting of the variables such that the </a:t>
-            </a:r>
-            <a:r>
-              <a:rPr lang="en-US" sz="2800" dirty="0" err="1"/>
-              <a:t>boolean</a:t>
-            </a:r>
-            <a:r>
-              <a:rPr lang="en-US" sz="2800" dirty="0"/>
-              <a:t> formula evaluate to true?</a:t>
-            </a:r>
-          </a:p>
-          <a:p>
-            <a:endParaRPr lang="en-US" sz="2800" dirty="0"/>
+              <a:t> connectives (AND, OR or NOT) is there a setting of the variables such that the Boolean formula evaluate to true?</a:t>
+            </a:r>
           </a:p>
         </p:txBody>
       </p:sp>
@@ -26765,13 +26651,13 @@
           <p:nvPr>
             <p:extLst>
               <p:ext uri="{D42A27DB-BD31-4B8C-83A1-F6EECF244321}">
-                <p14:modId xmlns:p14="http://schemas.microsoft.com/office/powerpoint/2010/main" val="1791264206"/>
+                <p14:modId xmlns:p14="http://schemas.microsoft.com/office/powerpoint/2010/main" val="1521486021"/>
               </p:ext>
             </p:extLst>
           </p:nvPr>
         </p:nvGraphicFramePr>
         <p:xfrm>
-          <a:off x="1072950" y="4218374"/>
+          <a:off x="1099075" y="4681389"/>
           <a:ext cx="5943323" cy="559806"/>
         </p:xfrm>
         <a:graphic>
@@ -26799,7 +26685,7 @@
                     </p:blipFill>
                     <p:spPr>
                       <a:xfrm>
-                        <a:off x="1072950" y="4218374"/>
+                        <a:off x="1099075" y="4681389"/>
                         <a:ext cx="5943323" cy="559806"/>
                       </a:xfrm>
                       <a:prstGeom prst="rect">
@@ -26822,13 +26708,13 @@
           <p:nvPr>
             <p:extLst>
               <p:ext uri="{D42A27DB-BD31-4B8C-83A1-F6EECF244321}">
-                <p14:modId xmlns:p14="http://schemas.microsoft.com/office/powerpoint/2010/main" val="1558234526"/>
+                <p14:modId xmlns:p14="http://schemas.microsoft.com/office/powerpoint/2010/main" val="2775396477"/>
               </p:ext>
             </p:extLst>
           </p:nvPr>
         </p:nvGraphicFramePr>
         <p:xfrm>
-          <a:off x="1072950" y="3296079"/>
+          <a:off x="1099075" y="3759094"/>
           <a:ext cx="3077958" cy="559887"/>
         </p:xfrm>
         <a:graphic>
@@ -26856,7 +26742,7 @@
                     </p:blipFill>
                     <p:spPr>
                       <a:xfrm>
-                        <a:off x="1072950" y="3296079"/>
+                        <a:off x="1099075" y="3759094"/>
                         <a:ext cx="3077958" cy="559887"/>
                       </a:xfrm>
                       <a:prstGeom prst="rect">
@@ -27317,15 +27203,7 @@
             </a:pPr>
             <a:r>
               <a:rPr lang="en-US" sz="2400" dirty="0"/>
-              <a:t>Given a </a:t>
-            </a:r>
-            <a:r>
-              <a:rPr lang="en-US" sz="2400" dirty="0" err="1"/>
-              <a:t>boolean</a:t>
-            </a:r>
-            <a:r>
-              <a:rPr lang="en-US" sz="2400" dirty="0"/>
-              <a:t> formula of </a:t>
+              <a:t>Given a Boolean formula of </a:t>
             </a:r>
             <a:r>
               <a:rPr lang="en-US" sz="2400" i="1" dirty="0"/>
@@ -27333,15 +27211,7 @@
             </a:r>
             <a:r>
               <a:rPr lang="en-US" sz="2400" dirty="0"/>
-              <a:t> </a:t>
-            </a:r>
-            <a:r>
-              <a:rPr lang="en-US" sz="2400" dirty="0" err="1"/>
-              <a:t>boolean</a:t>
-            </a:r>
-            <a:r>
-              <a:rPr lang="en-US" sz="2400" dirty="0"/>
-              <a:t> variables joined by </a:t>
+              <a:t> Boolean variables joined by </a:t>
             </a:r>
             <a:r>
               <a:rPr lang="en-US" sz="2400" i="1" dirty="0"/>
@@ -27349,15 +27219,7 @@
             </a:r>
             <a:r>
               <a:rPr lang="en-US" sz="2400" dirty="0"/>
-              <a:t> connectives (AND, OR or NOT) is there a setting of the variables such that the </a:t>
-            </a:r>
-            <a:r>
-              <a:rPr lang="en-US" sz="2400" dirty="0" err="1"/>
-              <a:t>boolean</a:t>
-            </a:r>
-            <a:r>
-              <a:rPr lang="en-US" sz="2400" dirty="0"/>
-              <a:t> formula evaluate to true?</a:t>
+              <a:t> connectives (AND, OR or NOT) is there a setting of the variables such that the Boolean formula evaluate to true?</a:t>
             </a:r>
           </a:p>
           <a:p>
@@ -28087,7 +27949,7 @@
                   <a:srgbClr val="0000FF"/>
                 </a:solidFill>
               </a:rPr>
-              <a:t>Tractable problems can be solved in O(f(n)) where f(n) is a polynomial</a:t>
+              <a:t>Tractable problems can be solved in O(f(n)), where f(n) is a polynomial.</a:t>
             </a:r>
           </a:p>
           <a:p>
@@ -28796,7 +28658,7 @@
                 </a:solidFill>
                 <a:sym typeface="Wingdings"/>
               </a:rPr>
-              <a:t>Runs in constant time! (or linear if you have to copy the problem)</a:t>
+              <a:t>Runs in constant time! (or linear if you must copy the problem)</a:t>
             </a:r>
           </a:p>
         </p:txBody>
@@ -29034,7 +28896,7 @@
         <p:spPr>
           <a:xfrm>
             <a:off x="224352" y="3719275"/>
-            <a:ext cx="8928246" cy="2554545"/>
+            <a:ext cx="8928246" cy="2246769"/>
           </a:xfrm>
           <a:prstGeom prst="rect">
             <a:avLst/>
@@ -29063,7 +28925,7 @@
             </a:pPr>
             <a:r>
               <a:rPr lang="en-US" sz="2000" dirty="0"/>
-              <a:t>Because 3-SAT problems are a subset of SAT problems, then the SAT problem will also have a solution</a:t>
+              <a:t>Because 3-SAT problems are a subset of SAT problems, then the SAT problem will also have a solution.</a:t>
             </a:r>
           </a:p>
           <a:p>
@@ -29083,14 +28945,7 @@
             </a:pPr>
             <a:r>
               <a:rPr lang="en-US" sz="2000" dirty="0"/>
-              <a:t>Our reduction function simply does a copy, so it is already a </a:t>
-            </a:r>
-            <a:br>
-              <a:rPr lang="en-US" sz="2000" dirty="0"/>
-            </a:br>
-            <a:r>
-              <a:rPr lang="en-US" sz="2000" dirty="0"/>
-              <a:t>3-SAT problem</a:t>
+              <a:t>Our reduction function simply does a copy, so it is already a 3-SAT problem.</a:t>
             </a:r>
           </a:p>
           <a:p>
@@ -29100,7 +28955,7 @@
             </a:pPr>
             <a:r>
               <a:rPr lang="en-US" sz="2000" dirty="0"/>
-              <a:t>Therefore the variable assignment found by our SAT-solver will also be a solution to the original 3-SAT problem</a:t>
+              <a:t>Therefore, the variable assignment found by our SAT-solver will also be a solution to the original 3-SAT problem</a:t>
             </a:r>
           </a:p>
         </p:txBody>
@@ -29414,8 +29269,8 @@
         </p:nvSpPr>
         <p:spPr>
           <a:xfrm>
-            <a:off x="612647" y="1600200"/>
-            <a:ext cx="8370659" cy="4495800"/>
+            <a:off x="612647" y="1600199"/>
+            <a:ext cx="8370659" cy="4791891"/>
           </a:xfrm>
         </p:spPr>
         <p:txBody>
@@ -29440,7 +29295,7 @@
             <a:pPr lvl="1"/>
             <a:r>
               <a:rPr lang="en-US" sz="2400" dirty="0"/>
-              <a:t>We know that the problem is hard (and we probably won’t find a polynomial time exact solver)</a:t>
+              <a:t>We know that the problem is hard (and we probably won’t find a polynomial time exact solver).</a:t>
             </a:r>
           </a:p>
           <a:p>
@@ -29775,7 +29630,7 @@
             </a:r>
             <a:r>
               <a:rPr lang="en-US" sz="2800" dirty="0"/>
-              <a:t> in an undirected graph G = (V, E) is a subset V’ ⊆ V of vertices that are fully connected, i.e. every vertex in V’ is connected to every other vertex in V’</a:t>
+              <a:t> in an undirected graph G = (V, E) is a subset V’ ⊆ V of vertices that are fully connected, i.e., every vertex in V’ is connected to every other vertex in V’</a:t>
             </a:r>
           </a:p>
           <a:p>
@@ -29838,7 +29693,7 @@
         </p:nvSpPr>
         <p:spPr>
           <a:xfrm>
-            <a:off x="3399813" y="4566868"/>
+            <a:off x="3362597" y="4564413"/>
             <a:ext cx="190453" cy="190453"/>
           </a:xfrm>
           <a:prstGeom prst="ellipse">
@@ -29993,8 +29848,8 @@
         </p:nvCxnSpPr>
         <p:spPr>
           <a:xfrm flipH="1">
-            <a:off x="3495040" y="4395347"/>
-            <a:ext cx="781027" cy="171521"/>
+            <a:off x="3457824" y="4395347"/>
+            <a:ext cx="818243" cy="169066"/>
           </a:xfrm>
           <a:prstGeom prst="line">
             <a:avLst/>
@@ -30125,8 +29980,8 @@
         </p:nvCxnSpPr>
         <p:spPr>
           <a:xfrm>
-            <a:off x="3562375" y="4729430"/>
-            <a:ext cx="1370303" cy="913102"/>
+            <a:off x="3525159" y="4726975"/>
+            <a:ext cx="1407519" cy="915557"/>
           </a:xfrm>
           <a:prstGeom prst="line">
             <a:avLst/>
@@ -30158,8 +30013,8 @@
         </p:nvCxnSpPr>
         <p:spPr>
           <a:xfrm>
-            <a:off x="3427704" y="4729430"/>
-            <a:ext cx="257789" cy="980438"/>
+            <a:off x="3390488" y="4726975"/>
+            <a:ext cx="295005" cy="982893"/>
           </a:xfrm>
           <a:prstGeom prst="line">
             <a:avLst/>
@@ -31744,7 +31599,7 @@
                   <a:srgbClr val="0000FF"/>
                 </a:solidFill>
               </a:rPr>
-              <a:t>Few practical problems result in solutions like this</a:t>
+              <a:t>Few practical problems result in solutions like this.</a:t>
             </a:r>
           </a:p>
           <a:p>
@@ -31758,7 +31613,7 @@
                   <a:srgbClr val="0000FF"/>
                 </a:solidFill>
               </a:rPr>
-              <a:t>Once a polynomial time algorithm exists, more efficient algorithms are usually found</a:t>
+              <a:t>Once a polynomial time algorithm exists, more efficient algorithms are usually found.</a:t>
             </a:r>
           </a:p>
           <a:p>
@@ -31772,7 +31627,7 @@
                   <a:srgbClr val="0000FF"/>
                 </a:solidFill>
               </a:rPr>
-              <a:t>Polynomial algorithms are amenable to parallel computation</a:t>
+              <a:t>Polynomial algorithms are amenable to parallel computation.</a:t>
             </a:r>
           </a:p>
         </p:txBody>

--- a/Lectures/Lecture 23_NP-Complete Problems.pptx
+++ b/Lectures/Lecture 23_NP-Complete Problems.pptx
@@ -274,7 +274,7 @@
           <a:p>
             <a:fld id="{07F74A3F-3C2C-9340-BD65-4AF8BE3CE1AC}" type="datetimeFigureOut">
               <a:rPr lang="en-US" smtClean="0"/>
-              <a:t>4/27/24</a:t>
+              <a:t>4/28/24</a:t>
             </a:fld>
             <a:endParaRPr lang="en-US"/>
           </a:p>
@@ -1006,7 +1006,7 @@
           <a:p>
             <a:fld id="{D728701E-CAF4-4159-9B3E-41C86DFFA30D}" type="datetimeFigureOut">
               <a:rPr lang="en-US" smtClean="0"/>
-              <a:t>4/27/24</a:t>
+              <a:t>4/28/24</a:t>
             </a:fld>
             <a:endParaRPr lang="en-US"/>
           </a:p>
@@ -1201,7 +1201,7 @@
           <a:p>
             <a:fld id="{D728701E-CAF4-4159-9B3E-41C86DFFA30D}" type="datetimeFigureOut">
               <a:rPr lang="en-US" smtClean="0"/>
-              <a:t>4/27/24</a:t>
+              <a:t>4/28/24</a:t>
             </a:fld>
             <a:endParaRPr lang="en-US"/>
           </a:p>
@@ -1385,7 +1385,7 @@
           <a:p>
             <a:fld id="{D728701E-CAF4-4159-9B3E-41C86DFFA30D}" type="datetimeFigureOut">
               <a:rPr lang="en-US" smtClean="0"/>
-              <a:t>4/27/24</a:t>
+              <a:t>4/28/24</a:t>
             </a:fld>
             <a:endParaRPr lang="en-US"/>
           </a:p>
@@ -1647,7 +1647,7 @@
           <a:p>
             <a:fld id="{D728701E-CAF4-4159-9B3E-41C86DFFA30D}" type="datetimeFigureOut">
               <a:rPr lang="en-US" smtClean="0"/>
-              <a:t>4/27/24</a:t>
+              <a:t>4/28/24</a:t>
             </a:fld>
             <a:endParaRPr lang="en-US"/>
           </a:p>
@@ -2062,7 +2062,7 @@
           <a:p>
             <a:fld id="{D728701E-CAF4-4159-9B3E-41C86DFFA30D}" type="datetimeFigureOut">
               <a:rPr lang="en-US" smtClean="0"/>
-              <a:t>4/27/24</a:t>
+              <a:t>4/28/24</a:t>
             </a:fld>
             <a:endParaRPr lang="en-US"/>
           </a:p>
@@ -2303,7 +2303,7 @@
           <a:p>
             <a:fld id="{D728701E-CAF4-4159-9B3E-41C86DFFA30D}" type="datetimeFigureOut">
               <a:rPr lang="en-US" smtClean="0"/>
-              <a:t>4/27/24</a:t>
+              <a:t>4/28/24</a:t>
             </a:fld>
             <a:endParaRPr lang="en-US"/>
           </a:p>
@@ -2538,7 +2538,7 @@
           <a:p>
             <a:fld id="{D728701E-CAF4-4159-9B3E-41C86DFFA30D}" type="datetimeFigureOut">
               <a:rPr lang="en-US" smtClean="0"/>
-              <a:t>4/27/24</a:t>
+              <a:t>4/28/24</a:t>
             </a:fld>
             <a:endParaRPr lang="en-US"/>
           </a:p>
@@ -2732,7 +2732,7 @@
           <a:p>
             <a:fld id="{D728701E-CAF4-4159-9B3E-41C86DFFA30D}" type="datetimeFigureOut">
               <a:rPr lang="en-US" smtClean="0"/>
-              <a:t>4/27/24</a:t>
+              <a:t>4/28/24</a:t>
             </a:fld>
             <a:endParaRPr lang="en-US"/>
           </a:p>
@@ -2830,7 +2830,7 @@
           <a:p>
             <a:fld id="{D728701E-CAF4-4159-9B3E-41C86DFFA30D}" type="datetimeFigureOut">
               <a:rPr lang="en-US" smtClean="0"/>
-              <a:t>4/27/24</a:t>
+              <a:t>4/28/24</a:t>
             </a:fld>
             <a:endParaRPr lang="en-US"/>
           </a:p>
@@ -2965,7 +2965,7 @@
           <a:p>
             <a:fld id="{D728701E-CAF4-4159-9B3E-41C86DFFA30D}" type="datetimeFigureOut">
               <a:rPr lang="en-US" smtClean="0"/>
-              <a:t>4/27/24</a:t>
+              <a:t>4/28/24</a:t>
             </a:fld>
             <a:endParaRPr lang="en-US"/>
           </a:p>
@@ -3487,7 +3487,7 @@
           <a:p>
             <a:fld id="{D728701E-CAF4-4159-9B3E-41C86DFFA30D}" type="datetimeFigureOut">
               <a:rPr lang="en-US" smtClean="0"/>
-              <a:t>4/27/24</a:t>
+              <a:t>4/28/24</a:t>
             </a:fld>
             <a:endParaRPr lang="en-US"/>
           </a:p>
@@ -3746,7 +3746,7 @@
           <a:p>
             <a:fld id="{D728701E-CAF4-4159-9B3E-41C86DFFA30D}" type="datetimeFigureOut">
               <a:rPr lang="en-US" smtClean="0"/>
-              <a:t>4/27/24</a:t>
+              <a:t>4/28/24</a:t>
             </a:fld>
             <a:endParaRPr lang="en-US"/>
           </a:p>
@@ -6123,14 +6123,14 @@
             </a:ln>
             <a:extLst>
               <a:ext uri="{909E8E84-426E-40dd-AFC4-6F175D3DCCD1}">
-                <a14:hiddenFill xmlns:a14="http://schemas.microsoft.com/office/drawing/2010/main" xmlns="">
+                <a14:hiddenFill xmlns="" xmlns:a14="http://schemas.microsoft.com/office/drawing/2010/main">
                   <a:solidFill>
                     <a:srgbClr val="FFFFFF"/>
                   </a:solidFill>
                 </a14:hiddenFill>
               </a:ext>
               <a:ext uri="{91240B29-F687-4f45-9708-019B960494DF}">
-                <a14:hiddenLine xmlns:a14="http://schemas.microsoft.com/office/drawing/2010/main" xmlns="" w="9525">
+                <a14:hiddenLine xmlns="" xmlns:a14="http://schemas.microsoft.com/office/drawing/2010/main" w="9525">
                   <a:solidFill>
                     <a:srgbClr val="000000"/>
                   </a:solidFill>
@@ -6341,14 +6341,14 @@
             </a:ln>
             <a:extLst>
               <a:ext uri="{909E8E84-426E-40dd-AFC4-6F175D3DCCD1}">
-                <a14:hiddenFill xmlns:a14="http://schemas.microsoft.com/office/drawing/2010/main" xmlns="">
+                <a14:hiddenFill xmlns="" xmlns:a14="http://schemas.microsoft.com/office/drawing/2010/main">
                   <a:solidFill>
                     <a:srgbClr val="FFFFFF"/>
                   </a:solidFill>
                 </a14:hiddenFill>
               </a:ext>
               <a:ext uri="{91240B29-F687-4f45-9708-019B960494DF}">
-                <a14:hiddenLine xmlns:a14="http://schemas.microsoft.com/office/drawing/2010/main" xmlns="" w="9525">
+                <a14:hiddenLine xmlns="" xmlns:a14="http://schemas.microsoft.com/office/drawing/2010/main" w="9525">
                   <a:solidFill>
                     <a:srgbClr val="000000"/>
                   </a:solidFill>
@@ -6559,14 +6559,14 @@
             </a:ln>
             <a:extLst>
               <a:ext uri="{909E8E84-426E-40dd-AFC4-6F175D3DCCD1}">
-                <a14:hiddenFill xmlns:a14="http://schemas.microsoft.com/office/drawing/2010/main" xmlns="">
+                <a14:hiddenFill xmlns="" xmlns:a14="http://schemas.microsoft.com/office/drawing/2010/main">
                   <a:solidFill>
                     <a:srgbClr val="FFFFFF"/>
                   </a:solidFill>
                 </a14:hiddenFill>
               </a:ext>
               <a:ext uri="{91240B29-F687-4f45-9708-019B960494DF}">
-                <a14:hiddenLine xmlns:a14="http://schemas.microsoft.com/office/drawing/2010/main" xmlns="" w="9525">
+                <a14:hiddenLine xmlns="" xmlns:a14="http://schemas.microsoft.com/office/drawing/2010/main" w="9525">
                   <a:solidFill>
                     <a:srgbClr val="000000"/>
                   </a:solidFill>
@@ -6777,14 +6777,14 @@
             </a:ln>
             <a:extLst>
               <a:ext uri="{909E8E84-426E-40dd-AFC4-6F175D3DCCD1}">
-                <a14:hiddenFill xmlns:a14="http://schemas.microsoft.com/office/drawing/2010/main" xmlns="">
+                <a14:hiddenFill xmlns="" xmlns:a14="http://schemas.microsoft.com/office/drawing/2010/main">
                   <a:solidFill>
                     <a:srgbClr val="FFFFFF"/>
                   </a:solidFill>
                 </a14:hiddenFill>
               </a:ext>
               <a:ext uri="{91240B29-F687-4f45-9708-019B960494DF}">
-                <a14:hiddenLine xmlns:a14="http://schemas.microsoft.com/office/drawing/2010/main" xmlns="" w="9525">
+                <a14:hiddenLine xmlns="" xmlns:a14="http://schemas.microsoft.com/office/drawing/2010/main" w="9525">
                   <a:solidFill>
                     <a:srgbClr val="000000"/>
                   </a:solidFill>
@@ -6995,14 +6995,14 @@
             </a:ln>
             <a:extLst>
               <a:ext uri="{909E8E84-426E-40dd-AFC4-6F175D3DCCD1}">
-                <a14:hiddenFill xmlns:a14="http://schemas.microsoft.com/office/drawing/2010/main" xmlns="">
+                <a14:hiddenFill xmlns="" xmlns:a14="http://schemas.microsoft.com/office/drawing/2010/main">
                   <a:solidFill>
                     <a:srgbClr val="FFFFFF"/>
                   </a:solidFill>
                 </a14:hiddenFill>
               </a:ext>
               <a:ext uri="{91240B29-F687-4f45-9708-019B960494DF}">
-                <a14:hiddenLine xmlns:a14="http://schemas.microsoft.com/office/drawing/2010/main" xmlns="" w="9525">
+                <a14:hiddenLine xmlns="" xmlns:a14="http://schemas.microsoft.com/office/drawing/2010/main" w="9525">
                   <a:solidFill>
                     <a:srgbClr val="000000"/>
                   </a:solidFill>
@@ -7166,7 +7166,7 @@
           </a:ln>
           <a:extLst>
             <a:ext uri="{909E8E84-426E-40dd-AFC4-6F175D3DCCD1}">
-              <a14:hiddenFill xmlns:a14="http://schemas.microsoft.com/office/drawing/2010/main" xmlns="">
+              <a14:hiddenFill xmlns="" xmlns:a14="http://schemas.microsoft.com/office/drawing/2010/main">
                 <a:noFill/>
               </a14:hiddenFill>
             </a:ext>
@@ -7207,7 +7207,7 @@
           </a:ln>
           <a:extLst>
             <a:ext uri="{909E8E84-426E-40dd-AFC4-6F175D3DCCD1}">
-              <a14:hiddenFill xmlns:a14="http://schemas.microsoft.com/office/drawing/2010/main" xmlns="">
+              <a14:hiddenFill xmlns="" xmlns:a14="http://schemas.microsoft.com/office/drawing/2010/main">
                 <a:noFill/>
               </a14:hiddenFill>
             </a:ext>
@@ -7248,7 +7248,7 @@
           </a:ln>
           <a:extLst>
             <a:ext uri="{909E8E84-426E-40dd-AFC4-6F175D3DCCD1}">
-              <a14:hiddenFill xmlns:a14="http://schemas.microsoft.com/office/drawing/2010/main" xmlns="">
+              <a14:hiddenFill xmlns="" xmlns:a14="http://schemas.microsoft.com/office/drawing/2010/main">
                 <a:noFill/>
               </a14:hiddenFill>
             </a:ext>
@@ -7289,7 +7289,7 @@
           </a:ln>
           <a:extLst>
             <a:ext uri="{909E8E84-426E-40dd-AFC4-6F175D3DCCD1}">
-              <a14:hiddenFill xmlns:a14="http://schemas.microsoft.com/office/drawing/2010/main" xmlns="">
+              <a14:hiddenFill xmlns="" xmlns:a14="http://schemas.microsoft.com/office/drawing/2010/main">
                 <a:noFill/>
               </a14:hiddenFill>
             </a:ext>
@@ -7330,7 +7330,7 @@
           </a:ln>
           <a:extLst>
             <a:ext uri="{909E8E84-426E-40dd-AFC4-6F175D3DCCD1}">
-              <a14:hiddenFill xmlns:a14="http://schemas.microsoft.com/office/drawing/2010/main" xmlns="">
+              <a14:hiddenFill xmlns="" xmlns:a14="http://schemas.microsoft.com/office/drawing/2010/main">
                 <a:noFill/>
               </a14:hiddenFill>
             </a:ext>
@@ -7371,7 +7371,7 @@
           </a:ln>
           <a:extLst>
             <a:ext uri="{909E8E84-426E-40dd-AFC4-6F175D3DCCD1}">
-              <a14:hiddenFill xmlns:a14="http://schemas.microsoft.com/office/drawing/2010/main" xmlns="">
+              <a14:hiddenFill xmlns="" xmlns:a14="http://schemas.microsoft.com/office/drawing/2010/main">
                 <a:noFill/>
               </a14:hiddenFill>
             </a:ext>
@@ -7540,14 +7540,14 @@
             </a:ln>
             <a:extLst>
               <a:ext uri="{909E8E84-426E-40dd-AFC4-6F175D3DCCD1}">
-                <a14:hiddenFill xmlns:a14="http://schemas.microsoft.com/office/drawing/2010/main" xmlns="">
+                <a14:hiddenFill xmlns="" xmlns:a14="http://schemas.microsoft.com/office/drawing/2010/main">
                   <a:solidFill>
                     <a:srgbClr val="FFFFFF"/>
                   </a:solidFill>
                 </a14:hiddenFill>
               </a:ext>
               <a:ext uri="{91240B29-F687-4f45-9708-019B960494DF}">
-                <a14:hiddenLine xmlns:a14="http://schemas.microsoft.com/office/drawing/2010/main" xmlns="" w="9525">
+                <a14:hiddenLine xmlns="" xmlns:a14="http://schemas.microsoft.com/office/drawing/2010/main" w="9525">
                   <a:solidFill>
                     <a:srgbClr val="000000"/>
                   </a:solidFill>
@@ -7758,14 +7758,14 @@
             </a:ln>
             <a:extLst>
               <a:ext uri="{909E8E84-426E-40dd-AFC4-6F175D3DCCD1}">
-                <a14:hiddenFill xmlns:a14="http://schemas.microsoft.com/office/drawing/2010/main" xmlns="">
+                <a14:hiddenFill xmlns="" xmlns:a14="http://schemas.microsoft.com/office/drawing/2010/main">
                   <a:solidFill>
                     <a:srgbClr val="FFFFFF"/>
                   </a:solidFill>
                 </a14:hiddenFill>
               </a:ext>
               <a:ext uri="{91240B29-F687-4f45-9708-019B960494DF}">
-                <a14:hiddenLine xmlns:a14="http://schemas.microsoft.com/office/drawing/2010/main" xmlns="" w="9525">
+                <a14:hiddenLine xmlns="" xmlns:a14="http://schemas.microsoft.com/office/drawing/2010/main" w="9525">
                   <a:solidFill>
                     <a:srgbClr val="000000"/>
                   </a:solidFill>
@@ -7976,14 +7976,14 @@
             </a:ln>
             <a:extLst>
               <a:ext uri="{909E8E84-426E-40dd-AFC4-6F175D3DCCD1}">
-                <a14:hiddenFill xmlns:a14="http://schemas.microsoft.com/office/drawing/2010/main" xmlns="">
+                <a14:hiddenFill xmlns="" xmlns:a14="http://schemas.microsoft.com/office/drawing/2010/main">
                   <a:solidFill>
                     <a:srgbClr val="FFFFFF"/>
                   </a:solidFill>
                 </a14:hiddenFill>
               </a:ext>
               <a:ext uri="{91240B29-F687-4f45-9708-019B960494DF}">
-                <a14:hiddenLine xmlns:a14="http://schemas.microsoft.com/office/drawing/2010/main" xmlns="" w="9525">
+                <a14:hiddenLine xmlns="" xmlns:a14="http://schemas.microsoft.com/office/drawing/2010/main" w="9525">
                   <a:solidFill>
                     <a:srgbClr val="000000"/>
                   </a:solidFill>
@@ -8194,14 +8194,14 @@
             </a:ln>
             <a:extLst>
               <a:ext uri="{909E8E84-426E-40dd-AFC4-6F175D3DCCD1}">
-                <a14:hiddenFill xmlns:a14="http://schemas.microsoft.com/office/drawing/2010/main" xmlns="">
+                <a14:hiddenFill xmlns="" xmlns:a14="http://schemas.microsoft.com/office/drawing/2010/main">
                   <a:solidFill>
                     <a:srgbClr val="FFFFFF"/>
                   </a:solidFill>
                 </a14:hiddenFill>
               </a:ext>
               <a:ext uri="{91240B29-F687-4f45-9708-019B960494DF}">
-                <a14:hiddenLine xmlns:a14="http://schemas.microsoft.com/office/drawing/2010/main" xmlns="" w="9525">
+                <a14:hiddenLine xmlns="" xmlns:a14="http://schemas.microsoft.com/office/drawing/2010/main" w="9525">
                   <a:solidFill>
                     <a:srgbClr val="000000"/>
                   </a:solidFill>
@@ -8412,14 +8412,14 @@
             </a:ln>
             <a:extLst>
               <a:ext uri="{909E8E84-426E-40dd-AFC4-6F175D3DCCD1}">
-                <a14:hiddenFill xmlns:a14="http://schemas.microsoft.com/office/drawing/2010/main" xmlns="">
+                <a14:hiddenFill xmlns="" xmlns:a14="http://schemas.microsoft.com/office/drawing/2010/main">
                   <a:solidFill>
                     <a:srgbClr val="FFFFFF"/>
                   </a:solidFill>
                 </a14:hiddenFill>
               </a:ext>
               <a:ext uri="{91240B29-F687-4f45-9708-019B960494DF}">
-                <a14:hiddenLine xmlns:a14="http://schemas.microsoft.com/office/drawing/2010/main" xmlns="" w="9525">
+                <a14:hiddenLine xmlns="" xmlns:a14="http://schemas.microsoft.com/office/drawing/2010/main" w="9525">
                   <a:solidFill>
                     <a:srgbClr val="000000"/>
                   </a:solidFill>
@@ -8583,7 +8583,7 @@
           </a:ln>
           <a:extLst>
             <a:ext uri="{909E8E84-426E-40dd-AFC4-6F175D3DCCD1}">
-              <a14:hiddenFill xmlns:a14="http://schemas.microsoft.com/office/drawing/2010/main" xmlns="">
+              <a14:hiddenFill xmlns="" xmlns:a14="http://schemas.microsoft.com/office/drawing/2010/main">
                 <a:noFill/>
               </a14:hiddenFill>
             </a:ext>
@@ -8624,7 +8624,7 @@
           </a:ln>
           <a:extLst>
             <a:ext uri="{909E8E84-426E-40dd-AFC4-6F175D3DCCD1}">
-              <a14:hiddenFill xmlns:a14="http://schemas.microsoft.com/office/drawing/2010/main" xmlns="">
+              <a14:hiddenFill xmlns="" xmlns:a14="http://schemas.microsoft.com/office/drawing/2010/main">
                 <a:noFill/>
               </a14:hiddenFill>
             </a:ext>
@@ -8665,7 +8665,7 @@
           </a:ln>
           <a:extLst>
             <a:ext uri="{909E8E84-426E-40dd-AFC4-6F175D3DCCD1}">
-              <a14:hiddenFill xmlns:a14="http://schemas.microsoft.com/office/drawing/2010/main" xmlns="">
+              <a14:hiddenFill xmlns="" xmlns:a14="http://schemas.microsoft.com/office/drawing/2010/main">
                 <a:noFill/>
               </a14:hiddenFill>
             </a:ext>
@@ -8706,7 +8706,7 @@
           </a:ln>
           <a:extLst>
             <a:ext uri="{909E8E84-426E-40dd-AFC4-6F175D3DCCD1}">
-              <a14:hiddenFill xmlns:a14="http://schemas.microsoft.com/office/drawing/2010/main" xmlns="">
+              <a14:hiddenFill xmlns="" xmlns:a14="http://schemas.microsoft.com/office/drawing/2010/main">
                 <a:noFill/>
               </a14:hiddenFill>
             </a:ext>
@@ -8747,7 +8747,7 @@
           </a:ln>
           <a:extLst>
             <a:ext uri="{909E8E84-426E-40dd-AFC4-6F175D3DCCD1}">
-              <a14:hiddenFill xmlns:a14="http://schemas.microsoft.com/office/drawing/2010/main" xmlns="">
+              <a14:hiddenFill xmlns="" xmlns:a14="http://schemas.microsoft.com/office/drawing/2010/main">
                 <a:noFill/>
               </a14:hiddenFill>
             </a:ext>
@@ -8788,7 +8788,7 @@
           </a:ln>
           <a:extLst>
             <a:ext uri="{909E8E84-426E-40dd-AFC4-6F175D3DCCD1}">
-              <a14:hiddenFill xmlns:a14="http://schemas.microsoft.com/office/drawing/2010/main" xmlns="">
+              <a14:hiddenFill xmlns="" xmlns:a14="http://schemas.microsoft.com/office/drawing/2010/main">
                 <a:noFill/>
               </a14:hiddenFill>
             </a:ext>
@@ -8957,14 +8957,14 @@
             </a:ln>
             <a:extLst>
               <a:ext uri="{909E8E84-426E-40dd-AFC4-6F175D3DCCD1}">
-                <a14:hiddenFill xmlns:a14="http://schemas.microsoft.com/office/drawing/2010/main" xmlns="">
+                <a14:hiddenFill xmlns="" xmlns:a14="http://schemas.microsoft.com/office/drawing/2010/main">
                   <a:solidFill>
                     <a:srgbClr val="FFFFFF"/>
                   </a:solidFill>
                 </a14:hiddenFill>
               </a:ext>
               <a:ext uri="{91240B29-F687-4f45-9708-019B960494DF}">
-                <a14:hiddenLine xmlns:a14="http://schemas.microsoft.com/office/drawing/2010/main" xmlns="" w="9525">
+                <a14:hiddenLine xmlns="" xmlns:a14="http://schemas.microsoft.com/office/drawing/2010/main" w="9525">
                   <a:solidFill>
                     <a:srgbClr val="000000"/>
                   </a:solidFill>
@@ -9175,14 +9175,14 @@
             </a:ln>
             <a:extLst>
               <a:ext uri="{909E8E84-426E-40dd-AFC4-6F175D3DCCD1}">
-                <a14:hiddenFill xmlns:a14="http://schemas.microsoft.com/office/drawing/2010/main" xmlns="">
+                <a14:hiddenFill xmlns="" xmlns:a14="http://schemas.microsoft.com/office/drawing/2010/main">
                   <a:solidFill>
                     <a:srgbClr val="FFFFFF"/>
                   </a:solidFill>
                 </a14:hiddenFill>
               </a:ext>
               <a:ext uri="{91240B29-F687-4f45-9708-019B960494DF}">
-                <a14:hiddenLine xmlns:a14="http://schemas.microsoft.com/office/drawing/2010/main" xmlns="" w="9525">
+                <a14:hiddenLine xmlns="" xmlns:a14="http://schemas.microsoft.com/office/drawing/2010/main" w="9525">
                   <a:solidFill>
                     <a:srgbClr val="000000"/>
                   </a:solidFill>
@@ -9393,14 +9393,14 @@
             </a:ln>
             <a:extLst>
               <a:ext uri="{909E8E84-426E-40dd-AFC4-6F175D3DCCD1}">
-                <a14:hiddenFill xmlns:a14="http://schemas.microsoft.com/office/drawing/2010/main" xmlns="">
+                <a14:hiddenFill xmlns="" xmlns:a14="http://schemas.microsoft.com/office/drawing/2010/main">
                   <a:solidFill>
                     <a:srgbClr val="FFFFFF"/>
                   </a:solidFill>
                 </a14:hiddenFill>
               </a:ext>
               <a:ext uri="{91240B29-F687-4f45-9708-019B960494DF}">
-                <a14:hiddenLine xmlns:a14="http://schemas.microsoft.com/office/drawing/2010/main" xmlns="" w="9525">
+                <a14:hiddenLine xmlns="" xmlns:a14="http://schemas.microsoft.com/office/drawing/2010/main" w="9525">
                   <a:solidFill>
                     <a:srgbClr val="000000"/>
                   </a:solidFill>
@@ -9611,14 +9611,14 @@
             </a:ln>
             <a:extLst>
               <a:ext uri="{909E8E84-426E-40dd-AFC4-6F175D3DCCD1}">
-                <a14:hiddenFill xmlns:a14="http://schemas.microsoft.com/office/drawing/2010/main" xmlns="">
+                <a14:hiddenFill xmlns="" xmlns:a14="http://schemas.microsoft.com/office/drawing/2010/main">
                   <a:solidFill>
                     <a:srgbClr val="FFFFFF"/>
                   </a:solidFill>
                 </a14:hiddenFill>
               </a:ext>
               <a:ext uri="{91240B29-F687-4f45-9708-019B960494DF}">
-                <a14:hiddenLine xmlns:a14="http://schemas.microsoft.com/office/drawing/2010/main" xmlns="" w="9525">
+                <a14:hiddenLine xmlns="" xmlns:a14="http://schemas.microsoft.com/office/drawing/2010/main" w="9525">
                   <a:solidFill>
                     <a:srgbClr val="000000"/>
                   </a:solidFill>
@@ -9829,14 +9829,14 @@
             </a:ln>
             <a:extLst>
               <a:ext uri="{909E8E84-426E-40dd-AFC4-6F175D3DCCD1}">
-                <a14:hiddenFill xmlns:a14="http://schemas.microsoft.com/office/drawing/2010/main" xmlns="">
+                <a14:hiddenFill xmlns="" xmlns:a14="http://schemas.microsoft.com/office/drawing/2010/main">
                   <a:solidFill>
                     <a:srgbClr val="FFFFFF"/>
                   </a:solidFill>
                 </a14:hiddenFill>
               </a:ext>
               <a:ext uri="{91240B29-F687-4f45-9708-019B960494DF}">
-                <a14:hiddenLine xmlns:a14="http://schemas.microsoft.com/office/drawing/2010/main" xmlns="" w="9525">
+                <a14:hiddenLine xmlns="" xmlns:a14="http://schemas.microsoft.com/office/drawing/2010/main" w="9525">
                   <a:solidFill>
                     <a:srgbClr val="000000"/>
                   </a:solidFill>
@@ -10000,7 +10000,7 @@
           </a:ln>
           <a:extLst>
             <a:ext uri="{909E8E84-426E-40dd-AFC4-6F175D3DCCD1}">
-              <a14:hiddenFill xmlns:a14="http://schemas.microsoft.com/office/drawing/2010/main" xmlns="">
+              <a14:hiddenFill xmlns="" xmlns:a14="http://schemas.microsoft.com/office/drawing/2010/main">
                 <a:noFill/>
               </a14:hiddenFill>
             </a:ext>
@@ -10041,7 +10041,7 @@
           </a:ln>
           <a:extLst>
             <a:ext uri="{909E8E84-426E-40dd-AFC4-6F175D3DCCD1}">
-              <a14:hiddenFill xmlns:a14="http://schemas.microsoft.com/office/drawing/2010/main" xmlns="">
+              <a14:hiddenFill xmlns="" xmlns:a14="http://schemas.microsoft.com/office/drawing/2010/main">
                 <a:noFill/>
               </a14:hiddenFill>
             </a:ext>
@@ -10082,7 +10082,7 @@
           </a:ln>
           <a:extLst>
             <a:ext uri="{909E8E84-426E-40dd-AFC4-6F175D3DCCD1}">
-              <a14:hiddenFill xmlns:a14="http://schemas.microsoft.com/office/drawing/2010/main" xmlns="">
+              <a14:hiddenFill xmlns="" xmlns:a14="http://schemas.microsoft.com/office/drawing/2010/main">
                 <a:noFill/>
               </a14:hiddenFill>
             </a:ext>
@@ -10123,7 +10123,7 @@
           </a:ln>
           <a:extLst>
             <a:ext uri="{909E8E84-426E-40dd-AFC4-6F175D3DCCD1}">
-              <a14:hiddenFill xmlns:a14="http://schemas.microsoft.com/office/drawing/2010/main" xmlns="">
+              <a14:hiddenFill xmlns="" xmlns:a14="http://schemas.microsoft.com/office/drawing/2010/main">
                 <a:noFill/>
               </a14:hiddenFill>
             </a:ext>
@@ -10164,7 +10164,7 @@
           </a:ln>
           <a:extLst>
             <a:ext uri="{909E8E84-426E-40dd-AFC4-6F175D3DCCD1}">
-              <a14:hiddenFill xmlns:a14="http://schemas.microsoft.com/office/drawing/2010/main" xmlns="">
+              <a14:hiddenFill xmlns="" xmlns:a14="http://schemas.microsoft.com/office/drawing/2010/main">
                 <a:noFill/>
               </a14:hiddenFill>
             </a:ext>
@@ -10205,7 +10205,7 @@
           </a:ln>
           <a:extLst>
             <a:ext uri="{909E8E84-426E-40dd-AFC4-6F175D3DCCD1}">
-              <a14:hiddenFill xmlns:a14="http://schemas.microsoft.com/office/drawing/2010/main" xmlns="">
+              <a14:hiddenFill xmlns="" xmlns:a14="http://schemas.microsoft.com/office/drawing/2010/main">
                 <a:noFill/>
               </a14:hiddenFill>
             </a:ext>
@@ -10382,14 +10382,14 @@
             </a:ln>
             <a:extLst>
               <a:ext uri="{909E8E84-426E-40dd-AFC4-6F175D3DCCD1}">
-                <a14:hiddenFill xmlns:a14="http://schemas.microsoft.com/office/drawing/2010/main" xmlns="">
+                <a14:hiddenFill xmlns="" xmlns:a14="http://schemas.microsoft.com/office/drawing/2010/main">
                   <a:solidFill>
                     <a:srgbClr val="FFFFFF"/>
                   </a:solidFill>
                 </a14:hiddenFill>
               </a:ext>
               <a:ext uri="{91240B29-F687-4f45-9708-019B960494DF}">
-                <a14:hiddenLine xmlns:a14="http://schemas.microsoft.com/office/drawing/2010/main" xmlns="" w="9525">
+                <a14:hiddenLine xmlns="" xmlns:a14="http://schemas.microsoft.com/office/drawing/2010/main" w="9525">
                   <a:solidFill>
                     <a:srgbClr val="000000"/>
                   </a:solidFill>
@@ -10600,14 +10600,14 @@
             </a:ln>
             <a:extLst>
               <a:ext uri="{909E8E84-426E-40dd-AFC4-6F175D3DCCD1}">
-                <a14:hiddenFill xmlns:a14="http://schemas.microsoft.com/office/drawing/2010/main" xmlns="">
+                <a14:hiddenFill xmlns="" xmlns:a14="http://schemas.microsoft.com/office/drawing/2010/main">
                   <a:solidFill>
                     <a:srgbClr val="FFFFFF"/>
                   </a:solidFill>
                 </a14:hiddenFill>
               </a:ext>
               <a:ext uri="{91240B29-F687-4f45-9708-019B960494DF}">
-                <a14:hiddenLine xmlns:a14="http://schemas.microsoft.com/office/drawing/2010/main" xmlns="" w="9525">
+                <a14:hiddenLine xmlns="" xmlns:a14="http://schemas.microsoft.com/office/drawing/2010/main" w="9525">
                   <a:solidFill>
                     <a:srgbClr val="000000"/>
                   </a:solidFill>
@@ -10818,14 +10818,14 @@
             </a:ln>
             <a:extLst>
               <a:ext uri="{909E8E84-426E-40dd-AFC4-6F175D3DCCD1}">
-                <a14:hiddenFill xmlns:a14="http://schemas.microsoft.com/office/drawing/2010/main" xmlns="">
+                <a14:hiddenFill xmlns="" xmlns:a14="http://schemas.microsoft.com/office/drawing/2010/main">
                   <a:solidFill>
                     <a:srgbClr val="FFFFFF"/>
                   </a:solidFill>
                 </a14:hiddenFill>
               </a:ext>
               <a:ext uri="{91240B29-F687-4f45-9708-019B960494DF}">
-                <a14:hiddenLine xmlns:a14="http://schemas.microsoft.com/office/drawing/2010/main" xmlns="" w="9525">
+                <a14:hiddenLine xmlns="" xmlns:a14="http://schemas.microsoft.com/office/drawing/2010/main" w="9525">
                   <a:solidFill>
                     <a:srgbClr val="000000"/>
                   </a:solidFill>
@@ -11036,14 +11036,14 @@
             </a:ln>
             <a:extLst>
               <a:ext uri="{909E8E84-426E-40dd-AFC4-6F175D3DCCD1}">
-                <a14:hiddenFill xmlns:a14="http://schemas.microsoft.com/office/drawing/2010/main" xmlns="">
+                <a14:hiddenFill xmlns="" xmlns:a14="http://schemas.microsoft.com/office/drawing/2010/main">
                   <a:solidFill>
                     <a:srgbClr val="FFFFFF"/>
                   </a:solidFill>
                 </a14:hiddenFill>
               </a:ext>
               <a:ext uri="{91240B29-F687-4f45-9708-019B960494DF}">
-                <a14:hiddenLine xmlns:a14="http://schemas.microsoft.com/office/drawing/2010/main" xmlns="" w="9525">
+                <a14:hiddenLine xmlns="" xmlns:a14="http://schemas.microsoft.com/office/drawing/2010/main" w="9525">
                   <a:solidFill>
                     <a:srgbClr val="000000"/>
                   </a:solidFill>
@@ -11254,14 +11254,14 @@
             </a:ln>
             <a:extLst>
               <a:ext uri="{909E8E84-426E-40dd-AFC4-6F175D3DCCD1}">
-                <a14:hiddenFill xmlns:a14="http://schemas.microsoft.com/office/drawing/2010/main" xmlns="">
+                <a14:hiddenFill xmlns="" xmlns:a14="http://schemas.microsoft.com/office/drawing/2010/main">
                   <a:solidFill>
                     <a:srgbClr val="FFFFFF"/>
                   </a:solidFill>
                 </a14:hiddenFill>
               </a:ext>
               <a:ext uri="{91240B29-F687-4f45-9708-019B960494DF}">
-                <a14:hiddenLine xmlns:a14="http://schemas.microsoft.com/office/drawing/2010/main" xmlns="" w="9525">
+                <a14:hiddenLine xmlns="" xmlns:a14="http://schemas.microsoft.com/office/drawing/2010/main" w="9525">
                   <a:solidFill>
                     <a:srgbClr val="000000"/>
                   </a:solidFill>
@@ -11425,7 +11425,7 @@
           </a:ln>
           <a:extLst>
             <a:ext uri="{909E8E84-426E-40dd-AFC4-6F175D3DCCD1}">
-              <a14:hiddenFill xmlns:a14="http://schemas.microsoft.com/office/drawing/2010/main" xmlns="">
+              <a14:hiddenFill xmlns="" xmlns:a14="http://schemas.microsoft.com/office/drawing/2010/main">
                 <a:noFill/>
               </a14:hiddenFill>
             </a:ext>
@@ -11466,7 +11466,7 @@
           </a:ln>
           <a:extLst>
             <a:ext uri="{909E8E84-426E-40dd-AFC4-6F175D3DCCD1}">
-              <a14:hiddenFill xmlns:a14="http://schemas.microsoft.com/office/drawing/2010/main" xmlns="">
+              <a14:hiddenFill xmlns="" xmlns:a14="http://schemas.microsoft.com/office/drawing/2010/main">
                 <a:noFill/>
               </a14:hiddenFill>
             </a:ext>
@@ -11507,7 +11507,7 @@
           </a:ln>
           <a:extLst>
             <a:ext uri="{909E8E84-426E-40dd-AFC4-6F175D3DCCD1}">
-              <a14:hiddenFill xmlns:a14="http://schemas.microsoft.com/office/drawing/2010/main" xmlns="">
+              <a14:hiddenFill xmlns="" xmlns:a14="http://schemas.microsoft.com/office/drawing/2010/main">
                 <a:noFill/>
               </a14:hiddenFill>
             </a:ext>
@@ -11548,7 +11548,7 @@
           </a:ln>
           <a:extLst>
             <a:ext uri="{909E8E84-426E-40dd-AFC4-6F175D3DCCD1}">
-              <a14:hiddenFill xmlns:a14="http://schemas.microsoft.com/office/drawing/2010/main" xmlns="">
+              <a14:hiddenFill xmlns="" xmlns:a14="http://schemas.microsoft.com/office/drawing/2010/main">
                 <a:noFill/>
               </a14:hiddenFill>
             </a:ext>
@@ -11589,7 +11589,7 @@
           </a:ln>
           <a:extLst>
             <a:ext uri="{909E8E84-426E-40dd-AFC4-6F175D3DCCD1}">
-              <a14:hiddenFill xmlns:a14="http://schemas.microsoft.com/office/drawing/2010/main" xmlns="">
+              <a14:hiddenFill xmlns="" xmlns:a14="http://schemas.microsoft.com/office/drawing/2010/main">
                 <a:noFill/>
               </a14:hiddenFill>
             </a:ext>
@@ -11630,7 +11630,7 @@
           </a:ln>
           <a:extLst>
             <a:ext uri="{909E8E84-426E-40dd-AFC4-6F175D3DCCD1}">
-              <a14:hiddenFill xmlns:a14="http://schemas.microsoft.com/office/drawing/2010/main" xmlns="">
+              <a14:hiddenFill xmlns="" xmlns:a14="http://schemas.microsoft.com/office/drawing/2010/main">
                 <a:noFill/>
               </a14:hiddenFill>
             </a:ext>
@@ -11671,7 +11671,7 @@
           </a:ln>
           <a:extLst>
             <a:ext uri="{909E8E84-426E-40dd-AFC4-6F175D3DCCD1}">
-              <a14:hiddenFill xmlns:a14="http://schemas.microsoft.com/office/drawing/2010/main" xmlns="">
+              <a14:hiddenFill xmlns="" xmlns:a14="http://schemas.microsoft.com/office/drawing/2010/main">
                 <a:noFill/>
               </a14:hiddenFill>
             </a:ext>
@@ -11712,7 +11712,7 @@
           </a:ln>
           <a:extLst>
             <a:ext uri="{909E8E84-426E-40dd-AFC4-6F175D3DCCD1}">
-              <a14:hiddenFill xmlns:a14="http://schemas.microsoft.com/office/drawing/2010/main" xmlns="">
+              <a14:hiddenFill xmlns="" xmlns:a14="http://schemas.microsoft.com/office/drawing/2010/main">
                 <a:noFill/>
               </a14:hiddenFill>
             </a:ext>
@@ -14366,7 +14366,7 @@
           <a:effectLst/>
           <a:extLst>
             <a:ext uri="{AF507438-7753-43e0-B8FC-AC1667EBCBE1}">
-              <a14:hiddenEffects xmlns:a14="http://schemas.microsoft.com/office/drawing/2010/main" xmlns="">
+              <a14:hiddenEffects xmlns="" xmlns:a14="http://schemas.microsoft.com/office/drawing/2010/main">
                 <a:effectLst>
                   <a:outerShdw blurRad="63500" dist="38099" dir="2700000" algn="ctr" rotWithShape="0">
                     <a:schemeClr val="bg2">
@@ -14420,12 +14420,12 @@
           <a:effectLst/>
           <a:extLst>
             <a:ext uri="{909E8E84-426E-40dd-AFC4-6F175D3DCCD1}">
-              <a14:hiddenFill xmlns:a14="http://schemas.microsoft.com/office/drawing/2010/main" xmlns="">
+              <a14:hiddenFill xmlns="" xmlns:a14="http://schemas.microsoft.com/office/drawing/2010/main">
                 <a:noFill/>
               </a14:hiddenFill>
             </a:ext>
             <a:ext uri="{AF507438-7753-43e0-B8FC-AC1667EBCBE1}">
-              <a14:hiddenEffects xmlns:a14="http://schemas.microsoft.com/office/drawing/2010/main" xmlns="">
+              <a14:hiddenEffects xmlns="" xmlns:a14="http://schemas.microsoft.com/office/drawing/2010/main">
                 <a:effectLst>
                   <a:outerShdw blurRad="63500" dist="38099" dir="2700000" algn="ctr" rotWithShape="0">
                     <a:schemeClr val="bg2">
@@ -14468,14 +14468,14 @@
           <a:effectLst/>
           <a:extLst>
             <a:ext uri="{909E8E84-426E-40dd-AFC4-6F175D3DCCD1}">
-              <a14:hiddenFill xmlns:a14="http://schemas.microsoft.com/office/drawing/2010/main" xmlns="">
+              <a14:hiddenFill xmlns="" xmlns:a14="http://schemas.microsoft.com/office/drawing/2010/main">
                 <a:solidFill>
                   <a:schemeClr val="accent1"/>
                 </a:solidFill>
               </a14:hiddenFill>
             </a:ext>
             <a:ext uri="{91240B29-F687-4f45-9708-019B960494DF}">
-              <a14:hiddenLine xmlns:a14="http://schemas.microsoft.com/office/drawing/2010/main" xmlns="" w="9525">
+              <a14:hiddenLine xmlns="" xmlns:a14="http://schemas.microsoft.com/office/drawing/2010/main" w="9525">
                 <a:solidFill>
                   <a:schemeClr val="tx1"/>
                 </a:solidFill>
@@ -14485,7 +14485,7 @@
               </a14:hiddenLine>
             </a:ext>
             <a:ext uri="{AF507438-7753-43e0-B8FC-AC1667EBCBE1}">
-              <a14:hiddenEffects xmlns:a14="http://schemas.microsoft.com/office/drawing/2010/main" xmlns="">
+              <a14:hiddenEffects xmlns="" xmlns:a14="http://schemas.microsoft.com/office/drawing/2010/main">
                 <a:effectLst>
                   <a:outerShdw blurRad="63500" dist="38099" dir="2700000" algn="ctr" rotWithShape="0">
                     <a:schemeClr val="bg2">
@@ -14535,14 +14535,14 @@
           <a:effectLst/>
           <a:extLst>
             <a:ext uri="{909E8E84-426E-40dd-AFC4-6F175D3DCCD1}">
-              <a14:hiddenFill xmlns:a14="http://schemas.microsoft.com/office/drawing/2010/main" xmlns="">
+              <a14:hiddenFill xmlns="" xmlns:a14="http://schemas.microsoft.com/office/drawing/2010/main">
                 <a:solidFill>
                   <a:schemeClr val="accent1"/>
                 </a:solidFill>
               </a14:hiddenFill>
             </a:ext>
             <a:ext uri="{91240B29-F687-4f45-9708-019B960494DF}">
-              <a14:hiddenLine xmlns:a14="http://schemas.microsoft.com/office/drawing/2010/main" xmlns="" w="9525">
+              <a14:hiddenLine xmlns="" xmlns:a14="http://schemas.microsoft.com/office/drawing/2010/main" w="9525">
                 <a:solidFill>
                   <a:schemeClr val="tx1"/>
                 </a:solidFill>
@@ -14552,7 +14552,7 @@
               </a14:hiddenLine>
             </a:ext>
             <a:ext uri="{AF507438-7753-43e0-B8FC-AC1667EBCBE1}">
-              <a14:hiddenEffects xmlns:a14="http://schemas.microsoft.com/office/drawing/2010/main" xmlns="">
+              <a14:hiddenEffects xmlns="" xmlns:a14="http://schemas.microsoft.com/office/drawing/2010/main">
                 <a:effectLst>
                   <a:outerShdw blurRad="63500" dist="38099" dir="2700000" algn="ctr" rotWithShape="0">
                     <a:schemeClr val="bg2">
@@ -14607,12 +14607,12 @@
           <a:effectLst/>
           <a:extLst>
             <a:ext uri="{909E8E84-426E-40dd-AFC4-6F175D3DCCD1}">
-              <a14:hiddenFill xmlns:a14="http://schemas.microsoft.com/office/drawing/2010/main" xmlns="">
+              <a14:hiddenFill xmlns="" xmlns:a14="http://schemas.microsoft.com/office/drawing/2010/main">
                 <a:noFill/>
               </a14:hiddenFill>
             </a:ext>
             <a:ext uri="{AF507438-7753-43e0-B8FC-AC1667EBCBE1}">
-              <a14:hiddenEffects xmlns:a14="http://schemas.microsoft.com/office/drawing/2010/main" xmlns="">
+              <a14:hiddenEffects xmlns="" xmlns:a14="http://schemas.microsoft.com/office/drawing/2010/main">
                 <a:effectLst>
                   <a:outerShdw blurRad="63500" dist="38099" dir="2700000" algn="ctr" rotWithShape="0">
                     <a:schemeClr val="bg2">
@@ -14655,14 +14655,14 @@
           <a:effectLst/>
           <a:extLst>
             <a:ext uri="{909E8E84-426E-40dd-AFC4-6F175D3DCCD1}">
-              <a14:hiddenFill xmlns:a14="http://schemas.microsoft.com/office/drawing/2010/main" xmlns="">
+              <a14:hiddenFill xmlns="" xmlns:a14="http://schemas.microsoft.com/office/drawing/2010/main">
                 <a:solidFill>
                   <a:schemeClr val="accent1"/>
                 </a:solidFill>
               </a14:hiddenFill>
             </a:ext>
             <a:ext uri="{91240B29-F687-4f45-9708-019B960494DF}">
-              <a14:hiddenLine xmlns:a14="http://schemas.microsoft.com/office/drawing/2010/main" xmlns="" w="9525">
+              <a14:hiddenLine xmlns="" xmlns:a14="http://schemas.microsoft.com/office/drawing/2010/main" w="9525">
                 <a:solidFill>
                   <a:schemeClr val="tx1"/>
                 </a:solidFill>
@@ -14672,7 +14672,7 @@
               </a14:hiddenLine>
             </a:ext>
             <a:ext uri="{AF507438-7753-43e0-B8FC-AC1667EBCBE1}">
-              <a14:hiddenEffects xmlns:a14="http://schemas.microsoft.com/office/drawing/2010/main" xmlns="">
+              <a14:hiddenEffects xmlns="" xmlns:a14="http://schemas.microsoft.com/office/drawing/2010/main">
                 <a:effectLst>
                   <a:outerShdw blurRad="63500" dist="38099" dir="2700000" algn="ctr" rotWithShape="0">
                     <a:schemeClr val="bg2">
@@ -14729,14 +14729,14 @@
           <a:effectLst/>
           <a:extLst>
             <a:ext uri="{909E8E84-426E-40dd-AFC4-6F175D3DCCD1}">
-              <a14:hiddenFill xmlns:a14="http://schemas.microsoft.com/office/drawing/2010/main" xmlns="">
+              <a14:hiddenFill xmlns="" xmlns:a14="http://schemas.microsoft.com/office/drawing/2010/main">
                 <a:solidFill>
                   <a:schemeClr val="accent1"/>
                 </a:solidFill>
               </a14:hiddenFill>
             </a:ext>
             <a:ext uri="{91240B29-F687-4f45-9708-019B960494DF}">
-              <a14:hiddenLine xmlns:a14="http://schemas.microsoft.com/office/drawing/2010/main" xmlns="" w="9525">
+              <a14:hiddenLine xmlns="" xmlns:a14="http://schemas.microsoft.com/office/drawing/2010/main" w="9525">
                 <a:solidFill>
                   <a:schemeClr val="tx1"/>
                 </a:solidFill>
@@ -14746,7 +14746,7 @@
               </a14:hiddenLine>
             </a:ext>
             <a:ext uri="{AF507438-7753-43e0-B8FC-AC1667EBCBE1}">
-              <a14:hiddenEffects xmlns:a14="http://schemas.microsoft.com/office/drawing/2010/main" xmlns="">
+              <a14:hiddenEffects xmlns="" xmlns:a14="http://schemas.microsoft.com/office/drawing/2010/main">
                 <a:effectLst>
                   <a:outerShdw blurRad="63500" dist="38099" dir="2700000" algn="ctr" rotWithShape="0">
                     <a:schemeClr val="bg2">
@@ -14952,7 +14952,7 @@
           <a:effectLst/>
           <a:extLst>
             <a:ext uri="{AF507438-7753-43e0-B8FC-AC1667EBCBE1}">
-              <a14:hiddenEffects xmlns:a14="http://schemas.microsoft.com/office/drawing/2010/main" xmlns="">
+              <a14:hiddenEffects xmlns="" xmlns:a14="http://schemas.microsoft.com/office/drawing/2010/main">
                 <a:effectLst>
                   <a:outerShdw blurRad="63500" dist="38099" dir="2700000" algn="ctr" rotWithShape="0">
                     <a:schemeClr val="bg2">
@@ -15006,12 +15006,12 @@
           <a:effectLst/>
           <a:extLst>
             <a:ext uri="{909E8E84-426E-40dd-AFC4-6F175D3DCCD1}">
-              <a14:hiddenFill xmlns:a14="http://schemas.microsoft.com/office/drawing/2010/main" xmlns="">
+              <a14:hiddenFill xmlns="" xmlns:a14="http://schemas.microsoft.com/office/drawing/2010/main">
                 <a:noFill/>
               </a14:hiddenFill>
             </a:ext>
             <a:ext uri="{AF507438-7753-43e0-B8FC-AC1667EBCBE1}">
-              <a14:hiddenEffects xmlns:a14="http://schemas.microsoft.com/office/drawing/2010/main" xmlns="">
+              <a14:hiddenEffects xmlns="" xmlns:a14="http://schemas.microsoft.com/office/drawing/2010/main">
                 <a:effectLst>
                   <a:outerShdw blurRad="63500" dist="38099" dir="2700000" algn="ctr" rotWithShape="0">
                     <a:schemeClr val="bg2">
@@ -15054,14 +15054,14 @@
           <a:effectLst/>
           <a:extLst>
             <a:ext uri="{909E8E84-426E-40dd-AFC4-6F175D3DCCD1}">
-              <a14:hiddenFill xmlns:a14="http://schemas.microsoft.com/office/drawing/2010/main" xmlns="">
+              <a14:hiddenFill xmlns="" xmlns:a14="http://schemas.microsoft.com/office/drawing/2010/main">
                 <a:solidFill>
                   <a:schemeClr val="accent1"/>
                 </a:solidFill>
               </a14:hiddenFill>
             </a:ext>
             <a:ext uri="{91240B29-F687-4f45-9708-019B960494DF}">
-              <a14:hiddenLine xmlns:a14="http://schemas.microsoft.com/office/drawing/2010/main" xmlns="" w="9525">
+              <a14:hiddenLine xmlns="" xmlns:a14="http://schemas.microsoft.com/office/drawing/2010/main" w="9525">
                 <a:solidFill>
                   <a:schemeClr val="tx1"/>
                 </a:solidFill>
@@ -15071,7 +15071,7 @@
               </a14:hiddenLine>
             </a:ext>
             <a:ext uri="{AF507438-7753-43e0-B8FC-AC1667EBCBE1}">
-              <a14:hiddenEffects xmlns:a14="http://schemas.microsoft.com/office/drawing/2010/main" xmlns="">
+              <a14:hiddenEffects xmlns="" xmlns:a14="http://schemas.microsoft.com/office/drawing/2010/main">
                 <a:effectLst>
                   <a:outerShdw blurRad="63500" dist="38099" dir="2700000" algn="ctr" rotWithShape="0">
                     <a:schemeClr val="bg2">
@@ -15121,14 +15121,14 @@
           <a:effectLst/>
           <a:extLst>
             <a:ext uri="{909E8E84-426E-40dd-AFC4-6F175D3DCCD1}">
-              <a14:hiddenFill xmlns:a14="http://schemas.microsoft.com/office/drawing/2010/main" xmlns="">
+              <a14:hiddenFill xmlns="" xmlns:a14="http://schemas.microsoft.com/office/drawing/2010/main">
                 <a:solidFill>
                   <a:schemeClr val="accent1"/>
                 </a:solidFill>
               </a14:hiddenFill>
             </a:ext>
             <a:ext uri="{91240B29-F687-4f45-9708-019B960494DF}">
-              <a14:hiddenLine xmlns:a14="http://schemas.microsoft.com/office/drawing/2010/main" xmlns="" w="9525">
+              <a14:hiddenLine xmlns="" xmlns:a14="http://schemas.microsoft.com/office/drawing/2010/main" w="9525">
                 <a:solidFill>
                   <a:schemeClr val="tx1"/>
                 </a:solidFill>
@@ -15138,7 +15138,7 @@
               </a14:hiddenLine>
             </a:ext>
             <a:ext uri="{AF507438-7753-43e0-B8FC-AC1667EBCBE1}">
-              <a14:hiddenEffects xmlns:a14="http://schemas.microsoft.com/office/drawing/2010/main" xmlns="">
+              <a14:hiddenEffects xmlns="" xmlns:a14="http://schemas.microsoft.com/office/drawing/2010/main">
                 <a:effectLst>
                   <a:outerShdw blurRad="63500" dist="38099" dir="2700000" algn="ctr" rotWithShape="0">
                     <a:schemeClr val="bg2">
@@ -15193,12 +15193,12 @@
           <a:effectLst/>
           <a:extLst>
             <a:ext uri="{909E8E84-426E-40dd-AFC4-6F175D3DCCD1}">
-              <a14:hiddenFill xmlns:a14="http://schemas.microsoft.com/office/drawing/2010/main" xmlns="">
+              <a14:hiddenFill xmlns="" xmlns:a14="http://schemas.microsoft.com/office/drawing/2010/main">
                 <a:noFill/>
               </a14:hiddenFill>
             </a:ext>
             <a:ext uri="{AF507438-7753-43e0-B8FC-AC1667EBCBE1}">
-              <a14:hiddenEffects xmlns:a14="http://schemas.microsoft.com/office/drawing/2010/main" xmlns="">
+              <a14:hiddenEffects xmlns="" xmlns:a14="http://schemas.microsoft.com/office/drawing/2010/main">
                 <a:effectLst>
                   <a:outerShdw blurRad="63500" dist="38099" dir="2700000" algn="ctr" rotWithShape="0">
                     <a:schemeClr val="bg2">
@@ -15241,14 +15241,14 @@
           <a:effectLst/>
           <a:extLst>
             <a:ext uri="{909E8E84-426E-40dd-AFC4-6F175D3DCCD1}">
-              <a14:hiddenFill xmlns:a14="http://schemas.microsoft.com/office/drawing/2010/main" xmlns="">
+              <a14:hiddenFill xmlns="" xmlns:a14="http://schemas.microsoft.com/office/drawing/2010/main">
                 <a:solidFill>
                   <a:schemeClr val="accent1"/>
                 </a:solidFill>
               </a14:hiddenFill>
             </a:ext>
             <a:ext uri="{91240B29-F687-4f45-9708-019B960494DF}">
-              <a14:hiddenLine xmlns:a14="http://schemas.microsoft.com/office/drawing/2010/main" xmlns="" w="9525">
+              <a14:hiddenLine xmlns="" xmlns:a14="http://schemas.microsoft.com/office/drawing/2010/main" w="9525">
                 <a:solidFill>
                   <a:schemeClr val="tx1"/>
                 </a:solidFill>
@@ -15258,7 +15258,7 @@
               </a14:hiddenLine>
             </a:ext>
             <a:ext uri="{AF507438-7753-43e0-B8FC-AC1667EBCBE1}">
-              <a14:hiddenEffects xmlns:a14="http://schemas.microsoft.com/office/drawing/2010/main" xmlns="">
+              <a14:hiddenEffects xmlns="" xmlns:a14="http://schemas.microsoft.com/office/drawing/2010/main">
                 <a:effectLst>
                   <a:outerShdw blurRad="63500" dist="38099" dir="2700000" algn="ctr" rotWithShape="0">
                     <a:schemeClr val="bg2">
@@ -15315,14 +15315,14 @@
           <a:effectLst/>
           <a:extLst>
             <a:ext uri="{909E8E84-426E-40dd-AFC4-6F175D3DCCD1}">
-              <a14:hiddenFill xmlns:a14="http://schemas.microsoft.com/office/drawing/2010/main" xmlns="">
+              <a14:hiddenFill xmlns="" xmlns:a14="http://schemas.microsoft.com/office/drawing/2010/main">
                 <a:solidFill>
                   <a:schemeClr val="accent1"/>
                 </a:solidFill>
               </a14:hiddenFill>
             </a:ext>
             <a:ext uri="{91240B29-F687-4f45-9708-019B960494DF}">
-              <a14:hiddenLine xmlns:a14="http://schemas.microsoft.com/office/drawing/2010/main" xmlns="" w="9525">
+              <a14:hiddenLine xmlns="" xmlns:a14="http://schemas.microsoft.com/office/drawing/2010/main" w="9525">
                 <a:solidFill>
                   <a:schemeClr val="tx1"/>
                 </a:solidFill>
@@ -15332,7 +15332,7 @@
               </a14:hiddenLine>
             </a:ext>
             <a:ext uri="{AF507438-7753-43e0-B8FC-AC1667EBCBE1}">
-              <a14:hiddenEffects xmlns:a14="http://schemas.microsoft.com/office/drawing/2010/main" xmlns="">
+              <a14:hiddenEffects xmlns="" xmlns:a14="http://schemas.microsoft.com/office/drawing/2010/main">
                 <a:effectLst>
                   <a:outerShdw blurRad="63500" dist="38099" dir="2700000" algn="ctr" rotWithShape="0">
                     <a:schemeClr val="bg2">
@@ -15623,7 +15623,7 @@
             <a:effectLst/>
             <a:extLst>
               <a:ext uri="{AF507438-7753-43e0-B8FC-AC1667EBCBE1}">
-                <a14:hiddenEffects xmlns:a14="http://schemas.microsoft.com/office/drawing/2010/main" xmlns="">
+                <a14:hiddenEffects xmlns="" xmlns:a14="http://schemas.microsoft.com/office/drawing/2010/main">
                   <a:effectLst>
                     <a:outerShdw blurRad="63500" dist="38099" dir="2700000" algn="ctr" rotWithShape="0">
                       <a:schemeClr val="bg2">
@@ -15682,7 +15682,7 @@
             <a:effectLst/>
             <a:extLst>
               <a:ext uri="{AF507438-7753-43e0-B8FC-AC1667EBCBE1}">
-                <a14:hiddenEffects xmlns:a14="http://schemas.microsoft.com/office/drawing/2010/main" xmlns="">
+                <a14:hiddenEffects xmlns="" xmlns:a14="http://schemas.microsoft.com/office/drawing/2010/main">
                   <a:effectLst>
                     <a:outerShdw blurRad="63500" dist="38099" dir="2700000" algn="ctr" rotWithShape="0">
                       <a:schemeClr val="bg2">
@@ -15738,7 +15738,7 @@
             <a:effectLst/>
             <a:extLst>
               <a:ext uri="{AF507438-7753-43e0-B8FC-AC1667EBCBE1}">
-                <a14:hiddenEffects xmlns:a14="http://schemas.microsoft.com/office/drawing/2010/main" xmlns="">
+                <a14:hiddenEffects xmlns="" xmlns:a14="http://schemas.microsoft.com/office/drawing/2010/main">
                   <a:effectLst>
                     <a:outerShdw blurRad="63500" dist="38099" dir="2700000" algn="ctr" rotWithShape="0">
                       <a:schemeClr val="bg2">
@@ -15794,12 +15794,12 @@
             <a:effectLst/>
             <a:extLst>
               <a:ext uri="{909E8E84-426E-40dd-AFC4-6F175D3DCCD1}">
-                <a14:hiddenFill xmlns:a14="http://schemas.microsoft.com/office/drawing/2010/main" xmlns="">
+                <a14:hiddenFill xmlns="" xmlns:a14="http://schemas.microsoft.com/office/drawing/2010/main">
                   <a:noFill/>
                 </a14:hiddenFill>
               </a:ext>
               <a:ext uri="{AF507438-7753-43e0-B8FC-AC1667EBCBE1}">
-                <a14:hiddenEffects xmlns:a14="http://schemas.microsoft.com/office/drawing/2010/main" xmlns="">
+                <a14:hiddenEffects xmlns="" xmlns:a14="http://schemas.microsoft.com/office/drawing/2010/main">
                   <a:effectLst>
                     <a:outerShdw blurRad="63500" dist="38099" dir="2700000" algn="ctr" rotWithShape="0">
                       <a:schemeClr val="bg2">
@@ -15842,14 +15842,14 @@
             <a:effectLst/>
             <a:extLst>
               <a:ext uri="{909E8E84-426E-40dd-AFC4-6F175D3DCCD1}">
-                <a14:hiddenFill xmlns:a14="http://schemas.microsoft.com/office/drawing/2010/main" xmlns="">
+                <a14:hiddenFill xmlns="" xmlns:a14="http://schemas.microsoft.com/office/drawing/2010/main">
                   <a:solidFill>
                     <a:schemeClr val="accent1"/>
                   </a:solidFill>
                 </a14:hiddenFill>
               </a:ext>
               <a:ext uri="{91240B29-F687-4f45-9708-019B960494DF}">
-                <a14:hiddenLine xmlns:a14="http://schemas.microsoft.com/office/drawing/2010/main" xmlns="" w="9525">
+                <a14:hiddenLine xmlns="" xmlns:a14="http://schemas.microsoft.com/office/drawing/2010/main" w="9525">
                   <a:solidFill>
                     <a:schemeClr val="tx1"/>
                   </a:solidFill>
@@ -15859,7 +15859,7 @@
                 </a14:hiddenLine>
               </a:ext>
               <a:ext uri="{AF507438-7753-43e0-B8FC-AC1667EBCBE1}">
-                <a14:hiddenEffects xmlns:a14="http://schemas.microsoft.com/office/drawing/2010/main" xmlns="">
+                <a14:hiddenEffects xmlns="" xmlns:a14="http://schemas.microsoft.com/office/drawing/2010/main">
                   <a:effectLst>
                     <a:outerShdw blurRad="63500" dist="38099" dir="2700000" algn="ctr" rotWithShape="0">
                       <a:schemeClr val="bg2">
@@ -15909,14 +15909,14 @@
             <a:effectLst/>
             <a:extLst>
               <a:ext uri="{909E8E84-426E-40dd-AFC4-6F175D3DCCD1}">
-                <a14:hiddenFill xmlns:a14="http://schemas.microsoft.com/office/drawing/2010/main" xmlns="">
+                <a14:hiddenFill xmlns="" xmlns:a14="http://schemas.microsoft.com/office/drawing/2010/main">
                   <a:solidFill>
                     <a:schemeClr val="accent1"/>
                   </a:solidFill>
                 </a14:hiddenFill>
               </a:ext>
               <a:ext uri="{91240B29-F687-4f45-9708-019B960494DF}">
-                <a14:hiddenLine xmlns:a14="http://schemas.microsoft.com/office/drawing/2010/main" xmlns="" w="9525">
+                <a14:hiddenLine xmlns="" xmlns:a14="http://schemas.microsoft.com/office/drawing/2010/main" w="9525">
                   <a:solidFill>
                     <a:schemeClr val="tx1"/>
                   </a:solidFill>
@@ -15926,7 +15926,7 @@
                 </a14:hiddenLine>
               </a:ext>
               <a:ext uri="{AF507438-7753-43e0-B8FC-AC1667EBCBE1}">
-                <a14:hiddenEffects xmlns:a14="http://schemas.microsoft.com/office/drawing/2010/main" xmlns="">
+                <a14:hiddenEffects xmlns="" xmlns:a14="http://schemas.microsoft.com/office/drawing/2010/main">
                   <a:effectLst>
                     <a:outerShdw blurRad="63500" dist="38099" dir="2700000" algn="ctr" rotWithShape="0">
                       <a:schemeClr val="bg2">
@@ -15981,12 +15981,12 @@
             <a:effectLst/>
             <a:extLst>
               <a:ext uri="{909E8E84-426E-40dd-AFC4-6F175D3DCCD1}">
-                <a14:hiddenFill xmlns:a14="http://schemas.microsoft.com/office/drawing/2010/main" xmlns="">
+                <a14:hiddenFill xmlns="" xmlns:a14="http://schemas.microsoft.com/office/drawing/2010/main">
                   <a:noFill/>
                 </a14:hiddenFill>
               </a:ext>
               <a:ext uri="{AF507438-7753-43e0-B8FC-AC1667EBCBE1}">
-                <a14:hiddenEffects xmlns:a14="http://schemas.microsoft.com/office/drawing/2010/main" xmlns="">
+                <a14:hiddenEffects xmlns="" xmlns:a14="http://schemas.microsoft.com/office/drawing/2010/main">
                   <a:effectLst>
                     <a:outerShdw blurRad="63500" dist="38099" dir="2700000" algn="ctr" rotWithShape="0">
                       <a:schemeClr val="bg2">
@@ -16034,12 +16034,12 @@
             <a:effectLst/>
             <a:extLst>
               <a:ext uri="{909E8E84-426E-40dd-AFC4-6F175D3DCCD1}">
-                <a14:hiddenFill xmlns:a14="http://schemas.microsoft.com/office/drawing/2010/main" xmlns="">
+                <a14:hiddenFill xmlns="" xmlns:a14="http://schemas.microsoft.com/office/drawing/2010/main">
                   <a:noFill/>
                 </a14:hiddenFill>
               </a:ext>
               <a:ext uri="{AF507438-7753-43e0-B8FC-AC1667EBCBE1}">
-                <a14:hiddenEffects xmlns:a14="http://schemas.microsoft.com/office/drawing/2010/main" xmlns="">
+                <a14:hiddenEffects xmlns="" xmlns:a14="http://schemas.microsoft.com/office/drawing/2010/main">
                   <a:effectLst>
                     <a:outerShdw blurRad="63500" dist="38099" dir="2700000" algn="ctr" rotWithShape="0">
                       <a:schemeClr val="bg2">
@@ -16087,12 +16087,12 @@
             <a:effectLst/>
             <a:extLst>
               <a:ext uri="{909E8E84-426E-40dd-AFC4-6F175D3DCCD1}">
-                <a14:hiddenFill xmlns:a14="http://schemas.microsoft.com/office/drawing/2010/main" xmlns="">
+                <a14:hiddenFill xmlns="" xmlns:a14="http://schemas.microsoft.com/office/drawing/2010/main">
                   <a:noFill/>
                 </a14:hiddenFill>
               </a:ext>
               <a:ext uri="{AF507438-7753-43e0-B8FC-AC1667EBCBE1}">
-                <a14:hiddenEffects xmlns:a14="http://schemas.microsoft.com/office/drawing/2010/main" xmlns="">
+                <a14:hiddenEffects xmlns="" xmlns:a14="http://schemas.microsoft.com/office/drawing/2010/main">
                   <a:effectLst>
                     <a:outerShdw blurRad="63500" dist="38099" dir="2700000" algn="ctr" rotWithShape="0">
                       <a:schemeClr val="bg2">
@@ -16140,12 +16140,12 @@
             <a:effectLst/>
             <a:extLst>
               <a:ext uri="{909E8E84-426E-40dd-AFC4-6F175D3DCCD1}">
-                <a14:hiddenFill xmlns:a14="http://schemas.microsoft.com/office/drawing/2010/main" xmlns="">
+                <a14:hiddenFill xmlns="" xmlns:a14="http://schemas.microsoft.com/office/drawing/2010/main">
                   <a:noFill/>
                 </a14:hiddenFill>
               </a:ext>
               <a:ext uri="{AF507438-7753-43e0-B8FC-AC1667EBCBE1}">
-                <a14:hiddenEffects xmlns:a14="http://schemas.microsoft.com/office/drawing/2010/main" xmlns="">
+                <a14:hiddenEffects xmlns="" xmlns:a14="http://schemas.microsoft.com/office/drawing/2010/main">
                   <a:effectLst>
                     <a:outerShdw blurRad="63500" dist="38099" dir="2700000" algn="ctr" rotWithShape="0">
                       <a:schemeClr val="bg2">
@@ -16193,12 +16193,12 @@
             <a:effectLst/>
             <a:extLst>
               <a:ext uri="{909E8E84-426E-40dd-AFC4-6F175D3DCCD1}">
-                <a14:hiddenFill xmlns:a14="http://schemas.microsoft.com/office/drawing/2010/main" xmlns="">
+                <a14:hiddenFill xmlns="" xmlns:a14="http://schemas.microsoft.com/office/drawing/2010/main">
                   <a:noFill/>
                 </a14:hiddenFill>
               </a:ext>
               <a:ext uri="{AF507438-7753-43e0-B8FC-AC1667EBCBE1}">
-                <a14:hiddenEffects xmlns:a14="http://schemas.microsoft.com/office/drawing/2010/main" xmlns="">
+                <a14:hiddenEffects xmlns="" xmlns:a14="http://schemas.microsoft.com/office/drawing/2010/main">
                   <a:effectLst>
                     <a:outerShdw blurRad="63500" dist="38099" dir="2700000" algn="ctr" rotWithShape="0">
                       <a:schemeClr val="bg2">
@@ -16241,14 +16241,14 @@
             <a:effectLst/>
             <a:extLst>
               <a:ext uri="{909E8E84-426E-40dd-AFC4-6F175D3DCCD1}">
-                <a14:hiddenFill xmlns:a14="http://schemas.microsoft.com/office/drawing/2010/main" xmlns="">
+                <a14:hiddenFill xmlns="" xmlns:a14="http://schemas.microsoft.com/office/drawing/2010/main">
                   <a:solidFill>
                     <a:schemeClr val="accent1"/>
                   </a:solidFill>
                 </a14:hiddenFill>
               </a:ext>
               <a:ext uri="{91240B29-F687-4f45-9708-019B960494DF}">
-                <a14:hiddenLine xmlns:a14="http://schemas.microsoft.com/office/drawing/2010/main" xmlns="" w="9525">
+                <a14:hiddenLine xmlns="" xmlns:a14="http://schemas.microsoft.com/office/drawing/2010/main" w="9525">
                   <a:solidFill>
                     <a:schemeClr val="tx1"/>
                   </a:solidFill>
@@ -16258,7 +16258,7 @@
                 </a14:hiddenLine>
               </a:ext>
               <a:ext uri="{AF507438-7753-43e0-B8FC-AC1667EBCBE1}">
-                <a14:hiddenEffects xmlns:a14="http://schemas.microsoft.com/office/drawing/2010/main" xmlns="">
+                <a14:hiddenEffects xmlns="" xmlns:a14="http://schemas.microsoft.com/office/drawing/2010/main">
                   <a:effectLst>
                     <a:outerShdw blurRad="63500" dist="38099" dir="2700000" algn="ctr" rotWithShape="0">
                       <a:schemeClr val="bg2">
@@ -16306,14 +16306,14 @@
             <a:effectLst/>
             <a:extLst>
               <a:ext uri="{909E8E84-426E-40dd-AFC4-6F175D3DCCD1}">
-                <a14:hiddenFill xmlns:a14="http://schemas.microsoft.com/office/drawing/2010/main" xmlns="">
+                <a14:hiddenFill xmlns="" xmlns:a14="http://schemas.microsoft.com/office/drawing/2010/main">
                   <a:solidFill>
                     <a:schemeClr val="accent1"/>
                   </a:solidFill>
                 </a14:hiddenFill>
               </a:ext>
               <a:ext uri="{91240B29-F687-4f45-9708-019B960494DF}">
-                <a14:hiddenLine xmlns:a14="http://schemas.microsoft.com/office/drawing/2010/main" xmlns="" w="9525">
+                <a14:hiddenLine xmlns="" xmlns:a14="http://schemas.microsoft.com/office/drawing/2010/main" w="9525">
                   <a:solidFill>
                     <a:schemeClr val="tx1"/>
                   </a:solidFill>
@@ -16323,7 +16323,7 @@
                 </a14:hiddenLine>
               </a:ext>
               <a:ext uri="{AF507438-7753-43e0-B8FC-AC1667EBCBE1}">
-                <a14:hiddenEffects xmlns:a14="http://schemas.microsoft.com/office/drawing/2010/main" xmlns="">
+                <a14:hiddenEffects xmlns="" xmlns:a14="http://schemas.microsoft.com/office/drawing/2010/main">
                   <a:effectLst>
                     <a:outerShdw blurRad="63500" dist="38099" dir="2700000" algn="ctr" rotWithShape="0">
                       <a:schemeClr val="bg2">
@@ -16371,14 +16371,14 @@
             <a:effectLst/>
             <a:extLst>
               <a:ext uri="{909E8E84-426E-40dd-AFC4-6F175D3DCCD1}">
-                <a14:hiddenFill xmlns:a14="http://schemas.microsoft.com/office/drawing/2010/main" xmlns="">
+                <a14:hiddenFill xmlns="" xmlns:a14="http://schemas.microsoft.com/office/drawing/2010/main">
                   <a:solidFill>
                     <a:schemeClr val="accent1"/>
                   </a:solidFill>
                 </a14:hiddenFill>
               </a:ext>
               <a:ext uri="{91240B29-F687-4f45-9708-019B960494DF}">
-                <a14:hiddenLine xmlns:a14="http://schemas.microsoft.com/office/drawing/2010/main" xmlns="" w="9525">
+                <a14:hiddenLine xmlns="" xmlns:a14="http://schemas.microsoft.com/office/drawing/2010/main" w="9525">
                   <a:solidFill>
                     <a:schemeClr val="tx1"/>
                   </a:solidFill>
@@ -16388,7 +16388,7 @@
                 </a14:hiddenLine>
               </a:ext>
               <a:ext uri="{AF507438-7753-43e0-B8FC-AC1667EBCBE1}">
-                <a14:hiddenEffects xmlns:a14="http://schemas.microsoft.com/office/drawing/2010/main" xmlns="">
+                <a14:hiddenEffects xmlns="" xmlns:a14="http://schemas.microsoft.com/office/drawing/2010/main">
                   <a:effectLst>
                     <a:outerShdw blurRad="63500" dist="38099" dir="2700000" algn="ctr" rotWithShape="0">
                       <a:schemeClr val="bg2">
@@ -16436,14 +16436,14 @@
             <a:effectLst/>
             <a:extLst>
               <a:ext uri="{909E8E84-426E-40dd-AFC4-6F175D3DCCD1}">
-                <a14:hiddenFill xmlns:a14="http://schemas.microsoft.com/office/drawing/2010/main" xmlns="">
+                <a14:hiddenFill xmlns="" xmlns:a14="http://schemas.microsoft.com/office/drawing/2010/main">
                   <a:solidFill>
                     <a:schemeClr val="accent1"/>
                   </a:solidFill>
                 </a14:hiddenFill>
               </a:ext>
               <a:ext uri="{91240B29-F687-4f45-9708-019B960494DF}">
-                <a14:hiddenLine xmlns:a14="http://schemas.microsoft.com/office/drawing/2010/main" xmlns="" w="9525">
+                <a14:hiddenLine xmlns="" xmlns:a14="http://schemas.microsoft.com/office/drawing/2010/main" w="9525">
                   <a:solidFill>
                     <a:schemeClr val="tx1"/>
                   </a:solidFill>
@@ -16453,7 +16453,7 @@
                 </a14:hiddenLine>
               </a:ext>
               <a:ext uri="{AF507438-7753-43e0-B8FC-AC1667EBCBE1}">
-                <a14:hiddenEffects xmlns:a14="http://schemas.microsoft.com/office/drawing/2010/main" xmlns="">
+                <a14:hiddenEffects xmlns="" xmlns:a14="http://schemas.microsoft.com/office/drawing/2010/main">
                   <a:effectLst>
                     <a:outerShdw blurRad="63500" dist="38099" dir="2700000" algn="ctr" rotWithShape="0">
                       <a:schemeClr val="bg2">
@@ -16501,14 +16501,14 @@
             <a:effectLst/>
             <a:extLst>
               <a:ext uri="{909E8E84-426E-40dd-AFC4-6F175D3DCCD1}">
-                <a14:hiddenFill xmlns:a14="http://schemas.microsoft.com/office/drawing/2010/main" xmlns="">
+                <a14:hiddenFill xmlns="" xmlns:a14="http://schemas.microsoft.com/office/drawing/2010/main">
                   <a:solidFill>
                     <a:schemeClr val="accent1"/>
                   </a:solidFill>
                 </a14:hiddenFill>
               </a:ext>
               <a:ext uri="{91240B29-F687-4f45-9708-019B960494DF}">
-                <a14:hiddenLine xmlns:a14="http://schemas.microsoft.com/office/drawing/2010/main" xmlns="" w="9525">
+                <a14:hiddenLine xmlns="" xmlns:a14="http://schemas.microsoft.com/office/drawing/2010/main" w="9525">
                   <a:solidFill>
                     <a:schemeClr val="tx1"/>
                   </a:solidFill>
@@ -16518,7 +16518,7 @@
                 </a14:hiddenLine>
               </a:ext>
               <a:ext uri="{AF507438-7753-43e0-B8FC-AC1667EBCBE1}">
-                <a14:hiddenEffects xmlns:a14="http://schemas.microsoft.com/office/drawing/2010/main" xmlns="">
+                <a14:hiddenEffects xmlns="" xmlns:a14="http://schemas.microsoft.com/office/drawing/2010/main">
                   <a:effectLst>
                     <a:outerShdw blurRad="63500" dist="38099" dir="2700000" algn="ctr" rotWithShape="0">
                       <a:schemeClr val="bg2">
@@ -16643,7 +16643,7 @@
           <a:effectLst/>
           <a:extLst>
             <a:ext uri="{AF507438-7753-43e0-B8FC-AC1667EBCBE1}">
-              <a14:hiddenEffects xmlns:a14="http://schemas.microsoft.com/office/drawing/2010/main" xmlns="">
+              <a14:hiddenEffects xmlns="" xmlns:a14="http://schemas.microsoft.com/office/drawing/2010/main">
                 <a:effectLst>
                   <a:outerShdw blurRad="63500" dist="38099" dir="2700000" algn="ctr" rotWithShape="0">
                     <a:schemeClr val="bg2">
@@ -16697,12 +16697,12 @@
           <a:effectLst/>
           <a:extLst>
             <a:ext uri="{909E8E84-426E-40dd-AFC4-6F175D3DCCD1}">
-              <a14:hiddenFill xmlns:a14="http://schemas.microsoft.com/office/drawing/2010/main" xmlns="">
+              <a14:hiddenFill xmlns="" xmlns:a14="http://schemas.microsoft.com/office/drawing/2010/main">
                 <a:noFill/>
               </a14:hiddenFill>
             </a:ext>
             <a:ext uri="{AF507438-7753-43e0-B8FC-AC1667EBCBE1}">
-              <a14:hiddenEffects xmlns:a14="http://schemas.microsoft.com/office/drawing/2010/main" xmlns="">
+              <a14:hiddenEffects xmlns="" xmlns:a14="http://schemas.microsoft.com/office/drawing/2010/main">
                 <a:effectLst>
                   <a:outerShdw blurRad="63500" dist="38099" dir="2700000" algn="ctr" rotWithShape="0">
                     <a:schemeClr val="bg2">
@@ -16745,14 +16745,14 @@
           <a:effectLst/>
           <a:extLst>
             <a:ext uri="{909E8E84-426E-40dd-AFC4-6F175D3DCCD1}">
-              <a14:hiddenFill xmlns:a14="http://schemas.microsoft.com/office/drawing/2010/main" xmlns="">
+              <a14:hiddenFill xmlns="" xmlns:a14="http://schemas.microsoft.com/office/drawing/2010/main">
                 <a:solidFill>
                   <a:schemeClr val="accent1"/>
                 </a:solidFill>
               </a14:hiddenFill>
             </a:ext>
             <a:ext uri="{91240B29-F687-4f45-9708-019B960494DF}">
-              <a14:hiddenLine xmlns:a14="http://schemas.microsoft.com/office/drawing/2010/main" xmlns="" w="9525">
+              <a14:hiddenLine xmlns="" xmlns:a14="http://schemas.microsoft.com/office/drawing/2010/main" w="9525">
                 <a:solidFill>
                   <a:schemeClr val="tx1"/>
                 </a:solidFill>
@@ -16762,7 +16762,7 @@
               </a14:hiddenLine>
             </a:ext>
             <a:ext uri="{AF507438-7753-43e0-B8FC-AC1667EBCBE1}">
-              <a14:hiddenEffects xmlns:a14="http://schemas.microsoft.com/office/drawing/2010/main" xmlns="">
+              <a14:hiddenEffects xmlns="" xmlns:a14="http://schemas.microsoft.com/office/drawing/2010/main">
                 <a:effectLst>
                   <a:outerShdw blurRad="63500" dist="38099" dir="2700000" algn="ctr" rotWithShape="0">
                     <a:schemeClr val="bg2">
@@ -16812,14 +16812,14 @@
           <a:effectLst/>
           <a:extLst>
             <a:ext uri="{909E8E84-426E-40dd-AFC4-6F175D3DCCD1}">
-              <a14:hiddenFill xmlns:a14="http://schemas.microsoft.com/office/drawing/2010/main" xmlns="">
+              <a14:hiddenFill xmlns="" xmlns:a14="http://schemas.microsoft.com/office/drawing/2010/main">
                 <a:solidFill>
                   <a:schemeClr val="accent1"/>
                 </a:solidFill>
               </a14:hiddenFill>
             </a:ext>
             <a:ext uri="{91240B29-F687-4f45-9708-019B960494DF}">
-              <a14:hiddenLine xmlns:a14="http://schemas.microsoft.com/office/drawing/2010/main" xmlns="" w="9525">
+              <a14:hiddenLine xmlns="" xmlns:a14="http://schemas.microsoft.com/office/drawing/2010/main" w="9525">
                 <a:solidFill>
                   <a:schemeClr val="tx1"/>
                 </a:solidFill>
@@ -16829,7 +16829,7 @@
               </a14:hiddenLine>
             </a:ext>
             <a:ext uri="{AF507438-7753-43e0-B8FC-AC1667EBCBE1}">
-              <a14:hiddenEffects xmlns:a14="http://schemas.microsoft.com/office/drawing/2010/main" xmlns="">
+              <a14:hiddenEffects xmlns="" xmlns:a14="http://schemas.microsoft.com/office/drawing/2010/main">
                 <a:effectLst>
                   <a:outerShdw blurRad="63500" dist="38099" dir="2700000" algn="ctr" rotWithShape="0">
                     <a:schemeClr val="bg2">
@@ -16884,12 +16884,12 @@
           <a:effectLst/>
           <a:extLst>
             <a:ext uri="{909E8E84-426E-40dd-AFC4-6F175D3DCCD1}">
-              <a14:hiddenFill xmlns:a14="http://schemas.microsoft.com/office/drawing/2010/main" xmlns="">
+              <a14:hiddenFill xmlns="" xmlns:a14="http://schemas.microsoft.com/office/drawing/2010/main">
                 <a:noFill/>
               </a14:hiddenFill>
             </a:ext>
             <a:ext uri="{AF507438-7753-43e0-B8FC-AC1667EBCBE1}">
-              <a14:hiddenEffects xmlns:a14="http://schemas.microsoft.com/office/drawing/2010/main" xmlns="">
+              <a14:hiddenEffects xmlns="" xmlns:a14="http://schemas.microsoft.com/office/drawing/2010/main">
                 <a:effectLst>
                   <a:outerShdw blurRad="63500" dist="38099" dir="2700000" algn="ctr" rotWithShape="0">
                     <a:schemeClr val="bg2">
@@ -16932,14 +16932,14 @@
           <a:effectLst/>
           <a:extLst>
             <a:ext uri="{909E8E84-426E-40dd-AFC4-6F175D3DCCD1}">
-              <a14:hiddenFill xmlns:a14="http://schemas.microsoft.com/office/drawing/2010/main" xmlns="">
+              <a14:hiddenFill xmlns="" xmlns:a14="http://schemas.microsoft.com/office/drawing/2010/main">
                 <a:solidFill>
                   <a:schemeClr val="accent1"/>
                 </a:solidFill>
               </a14:hiddenFill>
             </a:ext>
             <a:ext uri="{91240B29-F687-4f45-9708-019B960494DF}">
-              <a14:hiddenLine xmlns:a14="http://schemas.microsoft.com/office/drawing/2010/main" xmlns="" w="9525">
+              <a14:hiddenLine xmlns="" xmlns:a14="http://schemas.microsoft.com/office/drawing/2010/main" w="9525">
                 <a:solidFill>
                   <a:schemeClr val="tx1"/>
                 </a:solidFill>
@@ -16949,7 +16949,7 @@
               </a14:hiddenLine>
             </a:ext>
             <a:ext uri="{AF507438-7753-43e0-B8FC-AC1667EBCBE1}">
-              <a14:hiddenEffects xmlns:a14="http://schemas.microsoft.com/office/drawing/2010/main" xmlns="">
+              <a14:hiddenEffects xmlns="" xmlns:a14="http://schemas.microsoft.com/office/drawing/2010/main">
                 <a:effectLst>
                   <a:outerShdw blurRad="63500" dist="38099" dir="2700000" algn="ctr" rotWithShape="0">
                     <a:schemeClr val="bg2">
@@ -17006,14 +17006,14 @@
           <a:effectLst/>
           <a:extLst>
             <a:ext uri="{909E8E84-426E-40dd-AFC4-6F175D3DCCD1}">
-              <a14:hiddenFill xmlns:a14="http://schemas.microsoft.com/office/drawing/2010/main" xmlns="">
+              <a14:hiddenFill xmlns="" xmlns:a14="http://schemas.microsoft.com/office/drawing/2010/main">
                 <a:solidFill>
                   <a:schemeClr val="accent1"/>
                 </a:solidFill>
               </a14:hiddenFill>
             </a:ext>
             <a:ext uri="{91240B29-F687-4f45-9708-019B960494DF}">
-              <a14:hiddenLine xmlns:a14="http://schemas.microsoft.com/office/drawing/2010/main" xmlns="" w="9525">
+              <a14:hiddenLine xmlns="" xmlns:a14="http://schemas.microsoft.com/office/drawing/2010/main" w="9525">
                 <a:solidFill>
                   <a:schemeClr val="tx1"/>
                 </a:solidFill>
@@ -17023,7 +17023,7 @@
               </a14:hiddenLine>
             </a:ext>
             <a:ext uri="{AF507438-7753-43e0-B8FC-AC1667EBCBE1}">
-              <a14:hiddenEffects xmlns:a14="http://schemas.microsoft.com/office/drawing/2010/main" xmlns="">
+              <a14:hiddenEffects xmlns="" xmlns:a14="http://schemas.microsoft.com/office/drawing/2010/main">
                 <a:effectLst>
                   <a:outerShdw blurRad="63500" dist="38099" dir="2700000" algn="ctr" rotWithShape="0">
                     <a:schemeClr val="bg2">
@@ -17168,7 +17168,7 @@
           <a:effectLst/>
           <a:extLst>
             <a:ext uri="{AF507438-7753-43e0-B8FC-AC1667EBCBE1}">
-              <a14:hiddenEffects xmlns:a14="http://schemas.microsoft.com/office/drawing/2010/main" xmlns="">
+              <a14:hiddenEffects xmlns="" xmlns:a14="http://schemas.microsoft.com/office/drawing/2010/main">
                 <a:effectLst>
                   <a:outerShdw blurRad="63500" dist="38099" dir="2700000" algn="ctr" rotWithShape="0">
                     <a:schemeClr val="bg2">
@@ -17227,7 +17227,7 @@
           <a:effectLst/>
           <a:extLst>
             <a:ext uri="{AF507438-7753-43e0-B8FC-AC1667EBCBE1}">
-              <a14:hiddenEffects xmlns:a14="http://schemas.microsoft.com/office/drawing/2010/main" xmlns="">
+              <a14:hiddenEffects xmlns="" xmlns:a14="http://schemas.microsoft.com/office/drawing/2010/main">
                 <a:effectLst>
                   <a:outerShdw blurRad="63500" dist="38099" dir="2700000" algn="ctr" rotWithShape="0">
                     <a:schemeClr val="bg2">
@@ -17283,7 +17283,7 @@
           <a:effectLst/>
           <a:extLst>
             <a:ext uri="{AF507438-7753-43e0-B8FC-AC1667EBCBE1}">
-              <a14:hiddenEffects xmlns:a14="http://schemas.microsoft.com/office/drawing/2010/main" xmlns="">
+              <a14:hiddenEffects xmlns="" xmlns:a14="http://schemas.microsoft.com/office/drawing/2010/main">
                 <a:effectLst>
                   <a:outerShdw blurRad="63500" dist="38099" dir="2700000" algn="ctr" rotWithShape="0">
                     <a:schemeClr val="bg2">
@@ -17339,12 +17339,12 @@
           <a:effectLst/>
           <a:extLst>
             <a:ext uri="{909E8E84-426E-40dd-AFC4-6F175D3DCCD1}">
-              <a14:hiddenFill xmlns:a14="http://schemas.microsoft.com/office/drawing/2010/main" xmlns="">
+              <a14:hiddenFill xmlns="" xmlns:a14="http://schemas.microsoft.com/office/drawing/2010/main">
                 <a:noFill/>
               </a14:hiddenFill>
             </a:ext>
             <a:ext uri="{AF507438-7753-43e0-B8FC-AC1667EBCBE1}">
-              <a14:hiddenEffects xmlns:a14="http://schemas.microsoft.com/office/drawing/2010/main" xmlns="">
+              <a14:hiddenEffects xmlns="" xmlns:a14="http://schemas.microsoft.com/office/drawing/2010/main">
                 <a:effectLst>
                   <a:outerShdw blurRad="63500" dist="38099" dir="2700000" algn="ctr" rotWithShape="0">
                     <a:schemeClr val="bg2">
@@ -17387,14 +17387,14 @@
           <a:effectLst/>
           <a:extLst>
             <a:ext uri="{909E8E84-426E-40dd-AFC4-6F175D3DCCD1}">
-              <a14:hiddenFill xmlns:a14="http://schemas.microsoft.com/office/drawing/2010/main" xmlns="">
+              <a14:hiddenFill xmlns="" xmlns:a14="http://schemas.microsoft.com/office/drawing/2010/main">
                 <a:solidFill>
                   <a:schemeClr val="accent1"/>
                 </a:solidFill>
               </a14:hiddenFill>
             </a:ext>
             <a:ext uri="{91240B29-F687-4f45-9708-019B960494DF}">
-              <a14:hiddenLine xmlns:a14="http://schemas.microsoft.com/office/drawing/2010/main" xmlns="" w="9525">
+              <a14:hiddenLine xmlns="" xmlns:a14="http://schemas.microsoft.com/office/drawing/2010/main" w="9525">
                 <a:solidFill>
                   <a:schemeClr val="tx1"/>
                 </a:solidFill>
@@ -17404,7 +17404,7 @@
               </a14:hiddenLine>
             </a:ext>
             <a:ext uri="{AF507438-7753-43e0-B8FC-AC1667EBCBE1}">
-              <a14:hiddenEffects xmlns:a14="http://schemas.microsoft.com/office/drawing/2010/main" xmlns="">
+              <a14:hiddenEffects xmlns="" xmlns:a14="http://schemas.microsoft.com/office/drawing/2010/main">
                 <a:effectLst>
                   <a:outerShdw blurRad="63500" dist="38099" dir="2700000" algn="ctr" rotWithShape="0">
                     <a:schemeClr val="bg2">
@@ -17454,14 +17454,14 @@
           <a:effectLst/>
           <a:extLst>
             <a:ext uri="{909E8E84-426E-40dd-AFC4-6F175D3DCCD1}">
-              <a14:hiddenFill xmlns:a14="http://schemas.microsoft.com/office/drawing/2010/main" xmlns="">
+              <a14:hiddenFill xmlns="" xmlns:a14="http://schemas.microsoft.com/office/drawing/2010/main">
                 <a:solidFill>
                   <a:schemeClr val="accent1"/>
                 </a:solidFill>
               </a14:hiddenFill>
             </a:ext>
             <a:ext uri="{91240B29-F687-4f45-9708-019B960494DF}">
-              <a14:hiddenLine xmlns:a14="http://schemas.microsoft.com/office/drawing/2010/main" xmlns="" w="9525">
+              <a14:hiddenLine xmlns="" xmlns:a14="http://schemas.microsoft.com/office/drawing/2010/main" w="9525">
                 <a:solidFill>
                   <a:schemeClr val="tx1"/>
                 </a:solidFill>
@@ -17471,7 +17471,7 @@
               </a14:hiddenLine>
             </a:ext>
             <a:ext uri="{AF507438-7753-43e0-B8FC-AC1667EBCBE1}">
-              <a14:hiddenEffects xmlns:a14="http://schemas.microsoft.com/office/drawing/2010/main" xmlns="">
+              <a14:hiddenEffects xmlns="" xmlns:a14="http://schemas.microsoft.com/office/drawing/2010/main">
                 <a:effectLst>
                   <a:outerShdw blurRad="63500" dist="38099" dir="2700000" algn="ctr" rotWithShape="0">
                     <a:schemeClr val="bg2">
@@ -17526,12 +17526,12 @@
           <a:effectLst/>
           <a:extLst>
             <a:ext uri="{909E8E84-426E-40dd-AFC4-6F175D3DCCD1}">
-              <a14:hiddenFill xmlns:a14="http://schemas.microsoft.com/office/drawing/2010/main" xmlns="">
+              <a14:hiddenFill xmlns="" xmlns:a14="http://schemas.microsoft.com/office/drawing/2010/main">
                 <a:noFill/>
               </a14:hiddenFill>
             </a:ext>
             <a:ext uri="{AF507438-7753-43e0-B8FC-AC1667EBCBE1}">
-              <a14:hiddenEffects xmlns:a14="http://schemas.microsoft.com/office/drawing/2010/main" xmlns="">
+              <a14:hiddenEffects xmlns="" xmlns:a14="http://schemas.microsoft.com/office/drawing/2010/main">
                 <a:effectLst>
                   <a:outerShdw blurRad="63500" dist="38099" dir="2700000" algn="ctr" rotWithShape="0">
                     <a:schemeClr val="bg2">
@@ -17579,12 +17579,12 @@
           <a:effectLst/>
           <a:extLst>
             <a:ext uri="{909E8E84-426E-40dd-AFC4-6F175D3DCCD1}">
-              <a14:hiddenFill xmlns:a14="http://schemas.microsoft.com/office/drawing/2010/main" xmlns="">
+              <a14:hiddenFill xmlns="" xmlns:a14="http://schemas.microsoft.com/office/drawing/2010/main">
                 <a:noFill/>
               </a14:hiddenFill>
             </a:ext>
             <a:ext uri="{AF507438-7753-43e0-B8FC-AC1667EBCBE1}">
-              <a14:hiddenEffects xmlns:a14="http://schemas.microsoft.com/office/drawing/2010/main" xmlns="">
+              <a14:hiddenEffects xmlns="" xmlns:a14="http://schemas.microsoft.com/office/drawing/2010/main">
                 <a:effectLst>
                   <a:outerShdw blurRad="63500" dist="38099" dir="2700000" algn="ctr" rotWithShape="0">
                     <a:schemeClr val="bg2">
@@ -17627,14 +17627,14 @@
           <a:effectLst/>
           <a:extLst>
             <a:ext uri="{909E8E84-426E-40dd-AFC4-6F175D3DCCD1}">
-              <a14:hiddenFill xmlns:a14="http://schemas.microsoft.com/office/drawing/2010/main" xmlns="">
+              <a14:hiddenFill xmlns="" xmlns:a14="http://schemas.microsoft.com/office/drawing/2010/main">
                 <a:solidFill>
                   <a:schemeClr val="accent1"/>
                 </a:solidFill>
               </a14:hiddenFill>
             </a:ext>
             <a:ext uri="{91240B29-F687-4f45-9708-019B960494DF}">
-              <a14:hiddenLine xmlns:a14="http://schemas.microsoft.com/office/drawing/2010/main" xmlns="" w="9525">
+              <a14:hiddenLine xmlns="" xmlns:a14="http://schemas.microsoft.com/office/drawing/2010/main" w="9525">
                 <a:solidFill>
                   <a:schemeClr val="tx1"/>
                 </a:solidFill>
@@ -17644,7 +17644,7 @@
               </a14:hiddenLine>
             </a:ext>
             <a:ext uri="{AF507438-7753-43e0-B8FC-AC1667EBCBE1}">
-              <a14:hiddenEffects xmlns:a14="http://schemas.microsoft.com/office/drawing/2010/main" xmlns="">
+              <a14:hiddenEffects xmlns="" xmlns:a14="http://schemas.microsoft.com/office/drawing/2010/main">
                 <a:effectLst>
                   <a:outerShdw blurRad="63500" dist="38099" dir="2700000" algn="ctr" rotWithShape="0">
                     <a:schemeClr val="bg2">
@@ -17700,14 +17700,14 @@
           <a:effectLst/>
           <a:extLst>
             <a:ext uri="{909E8E84-426E-40dd-AFC4-6F175D3DCCD1}">
-              <a14:hiddenFill xmlns:a14="http://schemas.microsoft.com/office/drawing/2010/main" xmlns="">
+              <a14:hiddenFill xmlns="" xmlns:a14="http://schemas.microsoft.com/office/drawing/2010/main">
                 <a:solidFill>
                   <a:schemeClr val="accent1"/>
                 </a:solidFill>
               </a14:hiddenFill>
             </a:ext>
             <a:ext uri="{91240B29-F687-4f45-9708-019B960494DF}">
-              <a14:hiddenLine xmlns:a14="http://schemas.microsoft.com/office/drawing/2010/main" xmlns="" w="9525">
+              <a14:hiddenLine xmlns="" xmlns:a14="http://schemas.microsoft.com/office/drawing/2010/main" w="9525">
                 <a:solidFill>
                   <a:schemeClr val="tx1"/>
                 </a:solidFill>
@@ -17717,7 +17717,7 @@
               </a14:hiddenLine>
             </a:ext>
             <a:ext uri="{AF507438-7753-43e0-B8FC-AC1667EBCBE1}">
-              <a14:hiddenEffects xmlns:a14="http://schemas.microsoft.com/office/drawing/2010/main" xmlns="">
+              <a14:hiddenEffects xmlns="" xmlns:a14="http://schemas.microsoft.com/office/drawing/2010/main">
                 <a:effectLst>
                   <a:outerShdw blurRad="63500" dist="38099" dir="2700000" algn="ctr" rotWithShape="0">
                     <a:schemeClr val="bg2">
@@ -17774,12 +17774,12 @@
           <a:effectLst/>
           <a:extLst>
             <a:ext uri="{909E8E84-426E-40dd-AFC4-6F175D3DCCD1}">
-              <a14:hiddenFill xmlns:a14="http://schemas.microsoft.com/office/drawing/2010/main" xmlns="">
+              <a14:hiddenFill xmlns="" xmlns:a14="http://schemas.microsoft.com/office/drawing/2010/main">
                 <a:noFill/>
               </a14:hiddenFill>
             </a:ext>
             <a:ext uri="{AF507438-7753-43e0-B8FC-AC1667EBCBE1}">
-              <a14:hiddenEffects xmlns:a14="http://schemas.microsoft.com/office/drawing/2010/main" xmlns="">
+              <a14:hiddenEffects xmlns="" xmlns:a14="http://schemas.microsoft.com/office/drawing/2010/main">
                 <a:effectLst>
                   <a:outerShdw blurRad="63500" dist="38099" dir="2700000" algn="ctr" rotWithShape="0">
                     <a:schemeClr val="bg2">
@@ -17829,7 +17829,7 @@
           <a:effectLst/>
           <a:extLst>
             <a:ext uri="{AF507438-7753-43e0-B8FC-AC1667EBCBE1}">
-              <a14:hiddenEffects xmlns:a14="http://schemas.microsoft.com/office/drawing/2010/main" xmlns="">
+              <a14:hiddenEffects xmlns="" xmlns:a14="http://schemas.microsoft.com/office/drawing/2010/main">
                 <a:effectLst>
                   <a:outerShdw blurRad="63500" dist="38099" dir="2700000" algn="ctr" rotWithShape="0">
                     <a:schemeClr val="bg2">
@@ -17878,14 +17878,14 @@
           <a:effectLst/>
           <a:extLst>
             <a:ext uri="{909E8E84-426E-40dd-AFC4-6F175D3DCCD1}">
-              <a14:hiddenFill xmlns:a14="http://schemas.microsoft.com/office/drawing/2010/main" xmlns="">
+              <a14:hiddenFill xmlns="" xmlns:a14="http://schemas.microsoft.com/office/drawing/2010/main">
                 <a:solidFill>
                   <a:schemeClr val="accent1"/>
                 </a:solidFill>
               </a14:hiddenFill>
             </a:ext>
             <a:ext uri="{91240B29-F687-4f45-9708-019B960494DF}">
-              <a14:hiddenLine xmlns:a14="http://schemas.microsoft.com/office/drawing/2010/main" xmlns="" w="9525">
+              <a14:hiddenLine xmlns="" xmlns:a14="http://schemas.microsoft.com/office/drawing/2010/main" w="9525">
                 <a:solidFill>
                   <a:schemeClr val="tx1"/>
                 </a:solidFill>
@@ -17895,7 +17895,7 @@
               </a14:hiddenLine>
             </a:ext>
             <a:ext uri="{AF507438-7753-43e0-B8FC-AC1667EBCBE1}">
-              <a14:hiddenEffects xmlns:a14="http://schemas.microsoft.com/office/drawing/2010/main" xmlns="">
+              <a14:hiddenEffects xmlns="" xmlns:a14="http://schemas.microsoft.com/office/drawing/2010/main">
                 <a:effectLst>
                   <a:outerShdw blurRad="63500" dist="38099" dir="2700000" algn="ctr" rotWithShape="0">
                     <a:schemeClr val="bg2">
@@ -18094,7 +18094,7 @@
           <a:effectLst/>
           <a:extLst>
             <a:ext uri="{AF507438-7753-43e0-B8FC-AC1667EBCBE1}">
-              <a14:hiddenEffects xmlns:a14="http://schemas.microsoft.com/office/drawing/2010/main" xmlns="">
+              <a14:hiddenEffects xmlns="" xmlns:a14="http://schemas.microsoft.com/office/drawing/2010/main">
                 <a:effectLst>
                   <a:outerShdw blurRad="63500" dist="38099" dir="2700000" algn="ctr" rotWithShape="0">
                     <a:schemeClr val="bg2">
@@ -18153,7 +18153,7 @@
           <a:effectLst/>
           <a:extLst>
             <a:ext uri="{AF507438-7753-43e0-B8FC-AC1667EBCBE1}">
-              <a14:hiddenEffects xmlns:a14="http://schemas.microsoft.com/office/drawing/2010/main" xmlns="">
+              <a14:hiddenEffects xmlns="" xmlns:a14="http://schemas.microsoft.com/office/drawing/2010/main">
                 <a:effectLst>
                   <a:outerShdw blurRad="63500" dist="38099" dir="2700000" algn="ctr" rotWithShape="0">
                     <a:schemeClr val="bg2">
@@ -18209,7 +18209,7 @@
           <a:effectLst/>
           <a:extLst>
             <a:ext uri="{AF507438-7753-43e0-B8FC-AC1667EBCBE1}">
-              <a14:hiddenEffects xmlns:a14="http://schemas.microsoft.com/office/drawing/2010/main" xmlns="">
+              <a14:hiddenEffects xmlns="" xmlns:a14="http://schemas.microsoft.com/office/drawing/2010/main">
                 <a:effectLst>
                   <a:outerShdw blurRad="63500" dist="38099" dir="2700000" algn="ctr" rotWithShape="0">
                     <a:schemeClr val="bg2">
@@ -18265,12 +18265,12 @@
           <a:effectLst/>
           <a:extLst>
             <a:ext uri="{909E8E84-426E-40dd-AFC4-6F175D3DCCD1}">
-              <a14:hiddenFill xmlns:a14="http://schemas.microsoft.com/office/drawing/2010/main" xmlns="">
+              <a14:hiddenFill xmlns="" xmlns:a14="http://schemas.microsoft.com/office/drawing/2010/main">
                 <a:noFill/>
               </a14:hiddenFill>
             </a:ext>
             <a:ext uri="{AF507438-7753-43e0-B8FC-AC1667EBCBE1}">
-              <a14:hiddenEffects xmlns:a14="http://schemas.microsoft.com/office/drawing/2010/main" xmlns="">
+              <a14:hiddenEffects xmlns="" xmlns:a14="http://schemas.microsoft.com/office/drawing/2010/main">
                 <a:effectLst>
                   <a:outerShdw blurRad="63500" dist="38099" dir="2700000" algn="ctr" rotWithShape="0">
                     <a:schemeClr val="bg2">
@@ -18313,14 +18313,14 @@
           <a:effectLst/>
           <a:extLst>
             <a:ext uri="{909E8E84-426E-40dd-AFC4-6F175D3DCCD1}">
-              <a14:hiddenFill xmlns:a14="http://schemas.microsoft.com/office/drawing/2010/main" xmlns="">
+              <a14:hiddenFill xmlns="" xmlns:a14="http://schemas.microsoft.com/office/drawing/2010/main">
                 <a:solidFill>
                   <a:schemeClr val="accent1"/>
                 </a:solidFill>
               </a14:hiddenFill>
             </a:ext>
             <a:ext uri="{91240B29-F687-4f45-9708-019B960494DF}">
-              <a14:hiddenLine xmlns:a14="http://schemas.microsoft.com/office/drawing/2010/main" xmlns="" w="9525">
+              <a14:hiddenLine xmlns="" xmlns:a14="http://schemas.microsoft.com/office/drawing/2010/main" w="9525">
                 <a:solidFill>
                   <a:schemeClr val="tx1"/>
                 </a:solidFill>
@@ -18330,7 +18330,7 @@
               </a14:hiddenLine>
             </a:ext>
             <a:ext uri="{AF507438-7753-43e0-B8FC-AC1667EBCBE1}">
-              <a14:hiddenEffects xmlns:a14="http://schemas.microsoft.com/office/drawing/2010/main" xmlns="">
+              <a14:hiddenEffects xmlns="" xmlns:a14="http://schemas.microsoft.com/office/drawing/2010/main">
                 <a:effectLst>
                   <a:outerShdw blurRad="63500" dist="38099" dir="2700000" algn="ctr" rotWithShape="0">
                     <a:schemeClr val="bg2">
@@ -18380,14 +18380,14 @@
           <a:effectLst/>
           <a:extLst>
             <a:ext uri="{909E8E84-426E-40dd-AFC4-6F175D3DCCD1}">
-              <a14:hiddenFill xmlns:a14="http://schemas.microsoft.com/office/drawing/2010/main" xmlns="">
+              <a14:hiddenFill xmlns="" xmlns:a14="http://schemas.microsoft.com/office/drawing/2010/main">
                 <a:solidFill>
                   <a:schemeClr val="accent1"/>
                 </a:solidFill>
               </a14:hiddenFill>
             </a:ext>
             <a:ext uri="{91240B29-F687-4f45-9708-019B960494DF}">
-              <a14:hiddenLine xmlns:a14="http://schemas.microsoft.com/office/drawing/2010/main" xmlns="" w="9525">
+              <a14:hiddenLine xmlns="" xmlns:a14="http://schemas.microsoft.com/office/drawing/2010/main" w="9525">
                 <a:solidFill>
                   <a:schemeClr val="tx1"/>
                 </a:solidFill>
@@ -18397,7 +18397,7 @@
               </a14:hiddenLine>
             </a:ext>
             <a:ext uri="{AF507438-7753-43e0-B8FC-AC1667EBCBE1}">
-              <a14:hiddenEffects xmlns:a14="http://schemas.microsoft.com/office/drawing/2010/main" xmlns="">
+              <a14:hiddenEffects xmlns="" xmlns:a14="http://schemas.microsoft.com/office/drawing/2010/main">
                 <a:effectLst>
                   <a:outerShdw blurRad="63500" dist="38099" dir="2700000" algn="ctr" rotWithShape="0">
                     <a:schemeClr val="bg2">
@@ -18452,12 +18452,12 @@
           <a:effectLst/>
           <a:extLst>
             <a:ext uri="{909E8E84-426E-40dd-AFC4-6F175D3DCCD1}">
-              <a14:hiddenFill xmlns:a14="http://schemas.microsoft.com/office/drawing/2010/main" xmlns="">
+              <a14:hiddenFill xmlns="" xmlns:a14="http://schemas.microsoft.com/office/drawing/2010/main">
                 <a:noFill/>
               </a14:hiddenFill>
             </a:ext>
             <a:ext uri="{AF507438-7753-43e0-B8FC-AC1667EBCBE1}">
-              <a14:hiddenEffects xmlns:a14="http://schemas.microsoft.com/office/drawing/2010/main" xmlns="">
+              <a14:hiddenEffects xmlns="" xmlns:a14="http://schemas.microsoft.com/office/drawing/2010/main">
                 <a:effectLst>
                   <a:outerShdw blurRad="63500" dist="38099" dir="2700000" algn="ctr" rotWithShape="0">
                     <a:schemeClr val="bg2">
@@ -18505,12 +18505,12 @@
           <a:effectLst/>
           <a:extLst>
             <a:ext uri="{909E8E84-426E-40dd-AFC4-6F175D3DCCD1}">
-              <a14:hiddenFill xmlns:a14="http://schemas.microsoft.com/office/drawing/2010/main" xmlns="">
+              <a14:hiddenFill xmlns="" xmlns:a14="http://schemas.microsoft.com/office/drawing/2010/main">
                 <a:noFill/>
               </a14:hiddenFill>
             </a:ext>
             <a:ext uri="{AF507438-7753-43e0-B8FC-AC1667EBCBE1}">
-              <a14:hiddenEffects xmlns:a14="http://schemas.microsoft.com/office/drawing/2010/main" xmlns="">
+              <a14:hiddenEffects xmlns="" xmlns:a14="http://schemas.microsoft.com/office/drawing/2010/main">
                 <a:effectLst>
                   <a:outerShdw blurRad="63500" dist="38099" dir="2700000" algn="ctr" rotWithShape="0">
                     <a:schemeClr val="bg2">
@@ -18553,14 +18553,14 @@
           <a:effectLst/>
           <a:extLst>
             <a:ext uri="{909E8E84-426E-40dd-AFC4-6F175D3DCCD1}">
-              <a14:hiddenFill xmlns:a14="http://schemas.microsoft.com/office/drawing/2010/main" xmlns="">
+              <a14:hiddenFill xmlns="" xmlns:a14="http://schemas.microsoft.com/office/drawing/2010/main">
                 <a:solidFill>
                   <a:schemeClr val="accent1"/>
                 </a:solidFill>
               </a14:hiddenFill>
             </a:ext>
             <a:ext uri="{91240B29-F687-4f45-9708-019B960494DF}">
-              <a14:hiddenLine xmlns:a14="http://schemas.microsoft.com/office/drawing/2010/main" xmlns="" w="9525">
+              <a14:hiddenLine xmlns="" xmlns:a14="http://schemas.microsoft.com/office/drawing/2010/main" w="9525">
                 <a:solidFill>
                   <a:schemeClr val="tx1"/>
                 </a:solidFill>
@@ -18570,7 +18570,7 @@
               </a14:hiddenLine>
             </a:ext>
             <a:ext uri="{AF507438-7753-43e0-B8FC-AC1667EBCBE1}">
-              <a14:hiddenEffects xmlns:a14="http://schemas.microsoft.com/office/drawing/2010/main" xmlns="">
+              <a14:hiddenEffects xmlns="" xmlns:a14="http://schemas.microsoft.com/office/drawing/2010/main">
                 <a:effectLst>
                   <a:outerShdw blurRad="63500" dist="38099" dir="2700000" algn="ctr" rotWithShape="0">
                     <a:schemeClr val="bg2">
@@ -18626,14 +18626,14 @@
           <a:effectLst/>
           <a:extLst>
             <a:ext uri="{909E8E84-426E-40dd-AFC4-6F175D3DCCD1}">
-              <a14:hiddenFill xmlns:a14="http://schemas.microsoft.com/office/drawing/2010/main" xmlns="">
+              <a14:hiddenFill xmlns="" xmlns:a14="http://schemas.microsoft.com/office/drawing/2010/main">
                 <a:solidFill>
                   <a:schemeClr val="accent1"/>
                 </a:solidFill>
               </a14:hiddenFill>
             </a:ext>
             <a:ext uri="{91240B29-F687-4f45-9708-019B960494DF}">
-              <a14:hiddenLine xmlns:a14="http://schemas.microsoft.com/office/drawing/2010/main" xmlns="" w="9525">
+              <a14:hiddenLine xmlns="" xmlns:a14="http://schemas.microsoft.com/office/drawing/2010/main" w="9525">
                 <a:solidFill>
                   <a:schemeClr val="tx1"/>
                 </a:solidFill>
@@ -18643,7 +18643,7 @@
               </a14:hiddenLine>
             </a:ext>
             <a:ext uri="{AF507438-7753-43e0-B8FC-AC1667EBCBE1}">
-              <a14:hiddenEffects xmlns:a14="http://schemas.microsoft.com/office/drawing/2010/main" xmlns="">
+              <a14:hiddenEffects xmlns="" xmlns:a14="http://schemas.microsoft.com/office/drawing/2010/main">
                 <a:effectLst>
                   <a:outerShdw blurRad="63500" dist="38099" dir="2700000" algn="ctr" rotWithShape="0">
                     <a:schemeClr val="bg2">
@@ -18700,12 +18700,12 @@
           <a:effectLst/>
           <a:extLst>
             <a:ext uri="{909E8E84-426E-40dd-AFC4-6F175D3DCCD1}">
-              <a14:hiddenFill xmlns:a14="http://schemas.microsoft.com/office/drawing/2010/main" xmlns="">
+              <a14:hiddenFill xmlns="" xmlns:a14="http://schemas.microsoft.com/office/drawing/2010/main">
                 <a:noFill/>
               </a14:hiddenFill>
             </a:ext>
             <a:ext uri="{AF507438-7753-43e0-B8FC-AC1667EBCBE1}">
-              <a14:hiddenEffects xmlns:a14="http://schemas.microsoft.com/office/drawing/2010/main" xmlns="">
+              <a14:hiddenEffects xmlns="" xmlns:a14="http://schemas.microsoft.com/office/drawing/2010/main">
                 <a:effectLst>
                   <a:outerShdw blurRad="63500" dist="38099" dir="2700000" algn="ctr" rotWithShape="0">
                     <a:schemeClr val="bg2">
@@ -18755,7 +18755,7 @@
           <a:effectLst/>
           <a:extLst>
             <a:ext uri="{AF507438-7753-43e0-B8FC-AC1667EBCBE1}">
-              <a14:hiddenEffects xmlns:a14="http://schemas.microsoft.com/office/drawing/2010/main" xmlns="">
+              <a14:hiddenEffects xmlns="" xmlns:a14="http://schemas.microsoft.com/office/drawing/2010/main">
                 <a:effectLst>
                   <a:outerShdw blurRad="63500" dist="38099" dir="2700000" algn="ctr" rotWithShape="0">
                     <a:schemeClr val="bg2">
@@ -18804,14 +18804,14 @@
           <a:effectLst/>
           <a:extLst>
             <a:ext uri="{909E8E84-426E-40dd-AFC4-6F175D3DCCD1}">
-              <a14:hiddenFill xmlns:a14="http://schemas.microsoft.com/office/drawing/2010/main" xmlns="">
+              <a14:hiddenFill xmlns="" xmlns:a14="http://schemas.microsoft.com/office/drawing/2010/main">
                 <a:solidFill>
                   <a:schemeClr val="accent1"/>
                 </a:solidFill>
               </a14:hiddenFill>
             </a:ext>
             <a:ext uri="{91240B29-F687-4f45-9708-019B960494DF}">
-              <a14:hiddenLine xmlns:a14="http://schemas.microsoft.com/office/drawing/2010/main" xmlns="" w="9525">
+              <a14:hiddenLine xmlns="" xmlns:a14="http://schemas.microsoft.com/office/drawing/2010/main" w="9525">
                 <a:solidFill>
                   <a:schemeClr val="tx1"/>
                 </a:solidFill>
@@ -18821,7 +18821,7 @@
               </a14:hiddenLine>
             </a:ext>
             <a:ext uri="{AF507438-7753-43e0-B8FC-AC1667EBCBE1}">
-              <a14:hiddenEffects xmlns:a14="http://schemas.microsoft.com/office/drawing/2010/main" xmlns="">
+              <a14:hiddenEffects xmlns="" xmlns:a14="http://schemas.microsoft.com/office/drawing/2010/main">
                 <a:effectLst>
                   <a:outerShdw blurRad="63500" dist="38099" dir="2700000" algn="ctr" rotWithShape="0">
                     <a:schemeClr val="bg2">
@@ -19168,7 +19168,7 @@
           <a:effectLst/>
           <a:extLst>
             <a:ext uri="{AF507438-7753-43e0-B8FC-AC1667EBCBE1}">
-              <a14:hiddenEffects xmlns:a14="http://schemas.microsoft.com/office/drawing/2010/main" xmlns="">
+              <a14:hiddenEffects xmlns="" xmlns:a14="http://schemas.microsoft.com/office/drawing/2010/main">
                 <a:effectLst>
                   <a:outerShdw blurRad="63500" dist="38099" dir="2700000" algn="ctr" rotWithShape="0">
                     <a:schemeClr val="bg2">
@@ -19227,7 +19227,7 @@
           <a:effectLst/>
           <a:extLst>
             <a:ext uri="{AF507438-7753-43e0-B8FC-AC1667EBCBE1}">
-              <a14:hiddenEffects xmlns:a14="http://schemas.microsoft.com/office/drawing/2010/main" xmlns="">
+              <a14:hiddenEffects xmlns="" xmlns:a14="http://schemas.microsoft.com/office/drawing/2010/main">
                 <a:effectLst>
                   <a:outerShdw blurRad="63500" dist="38099" dir="2700000" algn="ctr" rotWithShape="0">
                     <a:schemeClr val="bg2">
@@ -19283,7 +19283,7 @@
           <a:effectLst/>
           <a:extLst>
             <a:ext uri="{AF507438-7753-43e0-B8FC-AC1667EBCBE1}">
-              <a14:hiddenEffects xmlns:a14="http://schemas.microsoft.com/office/drawing/2010/main" xmlns="">
+              <a14:hiddenEffects xmlns="" xmlns:a14="http://schemas.microsoft.com/office/drawing/2010/main">
                 <a:effectLst>
                   <a:outerShdw blurRad="63500" dist="38099" dir="2700000" algn="ctr" rotWithShape="0">
                     <a:schemeClr val="bg2">
@@ -19339,12 +19339,12 @@
           <a:effectLst/>
           <a:extLst>
             <a:ext uri="{909E8E84-426E-40dd-AFC4-6F175D3DCCD1}">
-              <a14:hiddenFill xmlns:a14="http://schemas.microsoft.com/office/drawing/2010/main" xmlns="">
+              <a14:hiddenFill xmlns="" xmlns:a14="http://schemas.microsoft.com/office/drawing/2010/main">
                 <a:noFill/>
               </a14:hiddenFill>
             </a:ext>
             <a:ext uri="{AF507438-7753-43e0-B8FC-AC1667EBCBE1}">
-              <a14:hiddenEffects xmlns:a14="http://schemas.microsoft.com/office/drawing/2010/main" xmlns="">
+              <a14:hiddenEffects xmlns="" xmlns:a14="http://schemas.microsoft.com/office/drawing/2010/main">
                 <a:effectLst>
                   <a:outerShdw blurRad="63500" dist="38099" dir="2700000" algn="ctr" rotWithShape="0">
                     <a:schemeClr val="bg2">
@@ -19387,14 +19387,14 @@
           <a:effectLst/>
           <a:extLst>
             <a:ext uri="{909E8E84-426E-40dd-AFC4-6F175D3DCCD1}">
-              <a14:hiddenFill xmlns:a14="http://schemas.microsoft.com/office/drawing/2010/main" xmlns="">
+              <a14:hiddenFill xmlns="" xmlns:a14="http://schemas.microsoft.com/office/drawing/2010/main">
                 <a:solidFill>
                   <a:schemeClr val="accent1"/>
                 </a:solidFill>
               </a14:hiddenFill>
             </a:ext>
             <a:ext uri="{91240B29-F687-4f45-9708-019B960494DF}">
-              <a14:hiddenLine xmlns:a14="http://schemas.microsoft.com/office/drawing/2010/main" xmlns="" w="9525">
+              <a14:hiddenLine xmlns="" xmlns:a14="http://schemas.microsoft.com/office/drawing/2010/main" w="9525">
                 <a:solidFill>
                   <a:schemeClr val="tx1"/>
                 </a:solidFill>
@@ -19404,7 +19404,7 @@
               </a14:hiddenLine>
             </a:ext>
             <a:ext uri="{AF507438-7753-43e0-B8FC-AC1667EBCBE1}">
-              <a14:hiddenEffects xmlns:a14="http://schemas.microsoft.com/office/drawing/2010/main" xmlns="">
+              <a14:hiddenEffects xmlns="" xmlns:a14="http://schemas.microsoft.com/office/drawing/2010/main">
                 <a:effectLst>
                   <a:outerShdw blurRad="63500" dist="38099" dir="2700000" algn="ctr" rotWithShape="0">
                     <a:schemeClr val="bg2">
@@ -19454,14 +19454,14 @@
           <a:effectLst/>
           <a:extLst>
             <a:ext uri="{909E8E84-426E-40dd-AFC4-6F175D3DCCD1}">
-              <a14:hiddenFill xmlns:a14="http://schemas.microsoft.com/office/drawing/2010/main" xmlns="">
+              <a14:hiddenFill xmlns="" xmlns:a14="http://schemas.microsoft.com/office/drawing/2010/main">
                 <a:solidFill>
                   <a:schemeClr val="accent1"/>
                 </a:solidFill>
               </a14:hiddenFill>
             </a:ext>
             <a:ext uri="{91240B29-F687-4f45-9708-019B960494DF}">
-              <a14:hiddenLine xmlns:a14="http://schemas.microsoft.com/office/drawing/2010/main" xmlns="" w="9525">
+              <a14:hiddenLine xmlns="" xmlns:a14="http://schemas.microsoft.com/office/drawing/2010/main" w="9525">
                 <a:solidFill>
                   <a:schemeClr val="tx1"/>
                 </a:solidFill>
@@ -19471,7 +19471,7 @@
               </a14:hiddenLine>
             </a:ext>
             <a:ext uri="{AF507438-7753-43e0-B8FC-AC1667EBCBE1}">
-              <a14:hiddenEffects xmlns:a14="http://schemas.microsoft.com/office/drawing/2010/main" xmlns="">
+              <a14:hiddenEffects xmlns="" xmlns:a14="http://schemas.microsoft.com/office/drawing/2010/main">
                 <a:effectLst>
                   <a:outerShdw blurRad="63500" dist="38099" dir="2700000" algn="ctr" rotWithShape="0">
                     <a:schemeClr val="bg2">
@@ -19526,12 +19526,12 @@
           <a:effectLst/>
           <a:extLst>
             <a:ext uri="{909E8E84-426E-40dd-AFC4-6F175D3DCCD1}">
-              <a14:hiddenFill xmlns:a14="http://schemas.microsoft.com/office/drawing/2010/main" xmlns="">
+              <a14:hiddenFill xmlns="" xmlns:a14="http://schemas.microsoft.com/office/drawing/2010/main">
                 <a:noFill/>
               </a14:hiddenFill>
             </a:ext>
             <a:ext uri="{AF507438-7753-43e0-B8FC-AC1667EBCBE1}">
-              <a14:hiddenEffects xmlns:a14="http://schemas.microsoft.com/office/drawing/2010/main" xmlns="">
+              <a14:hiddenEffects xmlns="" xmlns:a14="http://schemas.microsoft.com/office/drawing/2010/main">
                 <a:effectLst>
                   <a:outerShdw blurRad="63500" dist="38099" dir="2700000" algn="ctr" rotWithShape="0">
                     <a:schemeClr val="bg2">
@@ -19579,12 +19579,12 @@
           <a:effectLst/>
           <a:extLst>
             <a:ext uri="{909E8E84-426E-40dd-AFC4-6F175D3DCCD1}">
-              <a14:hiddenFill xmlns:a14="http://schemas.microsoft.com/office/drawing/2010/main" xmlns="">
+              <a14:hiddenFill xmlns="" xmlns:a14="http://schemas.microsoft.com/office/drawing/2010/main">
                 <a:noFill/>
               </a14:hiddenFill>
             </a:ext>
             <a:ext uri="{AF507438-7753-43e0-B8FC-AC1667EBCBE1}">
-              <a14:hiddenEffects xmlns:a14="http://schemas.microsoft.com/office/drawing/2010/main" xmlns="">
+              <a14:hiddenEffects xmlns="" xmlns:a14="http://schemas.microsoft.com/office/drawing/2010/main">
                 <a:effectLst>
                   <a:outerShdw blurRad="63500" dist="38099" dir="2700000" algn="ctr" rotWithShape="0">
                     <a:schemeClr val="bg2">
@@ -19627,14 +19627,14 @@
           <a:effectLst/>
           <a:extLst>
             <a:ext uri="{909E8E84-426E-40dd-AFC4-6F175D3DCCD1}">
-              <a14:hiddenFill xmlns:a14="http://schemas.microsoft.com/office/drawing/2010/main" xmlns="">
+              <a14:hiddenFill xmlns="" xmlns:a14="http://schemas.microsoft.com/office/drawing/2010/main">
                 <a:solidFill>
                   <a:schemeClr val="accent1"/>
                 </a:solidFill>
               </a14:hiddenFill>
             </a:ext>
             <a:ext uri="{91240B29-F687-4f45-9708-019B960494DF}">
-              <a14:hiddenLine xmlns:a14="http://schemas.microsoft.com/office/drawing/2010/main" xmlns="" w="9525">
+              <a14:hiddenLine xmlns="" xmlns:a14="http://schemas.microsoft.com/office/drawing/2010/main" w="9525">
                 <a:solidFill>
                   <a:schemeClr val="tx1"/>
                 </a:solidFill>
@@ -19644,7 +19644,7 @@
               </a14:hiddenLine>
             </a:ext>
             <a:ext uri="{AF507438-7753-43e0-B8FC-AC1667EBCBE1}">
-              <a14:hiddenEffects xmlns:a14="http://schemas.microsoft.com/office/drawing/2010/main" xmlns="">
+              <a14:hiddenEffects xmlns="" xmlns:a14="http://schemas.microsoft.com/office/drawing/2010/main">
                 <a:effectLst>
                   <a:outerShdw blurRad="63500" dist="38099" dir="2700000" algn="ctr" rotWithShape="0">
                     <a:schemeClr val="bg2">
@@ -19700,14 +19700,14 @@
           <a:effectLst/>
           <a:extLst>
             <a:ext uri="{909E8E84-426E-40dd-AFC4-6F175D3DCCD1}">
-              <a14:hiddenFill xmlns:a14="http://schemas.microsoft.com/office/drawing/2010/main" xmlns="">
+              <a14:hiddenFill xmlns="" xmlns:a14="http://schemas.microsoft.com/office/drawing/2010/main">
                 <a:solidFill>
                   <a:schemeClr val="accent1"/>
                 </a:solidFill>
               </a14:hiddenFill>
             </a:ext>
             <a:ext uri="{91240B29-F687-4f45-9708-019B960494DF}">
-              <a14:hiddenLine xmlns:a14="http://schemas.microsoft.com/office/drawing/2010/main" xmlns="" w="9525">
+              <a14:hiddenLine xmlns="" xmlns:a14="http://schemas.microsoft.com/office/drawing/2010/main" w="9525">
                 <a:solidFill>
                   <a:schemeClr val="tx1"/>
                 </a:solidFill>
@@ -19717,7 +19717,7 @@
               </a14:hiddenLine>
             </a:ext>
             <a:ext uri="{AF507438-7753-43e0-B8FC-AC1667EBCBE1}">
-              <a14:hiddenEffects xmlns:a14="http://schemas.microsoft.com/office/drawing/2010/main" xmlns="">
+              <a14:hiddenEffects xmlns="" xmlns:a14="http://schemas.microsoft.com/office/drawing/2010/main">
                 <a:effectLst>
                   <a:outerShdw blurRad="63500" dist="38099" dir="2700000" algn="ctr" rotWithShape="0">
                     <a:schemeClr val="bg2">
@@ -19774,12 +19774,12 @@
           <a:effectLst/>
           <a:extLst>
             <a:ext uri="{909E8E84-426E-40dd-AFC4-6F175D3DCCD1}">
-              <a14:hiddenFill xmlns:a14="http://schemas.microsoft.com/office/drawing/2010/main" xmlns="">
+              <a14:hiddenFill xmlns="" xmlns:a14="http://schemas.microsoft.com/office/drawing/2010/main">
                 <a:noFill/>
               </a14:hiddenFill>
             </a:ext>
             <a:ext uri="{AF507438-7753-43e0-B8FC-AC1667EBCBE1}">
-              <a14:hiddenEffects xmlns:a14="http://schemas.microsoft.com/office/drawing/2010/main" xmlns="">
+              <a14:hiddenEffects xmlns="" xmlns:a14="http://schemas.microsoft.com/office/drawing/2010/main">
                 <a:effectLst>
                   <a:outerShdw blurRad="63500" dist="38099" dir="2700000" algn="ctr" rotWithShape="0">
                     <a:schemeClr val="bg2">
@@ -19829,7 +19829,7 @@
           <a:effectLst/>
           <a:extLst>
             <a:ext uri="{AF507438-7753-43e0-B8FC-AC1667EBCBE1}">
-              <a14:hiddenEffects xmlns:a14="http://schemas.microsoft.com/office/drawing/2010/main" xmlns="">
+              <a14:hiddenEffects xmlns="" xmlns:a14="http://schemas.microsoft.com/office/drawing/2010/main">
                 <a:effectLst>
                   <a:outerShdw blurRad="63500" dist="38099" dir="2700000" algn="ctr" rotWithShape="0">
                     <a:schemeClr val="bg2">
@@ -19878,14 +19878,14 @@
           <a:effectLst/>
           <a:extLst>
             <a:ext uri="{909E8E84-426E-40dd-AFC4-6F175D3DCCD1}">
-              <a14:hiddenFill xmlns:a14="http://schemas.microsoft.com/office/drawing/2010/main" xmlns="">
+              <a14:hiddenFill xmlns="" xmlns:a14="http://schemas.microsoft.com/office/drawing/2010/main">
                 <a:solidFill>
                   <a:schemeClr val="accent1"/>
                 </a:solidFill>
               </a14:hiddenFill>
             </a:ext>
             <a:ext uri="{91240B29-F687-4f45-9708-019B960494DF}">
-              <a14:hiddenLine xmlns:a14="http://schemas.microsoft.com/office/drawing/2010/main" xmlns="" w="9525">
+              <a14:hiddenLine xmlns="" xmlns:a14="http://schemas.microsoft.com/office/drawing/2010/main" w="9525">
                 <a:solidFill>
                   <a:schemeClr val="tx1"/>
                 </a:solidFill>
@@ -19895,7 +19895,7 @@
               </a14:hiddenLine>
             </a:ext>
             <a:ext uri="{AF507438-7753-43e0-B8FC-AC1667EBCBE1}">
-              <a14:hiddenEffects xmlns:a14="http://schemas.microsoft.com/office/drawing/2010/main" xmlns="">
+              <a14:hiddenEffects xmlns="" xmlns:a14="http://schemas.microsoft.com/office/drawing/2010/main">
                 <a:effectLst>
                   <a:outerShdw blurRad="63500" dist="38099" dir="2700000" algn="ctr" rotWithShape="0">
                     <a:schemeClr val="bg2">
@@ -20945,8 +20945,8 @@
           </a:p>
         </p:txBody>
       </p:sp>
-      <mc:AlternateContent xmlns:mc="http://schemas.openxmlformats.org/markup-compatibility/2006">
-        <mc:Choice xmlns:a14="http://schemas.microsoft.com/office/drawing/2010/main" Requires="a14">
+      <mc:AlternateContent xmlns:mc="http://schemas.openxmlformats.org/markup-compatibility/2006" xmlns:a14="http://schemas.microsoft.com/office/drawing/2010/main">
+        <mc:Choice Requires="a14">
           <p:sp>
             <p:nvSpPr>
               <p:cNvPr id="4" name="TextBox 3">
@@ -21052,7 +21052,7 @@
             </p:txBody>
           </p:sp>
         </mc:Choice>
-        <mc:Fallback>
+        <mc:Fallback xmlns="">
           <p:sp>
             <p:nvSpPr>
               <p:cNvPr id="4" name="TextBox 3">
@@ -21875,7 +21875,7 @@
             <a:effectLst/>
             <a:extLst>
               <a:ext uri="{AF507438-7753-43e0-B8FC-AC1667EBCBE1}">
-                <a14:hiddenEffects xmlns:a14="http://schemas.microsoft.com/office/drawing/2010/main" xmlns="">
+                <a14:hiddenEffects xmlns="" xmlns:a14="http://schemas.microsoft.com/office/drawing/2010/main">
                   <a:effectLst>
                     <a:outerShdw blurRad="63500" dist="38099" dir="2700000" algn="ctr" rotWithShape="0">
                       <a:schemeClr val="bg2">
@@ -21934,7 +21934,7 @@
             <a:effectLst/>
             <a:extLst>
               <a:ext uri="{AF507438-7753-43e0-B8FC-AC1667EBCBE1}">
-                <a14:hiddenEffects xmlns:a14="http://schemas.microsoft.com/office/drawing/2010/main" xmlns="">
+                <a14:hiddenEffects xmlns="" xmlns:a14="http://schemas.microsoft.com/office/drawing/2010/main">
                   <a:effectLst>
                     <a:outerShdw blurRad="63500" dist="38099" dir="2700000" algn="ctr" rotWithShape="0">
                       <a:schemeClr val="bg2">
@@ -21990,7 +21990,7 @@
             <a:effectLst/>
             <a:extLst>
               <a:ext uri="{AF507438-7753-43e0-B8FC-AC1667EBCBE1}">
-                <a14:hiddenEffects xmlns:a14="http://schemas.microsoft.com/office/drawing/2010/main" xmlns="">
+                <a14:hiddenEffects xmlns="" xmlns:a14="http://schemas.microsoft.com/office/drawing/2010/main">
                   <a:effectLst>
                     <a:outerShdw blurRad="63500" dist="38099" dir="2700000" algn="ctr" rotWithShape="0">
                       <a:schemeClr val="bg2">
@@ -22046,12 +22046,12 @@
             <a:effectLst/>
             <a:extLst>
               <a:ext uri="{909E8E84-426E-40dd-AFC4-6F175D3DCCD1}">
-                <a14:hiddenFill xmlns:a14="http://schemas.microsoft.com/office/drawing/2010/main" xmlns="">
+                <a14:hiddenFill xmlns="" xmlns:a14="http://schemas.microsoft.com/office/drawing/2010/main">
                   <a:noFill/>
                 </a14:hiddenFill>
               </a:ext>
               <a:ext uri="{AF507438-7753-43e0-B8FC-AC1667EBCBE1}">
-                <a14:hiddenEffects xmlns:a14="http://schemas.microsoft.com/office/drawing/2010/main" xmlns="">
+                <a14:hiddenEffects xmlns="" xmlns:a14="http://schemas.microsoft.com/office/drawing/2010/main">
                   <a:effectLst>
                     <a:outerShdw blurRad="63500" dist="38099" dir="2700000" algn="ctr" rotWithShape="0">
                       <a:schemeClr val="bg2">
@@ -22094,14 +22094,14 @@
             <a:effectLst/>
             <a:extLst>
               <a:ext uri="{909E8E84-426E-40dd-AFC4-6F175D3DCCD1}">
-                <a14:hiddenFill xmlns:a14="http://schemas.microsoft.com/office/drawing/2010/main" xmlns="">
+                <a14:hiddenFill xmlns="" xmlns:a14="http://schemas.microsoft.com/office/drawing/2010/main">
                   <a:solidFill>
                     <a:schemeClr val="accent1"/>
                   </a:solidFill>
                 </a14:hiddenFill>
               </a:ext>
               <a:ext uri="{91240B29-F687-4f45-9708-019B960494DF}">
-                <a14:hiddenLine xmlns:a14="http://schemas.microsoft.com/office/drawing/2010/main" xmlns="" w="9525">
+                <a14:hiddenLine xmlns="" xmlns:a14="http://schemas.microsoft.com/office/drawing/2010/main" w="9525">
                   <a:solidFill>
                     <a:schemeClr val="tx1"/>
                   </a:solidFill>
@@ -22111,7 +22111,7 @@
                 </a14:hiddenLine>
               </a:ext>
               <a:ext uri="{AF507438-7753-43e0-B8FC-AC1667EBCBE1}">
-                <a14:hiddenEffects xmlns:a14="http://schemas.microsoft.com/office/drawing/2010/main" xmlns="">
+                <a14:hiddenEffects xmlns="" xmlns:a14="http://schemas.microsoft.com/office/drawing/2010/main">
                   <a:effectLst>
                     <a:outerShdw blurRad="63500" dist="38099" dir="2700000" algn="ctr" rotWithShape="0">
                       <a:schemeClr val="bg2">
@@ -22161,14 +22161,14 @@
             <a:effectLst/>
             <a:extLst>
               <a:ext uri="{909E8E84-426E-40dd-AFC4-6F175D3DCCD1}">
-                <a14:hiddenFill xmlns:a14="http://schemas.microsoft.com/office/drawing/2010/main" xmlns="">
+                <a14:hiddenFill xmlns="" xmlns:a14="http://schemas.microsoft.com/office/drawing/2010/main">
                   <a:solidFill>
                     <a:schemeClr val="accent1"/>
                   </a:solidFill>
                 </a14:hiddenFill>
               </a:ext>
               <a:ext uri="{91240B29-F687-4f45-9708-019B960494DF}">
-                <a14:hiddenLine xmlns:a14="http://schemas.microsoft.com/office/drawing/2010/main" xmlns="" w="9525">
+                <a14:hiddenLine xmlns="" xmlns:a14="http://schemas.microsoft.com/office/drawing/2010/main" w="9525">
                   <a:solidFill>
                     <a:schemeClr val="tx1"/>
                   </a:solidFill>
@@ -22178,7 +22178,7 @@
                 </a14:hiddenLine>
               </a:ext>
               <a:ext uri="{AF507438-7753-43e0-B8FC-AC1667EBCBE1}">
-                <a14:hiddenEffects xmlns:a14="http://schemas.microsoft.com/office/drawing/2010/main" xmlns="">
+                <a14:hiddenEffects xmlns="" xmlns:a14="http://schemas.microsoft.com/office/drawing/2010/main">
                   <a:effectLst>
                     <a:outerShdw blurRad="63500" dist="38099" dir="2700000" algn="ctr" rotWithShape="0">
                       <a:schemeClr val="bg2">
@@ -22233,12 +22233,12 @@
             <a:effectLst/>
             <a:extLst>
               <a:ext uri="{909E8E84-426E-40dd-AFC4-6F175D3DCCD1}">
-                <a14:hiddenFill xmlns:a14="http://schemas.microsoft.com/office/drawing/2010/main" xmlns="">
+                <a14:hiddenFill xmlns="" xmlns:a14="http://schemas.microsoft.com/office/drawing/2010/main">
                   <a:noFill/>
                 </a14:hiddenFill>
               </a:ext>
               <a:ext uri="{AF507438-7753-43e0-B8FC-AC1667EBCBE1}">
-                <a14:hiddenEffects xmlns:a14="http://schemas.microsoft.com/office/drawing/2010/main" xmlns="">
+                <a14:hiddenEffects xmlns="" xmlns:a14="http://schemas.microsoft.com/office/drawing/2010/main">
                   <a:effectLst>
                     <a:outerShdw blurRad="63500" dist="38099" dir="2700000" algn="ctr" rotWithShape="0">
                       <a:schemeClr val="bg2">
@@ -22286,12 +22286,12 @@
             <a:effectLst/>
             <a:extLst>
               <a:ext uri="{909E8E84-426E-40dd-AFC4-6F175D3DCCD1}">
-                <a14:hiddenFill xmlns:a14="http://schemas.microsoft.com/office/drawing/2010/main" xmlns="">
+                <a14:hiddenFill xmlns="" xmlns:a14="http://schemas.microsoft.com/office/drawing/2010/main">
                   <a:noFill/>
                 </a14:hiddenFill>
               </a:ext>
               <a:ext uri="{AF507438-7753-43e0-B8FC-AC1667EBCBE1}">
-                <a14:hiddenEffects xmlns:a14="http://schemas.microsoft.com/office/drawing/2010/main" xmlns="">
+                <a14:hiddenEffects xmlns="" xmlns:a14="http://schemas.microsoft.com/office/drawing/2010/main">
                   <a:effectLst>
                     <a:outerShdw blurRad="63500" dist="38099" dir="2700000" algn="ctr" rotWithShape="0">
                       <a:schemeClr val="bg2">
@@ -22339,12 +22339,12 @@
             <a:effectLst/>
             <a:extLst>
               <a:ext uri="{909E8E84-426E-40dd-AFC4-6F175D3DCCD1}">
-                <a14:hiddenFill xmlns:a14="http://schemas.microsoft.com/office/drawing/2010/main" xmlns="">
+                <a14:hiddenFill xmlns="" xmlns:a14="http://schemas.microsoft.com/office/drawing/2010/main">
                   <a:noFill/>
                 </a14:hiddenFill>
               </a:ext>
               <a:ext uri="{AF507438-7753-43e0-B8FC-AC1667EBCBE1}">
-                <a14:hiddenEffects xmlns:a14="http://schemas.microsoft.com/office/drawing/2010/main" xmlns="">
+                <a14:hiddenEffects xmlns="" xmlns:a14="http://schemas.microsoft.com/office/drawing/2010/main">
                   <a:effectLst>
                     <a:outerShdw blurRad="63500" dist="38099" dir="2700000" algn="ctr" rotWithShape="0">
                       <a:schemeClr val="bg2">
@@ -22392,12 +22392,12 @@
             <a:effectLst/>
             <a:extLst>
               <a:ext uri="{909E8E84-426E-40dd-AFC4-6F175D3DCCD1}">
-                <a14:hiddenFill xmlns:a14="http://schemas.microsoft.com/office/drawing/2010/main" xmlns="">
+                <a14:hiddenFill xmlns="" xmlns:a14="http://schemas.microsoft.com/office/drawing/2010/main">
                   <a:noFill/>
                 </a14:hiddenFill>
               </a:ext>
               <a:ext uri="{AF507438-7753-43e0-B8FC-AC1667EBCBE1}">
-                <a14:hiddenEffects xmlns:a14="http://schemas.microsoft.com/office/drawing/2010/main" xmlns="">
+                <a14:hiddenEffects xmlns="" xmlns:a14="http://schemas.microsoft.com/office/drawing/2010/main">
                   <a:effectLst>
                     <a:outerShdw blurRad="63500" dist="38099" dir="2700000" algn="ctr" rotWithShape="0">
                       <a:schemeClr val="bg2">
@@ -22445,12 +22445,12 @@
             <a:effectLst/>
             <a:extLst>
               <a:ext uri="{909E8E84-426E-40dd-AFC4-6F175D3DCCD1}">
-                <a14:hiddenFill xmlns:a14="http://schemas.microsoft.com/office/drawing/2010/main" xmlns="">
+                <a14:hiddenFill xmlns="" xmlns:a14="http://schemas.microsoft.com/office/drawing/2010/main">
                   <a:noFill/>
                 </a14:hiddenFill>
               </a:ext>
               <a:ext uri="{AF507438-7753-43e0-B8FC-AC1667EBCBE1}">
-                <a14:hiddenEffects xmlns:a14="http://schemas.microsoft.com/office/drawing/2010/main" xmlns="">
+                <a14:hiddenEffects xmlns="" xmlns:a14="http://schemas.microsoft.com/office/drawing/2010/main">
                   <a:effectLst>
                     <a:outerShdw blurRad="63500" dist="38099" dir="2700000" algn="ctr" rotWithShape="0">
                       <a:schemeClr val="bg2">
@@ -22493,14 +22493,14 @@
             <a:effectLst/>
             <a:extLst>
               <a:ext uri="{909E8E84-426E-40dd-AFC4-6F175D3DCCD1}">
-                <a14:hiddenFill xmlns:a14="http://schemas.microsoft.com/office/drawing/2010/main" xmlns="">
+                <a14:hiddenFill xmlns="" xmlns:a14="http://schemas.microsoft.com/office/drawing/2010/main">
                   <a:solidFill>
                     <a:schemeClr val="accent1"/>
                   </a:solidFill>
                 </a14:hiddenFill>
               </a:ext>
               <a:ext uri="{91240B29-F687-4f45-9708-019B960494DF}">
-                <a14:hiddenLine xmlns:a14="http://schemas.microsoft.com/office/drawing/2010/main" xmlns="" w="9525">
+                <a14:hiddenLine xmlns="" xmlns:a14="http://schemas.microsoft.com/office/drawing/2010/main" w="9525">
                   <a:solidFill>
                     <a:schemeClr val="tx1"/>
                   </a:solidFill>
@@ -22510,7 +22510,7 @@
                 </a14:hiddenLine>
               </a:ext>
               <a:ext uri="{AF507438-7753-43e0-B8FC-AC1667EBCBE1}">
-                <a14:hiddenEffects xmlns:a14="http://schemas.microsoft.com/office/drawing/2010/main" xmlns="">
+                <a14:hiddenEffects xmlns="" xmlns:a14="http://schemas.microsoft.com/office/drawing/2010/main">
                   <a:effectLst>
                     <a:outerShdw blurRad="63500" dist="38099" dir="2700000" algn="ctr" rotWithShape="0">
                       <a:schemeClr val="bg2">
@@ -22558,14 +22558,14 @@
             <a:effectLst/>
             <a:extLst>
               <a:ext uri="{909E8E84-426E-40dd-AFC4-6F175D3DCCD1}">
-                <a14:hiddenFill xmlns:a14="http://schemas.microsoft.com/office/drawing/2010/main" xmlns="">
+                <a14:hiddenFill xmlns="" xmlns:a14="http://schemas.microsoft.com/office/drawing/2010/main">
                   <a:solidFill>
                     <a:schemeClr val="accent1"/>
                   </a:solidFill>
                 </a14:hiddenFill>
               </a:ext>
               <a:ext uri="{91240B29-F687-4f45-9708-019B960494DF}">
-                <a14:hiddenLine xmlns:a14="http://schemas.microsoft.com/office/drawing/2010/main" xmlns="" w="9525">
+                <a14:hiddenLine xmlns="" xmlns:a14="http://schemas.microsoft.com/office/drawing/2010/main" w="9525">
                   <a:solidFill>
                     <a:schemeClr val="tx1"/>
                   </a:solidFill>
@@ -22575,7 +22575,7 @@
                 </a14:hiddenLine>
               </a:ext>
               <a:ext uri="{AF507438-7753-43e0-B8FC-AC1667EBCBE1}">
-                <a14:hiddenEffects xmlns:a14="http://schemas.microsoft.com/office/drawing/2010/main" xmlns="">
+                <a14:hiddenEffects xmlns="" xmlns:a14="http://schemas.microsoft.com/office/drawing/2010/main">
                   <a:effectLst>
                     <a:outerShdw blurRad="63500" dist="38099" dir="2700000" algn="ctr" rotWithShape="0">
                       <a:schemeClr val="bg2">
@@ -22623,14 +22623,14 @@
             <a:effectLst/>
             <a:extLst>
               <a:ext uri="{909E8E84-426E-40dd-AFC4-6F175D3DCCD1}">
-                <a14:hiddenFill xmlns:a14="http://schemas.microsoft.com/office/drawing/2010/main" xmlns="">
+                <a14:hiddenFill xmlns="" xmlns:a14="http://schemas.microsoft.com/office/drawing/2010/main">
                   <a:solidFill>
                     <a:schemeClr val="accent1"/>
                   </a:solidFill>
                 </a14:hiddenFill>
               </a:ext>
               <a:ext uri="{91240B29-F687-4f45-9708-019B960494DF}">
-                <a14:hiddenLine xmlns:a14="http://schemas.microsoft.com/office/drawing/2010/main" xmlns="" w="9525">
+                <a14:hiddenLine xmlns="" xmlns:a14="http://schemas.microsoft.com/office/drawing/2010/main" w="9525">
                   <a:solidFill>
                     <a:schemeClr val="tx1"/>
                   </a:solidFill>
@@ -22640,7 +22640,7 @@
                 </a14:hiddenLine>
               </a:ext>
               <a:ext uri="{AF507438-7753-43e0-B8FC-AC1667EBCBE1}">
-                <a14:hiddenEffects xmlns:a14="http://schemas.microsoft.com/office/drawing/2010/main" xmlns="">
+                <a14:hiddenEffects xmlns="" xmlns:a14="http://schemas.microsoft.com/office/drawing/2010/main">
                   <a:effectLst>
                     <a:outerShdw blurRad="63500" dist="38099" dir="2700000" algn="ctr" rotWithShape="0">
                       <a:schemeClr val="bg2">
@@ -22688,14 +22688,14 @@
             <a:effectLst/>
             <a:extLst>
               <a:ext uri="{909E8E84-426E-40dd-AFC4-6F175D3DCCD1}">
-                <a14:hiddenFill xmlns:a14="http://schemas.microsoft.com/office/drawing/2010/main" xmlns="">
+                <a14:hiddenFill xmlns="" xmlns:a14="http://schemas.microsoft.com/office/drawing/2010/main">
                   <a:solidFill>
                     <a:schemeClr val="accent1"/>
                   </a:solidFill>
                 </a14:hiddenFill>
               </a:ext>
               <a:ext uri="{91240B29-F687-4f45-9708-019B960494DF}">
-                <a14:hiddenLine xmlns:a14="http://schemas.microsoft.com/office/drawing/2010/main" xmlns="" w="9525">
+                <a14:hiddenLine xmlns="" xmlns:a14="http://schemas.microsoft.com/office/drawing/2010/main" w="9525">
                   <a:solidFill>
                     <a:schemeClr val="tx1"/>
                   </a:solidFill>
@@ -22705,7 +22705,7 @@
                 </a14:hiddenLine>
               </a:ext>
               <a:ext uri="{AF507438-7753-43e0-B8FC-AC1667EBCBE1}">
-                <a14:hiddenEffects xmlns:a14="http://schemas.microsoft.com/office/drawing/2010/main" xmlns="">
+                <a14:hiddenEffects xmlns="" xmlns:a14="http://schemas.microsoft.com/office/drawing/2010/main">
                   <a:effectLst>
                     <a:outerShdw blurRad="63500" dist="38099" dir="2700000" algn="ctr" rotWithShape="0">
                       <a:schemeClr val="bg2">
@@ -22753,14 +22753,14 @@
             <a:effectLst/>
             <a:extLst>
               <a:ext uri="{909E8E84-426E-40dd-AFC4-6F175D3DCCD1}">
-                <a14:hiddenFill xmlns:a14="http://schemas.microsoft.com/office/drawing/2010/main" xmlns="">
+                <a14:hiddenFill xmlns="" xmlns:a14="http://schemas.microsoft.com/office/drawing/2010/main">
                   <a:solidFill>
                     <a:schemeClr val="accent1"/>
                   </a:solidFill>
                 </a14:hiddenFill>
               </a:ext>
               <a:ext uri="{91240B29-F687-4f45-9708-019B960494DF}">
-                <a14:hiddenLine xmlns:a14="http://schemas.microsoft.com/office/drawing/2010/main" xmlns="" w="9525">
+                <a14:hiddenLine xmlns="" xmlns:a14="http://schemas.microsoft.com/office/drawing/2010/main" w="9525">
                   <a:solidFill>
                     <a:schemeClr val="tx1"/>
                   </a:solidFill>
@@ -22770,7 +22770,7 @@
                 </a14:hiddenLine>
               </a:ext>
               <a:ext uri="{AF507438-7753-43e0-B8FC-AC1667EBCBE1}">
-                <a14:hiddenEffects xmlns:a14="http://schemas.microsoft.com/office/drawing/2010/main" xmlns="">
+                <a14:hiddenEffects xmlns="" xmlns:a14="http://schemas.microsoft.com/office/drawing/2010/main">
                   <a:effectLst>
                     <a:outerShdw blurRad="63500" dist="38099" dir="2700000" algn="ctr" rotWithShape="0">
                       <a:schemeClr val="bg2">
@@ -23155,7 +23155,7 @@
             <a:effectLst/>
             <a:extLst>
               <a:ext uri="{AF507438-7753-43e0-B8FC-AC1667EBCBE1}">
-                <a14:hiddenEffects xmlns:a14="http://schemas.microsoft.com/office/drawing/2010/main" xmlns="">
+                <a14:hiddenEffects xmlns="" xmlns:a14="http://schemas.microsoft.com/office/drawing/2010/main">
                   <a:effectLst>
                     <a:outerShdw blurRad="63500" dist="38099" dir="2700000" algn="ctr" rotWithShape="0">
                       <a:schemeClr val="bg2">
@@ -23214,7 +23214,7 @@
             <a:effectLst/>
             <a:extLst>
               <a:ext uri="{AF507438-7753-43e0-B8FC-AC1667EBCBE1}">
-                <a14:hiddenEffects xmlns:a14="http://schemas.microsoft.com/office/drawing/2010/main" xmlns="">
+                <a14:hiddenEffects xmlns="" xmlns:a14="http://schemas.microsoft.com/office/drawing/2010/main">
                   <a:effectLst>
                     <a:outerShdw blurRad="63500" dist="38099" dir="2700000" algn="ctr" rotWithShape="0">
                       <a:schemeClr val="bg2">
@@ -23270,7 +23270,7 @@
             <a:effectLst/>
             <a:extLst>
               <a:ext uri="{AF507438-7753-43e0-B8FC-AC1667EBCBE1}">
-                <a14:hiddenEffects xmlns:a14="http://schemas.microsoft.com/office/drawing/2010/main" xmlns="">
+                <a14:hiddenEffects xmlns="" xmlns:a14="http://schemas.microsoft.com/office/drawing/2010/main">
                   <a:effectLst>
                     <a:outerShdw blurRad="63500" dist="38099" dir="2700000" algn="ctr" rotWithShape="0">
                       <a:schemeClr val="bg2">
@@ -23326,12 +23326,12 @@
             <a:effectLst/>
             <a:extLst>
               <a:ext uri="{909E8E84-426E-40dd-AFC4-6F175D3DCCD1}">
-                <a14:hiddenFill xmlns:a14="http://schemas.microsoft.com/office/drawing/2010/main" xmlns="">
+                <a14:hiddenFill xmlns="" xmlns:a14="http://schemas.microsoft.com/office/drawing/2010/main">
                   <a:noFill/>
                 </a14:hiddenFill>
               </a:ext>
               <a:ext uri="{AF507438-7753-43e0-B8FC-AC1667EBCBE1}">
-                <a14:hiddenEffects xmlns:a14="http://schemas.microsoft.com/office/drawing/2010/main" xmlns="">
+                <a14:hiddenEffects xmlns="" xmlns:a14="http://schemas.microsoft.com/office/drawing/2010/main">
                   <a:effectLst>
                     <a:outerShdw blurRad="63500" dist="38099" dir="2700000" algn="ctr" rotWithShape="0">
                       <a:schemeClr val="bg2">
@@ -23374,14 +23374,14 @@
             <a:effectLst/>
             <a:extLst>
               <a:ext uri="{909E8E84-426E-40dd-AFC4-6F175D3DCCD1}">
-                <a14:hiddenFill xmlns:a14="http://schemas.microsoft.com/office/drawing/2010/main" xmlns="">
+                <a14:hiddenFill xmlns="" xmlns:a14="http://schemas.microsoft.com/office/drawing/2010/main">
                   <a:solidFill>
                     <a:schemeClr val="accent1"/>
                   </a:solidFill>
                 </a14:hiddenFill>
               </a:ext>
               <a:ext uri="{91240B29-F687-4f45-9708-019B960494DF}">
-                <a14:hiddenLine xmlns:a14="http://schemas.microsoft.com/office/drawing/2010/main" xmlns="" w="9525">
+                <a14:hiddenLine xmlns="" xmlns:a14="http://schemas.microsoft.com/office/drawing/2010/main" w="9525">
                   <a:solidFill>
                     <a:schemeClr val="tx1"/>
                   </a:solidFill>
@@ -23391,7 +23391,7 @@
                 </a14:hiddenLine>
               </a:ext>
               <a:ext uri="{AF507438-7753-43e0-B8FC-AC1667EBCBE1}">
-                <a14:hiddenEffects xmlns:a14="http://schemas.microsoft.com/office/drawing/2010/main" xmlns="">
+                <a14:hiddenEffects xmlns="" xmlns:a14="http://schemas.microsoft.com/office/drawing/2010/main">
                   <a:effectLst>
                     <a:outerShdw blurRad="63500" dist="38099" dir="2700000" algn="ctr" rotWithShape="0">
                       <a:schemeClr val="bg2">
@@ -23441,14 +23441,14 @@
             <a:effectLst/>
             <a:extLst>
               <a:ext uri="{909E8E84-426E-40dd-AFC4-6F175D3DCCD1}">
-                <a14:hiddenFill xmlns:a14="http://schemas.microsoft.com/office/drawing/2010/main" xmlns="">
+                <a14:hiddenFill xmlns="" xmlns:a14="http://schemas.microsoft.com/office/drawing/2010/main">
                   <a:solidFill>
                     <a:schemeClr val="accent1"/>
                   </a:solidFill>
                 </a14:hiddenFill>
               </a:ext>
               <a:ext uri="{91240B29-F687-4f45-9708-019B960494DF}">
-                <a14:hiddenLine xmlns:a14="http://schemas.microsoft.com/office/drawing/2010/main" xmlns="" w="9525">
+                <a14:hiddenLine xmlns="" xmlns:a14="http://schemas.microsoft.com/office/drawing/2010/main" w="9525">
                   <a:solidFill>
                     <a:schemeClr val="tx1"/>
                   </a:solidFill>
@@ -23458,7 +23458,7 @@
                 </a14:hiddenLine>
               </a:ext>
               <a:ext uri="{AF507438-7753-43e0-B8FC-AC1667EBCBE1}">
-                <a14:hiddenEffects xmlns:a14="http://schemas.microsoft.com/office/drawing/2010/main" xmlns="">
+                <a14:hiddenEffects xmlns="" xmlns:a14="http://schemas.microsoft.com/office/drawing/2010/main">
                   <a:effectLst>
                     <a:outerShdw blurRad="63500" dist="38099" dir="2700000" algn="ctr" rotWithShape="0">
                       <a:schemeClr val="bg2">
@@ -23513,12 +23513,12 @@
             <a:effectLst/>
             <a:extLst>
               <a:ext uri="{909E8E84-426E-40dd-AFC4-6F175D3DCCD1}">
-                <a14:hiddenFill xmlns:a14="http://schemas.microsoft.com/office/drawing/2010/main" xmlns="">
+                <a14:hiddenFill xmlns="" xmlns:a14="http://schemas.microsoft.com/office/drawing/2010/main">
                   <a:noFill/>
                 </a14:hiddenFill>
               </a:ext>
               <a:ext uri="{AF507438-7753-43e0-B8FC-AC1667EBCBE1}">
-                <a14:hiddenEffects xmlns:a14="http://schemas.microsoft.com/office/drawing/2010/main" xmlns="">
+                <a14:hiddenEffects xmlns="" xmlns:a14="http://schemas.microsoft.com/office/drawing/2010/main">
                   <a:effectLst>
                     <a:outerShdw blurRad="63500" dist="38099" dir="2700000" algn="ctr" rotWithShape="0">
                       <a:schemeClr val="bg2">
@@ -23566,12 +23566,12 @@
             <a:effectLst/>
             <a:extLst>
               <a:ext uri="{909E8E84-426E-40dd-AFC4-6F175D3DCCD1}">
-                <a14:hiddenFill xmlns:a14="http://schemas.microsoft.com/office/drawing/2010/main" xmlns="">
+                <a14:hiddenFill xmlns="" xmlns:a14="http://schemas.microsoft.com/office/drawing/2010/main">
                   <a:noFill/>
                 </a14:hiddenFill>
               </a:ext>
               <a:ext uri="{AF507438-7753-43e0-B8FC-AC1667EBCBE1}">
-                <a14:hiddenEffects xmlns:a14="http://schemas.microsoft.com/office/drawing/2010/main" xmlns="">
+                <a14:hiddenEffects xmlns="" xmlns:a14="http://schemas.microsoft.com/office/drawing/2010/main">
                   <a:effectLst>
                     <a:outerShdw blurRad="63500" dist="38099" dir="2700000" algn="ctr" rotWithShape="0">
                       <a:schemeClr val="bg2">
@@ -23619,12 +23619,12 @@
             <a:effectLst/>
             <a:extLst>
               <a:ext uri="{909E8E84-426E-40dd-AFC4-6F175D3DCCD1}">
-                <a14:hiddenFill xmlns:a14="http://schemas.microsoft.com/office/drawing/2010/main" xmlns="">
+                <a14:hiddenFill xmlns="" xmlns:a14="http://schemas.microsoft.com/office/drawing/2010/main">
                   <a:noFill/>
                 </a14:hiddenFill>
               </a:ext>
               <a:ext uri="{AF507438-7753-43e0-B8FC-AC1667EBCBE1}">
-                <a14:hiddenEffects xmlns:a14="http://schemas.microsoft.com/office/drawing/2010/main" xmlns="">
+                <a14:hiddenEffects xmlns="" xmlns:a14="http://schemas.microsoft.com/office/drawing/2010/main">
                   <a:effectLst>
                     <a:outerShdw blurRad="63500" dist="38099" dir="2700000" algn="ctr" rotWithShape="0">
                       <a:schemeClr val="bg2">
@@ -23672,12 +23672,12 @@
             <a:effectLst/>
             <a:extLst>
               <a:ext uri="{909E8E84-426E-40dd-AFC4-6F175D3DCCD1}">
-                <a14:hiddenFill xmlns:a14="http://schemas.microsoft.com/office/drawing/2010/main" xmlns="">
+                <a14:hiddenFill xmlns="" xmlns:a14="http://schemas.microsoft.com/office/drawing/2010/main">
                   <a:noFill/>
                 </a14:hiddenFill>
               </a:ext>
               <a:ext uri="{AF507438-7753-43e0-B8FC-AC1667EBCBE1}">
-                <a14:hiddenEffects xmlns:a14="http://schemas.microsoft.com/office/drawing/2010/main" xmlns="">
+                <a14:hiddenEffects xmlns="" xmlns:a14="http://schemas.microsoft.com/office/drawing/2010/main">
                   <a:effectLst>
                     <a:outerShdw blurRad="63500" dist="38099" dir="2700000" algn="ctr" rotWithShape="0">
                       <a:schemeClr val="bg2">
@@ -23725,12 +23725,12 @@
             <a:effectLst/>
             <a:extLst>
               <a:ext uri="{909E8E84-426E-40dd-AFC4-6F175D3DCCD1}">
-                <a14:hiddenFill xmlns:a14="http://schemas.microsoft.com/office/drawing/2010/main" xmlns="">
+                <a14:hiddenFill xmlns="" xmlns:a14="http://schemas.microsoft.com/office/drawing/2010/main">
                   <a:noFill/>
                 </a14:hiddenFill>
               </a:ext>
               <a:ext uri="{AF507438-7753-43e0-B8FC-AC1667EBCBE1}">
-                <a14:hiddenEffects xmlns:a14="http://schemas.microsoft.com/office/drawing/2010/main" xmlns="">
+                <a14:hiddenEffects xmlns="" xmlns:a14="http://schemas.microsoft.com/office/drawing/2010/main">
                   <a:effectLst>
                     <a:outerShdw blurRad="63500" dist="38099" dir="2700000" algn="ctr" rotWithShape="0">
                       <a:schemeClr val="bg2">
@@ -23773,14 +23773,14 @@
             <a:effectLst/>
             <a:extLst>
               <a:ext uri="{909E8E84-426E-40dd-AFC4-6F175D3DCCD1}">
-                <a14:hiddenFill xmlns:a14="http://schemas.microsoft.com/office/drawing/2010/main" xmlns="">
+                <a14:hiddenFill xmlns="" xmlns:a14="http://schemas.microsoft.com/office/drawing/2010/main">
                   <a:solidFill>
                     <a:schemeClr val="accent1"/>
                   </a:solidFill>
                 </a14:hiddenFill>
               </a:ext>
               <a:ext uri="{91240B29-F687-4f45-9708-019B960494DF}">
-                <a14:hiddenLine xmlns:a14="http://schemas.microsoft.com/office/drawing/2010/main" xmlns="" w="9525">
+                <a14:hiddenLine xmlns="" xmlns:a14="http://schemas.microsoft.com/office/drawing/2010/main" w="9525">
                   <a:solidFill>
                     <a:schemeClr val="tx1"/>
                   </a:solidFill>
@@ -23790,7 +23790,7 @@
                 </a14:hiddenLine>
               </a:ext>
               <a:ext uri="{AF507438-7753-43e0-B8FC-AC1667EBCBE1}">
-                <a14:hiddenEffects xmlns:a14="http://schemas.microsoft.com/office/drawing/2010/main" xmlns="">
+                <a14:hiddenEffects xmlns="" xmlns:a14="http://schemas.microsoft.com/office/drawing/2010/main">
                   <a:effectLst>
                     <a:outerShdw blurRad="63500" dist="38099" dir="2700000" algn="ctr" rotWithShape="0">
                       <a:schemeClr val="bg2">
@@ -23838,14 +23838,14 @@
             <a:effectLst/>
             <a:extLst>
               <a:ext uri="{909E8E84-426E-40dd-AFC4-6F175D3DCCD1}">
-                <a14:hiddenFill xmlns:a14="http://schemas.microsoft.com/office/drawing/2010/main" xmlns="">
+                <a14:hiddenFill xmlns="" xmlns:a14="http://schemas.microsoft.com/office/drawing/2010/main">
                   <a:solidFill>
                     <a:schemeClr val="accent1"/>
                   </a:solidFill>
                 </a14:hiddenFill>
               </a:ext>
               <a:ext uri="{91240B29-F687-4f45-9708-019B960494DF}">
-                <a14:hiddenLine xmlns:a14="http://schemas.microsoft.com/office/drawing/2010/main" xmlns="" w="9525">
+                <a14:hiddenLine xmlns="" xmlns:a14="http://schemas.microsoft.com/office/drawing/2010/main" w="9525">
                   <a:solidFill>
                     <a:schemeClr val="tx1"/>
                   </a:solidFill>
@@ -23855,7 +23855,7 @@
                 </a14:hiddenLine>
               </a:ext>
               <a:ext uri="{AF507438-7753-43e0-B8FC-AC1667EBCBE1}">
-                <a14:hiddenEffects xmlns:a14="http://schemas.microsoft.com/office/drawing/2010/main" xmlns="">
+                <a14:hiddenEffects xmlns="" xmlns:a14="http://schemas.microsoft.com/office/drawing/2010/main">
                   <a:effectLst>
                     <a:outerShdw blurRad="63500" dist="38099" dir="2700000" algn="ctr" rotWithShape="0">
                       <a:schemeClr val="bg2">
@@ -23903,14 +23903,14 @@
             <a:effectLst/>
             <a:extLst>
               <a:ext uri="{909E8E84-426E-40dd-AFC4-6F175D3DCCD1}">
-                <a14:hiddenFill xmlns:a14="http://schemas.microsoft.com/office/drawing/2010/main" xmlns="">
+                <a14:hiddenFill xmlns="" xmlns:a14="http://schemas.microsoft.com/office/drawing/2010/main">
                   <a:solidFill>
                     <a:schemeClr val="accent1"/>
                   </a:solidFill>
                 </a14:hiddenFill>
               </a:ext>
               <a:ext uri="{91240B29-F687-4f45-9708-019B960494DF}">
-                <a14:hiddenLine xmlns:a14="http://schemas.microsoft.com/office/drawing/2010/main" xmlns="" w="9525">
+                <a14:hiddenLine xmlns="" xmlns:a14="http://schemas.microsoft.com/office/drawing/2010/main" w="9525">
                   <a:solidFill>
                     <a:schemeClr val="tx1"/>
                   </a:solidFill>
@@ -23920,7 +23920,7 @@
                 </a14:hiddenLine>
               </a:ext>
               <a:ext uri="{AF507438-7753-43e0-B8FC-AC1667EBCBE1}">
-                <a14:hiddenEffects xmlns:a14="http://schemas.microsoft.com/office/drawing/2010/main" xmlns="">
+                <a14:hiddenEffects xmlns="" xmlns:a14="http://schemas.microsoft.com/office/drawing/2010/main">
                   <a:effectLst>
                     <a:outerShdw blurRad="63500" dist="38099" dir="2700000" algn="ctr" rotWithShape="0">
                       <a:schemeClr val="bg2">
@@ -23968,14 +23968,14 @@
             <a:effectLst/>
             <a:extLst>
               <a:ext uri="{909E8E84-426E-40dd-AFC4-6F175D3DCCD1}">
-                <a14:hiddenFill xmlns:a14="http://schemas.microsoft.com/office/drawing/2010/main" xmlns="">
+                <a14:hiddenFill xmlns="" xmlns:a14="http://schemas.microsoft.com/office/drawing/2010/main">
                   <a:solidFill>
                     <a:schemeClr val="accent1"/>
                   </a:solidFill>
                 </a14:hiddenFill>
               </a:ext>
               <a:ext uri="{91240B29-F687-4f45-9708-019B960494DF}">
-                <a14:hiddenLine xmlns:a14="http://schemas.microsoft.com/office/drawing/2010/main" xmlns="" w="9525">
+                <a14:hiddenLine xmlns="" xmlns:a14="http://schemas.microsoft.com/office/drawing/2010/main" w="9525">
                   <a:solidFill>
                     <a:schemeClr val="tx1"/>
                   </a:solidFill>
@@ -23985,7 +23985,7 @@
                 </a14:hiddenLine>
               </a:ext>
               <a:ext uri="{AF507438-7753-43e0-B8FC-AC1667EBCBE1}">
-                <a14:hiddenEffects xmlns:a14="http://schemas.microsoft.com/office/drawing/2010/main" xmlns="">
+                <a14:hiddenEffects xmlns="" xmlns:a14="http://schemas.microsoft.com/office/drawing/2010/main">
                   <a:effectLst>
                     <a:outerShdw blurRad="63500" dist="38099" dir="2700000" algn="ctr" rotWithShape="0">
                       <a:schemeClr val="bg2">
@@ -24033,14 +24033,14 @@
             <a:effectLst/>
             <a:extLst>
               <a:ext uri="{909E8E84-426E-40dd-AFC4-6F175D3DCCD1}">
-                <a14:hiddenFill xmlns:a14="http://schemas.microsoft.com/office/drawing/2010/main" xmlns="">
+                <a14:hiddenFill xmlns="" xmlns:a14="http://schemas.microsoft.com/office/drawing/2010/main">
                   <a:solidFill>
                     <a:schemeClr val="accent1"/>
                   </a:solidFill>
                 </a14:hiddenFill>
               </a:ext>
               <a:ext uri="{91240B29-F687-4f45-9708-019B960494DF}">
-                <a14:hiddenLine xmlns:a14="http://schemas.microsoft.com/office/drawing/2010/main" xmlns="" w="9525">
+                <a14:hiddenLine xmlns="" xmlns:a14="http://schemas.microsoft.com/office/drawing/2010/main" w="9525">
                   <a:solidFill>
                     <a:schemeClr val="tx1"/>
                   </a:solidFill>
@@ -24050,7 +24050,7 @@
                 </a14:hiddenLine>
               </a:ext>
               <a:ext uri="{AF507438-7753-43e0-B8FC-AC1667EBCBE1}">
-                <a14:hiddenEffects xmlns:a14="http://schemas.microsoft.com/office/drawing/2010/main" xmlns="">
+                <a14:hiddenEffects xmlns="" xmlns:a14="http://schemas.microsoft.com/office/drawing/2010/main">
                   <a:effectLst>
                     <a:outerShdw blurRad="63500" dist="38099" dir="2700000" algn="ctr" rotWithShape="0">
                       <a:schemeClr val="bg2">
@@ -25621,12 +25621,12 @@
           <a:effectLst/>
           <a:extLst>
             <a:ext uri="{909E8E84-426E-40dd-AFC4-6F175D3DCCD1}">
-              <a14:hiddenFill xmlns="" xmlns:a14="http://schemas.microsoft.com/office/drawing/2010/main">
+              <a14:hiddenFill xmlns:a14="http://schemas.microsoft.com/office/drawing/2010/main" xmlns="">
                 <a:noFill/>
               </a14:hiddenFill>
             </a:ext>
             <a:ext uri="{AF507438-7753-43e0-B8FC-AC1667EBCBE1}">
-              <a14:hiddenEffects xmlns="" xmlns:a14="http://schemas.microsoft.com/office/drawing/2010/main">
+              <a14:hiddenEffects xmlns:a14="http://schemas.microsoft.com/office/drawing/2010/main" xmlns="">
                 <a:effectLst>
                   <a:outerShdw blurRad="63500" dist="38099" dir="2700000" algn="ctr" rotWithShape="0">
                     <a:schemeClr val="bg2">
@@ -25759,12 +25759,12 @@
           <a:effectLst/>
           <a:extLst>
             <a:ext uri="{909E8E84-426E-40dd-AFC4-6F175D3DCCD1}">
-              <a14:hiddenFill xmlns="" xmlns:a14="http://schemas.microsoft.com/office/drawing/2010/main">
+              <a14:hiddenFill xmlns:a14="http://schemas.microsoft.com/office/drawing/2010/main" xmlns="">
                 <a:noFill/>
               </a14:hiddenFill>
             </a:ext>
             <a:ext uri="{AF507438-7753-43e0-B8FC-AC1667EBCBE1}">
-              <a14:hiddenEffects xmlns="" xmlns:a14="http://schemas.microsoft.com/office/drawing/2010/main">
+              <a14:hiddenEffects xmlns:a14="http://schemas.microsoft.com/office/drawing/2010/main" xmlns="">
                 <a:effectLst>
                   <a:outerShdw blurRad="63500" dist="38099" dir="2700000" algn="ctr" rotWithShape="0">
                     <a:schemeClr val="bg2">
@@ -30225,7 +30225,7 @@
             </a:r>
             <a:r>
               <a:rPr lang="en-US" sz="2800" dirty="0"/>
-              <a:t> in an undirected graph G = (V, E) is a subset V’ ⊆ V of vertices that are fully connected, i.e. every vertex in V’ is connected to every other vertex in V’</a:t>
+              <a:t> in an undirected graph G = (V, E) is a subset V’ ⊆ V of vertices that are fully connected, i.e., every vertex in V’ is connected to every other vertex in V’</a:t>
             </a:r>
           </a:p>
           <a:p>
